--- a/Presentation.pptx
+++ b/Presentation.pptx
@@ -16,6 +16,16 @@
     <p:sldId id="264" r:id="rId10"/>
     <p:sldId id="265" r:id="rId11"/>
     <p:sldId id="266" r:id="rId12"/>
+    <p:sldId id="267" r:id="rId13"/>
+    <p:sldId id="276" r:id="rId14"/>
+    <p:sldId id="277" r:id="rId15"/>
+    <p:sldId id="278" r:id="rId16"/>
+    <p:sldId id="279" r:id="rId17"/>
+    <p:sldId id="280" r:id="rId18"/>
+    <p:sldId id="281" r:id="rId19"/>
+    <p:sldId id="282" r:id="rId20"/>
+    <p:sldId id="283" r:id="rId21"/>
+    <p:sldId id="284" r:id="rId22"/>
   </p:sldIdLst>
   <p:sldSz cx="12192000" cy="6858000"/>
   <p:notesSz cx="6858000" cy="9144000"/>
@@ -308,7 +318,7 @@
           <a:p>
             <a:fld id="{4AAD347D-5ACD-4C99-B74B-A9C85AD731AF}" type="datetimeFigureOut">
               <a:rPr lang="en-US" dirty="0"/>
-              <a:t>9/23/2022</a:t>
+              <a:t>9/25/2022</a:t>
             </a:fld>
             <a:endParaRPr lang="en-US" dirty="0"/>
           </a:p>
@@ -578,7 +588,7 @@
           <a:p>
             <a:fld id="{4509A250-FF31-4206-8172-F9D3106AACB1}" type="datetimeFigureOut">
               <a:rPr lang="en-US" dirty="0"/>
-              <a:t>9/23/2022</a:t>
+              <a:t>9/25/2022</a:t>
             </a:fld>
             <a:endParaRPr lang="en-US" dirty="0"/>
           </a:p>
@@ -767,7 +777,7 @@
           <a:p>
             <a:fld id="{4509A250-FF31-4206-8172-F9D3106AACB1}" type="datetimeFigureOut">
               <a:rPr lang="en-US" dirty="0"/>
-              <a:t>9/23/2022</a:t>
+              <a:t>9/25/2022</a:t>
             </a:fld>
             <a:endParaRPr lang="en-US" dirty="0"/>
           </a:p>
@@ -1035,7 +1045,7 @@
           <a:p>
             <a:fld id="{4509A250-FF31-4206-8172-F9D3106AACB1}" type="datetimeFigureOut">
               <a:rPr lang="en-US" dirty="0"/>
-              <a:t>9/23/2022</a:t>
+              <a:t>9/25/2022</a:t>
             </a:fld>
             <a:endParaRPr lang="en-US" dirty="0"/>
           </a:p>
@@ -1371,7 +1381,7 @@
           <a:p>
             <a:fld id="{4509A250-FF31-4206-8172-F9D3106AACB1}" type="datetimeFigureOut">
               <a:rPr lang="en-US" dirty="0"/>
-              <a:t>9/23/2022</a:t>
+              <a:t>9/25/2022</a:t>
             </a:fld>
             <a:endParaRPr lang="en-US" dirty="0"/>
           </a:p>
@@ -1989,7 +1999,7 @@
           <a:p>
             <a:fld id="{4509A250-FF31-4206-8172-F9D3106AACB1}" type="datetimeFigureOut">
               <a:rPr lang="en-US" dirty="0"/>
-              <a:t>9/23/2022</a:t>
+              <a:t>9/25/2022</a:t>
             </a:fld>
             <a:endParaRPr lang="en-US" dirty="0"/>
           </a:p>
@@ -2844,7 +2854,7 @@
           <a:p>
             <a:fld id="{4509A250-FF31-4206-8172-F9D3106AACB1}" type="datetimeFigureOut">
               <a:rPr lang="en-US" dirty="0"/>
-              <a:t>9/23/2022</a:t>
+              <a:t>9/25/2022</a:t>
             </a:fld>
             <a:endParaRPr lang="en-US" dirty="0"/>
           </a:p>
@@ -3009,7 +3019,7 @@
           <a:p>
             <a:fld id="{4509A250-FF31-4206-8172-F9D3106AACB1}" type="datetimeFigureOut">
               <a:rPr lang="en-US" dirty="0"/>
-              <a:t>9/23/2022</a:t>
+              <a:t>9/25/2022</a:t>
             </a:fld>
             <a:endParaRPr lang="en-US" dirty="0"/>
           </a:p>
@@ -3184,7 +3194,7 @@
           <a:p>
             <a:fld id="{4509A250-FF31-4206-8172-F9D3106AACB1}" type="datetimeFigureOut">
               <a:rPr lang="en-US" dirty="0"/>
-              <a:t>9/23/2022</a:t>
+              <a:t>9/25/2022</a:t>
             </a:fld>
             <a:endParaRPr lang="en-US" dirty="0"/>
           </a:p>
@@ -3349,7 +3359,7 @@
           <a:p>
             <a:fld id="{4509A250-FF31-4206-8172-F9D3106AACB1}" type="datetimeFigureOut">
               <a:rPr lang="en-US" dirty="0"/>
-              <a:t>9/23/2022</a:t>
+              <a:t>9/25/2022</a:t>
             </a:fld>
             <a:endParaRPr lang="en-US" dirty="0"/>
           </a:p>
@@ -3591,7 +3601,7 @@
           <a:p>
             <a:fld id="{9796027F-7875-4030-9381-8BD8C4F21935}" type="datetimeFigureOut">
               <a:rPr lang="en-US" dirty="0"/>
-              <a:t>9/23/2022</a:t>
+              <a:t>9/25/2022</a:t>
             </a:fld>
             <a:endParaRPr lang="en-US" dirty="0"/>
           </a:p>
@@ -3878,7 +3888,7 @@
           <a:p>
             <a:fld id="{9796027F-7875-4030-9381-8BD8C4F21935}" type="datetimeFigureOut">
               <a:rPr lang="en-US" dirty="0"/>
-              <a:t>9/23/2022</a:t>
+              <a:t>9/25/2022</a:t>
             </a:fld>
             <a:endParaRPr lang="en-US" dirty="0"/>
           </a:p>
@@ -4317,7 +4327,7 @@
           <a:p>
             <a:fld id="{9796027F-7875-4030-9381-8BD8C4F21935}" type="datetimeFigureOut">
               <a:rPr lang="en-US" dirty="0"/>
-              <a:t>9/23/2022</a:t>
+              <a:t>9/25/2022</a:t>
             </a:fld>
             <a:endParaRPr lang="en-US" dirty="0"/>
           </a:p>
@@ -4430,7 +4440,7 @@
           <a:p>
             <a:fld id="{4509A250-FF31-4206-8172-F9D3106AACB1}" type="datetimeFigureOut">
               <a:rPr lang="en-US" dirty="0"/>
-              <a:t>9/23/2022</a:t>
+              <a:t>9/25/2022</a:t>
             </a:fld>
             <a:endParaRPr lang="en-US" dirty="0"/>
           </a:p>
@@ -4520,7 +4530,7 @@
           <a:p>
             <a:fld id="{4509A250-FF31-4206-8172-F9D3106AACB1}" type="datetimeFigureOut">
               <a:rPr lang="en-US" dirty="0"/>
-              <a:t>9/23/2022</a:t>
+              <a:t>9/25/2022</a:t>
             </a:fld>
             <a:endParaRPr lang="en-US" dirty="0"/>
           </a:p>
@@ -4794,7 +4804,7 @@
           <a:p>
             <a:fld id="{4509A250-FF31-4206-8172-F9D3106AACB1}" type="datetimeFigureOut">
               <a:rPr lang="en-US" dirty="0"/>
-              <a:t>9/23/2022</a:t>
+              <a:t>9/25/2022</a:t>
             </a:fld>
             <a:endParaRPr lang="en-US" dirty="0"/>
           </a:p>
@@ -5064,7 +5074,7 @@
           <a:p>
             <a:fld id="{4509A250-FF31-4206-8172-F9D3106AACB1}" type="datetimeFigureOut">
               <a:rPr lang="en-US" dirty="0"/>
-              <a:t>9/23/2022</a:t>
+              <a:t>9/25/2022</a:t>
             </a:fld>
             <a:endParaRPr lang="en-US" dirty="0"/>
           </a:p>
@@ -5488,7 +5498,7 @@
           <a:p>
             <a:fld id="{4AAD347D-5ACD-4C99-B74B-A9C85AD731AF}" type="datetimeFigureOut">
               <a:rPr lang="en-US" dirty="0"/>
-              <a:t>9/23/2022</a:t>
+              <a:t>9/25/2022</a:t>
             </a:fld>
             <a:endParaRPr lang="en-US" dirty="0"/>
           </a:p>
@@ -6235,13 +6245,6 @@
   <p:clrMapOvr>
     <a:masterClrMapping/>
   </p:clrMapOvr>
-  <p:timing>
-    <p:tnLst>
-      <p:par>
-        <p:cTn id="1" dur="indefinite" restart="never" nodeType="tmRoot"/>
-      </p:par>
-    </p:tnLst>
-  </p:timing>
 </p:sld>
 </file>
 
@@ -6353,18 +6356,17 @@
           <a:lstStyle/>
           <a:p>
             <a:r>
-              <a:rPr lang="fr-FR" dirty="0" smtClean="0"/>
+              <a:rPr lang="fr-FR" dirty="0"/>
               <a:t>Flexibilité</a:t>
             </a:r>
             <a:r>
-              <a:rPr lang="en-US" dirty="0" smtClean="0"/>
+              <a:rPr lang="en-US" dirty="0"/>
               <a:t> ,</a:t>
             </a:r>
             <a:r>
-              <a:rPr lang="fr-FR" dirty="0" smtClean="0"/>
+              <a:rPr lang="fr-FR" dirty="0"/>
               <a:t>Sécurité</a:t>
             </a:r>
-            <a:endParaRPr lang="fr-FR" dirty="0"/>
           </a:p>
         </p:txBody>
       </p:sp>
@@ -6378,25 +6380,18 @@
   <p:clrMapOvr>
     <a:masterClrMapping/>
   </p:clrMapOvr>
-  <mc:AlternateContent xmlns:mc="http://schemas.openxmlformats.org/markup-compatibility/2006">
-    <mc:Choice xmlns:p15="http://schemas.microsoft.com/office/powerpoint/2012/main" Requires="p15">
+  <mc:AlternateContent xmlns:mc="http://schemas.openxmlformats.org/markup-compatibility/2006" xmlns:p15="http://schemas.microsoft.com/office/powerpoint/2012/main">
+    <mc:Choice Requires="p15">
       <p:transition xmlns:p14="http://schemas.microsoft.com/office/powerpoint/2010/main" spd="slow" p14:dur="2000">
         <p15:prstTrans prst="crush"/>
       </p:transition>
     </mc:Choice>
-    <mc:Fallback>
+    <mc:Fallback xmlns="" xmlns:a="http://schemas.openxmlformats.org/drawingml/2006/main" xmlns:r="http://schemas.openxmlformats.org/officeDocument/2006/relationships" xmlns:p="http://schemas.openxmlformats.org/presentationml/2006/main">
       <p:transition spd="slow">
         <p:fade/>
       </p:transition>
     </mc:Fallback>
   </mc:AlternateContent>
-  <p:timing>
-    <p:tnLst>
-      <p:par>
-        <p:cTn id="1" dur="indefinite" restart="never" nodeType="tmRoot"/>
-      </p:par>
-    </p:tnLst>
-  </p:timing>
 </p:sld>
 </file>
 
@@ -6458,14 +6453,14 @@
           <p:nvPr>
             <p:extLst>
               <p:ext uri="{D42A27DB-BD31-4B8C-83A1-F6EECF244321}">
-                <p14:modId xmlns:p14="http://schemas.microsoft.com/office/powerpoint/2010/main" val="1665373887"/>
+                <p14:modId xmlns:p14="http://schemas.microsoft.com/office/powerpoint/2010/main" val="3531603108"/>
               </p:ext>
             </p:extLst>
           </p:nvPr>
         </p:nvGraphicFramePr>
         <p:xfrm>
-          <a:off x="1589931" y="2336278"/>
-          <a:ext cx="8063348" cy="3720135"/>
+          <a:off x="1603184" y="1568932"/>
+          <a:ext cx="8063348" cy="3968144"/>
         </p:xfrm>
         <a:graphic>
           <a:graphicData uri="http://purl.oclc.org/ooxml/drawingml/table">
@@ -6576,12 +6571,12 @@
                         </a:spcAft>
                       </a:pPr>
                       <a:r>
-                        <a:rPr lang="fr-FR" sz="1600">
+                        <a:rPr lang="fr-FR" sz="1600" dirty="0">
                           <a:effectLst/>
                         </a:rPr>
                         <a:t>Type</a:t>
                       </a:r>
-                      <a:endParaRPr lang="en-US" sz="1100">
+                      <a:endParaRPr lang="en-US" sz="1100" dirty="0">
                         <a:effectLst/>
                         <a:latin typeface="Calibri" panose="020F0502020204030204" pitchFamily="34" charset="0"/>
                         <a:ea typeface="Calibri" panose="020F0502020204030204" pitchFamily="34" charset="0"/>
@@ -6605,12 +6600,12 @@
                         </a:spcAft>
                       </a:pPr>
                       <a:r>
-                        <a:rPr lang="fr-FR" sz="1600">
+                        <a:rPr lang="fr-FR" sz="1600" dirty="0">
                           <a:effectLst/>
                         </a:rPr>
                         <a:t>Taille</a:t>
                       </a:r>
-                      <a:endParaRPr lang="en-US" sz="1100">
+                      <a:endParaRPr lang="en-US" sz="1100" dirty="0">
                         <a:effectLst/>
                         <a:latin typeface="Calibri" panose="020F0502020204030204" pitchFamily="34" charset="0"/>
                         <a:ea typeface="Calibri" panose="020F0502020204030204" pitchFamily="34" charset="0"/>
@@ -6670,12 +6665,12 @@
                         </a:spcAft>
                       </a:pPr>
                       <a:r>
-                        <a:rPr lang="fr-FR" sz="1600">
+                        <a:rPr lang="fr-FR" sz="1600" dirty="0">
                           <a:effectLst/>
                         </a:rPr>
                         <a:t>NomEn</a:t>
                       </a:r>
-                      <a:endParaRPr lang="en-US" sz="1100">
+                      <a:endParaRPr lang="en-US" sz="1100" dirty="0">
                         <a:effectLst/>
                         <a:latin typeface="Calibri" panose="020F0502020204030204" pitchFamily="34" charset="0"/>
                         <a:ea typeface="Calibri" panose="020F0502020204030204" pitchFamily="34" charset="0"/>
@@ -6699,12 +6694,12 @@
                         </a:spcAft>
                       </a:pPr>
                       <a:r>
-                        <a:rPr lang="fr-FR" sz="1600">
+                        <a:rPr lang="fr-FR" sz="1600" dirty="0">
                           <a:effectLst/>
                         </a:rPr>
                         <a:t>A</a:t>
                       </a:r>
-                      <a:endParaRPr lang="en-US" sz="1100">
+                      <a:endParaRPr lang="en-US" sz="1100" dirty="0">
                         <a:effectLst/>
                         <a:latin typeface="Calibri" panose="020F0502020204030204" pitchFamily="34" charset="0"/>
                         <a:ea typeface="Calibri" panose="020F0502020204030204" pitchFamily="34" charset="0"/>
@@ -6728,12 +6723,12 @@
                         </a:spcAft>
                       </a:pPr>
                       <a:r>
-                        <a:rPr lang="fr-FR" sz="1600">
+                        <a:rPr lang="fr-FR" sz="1600" dirty="0">
                           <a:effectLst/>
                         </a:rPr>
                         <a:t>20</a:t>
                       </a:r>
-                      <a:endParaRPr lang="en-US" sz="1100">
+                      <a:endParaRPr lang="en-US" sz="1100" dirty="0">
                         <a:effectLst/>
                         <a:latin typeface="Calibri" panose="020F0502020204030204" pitchFamily="34" charset="0"/>
                         <a:ea typeface="Calibri" panose="020F0502020204030204" pitchFamily="34" charset="0"/>
@@ -6793,12 +6788,12 @@
                         </a:spcAft>
                       </a:pPr>
                       <a:r>
-                        <a:rPr lang="fr-FR" sz="1600">
+                        <a:rPr lang="fr-FR" sz="1600" dirty="0">
                           <a:effectLst/>
                         </a:rPr>
                         <a:t>PrenomEn</a:t>
                       </a:r>
-                      <a:endParaRPr lang="en-US" sz="1100">
+                      <a:endParaRPr lang="en-US" sz="1100" dirty="0">
                         <a:effectLst/>
                         <a:latin typeface="Calibri" panose="020F0502020204030204" pitchFamily="34" charset="0"/>
                         <a:ea typeface="Calibri" panose="020F0502020204030204" pitchFamily="34" charset="0"/>
@@ -6822,12 +6817,12 @@
                         </a:spcAft>
                       </a:pPr>
                       <a:r>
-                        <a:rPr lang="fr-FR" sz="1600">
+                        <a:rPr lang="fr-FR" sz="1600" dirty="0">
                           <a:effectLst/>
                         </a:rPr>
                         <a:t>A</a:t>
                       </a:r>
-                      <a:endParaRPr lang="en-US" sz="1100">
+                      <a:endParaRPr lang="en-US" sz="1100" dirty="0">
                         <a:effectLst/>
                         <a:latin typeface="Calibri" panose="020F0502020204030204" pitchFamily="34" charset="0"/>
                         <a:ea typeface="Calibri" panose="020F0502020204030204" pitchFamily="34" charset="0"/>
@@ -6851,12 +6846,12 @@
                         </a:spcAft>
                       </a:pPr>
                       <a:r>
-                        <a:rPr lang="fr-FR" sz="1600">
+                        <a:rPr lang="fr-FR" sz="1600" dirty="0">
                           <a:effectLst/>
                         </a:rPr>
                         <a:t>20</a:t>
                       </a:r>
-                      <a:endParaRPr lang="en-US" sz="1100">
+                      <a:endParaRPr lang="en-US" sz="1100" dirty="0">
                         <a:effectLst/>
                         <a:latin typeface="Calibri" panose="020F0502020204030204" pitchFamily="34" charset="0"/>
                         <a:ea typeface="Calibri" panose="020F0502020204030204" pitchFamily="34" charset="0"/>
@@ -6887,12 +6882,12 @@
                         </a:spcAft>
                       </a:pPr>
                       <a:r>
-                        <a:rPr lang="fr-FR" sz="1600">
+                        <a:rPr lang="fr-FR" sz="1600" dirty="0">
                           <a:effectLst/>
                         </a:rPr>
                         <a:t>Grade</a:t>
                       </a:r>
-                      <a:endParaRPr lang="en-US" sz="1100">
+                      <a:endParaRPr lang="en-US" sz="1100" dirty="0">
                         <a:effectLst/>
                         <a:latin typeface="Calibri" panose="020F0502020204030204" pitchFamily="34" charset="0"/>
                         <a:ea typeface="Calibri" panose="020F0502020204030204" pitchFamily="34" charset="0"/>
@@ -6916,12 +6911,12 @@
                         </a:spcAft>
                       </a:pPr>
                       <a:r>
-                        <a:rPr lang="fr-FR" sz="1600">
+                        <a:rPr lang="fr-FR" sz="1600" dirty="0">
                           <a:effectLst/>
                         </a:rPr>
                         <a:t>GradeFn</a:t>
                       </a:r>
-                      <a:endParaRPr lang="en-US" sz="1100">
+                      <a:endParaRPr lang="en-US" sz="1100" dirty="0">
                         <a:effectLst/>
                         <a:latin typeface="Calibri" panose="020F0502020204030204" pitchFamily="34" charset="0"/>
                         <a:ea typeface="Calibri" panose="020F0502020204030204" pitchFamily="34" charset="0"/>
@@ -6945,12 +6940,12 @@
                         </a:spcAft>
                       </a:pPr>
                       <a:r>
-                        <a:rPr lang="fr-FR" sz="1600">
+                        <a:rPr lang="fr-FR" sz="1600" dirty="0">
                           <a:effectLst/>
                         </a:rPr>
                         <a:t>A</a:t>
                       </a:r>
-                      <a:endParaRPr lang="en-US" sz="1100">
+                      <a:endParaRPr lang="en-US" sz="1100" dirty="0">
                         <a:effectLst/>
                         <a:latin typeface="Calibri" panose="020F0502020204030204" pitchFamily="34" charset="0"/>
                         <a:ea typeface="Calibri" panose="020F0502020204030204" pitchFamily="34" charset="0"/>
@@ -6974,12 +6969,12 @@
                         </a:spcAft>
                       </a:pPr>
                       <a:r>
-                        <a:rPr lang="fr-FR" sz="1600">
+                        <a:rPr lang="fr-FR" sz="1600" dirty="0">
                           <a:effectLst/>
                         </a:rPr>
                         <a:t>20</a:t>
                       </a:r>
-                      <a:endParaRPr lang="en-US" sz="1100">
+                      <a:endParaRPr lang="en-US" sz="1100" dirty="0">
                         <a:effectLst/>
                         <a:latin typeface="Calibri" panose="020F0502020204030204" pitchFamily="34" charset="0"/>
                         <a:ea typeface="Calibri" panose="020F0502020204030204" pitchFamily="34" charset="0"/>
@@ -7010,12 +7005,12 @@
                         </a:spcAft>
                       </a:pPr>
                       <a:r>
-                        <a:rPr lang="fr-FR" sz="1600">
+                        <a:rPr lang="fr-FR" sz="1600" dirty="0">
                           <a:effectLst/>
                         </a:rPr>
                         <a:t>La Matière de l’enseignant</a:t>
                       </a:r>
-                      <a:endParaRPr lang="en-US" sz="1100">
+                      <a:endParaRPr lang="en-US" sz="1100" dirty="0">
                         <a:effectLst/>
                         <a:latin typeface="Calibri" panose="020F0502020204030204" pitchFamily="34" charset="0"/>
                         <a:ea typeface="Calibri" panose="020F0502020204030204" pitchFamily="34" charset="0"/>
@@ -7039,12 +7034,12 @@
                         </a:spcAft>
                       </a:pPr>
                       <a:r>
-                        <a:rPr lang="fr-FR" sz="1600">
+                        <a:rPr lang="fr-FR" sz="1600" dirty="0">
                           <a:effectLst/>
                         </a:rPr>
                         <a:t>MatiereEn</a:t>
                       </a:r>
-                      <a:endParaRPr lang="en-US" sz="1100">
+                      <a:endParaRPr lang="en-US" sz="1100" dirty="0">
                         <a:effectLst/>
                         <a:latin typeface="Calibri" panose="020F0502020204030204" pitchFamily="34" charset="0"/>
                         <a:ea typeface="Calibri" panose="020F0502020204030204" pitchFamily="34" charset="0"/>
@@ -7068,12 +7063,12 @@
                         </a:spcAft>
                       </a:pPr>
                       <a:r>
-                        <a:rPr lang="fr-FR" sz="1600">
+                        <a:rPr lang="fr-FR" sz="1600" dirty="0">
                           <a:effectLst/>
                         </a:rPr>
                         <a:t>A</a:t>
                       </a:r>
-                      <a:endParaRPr lang="en-US" sz="1100">
+                      <a:endParaRPr lang="en-US" sz="1100" dirty="0">
                         <a:effectLst/>
                         <a:latin typeface="Calibri" panose="020F0502020204030204" pitchFamily="34" charset="0"/>
                         <a:ea typeface="Calibri" panose="020F0502020204030204" pitchFamily="34" charset="0"/>
@@ -7097,12 +7092,12 @@
                         </a:spcAft>
                       </a:pPr>
                       <a:r>
-                        <a:rPr lang="fr-FR" sz="1600">
+                        <a:rPr lang="fr-FR" sz="1600" dirty="0">
                           <a:effectLst/>
                         </a:rPr>
                         <a:t>20</a:t>
                       </a:r>
-                      <a:endParaRPr lang="en-US" sz="1100">
+                      <a:endParaRPr lang="en-US" sz="1100" dirty="0">
                         <a:effectLst/>
                         <a:latin typeface="Calibri" panose="020F0502020204030204" pitchFamily="34" charset="0"/>
                         <a:ea typeface="Calibri" panose="020F0502020204030204" pitchFamily="34" charset="0"/>
@@ -7133,12 +7128,12 @@
                         </a:spcAft>
                       </a:pPr>
                       <a:r>
-                        <a:rPr lang="fr-FR" sz="1600">
+                        <a:rPr lang="fr-FR" sz="1600" dirty="0">
                           <a:effectLst/>
                         </a:rPr>
                         <a:t>Nom de l’étudiant</a:t>
                       </a:r>
-                      <a:endParaRPr lang="en-US" sz="1100">
+                      <a:endParaRPr lang="en-US" sz="1100" dirty="0">
                         <a:effectLst/>
                         <a:latin typeface="Calibri" panose="020F0502020204030204" pitchFamily="34" charset="0"/>
                         <a:ea typeface="Calibri" panose="020F0502020204030204" pitchFamily="34" charset="0"/>
@@ -7162,12 +7157,12 @@
                         </a:spcAft>
                       </a:pPr>
                       <a:r>
-                        <a:rPr lang="fr-FR" sz="1600">
+                        <a:rPr lang="fr-FR" sz="1600" dirty="0">
                           <a:effectLst/>
                         </a:rPr>
                         <a:t>NomE</a:t>
                       </a:r>
-                      <a:endParaRPr lang="en-US" sz="1100">
+                      <a:endParaRPr lang="en-US" sz="1100" dirty="0">
                         <a:effectLst/>
                         <a:latin typeface="Calibri" panose="020F0502020204030204" pitchFamily="34" charset="0"/>
                         <a:ea typeface="Calibri" panose="020F0502020204030204" pitchFamily="34" charset="0"/>
@@ -7191,12 +7186,12 @@
                         </a:spcAft>
                       </a:pPr>
                       <a:r>
-                        <a:rPr lang="fr-FR" sz="1600">
+                        <a:rPr lang="fr-FR" sz="1600" dirty="0">
                           <a:effectLst/>
                         </a:rPr>
                         <a:t>A</a:t>
                       </a:r>
-                      <a:endParaRPr lang="en-US" sz="1100">
+                      <a:endParaRPr lang="en-US" sz="1100" dirty="0">
                         <a:effectLst/>
                         <a:latin typeface="Calibri" panose="020F0502020204030204" pitchFamily="34" charset="0"/>
                         <a:ea typeface="Calibri" panose="020F0502020204030204" pitchFamily="34" charset="0"/>
@@ -7220,12 +7215,12 @@
                         </a:spcAft>
                       </a:pPr>
                       <a:r>
-                        <a:rPr lang="fr-FR" sz="1600">
+                        <a:rPr lang="fr-FR" sz="1600" dirty="0">
                           <a:effectLst/>
                         </a:rPr>
                         <a:t>20</a:t>
                       </a:r>
-                      <a:endParaRPr lang="en-US" sz="1100">
+                      <a:endParaRPr lang="en-US" sz="1100" dirty="0">
                         <a:effectLst/>
                         <a:latin typeface="Calibri" panose="020F0502020204030204" pitchFamily="34" charset="0"/>
                         <a:ea typeface="Calibri" panose="020F0502020204030204" pitchFamily="34" charset="0"/>
@@ -7285,12 +7280,12 @@
                         </a:spcAft>
                       </a:pPr>
                       <a:r>
-                        <a:rPr lang="fr-FR" sz="1600">
+                        <a:rPr lang="fr-FR" sz="1600" dirty="0">
                           <a:effectLst/>
                         </a:rPr>
                         <a:t>PrenomE</a:t>
                       </a:r>
-                      <a:endParaRPr lang="en-US" sz="1100">
+                      <a:endParaRPr lang="en-US" sz="1100" dirty="0">
                         <a:effectLst/>
                         <a:latin typeface="Calibri" panose="020F0502020204030204" pitchFamily="34" charset="0"/>
                         <a:ea typeface="Calibri" panose="020F0502020204030204" pitchFamily="34" charset="0"/>
@@ -7314,12 +7309,12 @@
                         </a:spcAft>
                       </a:pPr>
                       <a:r>
-                        <a:rPr lang="fr-FR" sz="1600">
+                        <a:rPr lang="fr-FR" sz="1600" dirty="0">
                           <a:effectLst/>
                         </a:rPr>
                         <a:t>A</a:t>
                       </a:r>
-                      <a:endParaRPr lang="en-US" sz="1100">
+                      <a:endParaRPr lang="en-US" sz="1100" dirty="0">
                         <a:effectLst/>
                         <a:latin typeface="Calibri" panose="020F0502020204030204" pitchFamily="34" charset="0"/>
                         <a:ea typeface="Calibri" panose="020F0502020204030204" pitchFamily="34" charset="0"/>
@@ -7343,12 +7338,12 @@
                         </a:spcAft>
                       </a:pPr>
                       <a:r>
-                        <a:rPr lang="fr-FR" sz="1600">
+                        <a:rPr lang="fr-FR" sz="1600" dirty="0">
                           <a:effectLst/>
                         </a:rPr>
                         <a:t>20</a:t>
                       </a:r>
-                      <a:endParaRPr lang="en-US" sz="1100">
+                      <a:endParaRPr lang="en-US" sz="1100" dirty="0">
                         <a:effectLst/>
                         <a:latin typeface="Calibri" panose="020F0502020204030204" pitchFamily="34" charset="0"/>
                         <a:ea typeface="Calibri" panose="020F0502020204030204" pitchFamily="34" charset="0"/>
@@ -7379,12 +7374,12 @@
                         </a:spcAft>
                       </a:pPr>
                       <a:r>
-                        <a:rPr lang="fr-FR" sz="1600">
+                        <a:rPr lang="fr-FR" sz="1600" dirty="0">
                           <a:effectLst/>
                         </a:rPr>
                         <a:t>Matricule</a:t>
                       </a:r>
-                      <a:endParaRPr lang="en-US" sz="1100">
+                      <a:endParaRPr lang="en-US" sz="1100" dirty="0">
                         <a:effectLst/>
                         <a:latin typeface="Calibri" panose="020F0502020204030204" pitchFamily="34" charset="0"/>
                         <a:ea typeface="Calibri" panose="020F0502020204030204" pitchFamily="34" charset="0"/>
@@ -7408,12 +7403,12 @@
                         </a:spcAft>
                       </a:pPr>
                       <a:r>
-                        <a:rPr lang="fr-FR" sz="1600">
+                        <a:rPr lang="fr-FR" sz="1600" dirty="0">
                           <a:effectLst/>
                         </a:rPr>
                         <a:t>Matricule</a:t>
                       </a:r>
-                      <a:endParaRPr lang="en-US" sz="1100">
+                      <a:endParaRPr lang="en-US" sz="1100" dirty="0">
                         <a:effectLst/>
                         <a:latin typeface="Calibri" panose="020F0502020204030204" pitchFamily="34" charset="0"/>
                         <a:ea typeface="Calibri" panose="020F0502020204030204" pitchFamily="34" charset="0"/>
@@ -7437,12 +7432,12 @@
                         </a:spcAft>
                       </a:pPr>
                       <a:r>
-                        <a:rPr lang="fr-FR" sz="1600">
+                        <a:rPr lang="fr-FR" sz="1600" dirty="0">
                           <a:effectLst/>
                         </a:rPr>
                         <a:t>N</a:t>
                       </a:r>
-                      <a:endParaRPr lang="en-US" sz="1100">
+                      <a:endParaRPr lang="en-US" sz="1100" dirty="0">
                         <a:effectLst/>
                         <a:latin typeface="Calibri" panose="020F0502020204030204" pitchFamily="34" charset="0"/>
                         <a:ea typeface="Calibri" panose="020F0502020204030204" pitchFamily="34" charset="0"/>
@@ -7466,12 +7461,12 @@
                         </a:spcAft>
                       </a:pPr>
                       <a:r>
-                        <a:rPr lang="fr-FR" sz="1600">
+                        <a:rPr lang="fr-FR" sz="1600" dirty="0">
                           <a:effectLst/>
                         </a:rPr>
                         <a:t>6</a:t>
                       </a:r>
-                      <a:endParaRPr lang="en-US" sz="1100">
+                      <a:endParaRPr lang="en-US" sz="1100" dirty="0">
                         <a:effectLst/>
                         <a:latin typeface="Calibri" panose="020F0502020204030204" pitchFamily="34" charset="0"/>
                         <a:ea typeface="Calibri" panose="020F0502020204030204" pitchFamily="34" charset="0"/>
@@ -7502,12 +7497,12 @@
                         </a:spcAft>
                       </a:pPr>
                       <a:r>
-                        <a:rPr lang="fr-FR" sz="1600">
+                        <a:rPr lang="fr-FR" sz="1600" dirty="0">
                           <a:effectLst/>
                         </a:rPr>
                         <a:t>nationalité</a:t>
                       </a:r>
-                      <a:endParaRPr lang="en-US" sz="1100">
+                      <a:endParaRPr lang="en-US" sz="1100" dirty="0">
                         <a:effectLst/>
                         <a:latin typeface="Calibri" panose="020F0502020204030204" pitchFamily="34" charset="0"/>
                         <a:ea typeface="Calibri" panose="020F0502020204030204" pitchFamily="34" charset="0"/>
@@ -7531,12 +7526,12 @@
                         </a:spcAft>
                       </a:pPr>
                       <a:r>
-                        <a:rPr lang="fr-FR" sz="1600">
+                        <a:rPr lang="fr-FR" sz="1600" dirty="0">
                           <a:effectLst/>
                         </a:rPr>
                         <a:t>nationalite</a:t>
                       </a:r>
-                      <a:endParaRPr lang="en-US" sz="1100">
+                      <a:endParaRPr lang="en-US" sz="1100" dirty="0">
                         <a:effectLst/>
                         <a:latin typeface="Calibri" panose="020F0502020204030204" pitchFamily="34" charset="0"/>
                         <a:ea typeface="Calibri" panose="020F0502020204030204" pitchFamily="34" charset="0"/>
@@ -7560,12 +7555,12 @@
                         </a:spcAft>
                       </a:pPr>
                       <a:r>
-                        <a:rPr lang="fr-FR" sz="1600">
+                        <a:rPr lang="fr-FR" sz="1600" dirty="0">
                           <a:effectLst/>
                         </a:rPr>
                         <a:t>A</a:t>
                       </a:r>
-                      <a:endParaRPr lang="en-US" sz="1100">
+                      <a:endParaRPr lang="en-US" sz="1100" dirty="0">
                         <a:effectLst/>
                         <a:latin typeface="Calibri" panose="020F0502020204030204" pitchFamily="34" charset="0"/>
                         <a:ea typeface="Calibri" panose="020F0502020204030204" pitchFamily="34" charset="0"/>
@@ -7589,12 +7584,12 @@
                         </a:spcAft>
                       </a:pPr>
                       <a:r>
-                        <a:rPr lang="fr-FR" sz="1600">
+                        <a:rPr lang="fr-FR" sz="1600" dirty="0">
                           <a:effectLst/>
                         </a:rPr>
                         <a:t>20</a:t>
                       </a:r>
-                      <a:endParaRPr lang="en-US" sz="1100">
+                      <a:endParaRPr lang="en-US" sz="1100" dirty="0">
                         <a:effectLst/>
                         <a:latin typeface="Calibri" panose="020F0502020204030204" pitchFamily="34" charset="0"/>
                         <a:ea typeface="Calibri" panose="020F0502020204030204" pitchFamily="34" charset="0"/>
@@ -7625,12 +7620,12 @@
                         </a:spcAft>
                       </a:pPr>
                       <a:r>
-                        <a:rPr lang="fr-FR" sz="1600">
+                        <a:rPr lang="fr-FR" sz="1600" dirty="0">
                           <a:effectLst/>
                         </a:rPr>
                         <a:t>Nivaux</a:t>
                       </a:r>
-                      <a:endParaRPr lang="en-US" sz="1100">
+                      <a:endParaRPr lang="en-US" sz="1100" dirty="0">
                         <a:effectLst/>
                         <a:latin typeface="Calibri" panose="020F0502020204030204" pitchFamily="34" charset="0"/>
                         <a:ea typeface="Calibri" panose="020F0502020204030204" pitchFamily="34" charset="0"/>
@@ -7654,12 +7649,12 @@
                         </a:spcAft>
                       </a:pPr>
                       <a:r>
-                        <a:rPr lang="fr-FR" sz="1600">
+                        <a:rPr lang="fr-FR" sz="1600" dirty="0">
                           <a:effectLst/>
                         </a:rPr>
                         <a:t>Nivaux</a:t>
                       </a:r>
-                      <a:endParaRPr lang="en-US" sz="1100">
+                      <a:endParaRPr lang="en-US" sz="1100" dirty="0">
                         <a:effectLst/>
                         <a:latin typeface="Calibri" panose="020F0502020204030204" pitchFamily="34" charset="0"/>
                         <a:ea typeface="Calibri" panose="020F0502020204030204" pitchFamily="34" charset="0"/>
@@ -7683,12 +7678,12 @@
                         </a:spcAft>
                       </a:pPr>
                       <a:r>
-                        <a:rPr lang="fr-FR" sz="1600">
+                        <a:rPr lang="fr-FR" sz="1600" dirty="0">
                           <a:effectLst/>
                         </a:rPr>
                         <a:t>A</a:t>
                       </a:r>
-                      <a:endParaRPr lang="en-US" sz="1100">
+                      <a:endParaRPr lang="en-US" sz="1100" dirty="0">
                         <a:effectLst/>
                         <a:latin typeface="Calibri" panose="020F0502020204030204" pitchFamily="34" charset="0"/>
                         <a:ea typeface="Calibri" panose="020F0502020204030204" pitchFamily="34" charset="0"/>
@@ -7712,12 +7707,12 @@
                         </a:spcAft>
                       </a:pPr>
                       <a:r>
-                        <a:rPr lang="fr-FR" sz="1600">
+                        <a:rPr lang="fr-FR" sz="1600" dirty="0">
                           <a:effectLst/>
                         </a:rPr>
                         <a:t>50</a:t>
                       </a:r>
-                      <a:endParaRPr lang="en-US" sz="1100">
+                      <a:endParaRPr lang="en-US" sz="1100" dirty="0">
                         <a:effectLst/>
                         <a:latin typeface="Calibri" panose="020F0502020204030204" pitchFamily="34" charset="0"/>
                         <a:ea typeface="Calibri" panose="020F0502020204030204" pitchFamily="34" charset="0"/>
@@ -7751,67 +7746,9 @@
                         <a:rPr lang="fr-FR" sz="1600" dirty="0">
                           <a:effectLst/>
                         </a:rPr>
-                        <a:t> </a:t>
+                        <a:t> code de la matière</a:t>
                       </a:r>
                       <a:endParaRPr lang="en-US" sz="1100" dirty="0">
-                        <a:effectLst/>
-                        <a:latin typeface="Calibri" panose="020F0502020204030204" pitchFamily="34" charset="0"/>
-                        <a:ea typeface="Calibri" panose="020F0502020204030204" pitchFamily="34" charset="0"/>
-                        <a:cs typeface="Times New Roman" panose="02020603050405020304" pitchFamily="18" charset="0"/>
-                      </a:endParaRPr>
-                    </a:p>
-                  </a:txBody>
-                  <a:tcPr marL="68580" marR="68580" marT="0" marB="0"/>
-                </a:tc>
-                <a:tc>
-                  <a:txBody>
-                    <a:bodyPr/>
-                    <a:lstStyle/>
-                    <a:p>
-                      <a:pPr algn="just">
-                        <a:lnSpc>
-                          <a:spcPct val="107%"/>
-                        </a:lnSpc>
-                        <a:spcAft>
-                          <a:spcPts val="0"/>
-                        </a:spcAft>
-                      </a:pPr>
-                      <a:r>
-                        <a:rPr lang="fr-FR" sz="1600">
-                          <a:effectLst/>
-                        </a:rPr>
-                        <a:t> </a:t>
-                      </a:r>
-                      <a:endParaRPr lang="en-US" sz="1100">
-                        <a:effectLst/>
-                        <a:latin typeface="Calibri" panose="020F0502020204030204" pitchFamily="34" charset="0"/>
-                        <a:ea typeface="Calibri" panose="020F0502020204030204" pitchFamily="34" charset="0"/>
-                        <a:cs typeface="Times New Roman" panose="02020603050405020304" pitchFamily="18" charset="0"/>
-                      </a:endParaRPr>
-                    </a:p>
-                  </a:txBody>
-                  <a:tcPr marL="68580" marR="68580" marT="0" marB="0"/>
-                </a:tc>
-                <a:tc>
-                  <a:txBody>
-                    <a:bodyPr/>
-                    <a:lstStyle/>
-                    <a:p>
-                      <a:pPr algn="just">
-                        <a:lnSpc>
-                          <a:spcPct val="107%"/>
-                        </a:lnSpc>
-                        <a:spcAft>
-                          <a:spcPts val="0"/>
-                        </a:spcAft>
-                      </a:pPr>
-                      <a:r>
-                        <a:rPr lang="fr-FR" sz="1600">
-                          <a:effectLst/>
-                        </a:rPr>
-                        <a:t> </a:t>
-                      </a:r>
-                      <a:endParaRPr lang="en-US" sz="1100">
                         <a:effectLst/>
                         <a:latin typeface="Calibri" panose="020F0502020204030204" pitchFamily="34" charset="0"/>
                         <a:ea typeface="Calibri" panose="020F0502020204030204" pitchFamily="34" charset="0"/>
@@ -7838,7 +7775,65 @@
                         <a:rPr lang="fr-FR" sz="1600" dirty="0">
                           <a:effectLst/>
                         </a:rPr>
-                        <a:t> </a:t>
+                        <a:t> CodeMatiere</a:t>
+                      </a:r>
+                      <a:endParaRPr lang="en-US" sz="1100" dirty="0">
+                        <a:effectLst/>
+                        <a:latin typeface="Calibri" panose="020F0502020204030204" pitchFamily="34" charset="0"/>
+                        <a:ea typeface="Calibri" panose="020F0502020204030204" pitchFamily="34" charset="0"/>
+                        <a:cs typeface="Times New Roman" panose="02020603050405020304" pitchFamily="18" charset="0"/>
+                      </a:endParaRPr>
+                    </a:p>
+                  </a:txBody>
+                  <a:tcPr marL="68580" marR="68580" marT="0" marB="0"/>
+                </a:tc>
+                <a:tc>
+                  <a:txBody>
+                    <a:bodyPr/>
+                    <a:lstStyle/>
+                    <a:p>
+                      <a:pPr algn="just">
+                        <a:lnSpc>
+                          <a:spcPct val="107%"/>
+                        </a:lnSpc>
+                        <a:spcAft>
+                          <a:spcPts val="0"/>
+                        </a:spcAft>
+                      </a:pPr>
+                      <a:r>
+                        <a:rPr lang="fr-FR" sz="1600" dirty="0">
+                          <a:effectLst/>
+                        </a:rPr>
+                        <a:t> AN</a:t>
+                      </a:r>
+                      <a:endParaRPr lang="en-US" sz="1100" dirty="0">
+                        <a:effectLst/>
+                        <a:latin typeface="Calibri" panose="020F0502020204030204" pitchFamily="34" charset="0"/>
+                        <a:ea typeface="Calibri" panose="020F0502020204030204" pitchFamily="34" charset="0"/>
+                        <a:cs typeface="Times New Roman" panose="02020603050405020304" pitchFamily="18" charset="0"/>
+                      </a:endParaRPr>
+                    </a:p>
+                  </a:txBody>
+                  <a:tcPr marL="68580" marR="68580" marT="0" marB="0"/>
+                </a:tc>
+                <a:tc>
+                  <a:txBody>
+                    <a:bodyPr/>
+                    <a:lstStyle/>
+                    <a:p>
+                      <a:pPr algn="just">
+                        <a:lnSpc>
+                          <a:spcPct val="107%"/>
+                        </a:lnSpc>
+                        <a:spcAft>
+                          <a:spcPts val="0"/>
+                        </a:spcAft>
+                      </a:pPr>
+                      <a:r>
+                        <a:rPr lang="fr-FR" sz="1600" dirty="0">
+                          <a:effectLst/>
+                        </a:rPr>
+                        <a:t> 10</a:t>
                       </a:r>
                       <a:endParaRPr lang="en-US" sz="1100" dirty="0">
                         <a:effectLst/>
@@ -7856,6 +7851,105 @@
                   </a:ext>
                 </a:extLst>
               </a:tr>
+              <a:tr h="248009">
+                <a:tc>
+                  <a:txBody>
+                    <a:bodyPr/>
+                    <a:lstStyle/>
+                    <a:p>
+                      <a:pPr algn="just">
+                        <a:lnSpc>
+                          <a:spcPct val="107%"/>
+                        </a:lnSpc>
+                        <a:spcAft>
+                          <a:spcPts val="0"/>
+                        </a:spcAft>
+                      </a:pPr>
+                      <a:endParaRPr lang="en-US" sz="1100" dirty="0">
+                        <a:effectLst/>
+                        <a:latin typeface="Calibri" panose="020F0502020204030204" pitchFamily="34" charset="0"/>
+                        <a:ea typeface="Calibri" panose="020F0502020204030204" pitchFamily="34" charset="0"/>
+                        <a:cs typeface="Times New Roman" panose="02020603050405020304" pitchFamily="18" charset="0"/>
+                      </a:endParaRPr>
+                    </a:p>
+                  </a:txBody>
+                  <a:tcPr marL="68580" marR="68580" marT="0" marB="0"/>
+                </a:tc>
+                <a:tc>
+                  <a:txBody>
+                    <a:bodyPr/>
+                    <a:lstStyle/>
+                    <a:p>
+                      <a:pPr algn="just">
+                        <a:lnSpc>
+                          <a:spcPct val="107%"/>
+                        </a:lnSpc>
+                        <a:spcAft>
+                          <a:spcPts val="0"/>
+                        </a:spcAft>
+                      </a:pPr>
+                      <a:endParaRPr lang="en-US" sz="1100" dirty="0">
+                        <a:effectLst/>
+                        <a:latin typeface="Calibri" panose="020F0502020204030204" pitchFamily="34" charset="0"/>
+                        <a:ea typeface="Calibri" panose="020F0502020204030204" pitchFamily="34" charset="0"/>
+                        <a:cs typeface="Times New Roman" panose="02020603050405020304" pitchFamily="18" charset="0"/>
+                      </a:endParaRPr>
+                    </a:p>
+                  </a:txBody>
+                  <a:tcPr marL="68580" marR="68580" marT="0" marB="0"/>
+                </a:tc>
+                <a:tc>
+                  <a:txBody>
+                    <a:bodyPr/>
+                    <a:lstStyle/>
+                    <a:p>
+                      <a:pPr algn="just">
+                        <a:lnSpc>
+                          <a:spcPct val="107%"/>
+                        </a:lnSpc>
+                        <a:spcAft>
+                          <a:spcPts val="0"/>
+                        </a:spcAft>
+                      </a:pPr>
+                      <a:endParaRPr lang="en-US" sz="1100" dirty="0">
+                        <a:effectLst/>
+                        <a:latin typeface="Calibri" panose="020F0502020204030204" pitchFamily="34" charset="0"/>
+                        <a:ea typeface="Calibri" panose="020F0502020204030204" pitchFamily="34" charset="0"/>
+                        <a:cs typeface="Times New Roman" panose="02020603050405020304" pitchFamily="18" charset="0"/>
+                      </a:endParaRPr>
+                    </a:p>
+                  </a:txBody>
+                  <a:tcPr marL="68580" marR="68580" marT="0" marB="0"/>
+                </a:tc>
+                <a:tc>
+                  <a:txBody>
+                    <a:bodyPr/>
+                    <a:lstStyle/>
+                    <a:p>
+                      <a:pPr algn="just">
+                        <a:lnSpc>
+                          <a:spcPct val="107%"/>
+                        </a:lnSpc>
+                        <a:spcAft>
+                          <a:spcPts val="0"/>
+                        </a:spcAft>
+                      </a:pPr>
+                      <a:endParaRPr lang="en-US" sz="1100" dirty="0">
+                        <a:effectLst/>
+                        <a:latin typeface="Calibri" panose="020F0502020204030204" pitchFamily="34" charset="0"/>
+                        <a:ea typeface="Calibri" panose="020F0502020204030204" pitchFamily="34" charset="0"/>
+                        <a:cs typeface="Times New Roman" panose="02020603050405020304" pitchFamily="18" charset="0"/>
+                      </a:endParaRPr>
+                    </a:p>
+                  </a:txBody>
+                  <a:tcPr marL="68580" marR="68580" marT="0" marB="0"/>
+                </a:tc>
+                <a:extLst>
+                  <a:ext uri="{0D108BD9-81ED-4DB2-BD59-A6C34878D82A}">
+                    <a16:rowId xmlns:a16="http://schemas.microsoft.com/office/drawing/2014/main" val="1793361421"/>
+                  </a:ext>
+                </a:extLst>
+              </a:tr>
             </a:tbl>
           </a:graphicData>
         </a:graphic>
@@ -7870,6 +7964,6674 @@
   <p:clrMapOvr>
     <a:masterClrMapping/>
   </p:clrMapOvr>
+  <mc:AlternateContent xmlns:mc="http://schemas.openxmlformats.org/markup-compatibility/2006" xmlns:p14="http://schemas.microsoft.com/office/powerpoint/2010/main">
+    <mc:Choice Requires="p14">
+      <p:transition spd="slow" p14:dur="1600">
+        <p14:conveyor dir="l"/>
+      </p:transition>
+    </mc:Choice>
+    <mc:Fallback xmlns="" xmlns:a="http://schemas.openxmlformats.org/drawingml/2006/main" xmlns:r="http://schemas.openxmlformats.org/officeDocument/2006/relationships" xmlns:p="http://schemas.openxmlformats.org/presentationml/2006/main">
+      <p:transition spd="slow">
+        <p:fade/>
+      </p:transition>
+    </mc:Fallback>
+  </mc:AlternateContent>
+</p:sld>
+</file>
+
+<file path=ppt/slides/slide12.xml><?xml version="1.0" encoding="utf-8"?>
+<p:sld xmlns:a="http://purl.oclc.org/ooxml/drawingml/main" xmlns:r="http://purl.oclc.org/ooxml/officeDocument/relationships" xmlns:p="http://purl.oclc.org/ooxml/presentationml/main">
+  <p:cSld>
+    <p:spTree>
+      <p:nvGrpSpPr>
+        <p:cNvPr id="1" name=""/>
+        <p:cNvGrpSpPr/>
+        <p:nvPr/>
+      </p:nvGrpSpPr>
+      <p:grpSpPr>
+        <a:xfrm>
+          <a:off x="0" y="0"/>
+          <a:ext cx="0" cy="0"/>
+          <a:chOff x="0" y="0"/>
+          <a:chExt cx="0" cy="0"/>
+        </a:xfrm>
+      </p:grpSpPr>
+      <p:sp>
+        <p:nvSpPr>
+          <p:cNvPr id="2" name="Titre 1">
+            <a:extLst>
+              <a:ext uri="{FF2B5EF4-FFF2-40B4-BE49-F238E27FC236}">
+                <a16:creationId xmlns:a16="http://schemas.microsoft.com/office/drawing/2014/main" id="{78E27759-11B2-4771-A11A-CD3BCD9A67BC}"/>
+              </a:ext>
+            </a:extLst>
+          </p:cNvPr>
+          <p:cNvSpPr>
+            <a:spLocks noGrp="1"/>
+          </p:cNvSpPr>
+          <p:nvPr>
+            <p:ph type="title"/>
+          </p:nvPr>
+        </p:nvSpPr>
+        <p:spPr/>
+        <p:txBody>
+          <a:bodyPr/>
+          <a:lstStyle/>
+          <a:p>
+            <a:r>
+              <a:rPr lang="fr-FR" sz="4000" dirty="0">
+                <a:latin typeface="Arial" panose="020B0604020202020204" pitchFamily="34" charset="0"/>
+                <a:cs typeface="Arial" panose="020B0604020202020204" pitchFamily="34" charset="0"/>
+              </a:rPr>
+              <a:t>Modelé relationnel des données (MRD)</a:t>
+            </a:r>
+            <a:br>
+              <a:rPr lang="fr-FR" sz="4400" dirty="0">
+                <a:latin typeface="Arial" panose="020B0604020202020204" pitchFamily="34" charset="0"/>
+                <a:cs typeface="Arial" panose="020B0604020202020204" pitchFamily="34" charset="0"/>
+              </a:rPr>
+            </a:br>
+            <a:endParaRPr lang="fr-FR" dirty="0"/>
+          </a:p>
+        </p:txBody>
+      </p:sp>
+      <p:graphicFrame>
+        <p:nvGraphicFramePr>
+          <p:cNvPr id="4" name="Tableau 3">
+            <a:extLst>
+              <a:ext uri="{FF2B5EF4-FFF2-40B4-BE49-F238E27FC236}">
+                <a16:creationId xmlns:a16="http://schemas.microsoft.com/office/drawing/2014/main" id="{D4AF868E-7F06-4B66-A8CF-A1868B6F8ECF}"/>
+              </a:ext>
+            </a:extLst>
+          </p:cNvPr>
+          <p:cNvGraphicFramePr>
+            <a:graphicFrameLocks noGrp="1"/>
+          </p:cNvGraphicFramePr>
+          <p:nvPr>
+            <p:extLst>
+              <p:ext uri="{D42A27DB-BD31-4B8C-83A1-F6EECF244321}">
+                <p14:modId xmlns:p14="http://schemas.microsoft.com/office/powerpoint/2010/main" val="2046566219"/>
+              </p:ext>
+            </p:extLst>
+          </p:nvPr>
+        </p:nvGraphicFramePr>
+        <p:xfrm>
+          <a:off x="3046984" y="3377535"/>
+          <a:ext cx="1656282" cy="1855855"/>
+        </p:xfrm>
+        <a:graphic>
+          <a:graphicData uri="http://purl.oclc.org/ooxml/drawingml/table">
+            <a:tbl>
+              <a:tblPr firstRow="1" firstCol="1" bandRow="1">
+                <a:tableStyleId>{5C22544A-7EE6-4342-B048-85BDC9FD1C3A}</a:tableStyleId>
+              </a:tblPr>
+              <a:tblGrid>
+                <a:gridCol w="1656282">
+                  <a:extLst>
+                    <a:ext uri="{9D8B030D-6E8A-4147-A177-3AD203B41FA5}">
+                      <a16:colId xmlns:a16="http://schemas.microsoft.com/office/drawing/2014/main" val="3549056726"/>
+                    </a:ext>
+                  </a:extLst>
+                </a:gridCol>
+              </a:tblGrid>
+              <a:tr h="215266">
+                <a:tc>
+                  <a:txBody>
+                    <a:bodyPr/>
+                    <a:lstStyle/>
+                    <a:p>
+                      <a:pPr algn="l">
+                        <a:lnSpc>
+                          <a:spcPct val="107%"/>
+                        </a:lnSpc>
+                        <a:spcBef>
+                          <a:spcPts val="1200"/>
+                        </a:spcBef>
+                        <a:spcAft>
+                          <a:spcPts val="0"/>
+                        </a:spcAft>
+                      </a:pPr>
+                      <a:r>
+                        <a:rPr lang="fr-FR" sz="1800" kern="0" dirty="0">
+                          <a:effectLst/>
+                        </a:rPr>
+                        <a:t>Enseignants</a:t>
+                      </a:r>
+                      <a:endParaRPr lang="fr-FR" sz="1800" b="1" kern="0" dirty="0">
+                        <a:solidFill>
+                          <a:srgbClr val="2F5496"/>
+                        </a:solidFill>
+                        <a:effectLst/>
+                        <a:latin typeface="Calibri" panose="020F0502020204030204" pitchFamily="34" charset="0"/>
+                        <a:ea typeface="Times New Roman" panose="02020603050405020304" pitchFamily="18" charset="0"/>
+                        <a:cs typeface="Times New Roman" panose="02020603050405020304" pitchFamily="18" charset="0"/>
+                      </a:endParaRPr>
+                    </a:p>
+                  </a:txBody>
+                  <a:tcPr marL="68580" marR="68580" marT="0" marB="0">
+                    <a:solidFill>
+                      <a:schemeClr val="accent5">
+                        <a:lumMod val="75%"/>
+                      </a:schemeClr>
+                    </a:solidFill>
+                  </a:tcPr>
+                </a:tc>
+                <a:extLst>
+                  <a:ext uri="{0D108BD9-81ED-4DB2-BD59-A6C34878D82A}">
+                    <a16:rowId xmlns:a16="http://schemas.microsoft.com/office/drawing/2014/main" val="3332063149"/>
+                  </a:ext>
+                </a:extLst>
+              </a:tr>
+              <a:tr h="1577598">
+                <a:tc>
+                  <a:txBody>
+                    <a:bodyPr/>
+                    <a:lstStyle/>
+                    <a:p>
+                      <a:pPr algn="l">
+                        <a:lnSpc>
+                          <a:spcPct val="107%"/>
+                        </a:lnSpc>
+                        <a:spcBef>
+                          <a:spcPts val="1200"/>
+                        </a:spcBef>
+                        <a:spcAft>
+                          <a:spcPts val="0"/>
+                        </a:spcAft>
+                      </a:pPr>
+                      <a:r>
+                        <a:rPr lang="de-DE" sz="1800" kern="0" dirty="0">
+                          <a:effectLst/>
+                        </a:rPr>
+                        <a:t>MatriculeEn NomEn         PrenomEn   GradeEn       CodeMatiere</a:t>
+                      </a:r>
+                      <a:endParaRPr lang="fr-FR" sz="1800" kern="0" dirty="0">
+                        <a:effectLst/>
+                      </a:endParaRPr>
+                    </a:p>
+                  </a:txBody>
+                  <a:tcPr marL="68580" marR="68580" marT="0" marB="0">
+                    <a:solidFill>
+                      <a:schemeClr val="accent5">
+                        <a:lumMod val="75%"/>
+                      </a:schemeClr>
+                    </a:solidFill>
+                  </a:tcPr>
+                </a:tc>
+                <a:extLst>
+                  <a:ext uri="{0D108BD9-81ED-4DB2-BD59-A6C34878D82A}">
+                    <a16:rowId xmlns:a16="http://schemas.microsoft.com/office/drawing/2014/main" val="930048523"/>
+                  </a:ext>
+                </a:extLst>
+              </a:tr>
+            </a:tbl>
+          </a:graphicData>
+        </a:graphic>
+      </p:graphicFrame>
+      <p:graphicFrame>
+        <p:nvGraphicFramePr>
+          <p:cNvPr id="5" name="Tableau 4">
+            <a:extLst>
+              <a:ext uri="{FF2B5EF4-FFF2-40B4-BE49-F238E27FC236}">
+                <a16:creationId xmlns:a16="http://schemas.microsoft.com/office/drawing/2014/main" id="{CD067633-999E-41B8-AEDC-1B59A5625E4D}"/>
+              </a:ext>
+            </a:extLst>
+          </p:cNvPr>
+          <p:cNvGraphicFramePr>
+            <a:graphicFrameLocks noGrp="1"/>
+          </p:cNvGraphicFramePr>
+          <p:nvPr>
+            <p:extLst>
+              <p:ext uri="{D42A27DB-BD31-4B8C-83A1-F6EECF244321}">
+                <p14:modId xmlns:p14="http://schemas.microsoft.com/office/powerpoint/2010/main" val="2600984044"/>
+              </p:ext>
+            </p:extLst>
+          </p:nvPr>
+        </p:nvGraphicFramePr>
+        <p:xfrm>
+          <a:off x="4306957" y="5368125"/>
+          <a:ext cx="1656282" cy="1166068"/>
+        </p:xfrm>
+        <a:graphic>
+          <a:graphicData uri="http://purl.oclc.org/ooxml/drawingml/table">
+            <a:tbl>
+              <a:tblPr firstRow="1" firstCol="1" bandRow="1">
+                <a:tableStyleId>{5C22544A-7EE6-4342-B048-85BDC9FD1C3A}</a:tableStyleId>
+              </a:tblPr>
+              <a:tblGrid>
+                <a:gridCol w="1656282">
+                  <a:extLst>
+                    <a:ext uri="{9D8B030D-6E8A-4147-A177-3AD203B41FA5}">
+                      <a16:colId xmlns:a16="http://schemas.microsoft.com/office/drawing/2014/main" val="2211879711"/>
+                    </a:ext>
+                  </a:extLst>
+                </a:gridCol>
+              </a:tblGrid>
+              <a:tr h="389203">
+                <a:tc>
+                  <a:txBody>
+                    <a:bodyPr/>
+                    <a:lstStyle/>
+                    <a:p>
+                      <a:pPr algn="ctr">
+                        <a:lnSpc>
+                          <a:spcPct val="107%"/>
+                        </a:lnSpc>
+                        <a:spcAft>
+                          <a:spcPts val="0"/>
+                        </a:spcAft>
+                      </a:pPr>
+                      <a:r>
+                        <a:rPr lang="fr-FR" sz="1800" dirty="0">
+                          <a:effectLst/>
+                        </a:rPr>
+                        <a:t>        Matieres</a:t>
+                      </a:r>
+                      <a:endParaRPr lang="fr-FR" sz="1800" dirty="0">
+                        <a:effectLst/>
+                        <a:latin typeface="Calibri" panose="020F0502020204030204" pitchFamily="34" charset="0"/>
+                        <a:ea typeface="Calibri" panose="020F0502020204030204" pitchFamily="34" charset="0"/>
+                        <a:cs typeface="Times New Roman" panose="02020603050405020304" pitchFamily="18" charset="0"/>
+                      </a:endParaRPr>
+                    </a:p>
+                  </a:txBody>
+                  <a:tcPr marL="68580" marR="68580" marT="0" marB="0">
+                    <a:solidFill>
+                      <a:schemeClr val="accent5">
+                        <a:lumMod val="75%"/>
+                      </a:schemeClr>
+                    </a:solidFill>
+                  </a:tcPr>
+                </a:tc>
+                <a:extLst>
+                  <a:ext uri="{0D108BD9-81ED-4DB2-BD59-A6C34878D82A}">
+                    <a16:rowId xmlns:a16="http://schemas.microsoft.com/office/drawing/2014/main" val="1592698136"/>
+                  </a:ext>
+                </a:extLst>
+              </a:tr>
+              <a:tr h="776865">
+                <a:tc>
+                  <a:txBody>
+                    <a:bodyPr/>
+                    <a:lstStyle/>
+                    <a:p>
+                      <a:pPr algn="l">
+                        <a:lnSpc>
+                          <a:spcPct val="107%"/>
+                        </a:lnSpc>
+                        <a:spcAft>
+                          <a:spcPts val="0"/>
+                        </a:spcAft>
+                        <a:tabLst>
+                          <a:tab pos="2622550" algn="l"/>
+                        </a:tabLst>
+                      </a:pPr>
+                      <a:r>
+                        <a:rPr lang="fr-FR" sz="1800" dirty="0">
+                          <a:effectLst/>
+                        </a:rPr>
+                        <a:t>CodeMatiere</a:t>
+                      </a:r>
+                    </a:p>
+                    <a:p>
+                      <a:pPr algn="l">
+                        <a:lnSpc>
+                          <a:spcPct val="107%"/>
+                        </a:lnSpc>
+                        <a:spcAft>
+                          <a:spcPts val="0"/>
+                        </a:spcAft>
+                        <a:tabLst>
+                          <a:tab pos="2622550" algn="l"/>
+                        </a:tabLst>
+                      </a:pPr>
+                      <a:r>
+                        <a:rPr lang="fr-FR" sz="1800" dirty="0">
+                          <a:effectLst/>
+                        </a:rPr>
+                        <a:t>NomMatiere</a:t>
+                      </a:r>
+                    </a:p>
+                  </a:txBody>
+                  <a:tcPr marL="68580" marR="68580" marT="0" marB="0">
+                    <a:solidFill>
+                      <a:schemeClr val="accent5">
+                        <a:lumMod val="75%"/>
+                      </a:schemeClr>
+                    </a:solidFill>
+                  </a:tcPr>
+                </a:tc>
+                <a:extLst>
+                  <a:ext uri="{0D108BD9-81ED-4DB2-BD59-A6C34878D82A}">
+                    <a16:rowId xmlns:a16="http://schemas.microsoft.com/office/drawing/2014/main" val="1652258179"/>
+                  </a:ext>
+                </a:extLst>
+              </a:tr>
+            </a:tbl>
+          </a:graphicData>
+        </a:graphic>
+      </p:graphicFrame>
+      <p:graphicFrame>
+        <p:nvGraphicFramePr>
+          <p:cNvPr id="7" name="Tableau 6">
+            <a:extLst>
+              <a:ext uri="{FF2B5EF4-FFF2-40B4-BE49-F238E27FC236}">
+                <a16:creationId xmlns:a16="http://schemas.microsoft.com/office/drawing/2014/main" id="{CBB1C56C-4718-494F-807D-2BBFE02B1D0D}"/>
+              </a:ext>
+            </a:extLst>
+          </p:cNvPr>
+          <p:cNvGraphicFramePr>
+            <a:graphicFrameLocks noGrp="1"/>
+          </p:cNvGraphicFramePr>
+          <p:nvPr>
+            <p:extLst>
+              <p:ext uri="{D42A27DB-BD31-4B8C-83A1-F6EECF244321}">
+                <p14:modId xmlns:p14="http://schemas.microsoft.com/office/powerpoint/2010/main" val="3421496916"/>
+              </p:ext>
+            </p:extLst>
+          </p:nvPr>
+        </p:nvGraphicFramePr>
+        <p:xfrm>
+          <a:off x="5492205" y="3107140"/>
+          <a:ext cx="1656282" cy="1855855"/>
+        </p:xfrm>
+        <a:graphic>
+          <a:graphicData uri="http://purl.oclc.org/ooxml/drawingml/table">
+            <a:tbl>
+              <a:tblPr firstRow="1" firstCol="1" bandRow="1">
+                <a:tableStyleId>{5C22544A-7EE6-4342-B048-85BDC9FD1C3A}</a:tableStyleId>
+              </a:tblPr>
+              <a:tblGrid>
+                <a:gridCol w="1656282">
+                  <a:extLst>
+                    <a:ext uri="{9D8B030D-6E8A-4147-A177-3AD203B41FA5}">
+                      <a16:colId xmlns:a16="http://schemas.microsoft.com/office/drawing/2014/main" val="2987283499"/>
+                    </a:ext>
+                  </a:extLst>
+                </a:gridCol>
+              </a:tblGrid>
+              <a:tr h="498727">
+                <a:tc>
+                  <a:txBody>
+                    <a:bodyPr/>
+                    <a:lstStyle/>
+                    <a:p>
+                      <a:pPr algn="ctr">
+                        <a:lnSpc>
+                          <a:spcPct val="107%"/>
+                        </a:lnSpc>
+                        <a:spcAft>
+                          <a:spcPts val="0"/>
+                        </a:spcAft>
+                        <a:tabLst>
+                          <a:tab pos="2622550" algn="l"/>
+                        </a:tabLst>
+                      </a:pPr>
+                      <a:r>
+                        <a:rPr lang="fr-FR" sz="1800" dirty="0">
+                          <a:effectLst/>
+                        </a:rPr>
+                        <a:t>Agents</a:t>
+                      </a:r>
+                      <a:endParaRPr lang="fr-FR" sz="1800" dirty="0">
+                        <a:effectLst/>
+                        <a:latin typeface="Calibri" panose="020F0502020204030204" pitchFamily="34" charset="0"/>
+                        <a:ea typeface="Calibri" panose="020F0502020204030204" pitchFamily="34" charset="0"/>
+                        <a:cs typeface="Times New Roman" panose="02020603050405020304" pitchFamily="18" charset="0"/>
+                      </a:endParaRPr>
+                    </a:p>
+                  </a:txBody>
+                  <a:tcPr marL="68580" marR="68580" marT="0" marB="0">
+                    <a:solidFill>
+                      <a:schemeClr val="accent5">
+                        <a:lumMod val="75%"/>
+                      </a:schemeClr>
+                    </a:solidFill>
+                  </a:tcPr>
+                </a:tc>
+                <a:extLst>
+                  <a:ext uri="{0D108BD9-81ED-4DB2-BD59-A6C34878D82A}">
+                    <a16:rowId xmlns:a16="http://schemas.microsoft.com/office/drawing/2014/main" val="2525542570"/>
+                  </a:ext>
+                </a:extLst>
+              </a:tr>
+              <a:tr h="1357128">
+                <a:tc>
+                  <a:txBody>
+                    <a:bodyPr/>
+                    <a:lstStyle/>
+                    <a:p>
+                      <a:pPr algn="l">
+                        <a:lnSpc>
+                          <a:spcPct val="107%"/>
+                        </a:lnSpc>
+                        <a:spcAft>
+                          <a:spcPts val="0"/>
+                        </a:spcAft>
+                        <a:tabLst>
+                          <a:tab pos="2622550" algn="l"/>
+                        </a:tabLst>
+                      </a:pPr>
+                      <a:r>
+                        <a:rPr lang="fr-FR" sz="1800" dirty="0">
+                          <a:effectLst/>
+                        </a:rPr>
+                        <a:t>IdAgent</a:t>
+                      </a:r>
+                    </a:p>
+                    <a:p>
+                      <a:pPr algn="l">
+                        <a:lnSpc>
+                          <a:spcPct val="107%"/>
+                        </a:lnSpc>
+                        <a:spcAft>
+                          <a:spcPts val="0"/>
+                        </a:spcAft>
+                        <a:tabLst>
+                          <a:tab pos="2622550" algn="l"/>
+                        </a:tabLst>
+                      </a:pPr>
+                      <a:r>
+                        <a:rPr lang="fr-FR" sz="1800" dirty="0">
+                          <a:effectLst/>
+                        </a:rPr>
+                        <a:t>NomAg</a:t>
+                      </a:r>
+                    </a:p>
+                    <a:p>
+                      <a:pPr algn="l">
+                        <a:lnSpc>
+                          <a:spcPct val="107%"/>
+                        </a:lnSpc>
+                        <a:spcAft>
+                          <a:spcPts val="0"/>
+                        </a:spcAft>
+                        <a:tabLst>
+                          <a:tab pos="2622550" algn="l"/>
+                        </a:tabLst>
+                      </a:pPr>
+                      <a:r>
+                        <a:rPr lang="fr-FR" sz="1800" dirty="0">
+                          <a:effectLst/>
+                        </a:rPr>
+                        <a:t>PrenomAg</a:t>
+                      </a:r>
+                      <a:endParaRPr lang="fr-FR" sz="1800" dirty="0">
+                        <a:effectLst/>
+                        <a:latin typeface="Calibri" panose="020F0502020204030204" pitchFamily="34" charset="0"/>
+                        <a:ea typeface="Calibri" panose="020F0502020204030204" pitchFamily="34" charset="0"/>
+                        <a:cs typeface="Times New Roman" panose="02020603050405020304" pitchFamily="18" charset="0"/>
+                      </a:endParaRPr>
+                    </a:p>
+                  </a:txBody>
+                  <a:tcPr marL="68580" marR="68580" marT="0" marB="0">
+                    <a:solidFill>
+                      <a:schemeClr val="accent5">
+                        <a:lumMod val="75%"/>
+                      </a:schemeClr>
+                    </a:solidFill>
+                  </a:tcPr>
+                </a:tc>
+                <a:extLst>
+                  <a:ext uri="{0D108BD9-81ED-4DB2-BD59-A6C34878D82A}">
+                    <a16:rowId xmlns:a16="http://schemas.microsoft.com/office/drawing/2014/main" val="774570598"/>
+                  </a:ext>
+                </a:extLst>
+              </a:tr>
+            </a:tbl>
+          </a:graphicData>
+        </a:graphic>
+      </p:graphicFrame>
+      <p:graphicFrame>
+        <p:nvGraphicFramePr>
+          <p:cNvPr id="8" name="Tableau 7">
+            <a:extLst>
+              <a:ext uri="{FF2B5EF4-FFF2-40B4-BE49-F238E27FC236}">
+                <a16:creationId xmlns:a16="http://schemas.microsoft.com/office/drawing/2014/main" id="{5EA0EEA2-AD80-43EC-B687-31E014BC788F}"/>
+              </a:ext>
+            </a:extLst>
+          </p:cNvPr>
+          <p:cNvGraphicFramePr>
+            <a:graphicFrameLocks noGrp="1"/>
+          </p:cNvGraphicFramePr>
+          <p:nvPr>
+            <p:extLst>
+              <p:ext uri="{D42A27DB-BD31-4B8C-83A1-F6EECF244321}">
+                <p14:modId xmlns:p14="http://schemas.microsoft.com/office/powerpoint/2010/main" val="2300179927"/>
+              </p:ext>
+            </p:extLst>
+          </p:nvPr>
+        </p:nvGraphicFramePr>
+        <p:xfrm>
+          <a:off x="9608313" y="3224525"/>
+          <a:ext cx="1832179" cy="2286572"/>
+        </p:xfrm>
+        <a:graphic>
+          <a:graphicData uri="http://purl.oclc.org/ooxml/drawingml/table">
+            <a:tbl>
+              <a:tblPr firstRow="1" firstCol="1" bandRow="1">
+                <a:tableStyleId>{5C22544A-7EE6-4342-B048-85BDC9FD1C3A}</a:tableStyleId>
+              </a:tblPr>
+              <a:tblGrid>
+                <a:gridCol w="1832179">
+                  <a:extLst>
+                    <a:ext uri="{9D8B030D-6E8A-4147-A177-3AD203B41FA5}">
+                      <a16:colId xmlns:a16="http://schemas.microsoft.com/office/drawing/2014/main" val="3656453444"/>
+                    </a:ext>
+                  </a:extLst>
+                </a:gridCol>
+              </a:tblGrid>
+              <a:tr h="154940">
+                <a:tc>
+                  <a:txBody>
+                    <a:bodyPr/>
+                    <a:lstStyle/>
+                    <a:p>
+                      <a:pPr algn="l">
+                        <a:lnSpc>
+                          <a:spcPct val="107%"/>
+                        </a:lnSpc>
+                        <a:spcAft>
+                          <a:spcPts val="0"/>
+                        </a:spcAft>
+                        <a:tabLst>
+                          <a:tab pos="2622550" algn="l"/>
+                        </a:tabLst>
+                      </a:pPr>
+                      <a:r>
+                        <a:rPr lang="fr-FR" sz="1600" dirty="0">
+                          <a:effectLst/>
+                        </a:rPr>
+                        <a:t>Etudiants</a:t>
+                      </a:r>
+                      <a:endParaRPr lang="fr-FR" sz="1100" dirty="0">
+                        <a:effectLst/>
+                        <a:latin typeface="Calibri" panose="020F0502020204030204" pitchFamily="34" charset="0"/>
+                        <a:ea typeface="Calibri" panose="020F0502020204030204" pitchFamily="34" charset="0"/>
+                        <a:cs typeface="Times New Roman" panose="02020603050405020304" pitchFamily="18" charset="0"/>
+                      </a:endParaRPr>
+                    </a:p>
+                  </a:txBody>
+                  <a:tcPr marL="68580" marR="68580" marT="0" marB="0">
+                    <a:solidFill>
+                      <a:schemeClr val="accent5">
+                        <a:lumMod val="75%"/>
+                      </a:schemeClr>
+                    </a:solidFill>
+                  </a:tcPr>
+                </a:tc>
+                <a:extLst>
+                  <a:ext uri="{0D108BD9-81ED-4DB2-BD59-A6C34878D82A}">
+                    <a16:rowId xmlns:a16="http://schemas.microsoft.com/office/drawing/2014/main" val="3435322573"/>
+                  </a:ext>
+                </a:extLst>
+              </a:tr>
+              <a:tr h="666750">
+                <a:tc>
+                  <a:txBody>
+                    <a:bodyPr/>
+                    <a:lstStyle/>
+                    <a:p>
+                      <a:pPr algn="l">
+                        <a:lnSpc>
+                          <a:spcPct val="107%"/>
+                        </a:lnSpc>
+                        <a:spcAft>
+                          <a:spcPts val="0"/>
+                        </a:spcAft>
+                        <a:tabLst>
+                          <a:tab pos="2622550" algn="l"/>
+                        </a:tabLst>
+                      </a:pPr>
+                      <a:r>
+                        <a:rPr lang="fr-FR" sz="1800" dirty="0">
+                          <a:effectLst/>
+                        </a:rPr>
+                        <a:t>MatriculeE</a:t>
+                      </a:r>
+                      <a:endParaRPr lang="fr-FR" sz="1100" dirty="0">
+                        <a:effectLst/>
+                      </a:endParaRPr>
+                    </a:p>
+                    <a:p>
+                      <a:pPr algn="l">
+                        <a:lnSpc>
+                          <a:spcPct val="107%"/>
+                        </a:lnSpc>
+                        <a:spcAft>
+                          <a:spcPts val="0"/>
+                        </a:spcAft>
+                        <a:tabLst>
+                          <a:tab pos="2622550" algn="l"/>
+                        </a:tabLst>
+                      </a:pPr>
+                      <a:r>
+                        <a:rPr lang="fr-FR" sz="1800" dirty="0">
+                          <a:effectLst/>
+                        </a:rPr>
+                        <a:t>NomE</a:t>
+                      </a:r>
+                      <a:endParaRPr lang="fr-FR" sz="1100" dirty="0">
+                        <a:effectLst/>
+                      </a:endParaRPr>
+                    </a:p>
+                    <a:p>
+                      <a:pPr algn="l">
+                        <a:lnSpc>
+                          <a:spcPct val="107%"/>
+                        </a:lnSpc>
+                        <a:spcAft>
+                          <a:spcPts val="0"/>
+                        </a:spcAft>
+                        <a:tabLst>
+                          <a:tab pos="2622550" algn="l"/>
+                        </a:tabLst>
+                      </a:pPr>
+                      <a:r>
+                        <a:rPr lang="fr-FR" sz="1800" dirty="0">
+                          <a:effectLst/>
+                        </a:rPr>
+                        <a:t>PrenomE</a:t>
+                      </a:r>
+                      <a:endParaRPr lang="fr-FR" sz="1100" dirty="0">
+                        <a:effectLst/>
+                      </a:endParaRPr>
+                    </a:p>
+                    <a:p>
+                      <a:pPr algn="l">
+                        <a:lnSpc>
+                          <a:spcPct val="107%"/>
+                        </a:lnSpc>
+                        <a:spcAft>
+                          <a:spcPts val="0"/>
+                        </a:spcAft>
+                        <a:tabLst>
+                          <a:tab pos="2622550" algn="l"/>
+                        </a:tabLst>
+                      </a:pPr>
+                      <a:r>
+                        <a:rPr lang="fr-FR" sz="1800" dirty="0">
+                          <a:effectLst/>
+                        </a:rPr>
+                        <a:t>DateLieuNaiss</a:t>
+                      </a:r>
+                      <a:endParaRPr lang="fr-FR" sz="1100" dirty="0">
+                        <a:effectLst/>
+                      </a:endParaRPr>
+                    </a:p>
+                    <a:p>
+                      <a:pPr algn="l">
+                        <a:lnSpc>
+                          <a:spcPct val="107%"/>
+                        </a:lnSpc>
+                        <a:spcAft>
+                          <a:spcPts val="0"/>
+                        </a:spcAft>
+                        <a:tabLst>
+                          <a:tab pos="2622550" algn="l"/>
+                        </a:tabLst>
+                      </a:pPr>
+                      <a:r>
+                        <a:rPr lang="fr-FR" sz="1800" dirty="0">
+                          <a:effectLst/>
+                        </a:rPr>
+                        <a:t>Nivaux</a:t>
+                      </a:r>
+                      <a:endParaRPr lang="fr-FR" sz="1100" dirty="0">
+                        <a:effectLst/>
+                      </a:endParaRPr>
+                    </a:p>
+                    <a:p>
+                      <a:pPr algn="l">
+                        <a:lnSpc>
+                          <a:spcPct val="107%"/>
+                        </a:lnSpc>
+                        <a:spcAft>
+                          <a:spcPts val="0"/>
+                        </a:spcAft>
+                        <a:tabLst>
+                          <a:tab pos="2622550" algn="l"/>
+                        </a:tabLst>
+                      </a:pPr>
+                      <a:r>
+                        <a:rPr lang="fr-FR" sz="1800" dirty="0">
+                          <a:effectLst/>
+                        </a:rPr>
+                        <a:t>Annee</a:t>
+                      </a:r>
+                      <a:endParaRPr lang="fr-FR" sz="1100" dirty="0">
+                        <a:effectLst/>
+                      </a:endParaRPr>
+                    </a:p>
+                    <a:p>
+                      <a:pPr algn="l">
+                        <a:lnSpc>
+                          <a:spcPct val="107%"/>
+                        </a:lnSpc>
+                        <a:spcAft>
+                          <a:spcPts val="0"/>
+                        </a:spcAft>
+                        <a:tabLst>
+                          <a:tab pos="2622550" algn="l"/>
+                        </a:tabLst>
+                      </a:pPr>
+                      <a:r>
+                        <a:rPr lang="fr-FR" sz="1800" dirty="0">
+                          <a:effectLst/>
+                        </a:rPr>
+                        <a:t>Note</a:t>
+                      </a:r>
+                      <a:endParaRPr lang="fr-FR" sz="1100" dirty="0">
+                        <a:effectLst/>
+                        <a:latin typeface="Calibri" panose="020F0502020204030204" pitchFamily="34" charset="0"/>
+                        <a:ea typeface="Calibri" panose="020F0502020204030204" pitchFamily="34" charset="0"/>
+                        <a:cs typeface="Times New Roman" panose="02020603050405020304" pitchFamily="18" charset="0"/>
+                      </a:endParaRPr>
+                    </a:p>
+                  </a:txBody>
+                  <a:tcPr marL="68580" marR="68580" marT="0" marB="0">
+                    <a:solidFill>
+                      <a:schemeClr val="accent5">
+                        <a:lumMod val="75%"/>
+                      </a:schemeClr>
+                    </a:solidFill>
+                  </a:tcPr>
+                </a:tc>
+                <a:extLst>
+                  <a:ext uri="{0D108BD9-81ED-4DB2-BD59-A6C34878D82A}">
+                    <a16:rowId xmlns:a16="http://schemas.microsoft.com/office/drawing/2014/main" val="3659843477"/>
+                  </a:ext>
+                </a:extLst>
+              </a:tr>
+            </a:tbl>
+          </a:graphicData>
+        </a:graphic>
+      </p:graphicFrame>
+      <p:graphicFrame>
+        <p:nvGraphicFramePr>
+          <p:cNvPr id="9" name="Tableau 8">
+            <a:extLst>
+              <a:ext uri="{FF2B5EF4-FFF2-40B4-BE49-F238E27FC236}">
+                <a16:creationId xmlns:a16="http://schemas.microsoft.com/office/drawing/2014/main" id="{2E3373B0-66AC-4B78-902D-D0F6313E2110}"/>
+              </a:ext>
+            </a:extLst>
+          </p:cNvPr>
+          <p:cNvGraphicFramePr>
+            <a:graphicFrameLocks noGrp="1"/>
+          </p:cNvGraphicFramePr>
+          <p:nvPr>
+            <p:extLst>
+              <p:ext uri="{D42A27DB-BD31-4B8C-83A1-F6EECF244321}">
+                <p14:modId xmlns:p14="http://schemas.microsoft.com/office/powerpoint/2010/main" val="1202466891"/>
+              </p:ext>
+            </p:extLst>
+          </p:nvPr>
+        </p:nvGraphicFramePr>
+        <p:xfrm>
+          <a:off x="346340" y="2888932"/>
+          <a:ext cx="1794826" cy="1080135"/>
+        </p:xfrm>
+        <a:graphic>
+          <a:graphicData uri="http://purl.oclc.org/ooxml/drawingml/table">
+            <a:tbl>
+              <a:tblPr firstRow="1" firstCol="1" bandRow="1">
+                <a:tableStyleId>{5C22544A-7EE6-4342-B048-85BDC9FD1C3A}</a:tableStyleId>
+              </a:tblPr>
+              <a:tblGrid>
+                <a:gridCol w="1794826">
+                  <a:extLst>
+                    <a:ext uri="{9D8B030D-6E8A-4147-A177-3AD203B41FA5}">
+                      <a16:colId xmlns:a16="http://schemas.microsoft.com/office/drawing/2014/main" val="1930041939"/>
+                    </a:ext>
+                  </a:extLst>
+                </a:gridCol>
+              </a:tblGrid>
+              <a:tr h="380365">
+                <a:tc>
+                  <a:txBody>
+                    <a:bodyPr/>
+                    <a:lstStyle/>
+                    <a:p>
+                      <a:pPr algn="l">
+                        <a:lnSpc>
+                          <a:spcPct val="107%"/>
+                        </a:lnSpc>
+                        <a:spcAft>
+                          <a:spcPts val="0"/>
+                        </a:spcAft>
+                      </a:pPr>
+                      <a:r>
+                        <a:rPr lang="fr-FR" sz="1800" dirty="0">
+                          <a:effectLst/>
+                        </a:rPr>
+                        <a:t>Mot_de_passe</a:t>
+                      </a:r>
+                      <a:endParaRPr lang="fr-FR" sz="1800" dirty="0">
+                        <a:effectLst/>
+                        <a:latin typeface="Calibri" panose="020F0502020204030204" pitchFamily="34" charset="0"/>
+                        <a:ea typeface="Calibri" panose="020F0502020204030204" pitchFamily="34" charset="0"/>
+                        <a:cs typeface="Times New Roman" panose="02020603050405020304" pitchFamily="18" charset="0"/>
+                      </a:endParaRPr>
+                    </a:p>
+                  </a:txBody>
+                  <a:tcPr marL="68580" marR="68580" marT="0" marB="0">
+                    <a:solidFill>
+                      <a:schemeClr val="accent5">
+                        <a:lumMod val="75%"/>
+                      </a:schemeClr>
+                    </a:solidFill>
+                  </a:tcPr>
+                </a:tc>
+                <a:extLst>
+                  <a:ext uri="{0D108BD9-81ED-4DB2-BD59-A6C34878D82A}">
+                    <a16:rowId xmlns:a16="http://schemas.microsoft.com/office/drawing/2014/main" val="1801321531"/>
+                  </a:ext>
+                </a:extLst>
+              </a:tr>
+              <a:tr h="699770">
+                <a:tc>
+                  <a:txBody>
+                    <a:bodyPr/>
+                    <a:lstStyle/>
+                    <a:p>
+                      <a:pPr algn="l">
+                        <a:lnSpc>
+                          <a:spcPct val="107%"/>
+                        </a:lnSpc>
+                        <a:spcAft>
+                          <a:spcPts val="0"/>
+                        </a:spcAft>
+                      </a:pPr>
+                      <a:r>
+                        <a:rPr lang="fr-FR" sz="1800" dirty="0">
+                          <a:effectLst/>
+                        </a:rPr>
+                        <a:t>MotDePasse</a:t>
+                      </a:r>
+                      <a:endParaRPr lang="fr-FR" sz="1800" dirty="0">
+                        <a:effectLst/>
+                        <a:latin typeface="Calibri" panose="020F0502020204030204" pitchFamily="34" charset="0"/>
+                        <a:ea typeface="Calibri" panose="020F0502020204030204" pitchFamily="34" charset="0"/>
+                        <a:cs typeface="Times New Roman" panose="02020603050405020304" pitchFamily="18" charset="0"/>
+                      </a:endParaRPr>
+                    </a:p>
+                  </a:txBody>
+                  <a:tcPr marL="68580" marR="68580" marT="0" marB="0">
+                    <a:solidFill>
+                      <a:schemeClr val="accent5">
+                        <a:lumMod val="75%"/>
+                      </a:schemeClr>
+                    </a:solidFill>
+                  </a:tcPr>
+                </a:tc>
+                <a:extLst>
+                  <a:ext uri="{0D108BD9-81ED-4DB2-BD59-A6C34878D82A}">
+                    <a16:rowId xmlns:a16="http://schemas.microsoft.com/office/drawing/2014/main" val="4236220340"/>
+                  </a:ext>
+                </a:extLst>
+              </a:tr>
+            </a:tbl>
+          </a:graphicData>
+        </a:graphic>
+      </p:graphicFrame>
+      <p:graphicFrame>
+        <p:nvGraphicFramePr>
+          <p:cNvPr id="10" name="Tableau 9">
+            <a:extLst>
+              <a:ext uri="{FF2B5EF4-FFF2-40B4-BE49-F238E27FC236}">
+                <a16:creationId xmlns:a16="http://schemas.microsoft.com/office/drawing/2014/main" id="{E7A224CA-7F31-4814-A05B-55950C6EBC10}"/>
+              </a:ext>
+            </a:extLst>
+          </p:cNvPr>
+          <p:cNvGraphicFramePr>
+            <a:graphicFrameLocks noGrp="1"/>
+          </p:cNvGraphicFramePr>
+          <p:nvPr>
+            <p:extLst>
+              <p:ext uri="{D42A27DB-BD31-4B8C-83A1-F6EECF244321}">
+                <p14:modId xmlns:p14="http://schemas.microsoft.com/office/powerpoint/2010/main" val="699685038"/>
+              </p:ext>
+            </p:extLst>
+          </p:nvPr>
+        </p:nvGraphicFramePr>
+        <p:xfrm>
+          <a:off x="470033" y="4068618"/>
+          <a:ext cx="1448435" cy="2580069"/>
+        </p:xfrm>
+        <a:graphic>
+          <a:graphicData uri="http://purl.oclc.org/ooxml/drawingml/table">
+            <a:tbl>
+              <a:tblPr firstRow="1" firstCol="1" bandRow="1">
+                <a:tableStyleId>{5C22544A-7EE6-4342-B048-85BDC9FD1C3A}</a:tableStyleId>
+              </a:tblPr>
+              <a:tblGrid>
+                <a:gridCol w="1448435">
+                  <a:extLst>
+                    <a:ext uri="{9D8B030D-6E8A-4147-A177-3AD203B41FA5}">
+                      <a16:colId xmlns:a16="http://schemas.microsoft.com/office/drawing/2014/main" val="1094641086"/>
+                    </a:ext>
+                  </a:extLst>
+                </a:gridCol>
+              </a:tblGrid>
+              <a:tr h="154940">
+                <a:tc>
+                  <a:txBody>
+                    <a:bodyPr/>
+                    <a:lstStyle/>
+                    <a:p>
+                      <a:pPr algn="l">
+                        <a:lnSpc>
+                          <a:spcPct val="107%"/>
+                        </a:lnSpc>
+                        <a:spcAft>
+                          <a:spcPts val="0"/>
+                        </a:spcAft>
+                        <a:tabLst>
+                          <a:tab pos="2622550" algn="l"/>
+                        </a:tabLst>
+                      </a:pPr>
+                      <a:r>
+                        <a:rPr lang="fr-FR" sz="1600" dirty="0">
+                          <a:effectLst/>
+                        </a:rPr>
+                        <a:t>Reclamation</a:t>
+                      </a:r>
+                      <a:endParaRPr lang="fr-FR" sz="1100" dirty="0">
+                        <a:effectLst/>
+                        <a:latin typeface="Calibri" panose="020F0502020204030204" pitchFamily="34" charset="0"/>
+                        <a:ea typeface="Calibri" panose="020F0502020204030204" pitchFamily="34" charset="0"/>
+                        <a:cs typeface="Times New Roman" panose="02020603050405020304" pitchFamily="18" charset="0"/>
+                      </a:endParaRPr>
+                    </a:p>
+                  </a:txBody>
+                  <a:tcPr marL="68580" marR="68580" marT="0" marB="0">
+                    <a:solidFill>
+                      <a:schemeClr val="accent5">
+                        <a:lumMod val="75%"/>
+                      </a:schemeClr>
+                    </a:solidFill>
+                  </a:tcPr>
+                </a:tc>
+                <a:extLst>
+                  <a:ext uri="{0D108BD9-81ED-4DB2-BD59-A6C34878D82A}">
+                    <a16:rowId xmlns:a16="http://schemas.microsoft.com/office/drawing/2014/main" val="2061499920"/>
+                  </a:ext>
+                </a:extLst>
+              </a:tr>
+              <a:tr h="666750">
+                <a:tc>
+                  <a:txBody>
+                    <a:bodyPr/>
+                    <a:lstStyle/>
+                    <a:p>
+                      <a:pPr algn="l">
+                        <a:lnSpc>
+                          <a:spcPct val="107%"/>
+                        </a:lnSpc>
+                        <a:spcAft>
+                          <a:spcPts val="0"/>
+                        </a:spcAft>
+                        <a:tabLst>
+                          <a:tab pos="2622550" algn="l"/>
+                        </a:tabLst>
+                      </a:pPr>
+                      <a:r>
+                        <a:rPr lang="fr-FR" sz="1800" dirty="0">
+                          <a:effectLst/>
+                        </a:rPr>
+                        <a:t>MatriculeE</a:t>
+                      </a:r>
+                      <a:endParaRPr lang="fr-FR" sz="1100" dirty="0">
+                        <a:effectLst/>
+                      </a:endParaRPr>
+                    </a:p>
+                    <a:p>
+                      <a:pPr algn="l">
+                        <a:lnSpc>
+                          <a:spcPct val="107%"/>
+                        </a:lnSpc>
+                        <a:spcAft>
+                          <a:spcPts val="0"/>
+                        </a:spcAft>
+                        <a:tabLst>
+                          <a:tab pos="2622550" algn="l"/>
+                        </a:tabLst>
+                      </a:pPr>
+                      <a:r>
+                        <a:rPr lang="fr-FR" sz="1800" dirty="0">
+                          <a:effectLst/>
+                        </a:rPr>
+                        <a:t>NomE</a:t>
+                      </a:r>
+                      <a:endParaRPr lang="fr-FR" sz="1100" dirty="0">
+                        <a:effectLst/>
+                      </a:endParaRPr>
+                    </a:p>
+                    <a:p>
+                      <a:pPr algn="l">
+                        <a:lnSpc>
+                          <a:spcPct val="107%"/>
+                        </a:lnSpc>
+                        <a:spcAft>
+                          <a:spcPts val="0"/>
+                        </a:spcAft>
+                        <a:tabLst>
+                          <a:tab pos="2622550" algn="l"/>
+                        </a:tabLst>
+                      </a:pPr>
+                      <a:r>
+                        <a:rPr lang="fr-FR" sz="1800" dirty="0">
+                          <a:effectLst/>
+                        </a:rPr>
+                        <a:t>PrenomE</a:t>
+                      </a:r>
+                      <a:endParaRPr lang="fr-FR" sz="1100" dirty="0">
+                        <a:effectLst/>
+                      </a:endParaRPr>
+                    </a:p>
+                    <a:p>
+                      <a:pPr algn="l">
+                        <a:lnSpc>
+                          <a:spcPct val="107%"/>
+                        </a:lnSpc>
+                        <a:spcAft>
+                          <a:spcPts val="0"/>
+                        </a:spcAft>
+                        <a:tabLst>
+                          <a:tab pos="2622550" algn="l"/>
+                        </a:tabLst>
+                      </a:pPr>
+                      <a:r>
+                        <a:rPr lang="fr-FR" sz="1800" dirty="0">
+                          <a:effectLst/>
+                        </a:rPr>
+                        <a:t>DateLieuNaiss</a:t>
+                      </a:r>
+                      <a:endParaRPr lang="fr-FR" sz="1100" dirty="0">
+                        <a:effectLst/>
+                      </a:endParaRPr>
+                    </a:p>
+                    <a:p>
+                      <a:pPr algn="l">
+                        <a:lnSpc>
+                          <a:spcPct val="107%"/>
+                        </a:lnSpc>
+                        <a:spcAft>
+                          <a:spcPts val="0"/>
+                        </a:spcAft>
+                        <a:tabLst>
+                          <a:tab pos="2622550" algn="l"/>
+                        </a:tabLst>
+                      </a:pPr>
+                      <a:r>
+                        <a:rPr lang="fr-FR" sz="1800" dirty="0">
+                          <a:effectLst/>
+                        </a:rPr>
+                        <a:t>Nivaux</a:t>
+                      </a:r>
+                      <a:endParaRPr lang="fr-FR" sz="1100" dirty="0">
+                        <a:effectLst/>
+                      </a:endParaRPr>
+                    </a:p>
+                    <a:p>
+                      <a:pPr algn="l">
+                        <a:lnSpc>
+                          <a:spcPct val="107%"/>
+                        </a:lnSpc>
+                        <a:spcAft>
+                          <a:spcPts val="0"/>
+                        </a:spcAft>
+                        <a:tabLst>
+                          <a:tab pos="2622550" algn="l"/>
+                        </a:tabLst>
+                      </a:pPr>
+                      <a:r>
+                        <a:rPr lang="fr-FR" sz="1800" dirty="0">
+                          <a:effectLst/>
+                        </a:rPr>
+                        <a:t>Annee</a:t>
+                      </a:r>
+                      <a:endParaRPr lang="fr-FR" sz="1100" dirty="0">
+                        <a:effectLst/>
+                      </a:endParaRPr>
+                    </a:p>
+                    <a:p>
+                      <a:pPr algn="l">
+                        <a:lnSpc>
+                          <a:spcPct val="107%"/>
+                        </a:lnSpc>
+                        <a:spcAft>
+                          <a:spcPts val="0"/>
+                        </a:spcAft>
+                        <a:tabLst>
+                          <a:tab pos="2622550" algn="l"/>
+                        </a:tabLst>
+                      </a:pPr>
+                      <a:r>
+                        <a:rPr lang="fr-FR" sz="1800" dirty="0">
+                          <a:effectLst/>
+                        </a:rPr>
+                        <a:t>Note</a:t>
+                      </a:r>
+                      <a:endParaRPr lang="fr-FR" sz="1100" dirty="0">
+                        <a:effectLst/>
+                        <a:latin typeface="Calibri" panose="020F0502020204030204" pitchFamily="34" charset="0"/>
+                        <a:ea typeface="Calibri" panose="020F0502020204030204" pitchFamily="34" charset="0"/>
+                        <a:cs typeface="Times New Roman" panose="02020603050405020304" pitchFamily="18" charset="0"/>
+                      </a:endParaRPr>
+                    </a:p>
+                  </a:txBody>
+                  <a:tcPr marL="68580" marR="68580" marT="0" marB="0">
+                    <a:solidFill>
+                      <a:schemeClr val="accent5">
+                        <a:lumMod val="75%"/>
+                      </a:schemeClr>
+                    </a:solidFill>
+                  </a:tcPr>
+                </a:tc>
+                <a:extLst>
+                  <a:ext uri="{0D108BD9-81ED-4DB2-BD59-A6C34878D82A}">
+                    <a16:rowId xmlns:a16="http://schemas.microsoft.com/office/drawing/2014/main" val="1274360485"/>
+                  </a:ext>
+                </a:extLst>
+              </a:tr>
+            </a:tbl>
+          </a:graphicData>
+        </a:graphic>
+      </p:graphicFrame>
+      <p:graphicFrame>
+        <p:nvGraphicFramePr>
+          <p:cNvPr id="3" name="Tableau 2">
+            <a:extLst>
+              <a:ext uri="{FF2B5EF4-FFF2-40B4-BE49-F238E27FC236}">
+                <a16:creationId xmlns:a16="http://schemas.microsoft.com/office/drawing/2014/main" id="{84F5221C-70D9-476F-BD12-A464EC4755E5}"/>
+              </a:ext>
+            </a:extLst>
+          </p:cNvPr>
+          <p:cNvGraphicFramePr>
+            <a:graphicFrameLocks noGrp="1"/>
+          </p:cNvGraphicFramePr>
+          <p:nvPr>
+            <p:extLst>
+              <p:ext uri="{D42A27DB-BD31-4B8C-83A1-F6EECF244321}">
+                <p14:modId xmlns:p14="http://schemas.microsoft.com/office/powerpoint/2010/main" val="750108435"/>
+              </p:ext>
+            </p:extLst>
+          </p:nvPr>
+        </p:nvGraphicFramePr>
+        <p:xfrm>
+          <a:off x="2303717" y="2106700"/>
+          <a:ext cx="1486535" cy="952627"/>
+        </p:xfrm>
+        <a:graphic>
+          <a:graphicData uri="http://purl.oclc.org/ooxml/drawingml/table">
+            <a:tbl>
+              <a:tblPr firstRow="1" firstCol="1" bandRow="1">
+                <a:tableStyleId>{5C22544A-7EE6-4342-B048-85BDC9FD1C3A}</a:tableStyleId>
+              </a:tblPr>
+              <a:tblGrid>
+                <a:gridCol w="1486535">
+                  <a:extLst>
+                    <a:ext uri="{9D8B030D-6E8A-4147-A177-3AD203B41FA5}">
+                      <a16:colId xmlns:a16="http://schemas.microsoft.com/office/drawing/2014/main" val="3619008041"/>
+                    </a:ext>
+                  </a:extLst>
+                </a:gridCol>
+              </a:tblGrid>
+              <a:tr h="254000">
+                <a:tc>
+                  <a:txBody>
+                    <a:bodyPr/>
+                    <a:lstStyle/>
+                    <a:p>
+                      <a:pPr algn="l">
+                        <a:lnSpc>
+                          <a:spcPct val="107%"/>
+                        </a:lnSpc>
+                        <a:spcAft>
+                          <a:spcPts val="0"/>
+                        </a:spcAft>
+                        <a:tabLst>
+                          <a:tab pos="5114925" algn="l"/>
+                        </a:tabLst>
+                      </a:pPr>
+                      <a:r>
+                        <a:rPr lang="fr-FR" sz="1800" dirty="0">
+                          <a:effectLst/>
+                        </a:rPr>
+                        <a:t>Connexion</a:t>
+                      </a:r>
+                      <a:endParaRPr lang="fr-FR" sz="1800" dirty="0">
+                        <a:effectLst/>
+                        <a:latin typeface="Calibri" panose="020F0502020204030204" pitchFamily="34" charset="0"/>
+                        <a:ea typeface="Calibri" panose="020F0502020204030204" pitchFamily="34" charset="0"/>
+                        <a:cs typeface="Times New Roman" panose="02020603050405020304" pitchFamily="18" charset="0"/>
+                      </a:endParaRPr>
+                    </a:p>
+                  </a:txBody>
+                  <a:tcPr marL="68580" marR="68580" marT="0" marB="0">
+                    <a:solidFill>
+                      <a:schemeClr val="accent5">
+                        <a:lumMod val="75%"/>
+                      </a:schemeClr>
+                    </a:solidFill>
+                  </a:tcPr>
+                </a:tc>
+                <a:extLst>
+                  <a:ext uri="{0D108BD9-81ED-4DB2-BD59-A6C34878D82A}">
+                    <a16:rowId xmlns:a16="http://schemas.microsoft.com/office/drawing/2014/main" val="2153156453"/>
+                  </a:ext>
+                </a:extLst>
+              </a:tr>
+              <a:tr h="674370">
+                <a:tc>
+                  <a:txBody>
+                    <a:bodyPr/>
+                    <a:lstStyle/>
+                    <a:p>
+                      <a:pPr algn="l">
+                        <a:lnSpc>
+                          <a:spcPct val="107%"/>
+                        </a:lnSpc>
+                        <a:spcAft>
+                          <a:spcPts val="0"/>
+                        </a:spcAft>
+                        <a:tabLst>
+                          <a:tab pos="5114925" algn="l"/>
+                        </a:tabLst>
+                      </a:pPr>
+                      <a:r>
+                        <a:rPr lang="fr-FR" sz="1800" dirty="0">
+                          <a:effectLst/>
+                        </a:rPr>
+                        <a:t>IdAgent</a:t>
+                      </a:r>
+                    </a:p>
+                    <a:p>
+                      <a:pPr algn="l">
+                        <a:lnSpc>
+                          <a:spcPct val="107%"/>
+                        </a:lnSpc>
+                        <a:spcAft>
+                          <a:spcPts val="0"/>
+                        </a:spcAft>
+                        <a:tabLst>
+                          <a:tab pos="5114925" algn="l"/>
+                        </a:tabLst>
+                      </a:pPr>
+                      <a:r>
+                        <a:rPr lang="fr-FR" sz="1800" dirty="0">
+                          <a:effectLst/>
+                        </a:rPr>
+                        <a:t>DateC</a:t>
+                      </a:r>
+                      <a:endParaRPr lang="fr-FR" sz="1800" dirty="0">
+                        <a:effectLst/>
+                        <a:latin typeface="Calibri" panose="020F0502020204030204" pitchFamily="34" charset="0"/>
+                        <a:ea typeface="Calibri" panose="020F0502020204030204" pitchFamily="34" charset="0"/>
+                        <a:cs typeface="Times New Roman" panose="02020603050405020304" pitchFamily="18" charset="0"/>
+                      </a:endParaRPr>
+                    </a:p>
+                  </a:txBody>
+                  <a:tcPr marL="68580" marR="68580" marT="0" marB="0">
+                    <a:solidFill>
+                      <a:schemeClr val="accent5">
+                        <a:lumMod val="75%"/>
+                      </a:schemeClr>
+                    </a:solidFill>
+                  </a:tcPr>
+                </a:tc>
+                <a:extLst>
+                  <a:ext uri="{0D108BD9-81ED-4DB2-BD59-A6C34878D82A}">
+                    <a16:rowId xmlns:a16="http://schemas.microsoft.com/office/drawing/2014/main" val="1846424830"/>
+                  </a:ext>
+                </a:extLst>
+              </a:tr>
+            </a:tbl>
+          </a:graphicData>
+        </a:graphic>
+      </p:graphicFrame>
+      <p:graphicFrame>
+        <p:nvGraphicFramePr>
+          <p:cNvPr id="6" name="Tableau 5">
+            <a:extLst>
+              <a:ext uri="{FF2B5EF4-FFF2-40B4-BE49-F238E27FC236}">
+                <a16:creationId xmlns:a16="http://schemas.microsoft.com/office/drawing/2014/main" id="{7F20551E-FF16-40B5-B307-5A388CE30732}"/>
+              </a:ext>
+            </a:extLst>
+          </p:cNvPr>
+          <p:cNvGraphicFramePr>
+            <a:graphicFrameLocks noGrp="1"/>
+          </p:cNvGraphicFramePr>
+          <p:nvPr>
+            <p:extLst>
+              <p:ext uri="{D42A27DB-BD31-4B8C-83A1-F6EECF244321}">
+                <p14:modId xmlns:p14="http://schemas.microsoft.com/office/powerpoint/2010/main" val="1536890926"/>
+              </p:ext>
+            </p:extLst>
+          </p:nvPr>
+        </p:nvGraphicFramePr>
+        <p:xfrm>
+          <a:off x="7523173" y="2051532"/>
+          <a:ext cx="1757154" cy="894842"/>
+        </p:xfrm>
+        <a:graphic>
+          <a:graphicData uri="http://purl.oclc.org/ooxml/drawingml/table">
+            <a:tbl>
+              <a:tblPr firstRow="1" firstCol="1" bandRow="1">
+                <a:tableStyleId>{5C22544A-7EE6-4342-B048-85BDC9FD1C3A}</a:tableStyleId>
+              </a:tblPr>
+              <a:tblGrid>
+                <a:gridCol w="1757154">
+                  <a:extLst>
+                    <a:ext uri="{9D8B030D-6E8A-4147-A177-3AD203B41FA5}">
+                      <a16:colId xmlns:a16="http://schemas.microsoft.com/office/drawing/2014/main" val="1724766518"/>
+                    </a:ext>
+                  </a:extLst>
+                </a:gridCol>
+              </a:tblGrid>
+              <a:tr h="240030">
+                <a:tc>
+                  <a:txBody>
+                    <a:bodyPr/>
+                    <a:lstStyle/>
+                    <a:p>
+                      <a:pPr algn="l">
+                        <a:lnSpc>
+                          <a:spcPct val="107%"/>
+                        </a:lnSpc>
+                        <a:spcAft>
+                          <a:spcPts val="0"/>
+                        </a:spcAft>
+                      </a:pPr>
+                      <a:r>
+                        <a:rPr lang="fr-FR" sz="1800" dirty="0">
+                          <a:effectLst/>
+                        </a:rPr>
+                        <a:t>     Periode</a:t>
+                      </a:r>
+                      <a:endParaRPr lang="fr-FR" sz="1800" dirty="0">
+                        <a:effectLst/>
+                        <a:latin typeface="Calibri" panose="020F0502020204030204" pitchFamily="34" charset="0"/>
+                        <a:ea typeface="Calibri" panose="020F0502020204030204" pitchFamily="34" charset="0"/>
+                        <a:cs typeface="Times New Roman" panose="02020603050405020304" pitchFamily="18" charset="0"/>
+                      </a:endParaRPr>
+                    </a:p>
+                  </a:txBody>
+                  <a:tcPr marL="68580" marR="68580" marT="0" marB="0">
+                    <a:solidFill>
+                      <a:schemeClr val="accent5">
+                        <a:lumMod val="75%"/>
+                      </a:schemeClr>
+                    </a:solidFill>
+                  </a:tcPr>
+                </a:tc>
+                <a:extLst>
+                  <a:ext uri="{0D108BD9-81ED-4DB2-BD59-A6C34878D82A}">
+                    <a16:rowId xmlns:a16="http://schemas.microsoft.com/office/drawing/2014/main" val="2005344788"/>
+                  </a:ext>
+                </a:extLst>
+              </a:tr>
+              <a:tr h="616585">
+                <a:tc>
+                  <a:txBody>
+                    <a:bodyPr/>
+                    <a:lstStyle/>
+                    <a:p>
+                      <a:pPr algn="l">
+                        <a:lnSpc>
+                          <a:spcPct val="107%"/>
+                        </a:lnSpc>
+                        <a:spcAft>
+                          <a:spcPts val="0"/>
+                        </a:spcAft>
+                      </a:pPr>
+                      <a:r>
+                        <a:rPr lang="fr-FR" sz="1800" dirty="0">
+                          <a:effectLst/>
+                        </a:rPr>
+                        <a:t>       Annee</a:t>
+                      </a:r>
+                      <a:endParaRPr lang="fr-FR" sz="1800" dirty="0">
+                        <a:effectLst/>
+                        <a:latin typeface="Calibri" panose="020F0502020204030204" pitchFamily="34" charset="0"/>
+                        <a:ea typeface="Calibri" panose="020F0502020204030204" pitchFamily="34" charset="0"/>
+                        <a:cs typeface="Times New Roman" panose="02020603050405020304" pitchFamily="18" charset="0"/>
+                      </a:endParaRPr>
+                    </a:p>
+                  </a:txBody>
+                  <a:tcPr marL="68580" marR="68580" marT="0" marB="0">
+                    <a:solidFill>
+                      <a:schemeClr val="accent5">
+                        <a:lumMod val="75%"/>
+                      </a:schemeClr>
+                    </a:solidFill>
+                  </a:tcPr>
+                </a:tc>
+                <a:extLst>
+                  <a:ext uri="{0D108BD9-81ED-4DB2-BD59-A6C34878D82A}">
+                    <a16:rowId xmlns:a16="http://schemas.microsoft.com/office/drawing/2014/main" val="1572154987"/>
+                  </a:ext>
+                </a:extLst>
+              </a:tr>
+            </a:tbl>
+          </a:graphicData>
+        </a:graphic>
+      </p:graphicFrame>
+      <p:graphicFrame>
+        <p:nvGraphicFramePr>
+          <p:cNvPr id="17" name="Tableau 16">
+            <a:extLst>
+              <a:ext uri="{FF2B5EF4-FFF2-40B4-BE49-F238E27FC236}">
+                <a16:creationId xmlns:a16="http://schemas.microsoft.com/office/drawing/2014/main" id="{4EADCBD8-A26C-4F65-AF07-1DAC359D580F}"/>
+              </a:ext>
+            </a:extLst>
+          </p:cNvPr>
+          <p:cNvGraphicFramePr>
+            <a:graphicFrameLocks noGrp="1"/>
+          </p:cNvGraphicFramePr>
+          <p:nvPr>
+            <p:extLst>
+              <p:ext uri="{D42A27DB-BD31-4B8C-83A1-F6EECF244321}">
+                <p14:modId xmlns:p14="http://schemas.microsoft.com/office/powerpoint/2010/main" val="3468269499"/>
+              </p:ext>
+            </p:extLst>
+          </p:nvPr>
+        </p:nvGraphicFramePr>
+        <p:xfrm>
+          <a:off x="6499895" y="5612490"/>
+          <a:ext cx="1486535" cy="921703"/>
+        </p:xfrm>
+        <a:graphic>
+          <a:graphicData uri="http://purl.oclc.org/ooxml/drawingml/table">
+            <a:tbl>
+              <a:tblPr firstRow="1" firstCol="1" bandRow="1">
+                <a:tableStyleId>{5C22544A-7EE6-4342-B048-85BDC9FD1C3A}</a:tableStyleId>
+              </a:tblPr>
+              <a:tblGrid>
+                <a:gridCol w="1486535">
+                  <a:extLst>
+                    <a:ext uri="{9D8B030D-6E8A-4147-A177-3AD203B41FA5}">
+                      <a16:colId xmlns:a16="http://schemas.microsoft.com/office/drawing/2014/main" val="439396580"/>
+                    </a:ext>
+                  </a:extLst>
+                </a:gridCol>
+              </a:tblGrid>
+              <a:tr h="0">
+                <a:tc>
+                  <a:txBody>
+                    <a:bodyPr/>
+                    <a:lstStyle/>
+                    <a:p>
+                      <a:pPr algn="l">
+                        <a:lnSpc>
+                          <a:spcPct val="107%"/>
+                        </a:lnSpc>
+                        <a:spcAft>
+                          <a:spcPts val="0"/>
+                        </a:spcAft>
+                        <a:tabLst>
+                          <a:tab pos="5114925" algn="l"/>
+                        </a:tabLst>
+                      </a:pPr>
+                      <a:r>
+                        <a:rPr lang="fr-FR" sz="1600" dirty="0">
+                          <a:effectLst/>
+                        </a:rPr>
+                        <a:t>Evenement</a:t>
+                      </a:r>
+                      <a:endParaRPr lang="fr-FR" sz="1100" dirty="0">
+                        <a:effectLst/>
+                        <a:latin typeface="Calibri" panose="020F0502020204030204" pitchFamily="34" charset="0"/>
+                        <a:ea typeface="Calibri" panose="020F0502020204030204" pitchFamily="34" charset="0"/>
+                        <a:cs typeface="Times New Roman" panose="02020603050405020304" pitchFamily="18" charset="0"/>
+                      </a:endParaRPr>
+                    </a:p>
+                  </a:txBody>
+                  <a:tcPr marL="68580" marR="68580" marT="0" marB="0">
+                    <a:solidFill>
+                      <a:schemeClr val="accent5">
+                        <a:lumMod val="75%"/>
+                      </a:schemeClr>
+                    </a:solidFill>
+                  </a:tcPr>
+                </a:tc>
+                <a:extLst>
+                  <a:ext uri="{0D108BD9-81ED-4DB2-BD59-A6C34878D82A}">
+                    <a16:rowId xmlns:a16="http://schemas.microsoft.com/office/drawing/2014/main" val="2975047337"/>
+                  </a:ext>
+                </a:extLst>
+              </a:tr>
+              <a:tr h="674370">
+                <a:tc>
+                  <a:txBody>
+                    <a:bodyPr/>
+                    <a:lstStyle/>
+                    <a:p>
+                      <a:pPr algn="l">
+                        <a:lnSpc>
+                          <a:spcPct val="107%"/>
+                        </a:lnSpc>
+                        <a:spcAft>
+                          <a:spcPts val="0"/>
+                        </a:spcAft>
+                        <a:tabLst>
+                          <a:tab pos="5114925" algn="l"/>
+                        </a:tabLst>
+                      </a:pPr>
+                      <a:r>
+                        <a:rPr lang="fr-FR" sz="1400" dirty="0">
+                          <a:effectLst/>
+                        </a:rPr>
+                        <a:t>Titre</a:t>
+                      </a:r>
+                      <a:endParaRPr lang="fr-FR" sz="1100" dirty="0">
+                        <a:effectLst/>
+                      </a:endParaRPr>
+                    </a:p>
+                    <a:p>
+                      <a:pPr algn="l">
+                        <a:lnSpc>
+                          <a:spcPct val="107%"/>
+                        </a:lnSpc>
+                        <a:spcAft>
+                          <a:spcPts val="0"/>
+                        </a:spcAft>
+                        <a:tabLst>
+                          <a:tab pos="5114925" algn="l"/>
+                        </a:tabLst>
+                      </a:pPr>
+                      <a:r>
+                        <a:rPr lang="fr-FR" sz="1200" dirty="0">
+                          <a:effectLst/>
+                        </a:rPr>
+                        <a:t>DateE</a:t>
+                      </a:r>
+                      <a:endParaRPr lang="fr-FR" sz="1100" dirty="0">
+                        <a:effectLst/>
+                        <a:latin typeface="Calibri" panose="020F0502020204030204" pitchFamily="34" charset="0"/>
+                        <a:ea typeface="Calibri" panose="020F0502020204030204" pitchFamily="34" charset="0"/>
+                        <a:cs typeface="Times New Roman" panose="02020603050405020304" pitchFamily="18" charset="0"/>
+                      </a:endParaRPr>
+                    </a:p>
+                  </a:txBody>
+                  <a:tcPr marL="68580" marR="68580" marT="0" marB="0">
+                    <a:solidFill>
+                      <a:schemeClr val="accent5">
+                        <a:lumMod val="75%"/>
+                      </a:schemeClr>
+                    </a:solidFill>
+                  </a:tcPr>
+                </a:tc>
+                <a:extLst>
+                  <a:ext uri="{0D108BD9-81ED-4DB2-BD59-A6C34878D82A}">
+                    <a16:rowId xmlns:a16="http://schemas.microsoft.com/office/drawing/2014/main" val="1460236871"/>
+                  </a:ext>
+                </a:extLst>
+              </a:tr>
+            </a:tbl>
+          </a:graphicData>
+        </a:graphic>
+      </p:graphicFrame>
+      <p:cxnSp>
+        <p:nvCxnSpPr>
+          <p:cNvPr id="19" name="Connecteur droit avec flèche 18">
+            <a:extLst>
+              <a:ext uri="{FF2B5EF4-FFF2-40B4-BE49-F238E27FC236}">
+                <a16:creationId xmlns:a16="http://schemas.microsoft.com/office/drawing/2014/main" id="{0FBDF689-6975-4DA8-9046-0A9402F30A4F}"/>
+              </a:ext>
+            </a:extLst>
+          </p:cNvPr>
+          <p:cNvCxnSpPr>
+            <a:cxnSpLocks/>
+          </p:cNvCxnSpPr>
+          <p:nvPr/>
+        </p:nvCxnSpPr>
+        <p:spPr>
+          <a:xfrm>
+            <a:off x="2141166" y="3196048"/>
+            <a:ext cx="3241613" cy="956405"/>
+          </a:xfrm>
+          <a:prstGeom prst="straightConnector1">
+            <a:avLst/>
+          </a:prstGeom>
+          <a:ln>
+            <a:solidFill>
+              <a:schemeClr val="tx1"/>
+            </a:solidFill>
+            <a:headEnd type="triangle"/>
+            <a:tailEnd type="triangle"/>
+          </a:ln>
+        </p:spPr>
+        <p:style>
+          <a:lnRef idx="1">
+            <a:schemeClr val="accent1"/>
+          </a:lnRef>
+          <a:fillRef idx="0">
+            <a:schemeClr val="accent1"/>
+          </a:fillRef>
+          <a:effectRef idx="0">
+            <a:schemeClr val="accent1"/>
+          </a:effectRef>
+          <a:fontRef idx="minor">
+            <a:schemeClr val="tx1"/>
+          </a:fontRef>
+        </p:style>
+      </p:cxnSp>
+      <p:cxnSp>
+        <p:nvCxnSpPr>
+          <p:cNvPr id="23" name="Connecteur droit avec flèche 22">
+            <a:extLst>
+              <a:ext uri="{FF2B5EF4-FFF2-40B4-BE49-F238E27FC236}">
+                <a16:creationId xmlns:a16="http://schemas.microsoft.com/office/drawing/2014/main" id="{DCE82923-5778-4610-A878-04C672E20B86}"/>
+              </a:ext>
+            </a:extLst>
+          </p:cNvPr>
+          <p:cNvCxnSpPr>
+            <a:cxnSpLocks/>
+          </p:cNvCxnSpPr>
+          <p:nvPr/>
+        </p:nvCxnSpPr>
+        <p:spPr>
+          <a:xfrm>
+            <a:off x="7175960" y="4993367"/>
+            <a:ext cx="422777" cy="619123"/>
+          </a:xfrm>
+          <a:prstGeom prst="straightConnector1">
+            <a:avLst/>
+          </a:prstGeom>
+          <a:ln>
+            <a:solidFill>
+              <a:schemeClr val="tx1"/>
+            </a:solidFill>
+            <a:headEnd type="triangle"/>
+            <a:tailEnd type="triangle"/>
+          </a:ln>
+        </p:spPr>
+        <p:style>
+          <a:lnRef idx="1">
+            <a:schemeClr val="accent1"/>
+          </a:lnRef>
+          <a:fillRef idx="0">
+            <a:schemeClr val="accent1"/>
+          </a:fillRef>
+          <a:effectRef idx="0">
+            <a:schemeClr val="accent1"/>
+          </a:effectRef>
+          <a:fontRef idx="minor">
+            <a:schemeClr val="tx1"/>
+          </a:fontRef>
+        </p:style>
+      </p:cxnSp>
+      <p:cxnSp>
+        <p:nvCxnSpPr>
+          <p:cNvPr id="25" name="Connecteur droit avec flèche 24">
+            <a:extLst>
+              <a:ext uri="{FF2B5EF4-FFF2-40B4-BE49-F238E27FC236}">
+                <a16:creationId xmlns:a16="http://schemas.microsoft.com/office/drawing/2014/main" id="{10806904-50BA-480E-A91E-172D45110846}"/>
+              </a:ext>
+            </a:extLst>
+          </p:cNvPr>
+          <p:cNvCxnSpPr>
+            <a:cxnSpLocks/>
+          </p:cNvCxnSpPr>
+          <p:nvPr/>
+        </p:nvCxnSpPr>
+        <p:spPr>
+          <a:xfrm>
+            <a:off x="3851546" y="2946374"/>
+            <a:ext cx="1531233" cy="507157"/>
+          </a:xfrm>
+          <a:prstGeom prst="straightConnector1">
+            <a:avLst/>
+          </a:prstGeom>
+          <a:ln>
+            <a:solidFill>
+              <a:schemeClr val="tx1"/>
+            </a:solidFill>
+            <a:headEnd type="triangle"/>
+            <a:tailEnd type="triangle"/>
+          </a:ln>
+        </p:spPr>
+        <p:style>
+          <a:lnRef idx="1">
+            <a:schemeClr val="accent1"/>
+          </a:lnRef>
+          <a:fillRef idx="0">
+            <a:schemeClr val="accent1"/>
+          </a:fillRef>
+          <a:effectRef idx="0">
+            <a:schemeClr val="accent1"/>
+          </a:effectRef>
+          <a:fontRef idx="minor">
+            <a:schemeClr val="tx1"/>
+          </a:fontRef>
+        </p:style>
+      </p:cxnSp>
+      <p:cxnSp>
+        <p:nvCxnSpPr>
+          <p:cNvPr id="29" name="Connecteur droit avec flèche 28">
+            <a:extLst>
+              <a:ext uri="{FF2B5EF4-FFF2-40B4-BE49-F238E27FC236}">
+                <a16:creationId xmlns:a16="http://schemas.microsoft.com/office/drawing/2014/main" id="{979AA2BA-4F75-45E5-B549-3AC369F9DC7D}"/>
+              </a:ext>
+            </a:extLst>
+          </p:cNvPr>
+          <p:cNvCxnSpPr>
+            <a:cxnSpLocks/>
+          </p:cNvCxnSpPr>
+          <p:nvPr/>
+        </p:nvCxnSpPr>
+        <p:spPr>
+          <a:xfrm>
+            <a:off x="8913688" y="3174195"/>
+            <a:ext cx="463083" cy="558673"/>
+          </a:xfrm>
+          <a:prstGeom prst="straightConnector1">
+            <a:avLst/>
+          </a:prstGeom>
+          <a:ln>
+            <a:solidFill>
+              <a:schemeClr val="tx1"/>
+            </a:solidFill>
+            <a:headEnd type="triangle"/>
+            <a:tailEnd type="triangle"/>
+          </a:ln>
+        </p:spPr>
+        <p:style>
+          <a:lnRef idx="1">
+            <a:schemeClr val="accent1"/>
+          </a:lnRef>
+          <a:fillRef idx="0">
+            <a:schemeClr val="accent1"/>
+          </a:fillRef>
+          <a:effectRef idx="0">
+            <a:schemeClr val="accent1"/>
+          </a:effectRef>
+          <a:fontRef idx="minor">
+            <a:schemeClr val="tx1"/>
+          </a:fontRef>
+        </p:style>
+      </p:cxnSp>
+      <p:cxnSp>
+        <p:nvCxnSpPr>
+          <p:cNvPr id="37" name="Connecteur droit avec flèche 36">
+            <a:extLst>
+              <a:ext uri="{FF2B5EF4-FFF2-40B4-BE49-F238E27FC236}">
+                <a16:creationId xmlns:a16="http://schemas.microsoft.com/office/drawing/2014/main" id="{9B18BD5D-5F46-4E2B-864A-0E4F208492A3}"/>
+              </a:ext>
+            </a:extLst>
+          </p:cNvPr>
+          <p:cNvCxnSpPr/>
+          <p:nvPr/>
+        </p:nvCxnSpPr>
+        <p:spPr>
+          <a:xfrm flipH="1">
+            <a:off x="2141166" y="4797287"/>
+            <a:ext cx="7235605" cy="1276054"/>
+          </a:xfrm>
+          <a:prstGeom prst="straightConnector1">
+            <a:avLst/>
+          </a:prstGeom>
+          <a:ln>
+            <a:solidFill>
+              <a:schemeClr val="tx1"/>
+            </a:solidFill>
+            <a:headEnd type="triangle"/>
+            <a:tailEnd type="triangle"/>
+          </a:ln>
+        </p:spPr>
+        <p:style>
+          <a:lnRef idx="1">
+            <a:schemeClr val="accent1"/>
+          </a:lnRef>
+          <a:fillRef idx="0">
+            <a:schemeClr val="accent1"/>
+          </a:fillRef>
+          <a:effectRef idx="0">
+            <a:schemeClr val="accent1"/>
+          </a:effectRef>
+          <a:fontRef idx="minor">
+            <a:schemeClr val="tx1"/>
+          </a:fontRef>
+        </p:style>
+      </p:cxnSp>
+      <p:cxnSp>
+        <p:nvCxnSpPr>
+          <p:cNvPr id="39" name="Connecteur droit avec flèche 38">
+            <a:extLst>
+              <a:ext uri="{FF2B5EF4-FFF2-40B4-BE49-F238E27FC236}">
+                <a16:creationId xmlns:a16="http://schemas.microsoft.com/office/drawing/2014/main" id="{67C0DDE3-5077-43F8-AE87-F180E2F3E41C}"/>
+              </a:ext>
+            </a:extLst>
+          </p:cNvPr>
+          <p:cNvCxnSpPr/>
+          <p:nvPr/>
+        </p:nvCxnSpPr>
+        <p:spPr>
+          <a:xfrm flipH="1">
+            <a:off x="1990847" y="4058176"/>
+            <a:ext cx="983758" cy="569643"/>
+          </a:xfrm>
+          <a:prstGeom prst="straightConnector1">
+            <a:avLst/>
+          </a:prstGeom>
+          <a:ln>
+            <a:solidFill>
+              <a:schemeClr val="tx1"/>
+            </a:solidFill>
+            <a:headEnd type="triangle"/>
+            <a:tailEnd type="triangle"/>
+          </a:ln>
+        </p:spPr>
+        <p:style>
+          <a:lnRef idx="1">
+            <a:schemeClr val="accent1"/>
+          </a:lnRef>
+          <a:fillRef idx="0">
+            <a:schemeClr val="accent1"/>
+          </a:fillRef>
+          <a:effectRef idx="0">
+            <a:schemeClr val="accent1"/>
+          </a:effectRef>
+          <a:fontRef idx="minor">
+            <a:schemeClr val="tx1"/>
+          </a:fontRef>
+        </p:style>
+      </p:cxnSp>
+      <p:cxnSp>
+        <p:nvCxnSpPr>
+          <p:cNvPr id="41" name="Connecteur droit avec flèche 40">
+            <a:extLst>
+              <a:ext uri="{FF2B5EF4-FFF2-40B4-BE49-F238E27FC236}">
+                <a16:creationId xmlns:a16="http://schemas.microsoft.com/office/drawing/2014/main" id="{9EFD44D1-3BB0-4514-933F-C0D2AF6EDF8C}"/>
+              </a:ext>
+            </a:extLst>
+          </p:cNvPr>
+          <p:cNvCxnSpPr/>
+          <p:nvPr/>
+        </p:nvCxnSpPr>
+        <p:spPr>
+          <a:xfrm>
+            <a:off x="4797287" y="4797287"/>
+            <a:ext cx="551185" cy="505641"/>
+          </a:xfrm>
+          <a:prstGeom prst="straightConnector1">
+            <a:avLst/>
+          </a:prstGeom>
+          <a:ln>
+            <a:solidFill>
+              <a:schemeClr val="tx1"/>
+            </a:solidFill>
+            <a:headEnd type="triangle"/>
+            <a:tailEnd type="triangle"/>
+          </a:ln>
+        </p:spPr>
+        <p:style>
+          <a:lnRef idx="1">
+            <a:schemeClr val="accent1"/>
+          </a:lnRef>
+          <a:fillRef idx="0">
+            <a:schemeClr val="accent1"/>
+          </a:fillRef>
+          <a:effectRef idx="0">
+            <a:schemeClr val="accent1"/>
+          </a:effectRef>
+          <a:fontRef idx="minor">
+            <a:schemeClr val="tx1"/>
+          </a:fontRef>
+        </p:style>
+      </p:cxnSp>
+    </p:spTree>
+    <p:extLst>
+      <p:ext uri="{BB962C8B-B14F-4D97-AF65-F5344CB8AC3E}">
+        <p14:creationId xmlns:p14="http://schemas.microsoft.com/office/powerpoint/2010/main" val="2173236247"/>
+      </p:ext>
+    </p:extLst>
+  </p:cSld>
+  <p:clrMapOvr>
+    <a:masterClrMapping/>
+  </p:clrMapOvr>
+  <mc:AlternateContent xmlns:mc="http://schemas.openxmlformats.org/markup-compatibility/2006" xmlns:p14="http://schemas.microsoft.com/office/powerpoint/2010/main">
+    <mc:Choice Requires="p14">
+      <p:transition spd="slow" p14:dur="1500">
+        <p14:window dir="vert"/>
+      </p:transition>
+    </mc:Choice>
+    <mc:Fallback xmlns="" xmlns:a="http://schemas.openxmlformats.org/drawingml/2006/main" xmlns:r="http://schemas.openxmlformats.org/officeDocument/2006/relationships" xmlns:p="http://schemas.openxmlformats.org/presentationml/2006/main">
+      <p:transition spd="slow">
+        <p:fade/>
+      </p:transition>
+    </mc:Fallback>
+  </mc:AlternateContent>
+  <p:timing>
+    <p:tnLst>
+      <p:par>
+        <p:cTn id="1" dur="indefinite" restart="never" nodeType="tmRoot">
+          <p:childTnLst>
+            <p:seq concurrent="1" nextAc="seek">
+              <p:cTn id="2" dur="indefinite" nodeType="mainSeq">
+                <p:childTnLst>
+                  <p:par>
+                    <p:cTn id="3" fill="hold">
+                      <p:stCondLst>
+                        <p:cond delay="indefinite"/>
+                      </p:stCondLst>
+                      <p:childTnLst>
+                        <p:par>
+                          <p:cTn id="4" fill="hold">
+                            <p:stCondLst>
+                              <p:cond delay="0"/>
+                            </p:stCondLst>
+                            <p:childTnLst>
+                              <p:par>
+                                <p:cTn id="5" presetID="26" presetClass="entr" presetSubtype="0" fill="hold" nodeType="clickEffect">
+                                  <p:stCondLst>
+                                    <p:cond delay="0"/>
+                                  </p:stCondLst>
+                                  <p:childTnLst>
+                                    <p:set>
+                                      <p:cBhvr>
+                                        <p:cTn id="6" dur="1" fill="hold">
+                                          <p:stCondLst>
+                                            <p:cond delay="0"/>
+                                          </p:stCondLst>
+                                        </p:cTn>
+                                        <p:tgtEl>
+                                          <p:spTgt spid="19"/>
+                                        </p:tgtEl>
+                                        <p:attrNameLst>
+                                          <p:attrName>style.visibility</p:attrName>
+                                        </p:attrNameLst>
+                                      </p:cBhvr>
+                                      <p:to>
+                                        <p:strVal val="visible"/>
+                                      </p:to>
+                                    </p:set>
+                                    <p:animEffect transition="in" filter="wipe(down)">
+                                      <p:cBhvr>
+                                        <p:cTn id="7" dur="580">
+                                          <p:stCondLst>
+                                            <p:cond delay="0"/>
+                                          </p:stCondLst>
+                                        </p:cTn>
+                                        <p:tgtEl>
+                                          <p:spTgt spid="19"/>
+                                        </p:tgtEl>
+                                      </p:cBhvr>
+                                    </p:animEffect>
+                                    <p:anim calcmode="lin" valueType="num">
+                                      <p:cBhvr>
+                                        <p:cTn id="8" dur="1822" tmFilter="0,0; 0.14,0.36; 0.43,0.73; 0.71,0.91; 1.0,1.0">
+                                          <p:stCondLst>
+                                            <p:cond delay="0"/>
+                                          </p:stCondLst>
+                                        </p:cTn>
+                                        <p:tgtEl>
+                                          <p:spTgt spid="19"/>
+                                        </p:tgtEl>
+                                        <p:attrNameLst>
+                                          <p:attrName>ppt_x</p:attrName>
+                                        </p:attrNameLst>
+                                      </p:cBhvr>
+                                      <p:tavLst>
+                                        <p:tav tm="0%">
+                                          <p:val>
+                                            <p:strVal val="#ppt_x-0.25"/>
+                                          </p:val>
+                                        </p:tav>
+                                        <p:tav tm="100%">
+                                          <p:val>
+                                            <p:strVal val="#ppt_x"/>
+                                          </p:val>
+                                        </p:tav>
+                                      </p:tavLst>
+                                    </p:anim>
+                                    <p:anim calcmode="lin" valueType="num">
+                                      <p:cBhvr>
+                                        <p:cTn id="9" dur="664" tmFilter="0.0,0.0; 0.25,0.07; 0.50,0.2; 0.75,0.467; 1.0,1.0">
+                                          <p:stCondLst>
+                                            <p:cond delay="0"/>
+                                          </p:stCondLst>
+                                        </p:cTn>
+                                        <p:tgtEl>
+                                          <p:spTgt spid="19"/>
+                                        </p:tgtEl>
+                                        <p:attrNameLst>
+                                          <p:attrName>ppt_y</p:attrName>
+                                        </p:attrNameLst>
+                                      </p:cBhvr>
+                                      <p:tavLst>
+                                        <p:tav tm="0%" fmla="#ppt_y-sin(pi*$)/3">
+                                          <p:val>
+                                            <p:fltVal val="0.5"/>
+                                          </p:val>
+                                        </p:tav>
+                                        <p:tav tm="100%">
+                                          <p:val>
+                                            <p:fltVal val="1"/>
+                                          </p:val>
+                                        </p:tav>
+                                      </p:tavLst>
+                                    </p:anim>
+                                    <p:anim calcmode="lin" valueType="num">
+                                      <p:cBhvr>
+                                        <p:cTn id="10" dur="664" tmFilter="0, 0; 0.125,0.2665; 0.25,0.4; 0.375,0.465; 0.5,0.5;  0.625,0.535; 0.75,0.6; 0.875,0.7335; 1,1">
+                                          <p:stCondLst>
+                                            <p:cond delay="664"/>
+                                          </p:stCondLst>
+                                        </p:cTn>
+                                        <p:tgtEl>
+                                          <p:spTgt spid="19"/>
+                                        </p:tgtEl>
+                                        <p:attrNameLst>
+                                          <p:attrName>ppt_y</p:attrName>
+                                        </p:attrNameLst>
+                                      </p:cBhvr>
+                                      <p:tavLst>
+                                        <p:tav tm="0%" fmla="#ppt_y-sin(pi*$)/9">
+                                          <p:val>
+                                            <p:fltVal val="0"/>
+                                          </p:val>
+                                        </p:tav>
+                                        <p:tav tm="100%">
+                                          <p:val>
+                                            <p:fltVal val="1"/>
+                                          </p:val>
+                                        </p:tav>
+                                      </p:tavLst>
+                                    </p:anim>
+                                    <p:anim calcmode="lin" valueType="num">
+                                      <p:cBhvr>
+                                        <p:cTn id="11" dur="332" tmFilter="0, 0; 0.125,0.2665; 0.25,0.4; 0.375,0.465; 0.5,0.5;  0.625,0.535; 0.75,0.6; 0.875,0.7335; 1,1">
+                                          <p:stCondLst>
+                                            <p:cond delay="1324"/>
+                                          </p:stCondLst>
+                                        </p:cTn>
+                                        <p:tgtEl>
+                                          <p:spTgt spid="19"/>
+                                        </p:tgtEl>
+                                        <p:attrNameLst>
+                                          <p:attrName>ppt_y</p:attrName>
+                                        </p:attrNameLst>
+                                      </p:cBhvr>
+                                      <p:tavLst>
+                                        <p:tav tm="0%" fmla="#ppt_y-sin(pi*$)/27">
+                                          <p:val>
+                                            <p:fltVal val="0"/>
+                                          </p:val>
+                                        </p:tav>
+                                        <p:tav tm="100%">
+                                          <p:val>
+                                            <p:fltVal val="1"/>
+                                          </p:val>
+                                        </p:tav>
+                                      </p:tavLst>
+                                    </p:anim>
+                                    <p:anim calcmode="lin" valueType="num">
+                                      <p:cBhvr>
+                                        <p:cTn id="12" dur="164" tmFilter="0, 0; 0.125,0.2665; 0.25,0.4; 0.375,0.465; 0.5,0.5;  0.625,0.535; 0.75,0.6; 0.875,0.7335; 1,1">
+                                          <p:stCondLst>
+                                            <p:cond delay="1656"/>
+                                          </p:stCondLst>
+                                        </p:cTn>
+                                        <p:tgtEl>
+                                          <p:spTgt spid="19"/>
+                                        </p:tgtEl>
+                                        <p:attrNameLst>
+                                          <p:attrName>ppt_y</p:attrName>
+                                        </p:attrNameLst>
+                                      </p:cBhvr>
+                                      <p:tavLst>
+                                        <p:tav tm="0%" fmla="#ppt_y-sin(pi*$)/81">
+                                          <p:val>
+                                            <p:fltVal val="0"/>
+                                          </p:val>
+                                        </p:tav>
+                                        <p:tav tm="100%">
+                                          <p:val>
+                                            <p:fltVal val="1"/>
+                                          </p:val>
+                                        </p:tav>
+                                      </p:tavLst>
+                                    </p:anim>
+                                    <p:animScale>
+                                      <p:cBhvr>
+                                        <p:cTn id="13" dur="26">
+                                          <p:stCondLst>
+                                            <p:cond delay="650"/>
+                                          </p:stCondLst>
+                                        </p:cTn>
+                                        <p:tgtEl>
+                                          <p:spTgt spid="19"/>
+                                        </p:tgtEl>
+                                      </p:cBhvr>
+                                      <p:to x="100%" y="60%"/>
+                                    </p:animScale>
+                                    <p:animScale>
+                                      <p:cBhvr>
+                                        <p:cTn id="14" dur="166" decel="50%">
+                                          <p:stCondLst>
+                                            <p:cond delay="676"/>
+                                          </p:stCondLst>
+                                        </p:cTn>
+                                        <p:tgtEl>
+                                          <p:spTgt spid="19"/>
+                                        </p:tgtEl>
+                                      </p:cBhvr>
+                                      <p:to x="100%" y="100%"/>
+                                    </p:animScale>
+                                    <p:animScale>
+                                      <p:cBhvr>
+                                        <p:cTn id="15" dur="26">
+                                          <p:stCondLst>
+                                            <p:cond delay="1312"/>
+                                          </p:stCondLst>
+                                        </p:cTn>
+                                        <p:tgtEl>
+                                          <p:spTgt spid="19"/>
+                                        </p:tgtEl>
+                                      </p:cBhvr>
+                                      <p:to x="100%" y="80%"/>
+                                    </p:animScale>
+                                    <p:animScale>
+                                      <p:cBhvr>
+                                        <p:cTn id="16" dur="166" decel="50%">
+                                          <p:stCondLst>
+                                            <p:cond delay="1338"/>
+                                          </p:stCondLst>
+                                        </p:cTn>
+                                        <p:tgtEl>
+                                          <p:spTgt spid="19"/>
+                                        </p:tgtEl>
+                                      </p:cBhvr>
+                                      <p:to x="100%" y="100%"/>
+                                    </p:animScale>
+                                    <p:animScale>
+                                      <p:cBhvr>
+                                        <p:cTn id="17" dur="26">
+                                          <p:stCondLst>
+                                            <p:cond delay="1642"/>
+                                          </p:stCondLst>
+                                        </p:cTn>
+                                        <p:tgtEl>
+                                          <p:spTgt spid="19"/>
+                                        </p:tgtEl>
+                                      </p:cBhvr>
+                                      <p:to x="100%" y="90%"/>
+                                    </p:animScale>
+                                    <p:animScale>
+                                      <p:cBhvr>
+                                        <p:cTn id="18" dur="166" decel="50%">
+                                          <p:stCondLst>
+                                            <p:cond delay="1668"/>
+                                          </p:stCondLst>
+                                        </p:cTn>
+                                        <p:tgtEl>
+                                          <p:spTgt spid="19"/>
+                                        </p:tgtEl>
+                                      </p:cBhvr>
+                                      <p:to x="100%" y="100%"/>
+                                    </p:animScale>
+                                    <p:animScale>
+                                      <p:cBhvr>
+                                        <p:cTn id="19" dur="26">
+                                          <p:stCondLst>
+                                            <p:cond delay="1808"/>
+                                          </p:stCondLst>
+                                        </p:cTn>
+                                        <p:tgtEl>
+                                          <p:spTgt spid="19"/>
+                                        </p:tgtEl>
+                                      </p:cBhvr>
+                                      <p:to x="100%" y="95%"/>
+                                    </p:animScale>
+                                    <p:animScale>
+                                      <p:cBhvr>
+                                        <p:cTn id="20" dur="166" decel="50%">
+                                          <p:stCondLst>
+                                            <p:cond delay="1834"/>
+                                          </p:stCondLst>
+                                        </p:cTn>
+                                        <p:tgtEl>
+                                          <p:spTgt spid="19"/>
+                                        </p:tgtEl>
+                                      </p:cBhvr>
+                                      <p:to x="100%" y="100%"/>
+                                    </p:animScale>
+                                  </p:childTnLst>
+                                </p:cTn>
+                              </p:par>
+                              <p:par>
+                                <p:cTn id="21" presetID="26" presetClass="entr" presetSubtype="0" fill="hold" nodeType="withEffect">
+                                  <p:stCondLst>
+                                    <p:cond delay="0"/>
+                                  </p:stCondLst>
+                                  <p:childTnLst>
+                                    <p:set>
+                                      <p:cBhvr>
+                                        <p:cTn id="22" dur="1" fill="hold">
+                                          <p:stCondLst>
+                                            <p:cond delay="0"/>
+                                          </p:stCondLst>
+                                        </p:cTn>
+                                        <p:tgtEl>
+                                          <p:spTgt spid="25"/>
+                                        </p:tgtEl>
+                                        <p:attrNameLst>
+                                          <p:attrName>style.visibility</p:attrName>
+                                        </p:attrNameLst>
+                                      </p:cBhvr>
+                                      <p:to>
+                                        <p:strVal val="visible"/>
+                                      </p:to>
+                                    </p:set>
+                                    <p:animEffect transition="in" filter="wipe(down)">
+                                      <p:cBhvr>
+                                        <p:cTn id="23" dur="580">
+                                          <p:stCondLst>
+                                            <p:cond delay="0"/>
+                                          </p:stCondLst>
+                                        </p:cTn>
+                                        <p:tgtEl>
+                                          <p:spTgt spid="25"/>
+                                        </p:tgtEl>
+                                      </p:cBhvr>
+                                    </p:animEffect>
+                                    <p:anim calcmode="lin" valueType="num">
+                                      <p:cBhvr>
+                                        <p:cTn id="24" dur="1822" tmFilter="0,0; 0.14,0.36; 0.43,0.73; 0.71,0.91; 1.0,1.0">
+                                          <p:stCondLst>
+                                            <p:cond delay="0"/>
+                                          </p:stCondLst>
+                                        </p:cTn>
+                                        <p:tgtEl>
+                                          <p:spTgt spid="25"/>
+                                        </p:tgtEl>
+                                        <p:attrNameLst>
+                                          <p:attrName>ppt_x</p:attrName>
+                                        </p:attrNameLst>
+                                      </p:cBhvr>
+                                      <p:tavLst>
+                                        <p:tav tm="0%">
+                                          <p:val>
+                                            <p:strVal val="#ppt_x-0.25"/>
+                                          </p:val>
+                                        </p:tav>
+                                        <p:tav tm="100%">
+                                          <p:val>
+                                            <p:strVal val="#ppt_x"/>
+                                          </p:val>
+                                        </p:tav>
+                                      </p:tavLst>
+                                    </p:anim>
+                                    <p:anim calcmode="lin" valueType="num">
+                                      <p:cBhvr>
+                                        <p:cTn id="25" dur="664" tmFilter="0.0,0.0; 0.25,0.07; 0.50,0.2; 0.75,0.467; 1.0,1.0">
+                                          <p:stCondLst>
+                                            <p:cond delay="0"/>
+                                          </p:stCondLst>
+                                        </p:cTn>
+                                        <p:tgtEl>
+                                          <p:spTgt spid="25"/>
+                                        </p:tgtEl>
+                                        <p:attrNameLst>
+                                          <p:attrName>ppt_y</p:attrName>
+                                        </p:attrNameLst>
+                                      </p:cBhvr>
+                                      <p:tavLst>
+                                        <p:tav tm="0%" fmla="#ppt_y-sin(pi*$)/3">
+                                          <p:val>
+                                            <p:fltVal val="0.5"/>
+                                          </p:val>
+                                        </p:tav>
+                                        <p:tav tm="100%">
+                                          <p:val>
+                                            <p:fltVal val="1"/>
+                                          </p:val>
+                                        </p:tav>
+                                      </p:tavLst>
+                                    </p:anim>
+                                    <p:anim calcmode="lin" valueType="num">
+                                      <p:cBhvr>
+                                        <p:cTn id="26" dur="664" tmFilter="0, 0; 0.125,0.2665; 0.25,0.4; 0.375,0.465; 0.5,0.5;  0.625,0.535; 0.75,0.6; 0.875,0.7335; 1,1">
+                                          <p:stCondLst>
+                                            <p:cond delay="664"/>
+                                          </p:stCondLst>
+                                        </p:cTn>
+                                        <p:tgtEl>
+                                          <p:spTgt spid="25"/>
+                                        </p:tgtEl>
+                                        <p:attrNameLst>
+                                          <p:attrName>ppt_y</p:attrName>
+                                        </p:attrNameLst>
+                                      </p:cBhvr>
+                                      <p:tavLst>
+                                        <p:tav tm="0%" fmla="#ppt_y-sin(pi*$)/9">
+                                          <p:val>
+                                            <p:fltVal val="0"/>
+                                          </p:val>
+                                        </p:tav>
+                                        <p:tav tm="100%">
+                                          <p:val>
+                                            <p:fltVal val="1"/>
+                                          </p:val>
+                                        </p:tav>
+                                      </p:tavLst>
+                                    </p:anim>
+                                    <p:anim calcmode="lin" valueType="num">
+                                      <p:cBhvr>
+                                        <p:cTn id="27" dur="332" tmFilter="0, 0; 0.125,0.2665; 0.25,0.4; 0.375,0.465; 0.5,0.5;  0.625,0.535; 0.75,0.6; 0.875,0.7335; 1,1">
+                                          <p:stCondLst>
+                                            <p:cond delay="1324"/>
+                                          </p:stCondLst>
+                                        </p:cTn>
+                                        <p:tgtEl>
+                                          <p:spTgt spid="25"/>
+                                        </p:tgtEl>
+                                        <p:attrNameLst>
+                                          <p:attrName>ppt_y</p:attrName>
+                                        </p:attrNameLst>
+                                      </p:cBhvr>
+                                      <p:tavLst>
+                                        <p:tav tm="0%" fmla="#ppt_y-sin(pi*$)/27">
+                                          <p:val>
+                                            <p:fltVal val="0"/>
+                                          </p:val>
+                                        </p:tav>
+                                        <p:tav tm="100%">
+                                          <p:val>
+                                            <p:fltVal val="1"/>
+                                          </p:val>
+                                        </p:tav>
+                                      </p:tavLst>
+                                    </p:anim>
+                                    <p:anim calcmode="lin" valueType="num">
+                                      <p:cBhvr>
+                                        <p:cTn id="28" dur="164" tmFilter="0, 0; 0.125,0.2665; 0.25,0.4; 0.375,0.465; 0.5,0.5;  0.625,0.535; 0.75,0.6; 0.875,0.7335; 1,1">
+                                          <p:stCondLst>
+                                            <p:cond delay="1656"/>
+                                          </p:stCondLst>
+                                        </p:cTn>
+                                        <p:tgtEl>
+                                          <p:spTgt spid="25"/>
+                                        </p:tgtEl>
+                                        <p:attrNameLst>
+                                          <p:attrName>ppt_y</p:attrName>
+                                        </p:attrNameLst>
+                                      </p:cBhvr>
+                                      <p:tavLst>
+                                        <p:tav tm="0%" fmla="#ppt_y-sin(pi*$)/81">
+                                          <p:val>
+                                            <p:fltVal val="0"/>
+                                          </p:val>
+                                        </p:tav>
+                                        <p:tav tm="100%">
+                                          <p:val>
+                                            <p:fltVal val="1"/>
+                                          </p:val>
+                                        </p:tav>
+                                      </p:tavLst>
+                                    </p:anim>
+                                    <p:animScale>
+                                      <p:cBhvr>
+                                        <p:cTn id="29" dur="26">
+                                          <p:stCondLst>
+                                            <p:cond delay="650"/>
+                                          </p:stCondLst>
+                                        </p:cTn>
+                                        <p:tgtEl>
+                                          <p:spTgt spid="25"/>
+                                        </p:tgtEl>
+                                      </p:cBhvr>
+                                      <p:to x="100%" y="60%"/>
+                                    </p:animScale>
+                                    <p:animScale>
+                                      <p:cBhvr>
+                                        <p:cTn id="30" dur="166" decel="50%">
+                                          <p:stCondLst>
+                                            <p:cond delay="676"/>
+                                          </p:stCondLst>
+                                        </p:cTn>
+                                        <p:tgtEl>
+                                          <p:spTgt spid="25"/>
+                                        </p:tgtEl>
+                                      </p:cBhvr>
+                                      <p:to x="100%" y="100%"/>
+                                    </p:animScale>
+                                    <p:animScale>
+                                      <p:cBhvr>
+                                        <p:cTn id="31" dur="26">
+                                          <p:stCondLst>
+                                            <p:cond delay="1312"/>
+                                          </p:stCondLst>
+                                        </p:cTn>
+                                        <p:tgtEl>
+                                          <p:spTgt spid="25"/>
+                                        </p:tgtEl>
+                                      </p:cBhvr>
+                                      <p:to x="100%" y="80%"/>
+                                    </p:animScale>
+                                    <p:animScale>
+                                      <p:cBhvr>
+                                        <p:cTn id="32" dur="166" decel="50%">
+                                          <p:stCondLst>
+                                            <p:cond delay="1338"/>
+                                          </p:stCondLst>
+                                        </p:cTn>
+                                        <p:tgtEl>
+                                          <p:spTgt spid="25"/>
+                                        </p:tgtEl>
+                                      </p:cBhvr>
+                                      <p:to x="100%" y="100%"/>
+                                    </p:animScale>
+                                    <p:animScale>
+                                      <p:cBhvr>
+                                        <p:cTn id="33" dur="26">
+                                          <p:stCondLst>
+                                            <p:cond delay="1642"/>
+                                          </p:stCondLst>
+                                        </p:cTn>
+                                        <p:tgtEl>
+                                          <p:spTgt spid="25"/>
+                                        </p:tgtEl>
+                                      </p:cBhvr>
+                                      <p:to x="100%" y="90%"/>
+                                    </p:animScale>
+                                    <p:animScale>
+                                      <p:cBhvr>
+                                        <p:cTn id="34" dur="166" decel="50%">
+                                          <p:stCondLst>
+                                            <p:cond delay="1668"/>
+                                          </p:stCondLst>
+                                        </p:cTn>
+                                        <p:tgtEl>
+                                          <p:spTgt spid="25"/>
+                                        </p:tgtEl>
+                                      </p:cBhvr>
+                                      <p:to x="100%" y="100%"/>
+                                    </p:animScale>
+                                    <p:animScale>
+                                      <p:cBhvr>
+                                        <p:cTn id="35" dur="26">
+                                          <p:stCondLst>
+                                            <p:cond delay="1808"/>
+                                          </p:stCondLst>
+                                        </p:cTn>
+                                        <p:tgtEl>
+                                          <p:spTgt spid="25"/>
+                                        </p:tgtEl>
+                                      </p:cBhvr>
+                                      <p:to x="100%" y="95%"/>
+                                    </p:animScale>
+                                    <p:animScale>
+                                      <p:cBhvr>
+                                        <p:cTn id="36" dur="166" decel="50%">
+                                          <p:stCondLst>
+                                            <p:cond delay="1834"/>
+                                          </p:stCondLst>
+                                        </p:cTn>
+                                        <p:tgtEl>
+                                          <p:spTgt spid="25"/>
+                                        </p:tgtEl>
+                                      </p:cBhvr>
+                                      <p:to x="100%" y="100%"/>
+                                    </p:animScale>
+                                  </p:childTnLst>
+                                </p:cTn>
+                              </p:par>
+                              <p:par>
+                                <p:cTn id="37" presetID="31" presetClass="entr" presetSubtype="0" fill="hold" nodeType="withEffect">
+                                  <p:stCondLst>
+                                    <p:cond delay="0"/>
+                                  </p:stCondLst>
+                                  <p:childTnLst>
+                                    <p:set>
+                                      <p:cBhvr>
+                                        <p:cTn id="38" dur="1" fill="hold">
+                                          <p:stCondLst>
+                                            <p:cond delay="0"/>
+                                          </p:stCondLst>
+                                        </p:cTn>
+                                        <p:tgtEl>
+                                          <p:spTgt spid="39"/>
+                                        </p:tgtEl>
+                                        <p:attrNameLst>
+                                          <p:attrName>style.visibility</p:attrName>
+                                        </p:attrNameLst>
+                                      </p:cBhvr>
+                                      <p:to>
+                                        <p:strVal val="visible"/>
+                                      </p:to>
+                                    </p:set>
+                                    <p:anim calcmode="lin" valueType="num">
+                                      <p:cBhvr>
+                                        <p:cTn id="39" dur="1000" fill="hold"/>
+                                        <p:tgtEl>
+                                          <p:spTgt spid="39"/>
+                                        </p:tgtEl>
+                                        <p:attrNameLst>
+                                          <p:attrName>ppt_w</p:attrName>
+                                        </p:attrNameLst>
+                                      </p:cBhvr>
+                                      <p:tavLst>
+                                        <p:tav tm="0%">
+                                          <p:val>
+                                            <p:fltVal val="0"/>
+                                          </p:val>
+                                        </p:tav>
+                                        <p:tav tm="100%">
+                                          <p:val>
+                                            <p:strVal val="#ppt_w"/>
+                                          </p:val>
+                                        </p:tav>
+                                      </p:tavLst>
+                                    </p:anim>
+                                    <p:anim calcmode="lin" valueType="num">
+                                      <p:cBhvr>
+                                        <p:cTn id="40" dur="1000" fill="hold"/>
+                                        <p:tgtEl>
+                                          <p:spTgt spid="39"/>
+                                        </p:tgtEl>
+                                        <p:attrNameLst>
+                                          <p:attrName>ppt_h</p:attrName>
+                                        </p:attrNameLst>
+                                      </p:cBhvr>
+                                      <p:tavLst>
+                                        <p:tav tm="0%">
+                                          <p:val>
+                                            <p:fltVal val="0"/>
+                                          </p:val>
+                                        </p:tav>
+                                        <p:tav tm="100%">
+                                          <p:val>
+                                            <p:strVal val="#ppt_h"/>
+                                          </p:val>
+                                        </p:tav>
+                                      </p:tavLst>
+                                    </p:anim>
+                                    <p:anim calcmode="lin" valueType="num">
+                                      <p:cBhvr>
+                                        <p:cTn id="41" dur="1000" fill="hold"/>
+                                        <p:tgtEl>
+                                          <p:spTgt spid="39"/>
+                                        </p:tgtEl>
+                                        <p:attrNameLst>
+                                          <p:attrName>style.rotation</p:attrName>
+                                        </p:attrNameLst>
+                                      </p:cBhvr>
+                                      <p:tavLst>
+                                        <p:tav tm="0%">
+                                          <p:val>
+                                            <p:fltVal val="90"/>
+                                          </p:val>
+                                        </p:tav>
+                                        <p:tav tm="100%">
+                                          <p:val>
+                                            <p:fltVal val="0"/>
+                                          </p:val>
+                                        </p:tav>
+                                      </p:tavLst>
+                                    </p:anim>
+                                    <p:animEffect transition="in" filter="fade">
+                                      <p:cBhvr>
+                                        <p:cTn id="42" dur="1000"/>
+                                        <p:tgtEl>
+                                          <p:spTgt spid="39"/>
+                                        </p:tgtEl>
+                                      </p:cBhvr>
+                                    </p:animEffect>
+                                  </p:childTnLst>
+                                </p:cTn>
+                              </p:par>
+                              <p:par>
+                                <p:cTn id="43" presetID="26" presetClass="entr" presetSubtype="0" fill="hold" nodeType="withEffect">
+                                  <p:stCondLst>
+                                    <p:cond delay="0"/>
+                                  </p:stCondLst>
+                                  <p:childTnLst>
+                                    <p:set>
+                                      <p:cBhvr>
+                                        <p:cTn id="44" dur="1" fill="hold">
+                                          <p:stCondLst>
+                                            <p:cond delay="0"/>
+                                          </p:stCondLst>
+                                        </p:cTn>
+                                        <p:tgtEl>
+                                          <p:spTgt spid="41"/>
+                                        </p:tgtEl>
+                                        <p:attrNameLst>
+                                          <p:attrName>style.visibility</p:attrName>
+                                        </p:attrNameLst>
+                                      </p:cBhvr>
+                                      <p:to>
+                                        <p:strVal val="visible"/>
+                                      </p:to>
+                                    </p:set>
+                                    <p:animEffect transition="in" filter="wipe(down)">
+                                      <p:cBhvr>
+                                        <p:cTn id="45" dur="580">
+                                          <p:stCondLst>
+                                            <p:cond delay="0"/>
+                                          </p:stCondLst>
+                                        </p:cTn>
+                                        <p:tgtEl>
+                                          <p:spTgt spid="41"/>
+                                        </p:tgtEl>
+                                      </p:cBhvr>
+                                    </p:animEffect>
+                                    <p:anim calcmode="lin" valueType="num">
+                                      <p:cBhvr>
+                                        <p:cTn id="46" dur="1822" tmFilter="0,0; 0.14,0.36; 0.43,0.73; 0.71,0.91; 1.0,1.0">
+                                          <p:stCondLst>
+                                            <p:cond delay="0"/>
+                                          </p:stCondLst>
+                                        </p:cTn>
+                                        <p:tgtEl>
+                                          <p:spTgt spid="41"/>
+                                        </p:tgtEl>
+                                        <p:attrNameLst>
+                                          <p:attrName>ppt_x</p:attrName>
+                                        </p:attrNameLst>
+                                      </p:cBhvr>
+                                      <p:tavLst>
+                                        <p:tav tm="0%">
+                                          <p:val>
+                                            <p:strVal val="#ppt_x-0.25"/>
+                                          </p:val>
+                                        </p:tav>
+                                        <p:tav tm="100%">
+                                          <p:val>
+                                            <p:strVal val="#ppt_x"/>
+                                          </p:val>
+                                        </p:tav>
+                                      </p:tavLst>
+                                    </p:anim>
+                                    <p:anim calcmode="lin" valueType="num">
+                                      <p:cBhvr>
+                                        <p:cTn id="47" dur="664" tmFilter="0.0,0.0; 0.25,0.07; 0.50,0.2; 0.75,0.467; 1.0,1.0">
+                                          <p:stCondLst>
+                                            <p:cond delay="0"/>
+                                          </p:stCondLst>
+                                        </p:cTn>
+                                        <p:tgtEl>
+                                          <p:spTgt spid="41"/>
+                                        </p:tgtEl>
+                                        <p:attrNameLst>
+                                          <p:attrName>ppt_y</p:attrName>
+                                        </p:attrNameLst>
+                                      </p:cBhvr>
+                                      <p:tavLst>
+                                        <p:tav tm="0%" fmla="#ppt_y-sin(pi*$)/3">
+                                          <p:val>
+                                            <p:fltVal val="0.5"/>
+                                          </p:val>
+                                        </p:tav>
+                                        <p:tav tm="100%">
+                                          <p:val>
+                                            <p:fltVal val="1"/>
+                                          </p:val>
+                                        </p:tav>
+                                      </p:tavLst>
+                                    </p:anim>
+                                    <p:anim calcmode="lin" valueType="num">
+                                      <p:cBhvr>
+                                        <p:cTn id="48" dur="664" tmFilter="0, 0; 0.125,0.2665; 0.25,0.4; 0.375,0.465; 0.5,0.5;  0.625,0.535; 0.75,0.6; 0.875,0.7335; 1,1">
+                                          <p:stCondLst>
+                                            <p:cond delay="664"/>
+                                          </p:stCondLst>
+                                        </p:cTn>
+                                        <p:tgtEl>
+                                          <p:spTgt spid="41"/>
+                                        </p:tgtEl>
+                                        <p:attrNameLst>
+                                          <p:attrName>ppt_y</p:attrName>
+                                        </p:attrNameLst>
+                                      </p:cBhvr>
+                                      <p:tavLst>
+                                        <p:tav tm="0%" fmla="#ppt_y-sin(pi*$)/9">
+                                          <p:val>
+                                            <p:fltVal val="0"/>
+                                          </p:val>
+                                        </p:tav>
+                                        <p:tav tm="100%">
+                                          <p:val>
+                                            <p:fltVal val="1"/>
+                                          </p:val>
+                                        </p:tav>
+                                      </p:tavLst>
+                                    </p:anim>
+                                    <p:anim calcmode="lin" valueType="num">
+                                      <p:cBhvr>
+                                        <p:cTn id="49" dur="332" tmFilter="0, 0; 0.125,0.2665; 0.25,0.4; 0.375,0.465; 0.5,0.5;  0.625,0.535; 0.75,0.6; 0.875,0.7335; 1,1">
+                                          <p:stCondLst>
+                                            <p:cond delay="1324"/>
+                                          </p:stCondLst>
+                                        </p:cTn>
+                                        <p:tgtEl>
+                                          <p:spTgt spid="41"/>
+                                        </p:tgtEl>
+                                        <p:attrNameLst>
+                                          <p:attrName>ppt_y</p:attrName>
+                                        </p:attrNameLst>
+                                      </p:cBhvr>
+                                      <p:tavLst>
+                                        <p:tav tm="0%" fmla="#ppt_y-sin(pi*$)/27">
+                                          <p:val>
+                                            <p:fltVal val="0"/>
+                                          </p:val>
+                                        </p:tav>
+                                        <p:tav tm="100%">
+                                          <p:val>
+                                            <p:fltVal val="1"/>
+                                          </p:val>
+                                        </p:tav>
+                                      </p:tavLst>
+                                    </p:anim>
+                                    <p:anim calcmode="lin" valueType="num">
+                                      <p:cBhvr>
+                                        <p:cTn id="50" dur="164" tmFilter="0, 0; 0.125,0.2665; 0.25,0.4; 0.375,0.465; 0.5,0.5;  0.625,0.535; 0.75,0.6; 0.875,0.7335; 1,1">
+                                          <p:stCondLst>
+                                            <p:cond delay="1656"/>
+                                          </p:stCondLst>
+                                        </p:cTn>
+                                        <p:tgtEl>
+                                          <p:spTgt spid="41"/>
+                                        </p:tgtEl>
+                                        <p:attrNameLst>
+                                          <p:attrName>ppt_y</p:attrName>
+                                        </p:attrNameLst>
+                                      </p:cBhvr>
+                                      <p:tavLst>
+                                        <p:tav tm="0%" fmla="#ppt_y-sin(pi*$)/81">
+                                          <p:val>
+                                            <p:fltVal val="0"/>
+                                          </p:val>
+                                        </p:tav>
+                                        <p:tav tm="100%">
+                                          <p:val>
+                                            <p:fltVal val="1"/>
+                                          </p:val>
+                                        </p:tav>
+                                      </p:tavLst>
+                                    </p:anim>
+                                    <p:animScale>
+                                      <p:cBhvr>
+                                        <p:cTn id="51" dur="26">
+                                          <p:stCondLst>
+                                            <p:cond delay="650"/>
+                                          </p:stCondLst>
+                                        </p:cTn>
+                                        <p:tgtEl>
+                                          <p:spTgt spid="41"/>
+                                        </p:tgtEl>
+                                      </p:cBhvr>
+                                      <p:to x="100%" y="60%"/>
+                                    </p:animScale>
+                                    <p:animScale>
+                                      <p:cBhvr>
+                                        <p:cTn id="52" dur="166" decel="50%">
+                                          <p:stCondLst>
+                                            <p:cond delay="676"/>
+                                          </p:stCondLst>
+                                        </p:cTn>
+                                        <p:tgtEl>
+                                          <p:spTgt spid="41"/>
+                                        </p:tgtEl>
+                                      </p:cBhvr>
+                                      <p:to x="100%" y="100%"/>
+                                    </p:animScale>
+                                    <p:animScale>
+                                      <p:cBhvr>
+                                        <p:cTn id="53" dur="26">
+                                          <p:stCondLst>
+                                            <p:cond delay="1312"/>
+                                          </p:stCondLst>
+                                        </p:cTn>
+                                        <p:tgtEl>
+                                          <p:spTgt spid="41"/>
+                                        </p:tgtEl>
+                                      </p:cBhvr>
+                                      <p:to x="100%" y="80%"/>
+                                    </p:animScale>
+                                    <p:animScale>
+                                      <p:cBhvr>
+                                        <p:cTn id="54" dur="166" decel="50%">
+                                          <p:stCondLst>
+                                            <p:cond delay="1338"/>
+                                          </p:stCondLst>
+                                        </p:cTn>
+                                        <p:tgtEl>
+                                          <p:spTgt spid="41"/>
+                                        </p:tgtEl>
+                                      </p:cBhvr>
+                                      <p:to x="100%" y="100%"/>
+                                    </p:animScale>
+                                    <p:animScale>
+                                      <p:cBhvr>
+                                        <p:cTn id="55" dur="26">
+                                          <p:stCondLst>
+                                            <p:cond delay="1642"/>
+                                          </p:stCondLst>
+                                        </p:cTn>
+                                        <p:tgtEl>
+                                          <p:spTgt spid="41"/>
+                                        </p:tgtEl>
+                                      </p:cBhvr>
+                                      <p:to x="100%" y="90%"/>
+                                    </p:animScale>
+                                    <p:animScale>
+                                      <p:cBhvr>
+                                        <p:cTn id="56" dur="166" decel="50%">
+                                          <p:stCondLst>
+                                            <p:cond delay="1668"/>
+                                          </p:stCondLst>
+                                        </p:cTn>
+                                        <p:tgtEl>
+                                          <p:spTgt spid="41"/>
+                                        </p:tgtEl>
+                                      </p:cBhvr>
+                                      <p:to x="100%" y="100%"/>
+                                    </p:animScale>
+                                    <p:animScale>
+                                      <p:cBhvr>
+                                        <p:cTn id="57" dur="26">
+                                          <p:stCondLst>
+                                            <p:cond delay="1808"/>
+                                          </p:stCondLst>
+                                        </p:cTn>
+                                        <p:tgtEl>
+                                          <p:spTgt spid="41"/>
+                                        </p:tgtEl>
+                                      </p:cBhvr>
+                                      <p:to x="100%" y="95%"/>
+                                    </p:animScale>
+                                    <p:animScale>
+                                      <p:cBhvr>
+                                        <p:cTn id="58" dur="166" decel="50%">
+                                          <p:stCondLst>
+                                            <p:cond delay="1834"/>
+                                          </p:stCondLst>
+                                        </p:cTn>
+                                        <p:tgtEl>
+                                          <p:spTgt spid="41"/>
+                                        </p:tgtEl>
+                                      </p:cBhvr>
+                                      <p:to x="100%" y="100%"/>
+                                    </p:animScale>
+                                  </p:childTnLst>
+                                </p:cTn>
+                              </p:par>
+                              <p:par>
+                                <p:cTn id="59" presetID="45" presetClass="entr" presetSubtype="0" fill="hold" nodeType="withEffect">
+                                  <p:stCondLst>
+                                    <p:cond delay="0"/>
+                                  </p:stCondLst>
+                                  <p:childTnLst>
+                                    <p:set>
+                                      <p:cBhvr>
+                                        <p:cTn id="60" dur="1" fill="hold">
+                                          <p:stCondLst>
+                                            <p:cond delay="0"/>
+                                          </p:stCondLst>
+                                        </p:cTn>
+                                        <p:tgtEl>
+                                          <p:spTgt spid="37"/>
+                                        </p:tgtEl>
+                                        <p:attrNameLst>
+                                          <p:attrName>style.visibility</p:attrName>
+                                        </p:attrNameLst>
+                                      </p:cBhvr>
+                                      <p:to>
+                                        <p:strVal val="visible"/>
+                                      </p:to>
+                                    </p:set>
+                                    <p:animEffect transition="in" filter="fade">
+                                      <p:cBhvr>
+                                        <p:cTn id="61" dur="2000"/>
+                                        <p:tgtEl>
+                                          <p:spTgt spid="37"/>
+                                        </p:tgtEl>
+                                      </p:cBhvr>
+                                    </p:animEffect>
+                                    <p:anim calcmode="lin" valueType="num">
+                                      <p:cBhvr>
+                                        <p:cTn id="62" dur="2000" fill="hold"/>
+                                        <p:tgtEl>
+                                          <p:spTgt spid="37"/>
+                                        </p:tgtEl>
+                                        <p:attrNameLst>
+                                          <p:attrName>ppt_w</p:attrName>
+                                        </p:attrNameLst>
+                                      </p:cBhvr>
+                                      <p:tavLst>
+                                        <p:tav tm="0%" fmla="#ppt_w*sin(2.5*pi*$)">
+                                          <p:val>
+                                            <p:fltVal val="0"/>
+                                          </p:val>
+                                        </p:tav>
+                                        <p:tav tm="100%">
+                                          <p:val>
+                                            <p:fltVal val="1"/>
+                                          </p:val>
+                                        </p:tav>
+                                      </p:tavLst>
+                                    </p:anim>
+                                    <p:anim calcmode="lin" valueType="num">
+                                      <p:cBhvr>
+                                        <p:cTn id="63" dur="2000" fill="hold"/>
+                                        <p:tgtEl>
+                                          <p:spTgt spid="37"/>
+                                        </p:tgtEl>
+                                        <p:attrNameLst>
+                                          <p:attrName>ppt_h</p:attrName>
+                                        </p:attrNameLst>
+                                      </p:cBhvr>
+                                      <p:tavLst>
+                                        <p:tav tm="0%">
+                                          <p:val>
+                                            <p:strVal val="#ppt_h"/>
+                                          </p:val>
+                                        </p:tav>
+                                        <p:tav tm="100%">
+                                          <p:val>
+                                            <p:strVal val="#ppt_h"/>
+                                          </p:val>
+                                        </p:tav>
+                                      </p:tavLst>
+                                    </p:anim>
+                                  </p:childTnLst>
+                                </p:cTn>
+                              </p:par>
+                              <p:par>
+                                <p:cTn id="64" presetID="26" presetClass="entr" presetSubtype="0" fill="hold" nodeType="withEffect">
+                                  <p:stCondLst>
+                                    <p:cond delay="0"/>
+                                  </p:stCondLst>
+                                  <p:childTnLst>
+                                    <p:set>
+                                      <p:cBhvr>
+                                        <p:cTn id="65" dur="1" fill="hold">
+                                          <p:stCondLst>
+                                            <p:cond delay="0"/>
+                                          </p:stCondLst>
+                                        </p:cTn>
+                                        <p:tgtEl>
+                                          <p:spTgt spid="23"/>
+                                        </p:tgtEl>
+                                        <p:attrNameLst>
+                                          <p:attrName>style.visibility</p:attrName>
+                                        </p:attrNameLst>
+                                      </p:cBhvr>
+                                      <p:to>
+                                        <p:strVal val="visible"/>
+                                      </p:to>
+                                    </p:set>
+                                    <p:animEffect transition="in" filter="wipe(down)">
+                                      <p:cBhvr>
+                                        <p:cTn id="66" dur="580">
+                                          <p:stCondLst>
+                                            <p:cond delay="0"/>
+                                          </p:stCondLst>
+                                        </p:cTn>
+                                        <p:tgtEl>
+                                          <p:spTgt spid="23"/>
+                                        </p:tgtEl>
+                                      </p:cBhvr>
+                                    </p:animEffect>
+                                    <p:anim calcmode="lin" valueType="num">
+                                      <p:cBhvr>
+                                        <p:cTn id="67" dur="1822" tmFilter="0,0; 0.14,0.36; 0.43,0.73; 0.71,0.91; 1.0,1.0">
+                                          <p:stCondLst>
+                                            <p:cond delay="0"/>
+                                          </p:stCondLst>
+                                        </p:cTn>
+                                        <p:tgtEl>
+                                          <p:spTgt spid="23"/>
+                                        </p:tgtEl>
+                                        <p:attrNameLst>
+                                          <p:attrName>ppt_x</p:attrName>
+                                        </p:attrNameLst>
+                                      </p:cBhvr>
+                                      <p:tavLst>
+                                        <p:tav tm="0%">
+                                          <p:val>
+                                            <p:strVal val="#ppt_x-0.25"/>
+                                          </p:val>
+                                        </p:tav>
+                                        <p:tav tm="100%">
+                                          <p:val>
+                                            <p:strVal val="#ppt_x"/>
+                                          </p:val>
+                                        </p:tav>
+                                      </p:tavLst>
+                                    </p:anim>
+                                    <p:anim calcmode="lin" valueType="num">
+                                      <p:cBhvr>
+                                        <p:cTn id="68" dur="664" tmFilter="0.0,0.0; 0.25,0.07; 0.50,0.2; 0.75,0.467; 1.0,1.0">
+                                          <p:stCondLst>
+                                            <p:cond delay="0"/>
+                                          </p:stCondLst>
+                                        </p:cTn>
+                                        <p:tgtEl>
+                                          <p:spTgt spid="23"/>
+                                        </p:tgtEl>
+                                        <p:attrNameLst>
+                                          <p:attrName>ppt_y</p:attrName>
+                                        </p:attrNameLst>
+                                      </p:cBhvr>
+                                      <p:tavLst>
+                                        <p:tav tm="0%" fmla="#ppt_y-sin(pi*$)/3">
+                                          <p:val>
+                                            <p:fltVal val="0.5"/>
+                                          </p:val>
+                                        </p:tav>
+                                        <p:tav tm="100%">
+                                          <p:val>
+                                            <p:fltVal val="1"/>
+                                          </p:val>
+                                        </p:tav>
+                                      </p:tavLst>
+                                    </p:anim>
+                                    <p:anim calcmode="lin" valueType="num">
+                                      <p:cBhvr>
+                                        <p:cTn id="69" dur="664" tmFilter="0, 0; 0.125,0.2665; 0.25,0.4; 0.375,0.465; 0.5,0.5;  0.625,0.535; 0.75,0.6; 0.875,0.7335; 1,1">
+                                          <p:stCondLst>
+                                            <p:cond delay="664"/>
+                                          </p:stCondLst>
+                                        </p:cTn>
+                                        <p:tgtEl>
+                                          <p:spTgt spid="23"/>
+                                        </p:tgtEl>
+                                        <p:attrNameLst>
+                                          <p:attrName>ppt_y</p:attrName>
+                                        </p:attrNameLst>
+                                      </p:cBhvr>
+                                      <p:tavLst>
+                                        <p:tav tm="0%" fmla="#ppt_y-sin(pi*$)/9">
+                                          <p:val>
+                                            <p:fltVal val="0"/>
+                                          </p:val>
+                                        </p:tav>
+                                        <p:tav tm="100%">
+                                          <p:val>
+                                            <p:fltVal val="1"/>
+                                          </p:val>
+                                        </p:tav>
+                                      </p:tavLst>
+                                    </p:anim>
+                                    <p:anim calcmode="lin" valueType="num">
+                                      <p:cBhvr>
+                                        <p:cTn id="70" dur="332" tmFilter="0, 0; 0.125,0.2665; 0.25,0.4; 0.375,0.465; 0.5,0.5;  0.625,0.535; 0.75,0.6; 0.875,0.7335; 1,1">
+                                          <p:stCondLst>
+                                            <p:cond delay="1324"/>
+                                          </p:stCondLst>
+                                        </p:cTn>
+                                        <p:tgtEl>
+                                          <p:spTgt spid="23"/>
+                                        </p:tgtEl>
+                                        <p:attrNameLst>
+                                          <p:attrName>ppt_y</p:attrName>
+                                        </p:attrNameLst>
+                                      </p:cBhvr>
+                                      <p:tavLst>
+                                        <p:tav tm="0%" fmla="#ppt_y-sin(pi*$)/27">
+                                          <p:val>
+                                            <p:fltVal val="0"/>
+                                          </p:val>
+                                        </p:tav>
+                                        <p:tav tm="100%">
+                                          <p:val>
+                                            <p:fltVal val="1"/>
+                                          </p:val>
+                                        </p:tav>
+                                      </p:tavLst>
+                                    </p:anim>
+                                    <p:anim calcmode="lin" valueType="num">
+                                      <p:cBhvr>
+                                        <p:cTn id="71" dur="164" tmFilter="0, 0; 0.125,0.2665; 0.25,0.4; 0.375,0.465; 0.5,0.5;  0.625,0.535; 0.75,0.6; 0.875,0.7335; 1,1">
+                                          <p:stCondLst>
+                                            <p:cond delay="1656"/>
+                                          </p:stCondLst>
+                                        </p:cTn>
+                                        <p:tgtEl>
+                                          <p:spTgt spid="23"/>
+                                        </p:tgtEl>
+                                        <p:attrNameLst>
+                                          <p:attrName>ppt_y</p:attrName>
+                                        </p:attrNameLst>
+                                      </p:cBhvr>
+                                      <p:tavLst>
+                                        <p:tav tm="0%" fmla="#ppt_y-sin(pi*$)/81">
+                                          <p:val>
+                                            <p:fltVal val="0"/>
+                                          </p:val>
+                                        </p:tav>
+                                        <p:tav tm="100%">
+                                          <p:val>
+                                            <p:fltVal val="1"/>
+                                          </p:val>
+                                        </p:tav>
+                                      </p:tavLst>
+                                    </p:anim>
+                                    <p:animScale>
+                                      <p:cBhvr>
+                                        <p:cTn id="72" dur="26">
+                                          <p:stCondLst>
+                                            <p:cond delay="650"/>
+                                          </p:stCondLst>
+                                        </p:cTn>
+                                        <p:tgtEl>
+                                          <p:spTgt spid="23"/>
+                                        </p:tgtEl>
+                                      </p:cBhvr>
+                                      <p:to x="100%" y="60%"/>
+                                    </p:animScale>
+                                    <p:animScale>
+                                      <p:cBhvr>
+                                        <p:cTn id="73" dur="166" decel="50%">
+                                          <p:stCondLst>
+                                            <p:cond delay="676"/>
+                                          </p:stCondLst>
+                                        </p:cTn>
+                                        <p:tgtEl>
+                                          <p:spTgt spid="23"/>
+                                        </p:tgtEl>
+                                      </p:cBhvr>
+                                      <p:to x="100%" y="100%"/>
+                                    </p:animScale>
+                                    <p:animScale>
+                                      <p:cBhvr>
+                                        <p:cTn id="74" dur="26">
+                                          <p:stCondLst>
+                                            <p:cond delay="1312"/>
+                                          </p:stCondLst>
+                                        </p:cTn>
+                                        <p:tgtEl>
+                                          <p:spTgt spid="23"/>
+                                        </p:tgtEl>
+                                      </p:cBhvr>
+                                      <p:to x="100%" y="80%"/>
+                                    </p:animScale>
+                                    <p:animScale>
+                                      <p:cBhvr>
+                                        <p:cTn id="75" dur="166" decel="50%">
+                                          <p:stCondLst>
+                                            <p:cond delay="1338"/>
+                                          </p:stCondLst>
+                                        </p:cTn>
+                                        <p:tgtEl>
+                                          <p:spTgt spid="23"/>
+                                        </p:tgtEl>
+                                      </p:cBhvr>
+                                      <p:to x="100%" y="100%"/>
+                                    </p:animScale>
+                                    <p:animScale>
+                                      <p:cBhvr>
+                                        <p:cTn id="76" dur="26">
+                                          <p:stCondLst>
+                                            <p:cond delay="1642"/>
+                                          </p:stCondLst>
+                                        </p:cTn>
+                                        <p:tgtEl>
+                                          <p:spTgt spid="23"/>
+                                        </p:tgtEl>
+                                      </p:cBhvr>
+                                      <p:to x="100%" y="90%"/>
+                                    </p:animScale>
+                                    <p:animScale>
+                                      <p:cBhvr>
+                                        <p:cTn id="77" dur="166" decel="50%">
+                                          <p:stCondLst>
+                                            <p:cond delay="1668"/>
+                                          </p:stCondLst>
+                                        </p:cTn>
+                                        <p:tgtEl>
+                                          <p:spTgt spid="23"/>
+                                        </p:tgtEl>
+                                      </p:cBhvr>
+                                      <p:to x="100%" y="100%"/>
+                                    </p:animScale>
+                                    <p:animScale>
+                                      <p:cBhvr>
+                                        <p:cTn id="78" dur="26">
+                                          <p:stCondLst>
+                                            <p:cond delay="1808"/>
+                                          </p:stCondLst>
+                                        </p:cTn>
+                                        <p:tgtEl>
+                                          <p:spTgt spid="23"/>
+                                        </p:tgtEl>
+                                      </p:cBhvr>
+                                      <p:to x="100%" y="95%"/>
+                                    </p:animScale>
+                                    <p:animScale>
+                                      <p:cBhvr>
+                                        <p:cTn id="79" dur="166" decel="50%">
+                                          <p:stCondLst>
+                                            <p:cond delay="1834"/>
+                                          </p:stCondLst>
+                                        </p:cTn>
+                                        <p:tgtEl>
+                                          <p:spTgt spid="23"/>
+                                        </p:tgtEl>
+                                      </p:cBhvr>
+                                      <p:to x="100%" y="100%"/>
+                                    </p:animScale>
+                                  </p:childTnLst>
+                                </p:cTn>
+                              </p:par>
+                              <p:par>
+                                <p:cTn id="80" presetID="26" presetClass="entr" presetSubtype="0" fill="hold" nodeType="withEffect">
+                                  <p:stCondLst>
+                                    <p:cond delay="0"/>
+                                  </p:stCondLst>
+                                  <p:childTnLst>
+                                    <p:set>
+                                      <p:cBhvr>
+                                        <p:cTn id="81" dur="1" fill="hold">
+                                          <p:stCondLst>
+                                            <p:cond delay="0"/>
+                                          </p:stCondLst>
+                                        </p:cTn>
+                                        <p:tgtEl>
+                                          <p:spTgt spid="29"/>
+                                        </p:tgtEl>
+                                        <p:attrNameLst>
+                                          <p:attrName>style.visibility</p:attrName>
+                                        </p:attrNameLst>
+                                      </p:cBhvr>
+                                      <p:to>
+                                        <p:strVal val="visible"/>
+                                      </p:to>
+                                    </p:set>
+                                    <p:animEffect transition="in" filter="wipe(down)">
+                                      <p:cBhvr>
+                                        <p:cTn id="82" dur="580">
+                                          <p:stCondLst>
+                                            <p:cond delay="0"/>
+                                          </p:stCondLst>
+                                        </p:cTn>
+                                        <p:tgtEl>
+                                          <p:spTgt spid="29"/>
+                                        </p:tgtEl>
+                                      </p:cBhvr>
+                                    </p:animEffect>
+                                    <p:anim calcmode="lin" valueType="num">
+                                      <p:cBhvr>
+                                        <p:cTn id="83" dur="1822" tmFilter="0,0; 0.14,0.36; 0.43,0.73; 0.71,0.91; 1.0,1.0">
+                                          <p:stCondLst>
+                                            <p:cond delay="0"/>
+                                          </p:stCondLst>
+                                        </p:cTn>
+                                        <p:tgtEl>
+                                          <p:spTgt spid="29"/>
+                                        </p:tgtEl>
+                                        <p:attrNameLst>
+                                          <p:attrName>ppt_x</p:attrName>
+                                        </p:attrNameLst>
+                                      </p:cBhvr>
+                                      <p:tavLst>
+                                        <p:tav tm="0%">
+                                          <p:val>
+                                            <p:strVal val="#ppt_x-0.25"/>
+                                          </p:val>
+                                        </p:tav>
+                                        <p:tav tm="100%">
+                                          <p:val>
+                                            <p:strVal val="#ppt_x"/>
+                                          </p:val>
+                                        </p:tav>
+                                      </p:tavLst>
+                                    </p:anim>
+                                    <p:anim calcmode="lin" valueType="num">
+                                      <p:cBhvr>
+                                        <p:cTn id="84" dur="664" tmFilter="0.0,0.0; 0.25,0.07; 0.50,0.2; 0.75,0.467; 1.0,1.0">
+                                          <p:stCondLst>
+                                            <p:cond delay="0"/>
+                                          </p:stCondLst>
+                                        </p:cTn>
+                                        <p:tgtEl>
+                                          <p:spTgt spid="29"/>
+                                        </p:tgtEl>
+                                        <p:attrNameLst>
+                                          <p:attrName>ppt_y</p:attrName>
+                                        </p:attrNameLst>
+                                      </p:cBhvr>
+                                      <p:tavLst>
+                                        <p:tav tm="0%" fmla="#ppt_y-sin(pi*$)/3">
+                                          <p:val>
+                                            <p:fltVal val="0.5"/>
+                                          </p:val>
+                                        </p:tav>
+                                        <p:tav tm="100%">
+                                          <p:val>
+                                            <p:fltVal val="1"/>
+                                          </p:val>
+                                        </p:tav>
+                                      </p:tavLst>
+                                    </p:anim>
+                                    <p:anim calcmode="lin" valueType="num">
+                                      <p:cBhvr>
+                                        <p:cTn id="85" dur="664" tmFilter="0, 0; 0.125,0.2665; 0.25,0.4; 0.375,0.465; 0.5,0.5;  0.625,0.535; 0.75,0.6; 0.875,0.7335; 1,1">
+                                          <p:stCondLst>
+                                            <p:cond delay="664"/>
+                                          </p:stCondLst>
+                                        </p:cTn>
+                                        <p:tgtEl>
+                                          <p:spTgt spid="29"/>
+                                        </p:tgtEl>
+                                        <p:attrNameLst>
+                                          <p:attrName>ppt_y</p:attrName>
+                                        </p:attrNameLst>
+                                      </p:cBhvr>
+                                      <p:tavLst>
+                                        <p:tav tm="0%" fmla="#ppt_y-sin(pi*$)/9">
+                                          <p:val>
+                                            <p:fltVal val="0"/>
+                                          </p:val>
+                                        </p:tav>
+                                        <p:tav tm="100%">
+                                          <p:val>
+                                            <p:fltVal val="1"/>
+                                          </p:val>
+                                        </p:tav>
+                                      </p:tavLst>
+                                    </p:anim>
+                                    <p:anim calcmode="lin" valueType="num">
+                                      <p:cBhvr>
+                                        <p:cTn id="86" dur="332" tmFilter="0, 0; 0.125,0.2665; 0.25,0.4; 0.375,0.465; 0.5,0.5;  0.625,0.535; 0.75,0.6; 0.875,0.7335; 1,1">
+                                          <p:stCondLst>
+                                            <p:cond delay="1324"/>
+                                          </p:stCondLst>
+                                        </p:cTn>
+                                        <p:tgtEl>
+                                          <p:spTgt spid="29"/>
+                                        </p:tgtEl>
+                                        <p:attrNameLst>
+                                          <p:attrName>ppt_y</p:attrName>
+                                        </p:attrNameLst>
+                                      </p:cBhvr>
+                                      <p:tavLst>
+                                        <p:tav tm="0%" fmla="#ppt_y-sin(pi*$)/27">
+                                          <p:val>
+                                            <p:fltVal val="0"/>
+                                          </p:val>
+                                        </p:tav>
+                                        <p:tav tm="100%">
+                                          <p:val>
+                                            <p:fltVal val="1"/>
+                                          </p:val>
+                                        </p:tav>
+                                      </p:tavLst>
+                                    </p:anim>
+                                    <p:anim calcmode="lin" valueType="num">
+                                      <p:cBhvr>
+                                        <p:cTn id="87" dur="164" tmFilter="0, 0; 0.125,0.2665; 0.25,0.4; 0.375,0.465; 0.5,0.5;  0.625,0.535; 0.75,0.6; 0.875,0.7335; 1,1">
+                                          <p:stCondLst>
+                                            <p:cond delay="1656"/>
+                                          </p:stCondLst>
+                                        </p:cTn>
+                                        <p:tgtEl>
+                                          <p:spTgt spid="29"/>
+                                        </p:tgtEl>
+                                        <p:attrNameLst>
+                                          <p:attrName>ppt_y</p:attrName>
+                                        </p:attrNameLst>
+                                      </p:cBhvr>
+                                      <p:tavLst>
+                                        <p:tav tm="0%" fmla="#ppt_y-sin(pi*$)/81">
+                                          <p:val>
+                                            <p:fltVal val="0"/>
+                                          </p:val>
+                                        </p:tav>
+                                        <p:tav tm="100%">
+                                          <p:val>
+                                            <p:fltVal val="1"/>
+                                          </p:val>
+                                        </p:tav>
+                                      </p:tavLst>
+                                    </p:anim>
+                                    <p:animScale>
+                                      <p:cBhvr>
+                                        <p:cTn id="88" dur="26">
+                                          <p:stCondLst>
+                                            <p:cond delay="650"/>
+                                          </p:stCondLst>
+                                        </p:cTn>
+                                        <p:tgtEl>
+                                          <p:spTgt spid="29"/>
+                                        </p:tgtEl>
+                                      </p:cBhvr>
+                                      <p:to x="100%" y="60%"/>
+                                    </p:animScale>
+                                    <p:animScale>
+                                      <p:cBhvr>
+                                        <p:cTn id="89" dur="166" decel="50%">
+                                          <p:stCondLst>
+                                            <p:cond delay="676"/>
+                                          </p:stCondLst>
+                                        </p:cTn>
+                                        <p:tgtEl>
+                                          <p:spTgt spid="29"/>
+                                        </p:tgtEl>
+                                      </p:cBhvr>
+                                      <p:to x="100%" y="100%"/>
+                                    </p:animScale>
+                                    <p:animScale>
+                                      <p:cBhvr>
+                                        <p:cTn id="90" dur="26">
+                                          <p:stCondLst>
+                                            <p:cond delay="1312"/>
+                                          </p:stCondLst>
+                                        </p:cTn>
+                                        <p:tgtEl>
+                                          <p:spTgt spid="29"/>
+                                        </p:tgtEl>
+                                      </p:cBhvr>
+                                      <p:to x="100%" y="80%"/>
+                                    </p:animScale>
+                                    <p:animScale>
+                                      <p:cBhvr>
+                                        <p:cTn id="91" dur="166" decel="50%">
+                                          <p:stCondLst>
+                                            <p:cond delay="1338"/>
+                                          </p:stCondLst>
+                                        </p:cTn>
+                                        <p:tgtEl>
+                                          <p:spTgt spid="29"/>
+                                        </p:tgtEl>
+                                      </p:cBhvr>
+                                      <p:to x="100%" y="100%"/>
+                                    </p:animScale>
+                                    <p:animScale>
+                                      <p:cBhvr>
+                                        <p:cTn id="92" dur="26">
+                                          <p:stCondLst>
+                                            <p:cond delay="1642"/>
+                                          </p:stCondLst>
+                                        </p:cTn>
+                                        <p:tgtEl>
+                                          <p:spTgt spid="29"/>
+                                        </p:tgtEl>
+                                      </p:cBhvr>
+                                      <p:to x="100%" y="90%"/>
+                                    </p:animScale>
+                                    <p:animScale>
+                                      <p:cBhvr>
+                                        <p:cTn id="93" dur="166" decel="50%">
+                                          <p:stCondLst>
+                                            <p:cond delay="1668"/>
+                                          </p:stCondLst>
+                                        </p:cTn>
+                                        <p:tgtEl>
+                                          <p:spTgt spid="29"/>
+                                        </p:tgtEl>
+                                      </p:cBhvr>
+                                      <p:to x="100%" y="100%"/>
+                                    </p:animScale>
+                                    <p:animScale>
+                                      <p:cBhvr>
+                                        <p:cTn id="94" dur="26">
+                                          <p:stCondLst>
+                                            <p:cond delay="1808"/>
+                                          </p:stCondLst>
+                                        </p:cTn>
+                                        <p:tgtEl>
+                                          <p:spTgt spid="29"/>
+                                        </p:tgtEl>
+                                      </p:cBhvr>
+                                      <p:to x="100%" y="95%"/>
+                                    </p:animScale>
+                                    <p:animScale>
+                                      <p:cBhvr>
+                                        <p:cTn id="95" dur="166" decel="50%">
+                                          <p:stCondLst>
+                                            <p:cond delay="1834"/>
+                                          </p:stCondLst>
+                                        </p:cTn>
+                                        <p:tgtEl>
+                                          <p:spTgt spid="29"/>
+                                        </p:tgtEl>
+                                      </p:cBhvr>
+                                      <p:to x="100%" y="100%"/>
+                                    </p:animScale>
+                                  </p:childTnLst>
+                                </p:cTn>
+                              </p:par>
+                            </p:childTnLst>
+                          </p:cTn>
+                        </p:par>
+                      </p:childTnLst>
+                    </p:cTn>
+                  </p:par>
+                </p:childTnLst>
+              </p:cTn>
+              <p:prevCondLst>
+                <p:cond evt="onPrev" delay="0">
+                  <p:tgtEl>
+                    <p:sldTgt/>
+                  </p:tgtEl>
+                </p:cond>
+              </p:prevCondLst>
+              <p:nextCondLst>
+                <p:cond evt="onNext" delay="0">
+                  <p:tgtEl>
+                    <p:sldTgt/>
+                  </p:tgtEl>
+                </p:cond>
+              </p:nextCondLst>
+            </p:seq>
+          </p:childTnLst>
+        </p:cTn>
+      </p:par>
+    </p:tnLst>
+  </p:timing>
+</p:sld>
+</file>
+
+<file path=ppt/slides/slide13.xml><?xml version="1.0" encoding="utf-8"?>
+<p:sld xmlns:a="http://purl.oclc.org/ooxml/drawingml/main" xmlns:r="http://purl.oclc.org/ooxml/officeDocument/relationships" xmlns:p="http://purl.oclc.org/ooxml/presentationml/main">
+  <p:cSld>
+    <p:spTree>
+      <p:nvGrpSpPr>
+        <p:cNvPr id="1" name=""/>
+        <p:cNvGrpSpPr/>
+        <p:nvPr/>
+      </p:nvGrpSpPr>
+      <p:grpSpPr>
+        <a:xfrm>
+          <a:off x="0" y="0"/>
+          <a:ext cx="0" cy="0"/>
+          <a:chOff x="0" y="0"/>
+          <a:chExt cx="0" cy="0"/>
+        </a:xfrm>
+      </p:grpSpPr>
+      <p:sp>
+        <p:nvSpPr>
+          <p:cNvPr id="2" name="Titre 1">
+            <a:extLst>
+              <a:ext uri="{FF2B5EF4-FFF2-40B4-BE49-F238E27FC236}">
+                <a16:creationId xmlns:a16="http://schemas.microsoft.com/office/drawing/2014/main" id="{9AB3E9B9-641D-4D87-9642-DCD929490B08}"/>
+              </a:ext>
+            </a:extLst>
+          </p:cNvPr>
+          <p:cNvSpPr>
+            <a:spLocks noGrp="1"/>
+          </p:cNvSpPr>
+          <p:nvPr>
+            <p:ph type="title"/>
+          </p:nvPr>
+        </p:nvSpPr>
+        <p:spPr/>
+        <p:txBody>
+          <a:bodyPr/>
+          <a:lstStyle/>
+          <a:p>
+            <a:r>
+              <a:rPr lang="fr-FR" sz="3600" dirty="0">
+                <a:latin typeface="Arial" panose="020B0604020202020204" pitchFamily="34" charset="0"/>
+                <a:cs typeface="Arial" panose="020B0604020202020204" pitchFamily="34" charset="0"/>
+              </a:rPr>
+              <a:t>Modelé logique des données (MLD)</a:t>
+            </a:r>
+            <a:br>
+              <a:rPr lang="fr-FR" sz="3600" dirty="0">
+                <a:latin typeface="Arial" panose="020B0604020202020204" pitchFamily="34" charset="0"/>
+                <a:cs typeface="Arial" panose="020B0604020202020204" pitchFamily="34" charset="0"/>
+              </a:rPr>
+            </a:br>
+            <a:endParaRPr lang="fr-FR" sz="3600" dirty="0"/>
+          </a:p>
+        </p:txBody>
+      </p:sp>
+      <p:sp>
+        <p:nvSpPr>
+          <p:cNvPr id="3" name="Espace réservé du contenu 2">
+            <a:extLst>
+              <a:ext uri="{FF2B5EF4-FFF2-40B4-BE49-F238E27FC236}">
+                <a16:creationId xmlns:a16="http://schemas.microsoft.com/office/drawing/2014/main" id="{E5F6D20D-61FB-45B0-9014-DAF82334A6C1}"/>
+              </a:ext>
+            </a:extLst>
+          </p:cNvPr>
+          <p:cNvSpPr>
+            <a:spLocks noGrp="1"/>
+          </p:cNvSpPr>
+          <p:nvPr>
+            <p:ph idx="1"/>
+          </p:nvPr>
+        </p:nvSpPr>
+        <p:spPr>
+          <a:xfrm>
+            <a:off x="1103312" y="2052918"/>
+            <a:ext cx="10738168" cy="4195481"/>
+          </a:xfrm>
+        </p:spPr>
+        <p:txBody>
+          <a:bodyPr/>
+          <a:lstStyle/>
+          <a:p>
+            <a:r>
+              <a:rPr lang="fr-FR" b="1" dirty="0"/>
+              <a:t>Etudiants</a:t>
+            </a:r>
+            <a:r>
+              <a:rPr lang="fr-FR" dirty="0"/>
+              <a:t>(#MatriculeE, NomE, PrenomE, DateLieuNaiss, Nivaux ,Annee)</a:t>
+            </a:r>
+          </a:p>
+          <a:p>
+            <a:r>
+              <a:rPr lang="fr-FR" b="1" dirty="0"/>
+              <a:t>Enseignants</a:t>
+            </a:r>
+            <a:r>
+              <a:rPr lang="fr-FR" dirty="0"/>
+              <a:t>(#</a:t>
+            </a:r>
+            <a:r>
+              <a:rPr lang="de-DE" i="1" dirty="0"/>
+              <a:t>MatriculeEn, </a:t>
+            </a:r>
+            <a:r>
+              <a:rPr lang="de-DE" dirty="0"/>
+              <a:t>NomEn, PrenomEn, GradeEn, CodeMatiere)</a:t>
+            </a:r>
+          </a:p>
+          <a:p>
+            <a:r>
+              <a:rPr lang="fr-FR" b="1" dirty="0"/>
+              <a:t>Agents</a:t>
+            </a:r>
+            <a:r>
+              <a:rPr lang="fr-FR" dirty="0"/>
+              <a:t>(#IdAgent, NomAg, PrenomAg)</a:t>
+            </a:r>
+          </a:p>
+          <a:p>
+            <a:r>
+              <a:rPr lang="fr-FR" b="1" dirty="0"/>
+              <a:t>Reclamation</a:t>
+            </a:r>
+            <a:r>
+              <a:rPr lang="fr-FR" dirty="0"/>
+              <a:t>(#MatriculeE, NomE, PrenomE, DateLieuNaiss, Nivaux ,Annee, Note)</a:t>
+            </a:r>
+          </a:p>
+          <a:p>
+            <a:r>
+              <a:rPr lang="fr-FR" b="1" dirty="0"/>
+              <a:t>Matieres</a:t>
+            </a:r>
+            <a:r>
+              <a:rPr lang="fr-FR" dirty="0"/>
+              <a:t>(#CodeMatiere</a:t>
+            </a:r>
+            <a:r>
+              <a:rPr lang="fr-FR" b="1" dirty="0"/>
+              <a:t> </a:t>
+            </a:r>
+            <a:r>
+              <a:rPr lang="fr-FR" dirty="0"/>
+              <a:t>NomMatiere)</a:t>
+            </a:r>
+          </a:p>
+          <a:p>
+            <a:r>
+              <a:rPr lang="fr-FR" b="1" dirty="0"/>
+              <a:t>Connexion</a:t>
+            </a:r>
+            <a:r>
+              <a:rPr lang="fr-FR" dirty="0"/>
+              <a:t>(#IdAgent, DateC)</a:t>
+            </a:r>
+          </a:p>
+          <a:p>
+            <a:r>
+              <a:rPr lang="fr-FR" b="1" dirty="0"/>
+              <a:t>Mot_de_passe</a:t>
+            </a:r>
+            <a:r>
+              <a:rPr lang="fr-FR" dirty="0"/>
+              <a:t>(#MotDePasse)</a:t>
+            </a:r>
+          </a:p>
+          <a:p>
+            <a:r>
+              <a:rPr lang="fr-FR" b="1" dirty="0"/>
+              <a:t>Periode</a:t>
+            </a:r>
+            <a:r>
+              <a:rPr lang="fr-FR" dirty="0"/>
+              <a:t>(#Annee)</a:t>
+            </a:r>
+          </a:p>
+          <a:p>
+            <a:r>
+              <a:rPr lang="fr-FR" b="1" dirty="0"/>
+              <a:t>Evenement</a:t>
+            </a:r>
+            <a:r>
+              <a:rPr lang="fr-FR" dirty="0"/>
+              <a:t>(#Titre, DateE)</a:t>
+            </a:r>
+            <a:endParaRPr lang="fr-FR" b="1" dirty="0"/>
+          </a:p>
+        </p:txBody>
+      </p:sp>
+    </p:spTree>
+    <p:extLst>
+      <p:ext uri="{BB962C8B-B14F-4D97-AF65-F5344CB8AC3E}">
+        <p14:creationId xmlns:p14="http://schemas.microsoft.com/office/powerpoint/2010/main" val="4279379094"/>
+      </p:ext>
+    </p:extLst>
+  </p:cSld>
+  <p:clrMapOvr>
+    <a:masterClrMapping/>
+  </p:clrMapOvr>
+  <mc:AlternateContent xmlns:mc="http://schemas.openxmlformats.org/markup-compatibility/2006" xmlns:p15="http://schemas.microsoft.com/office/powerpoint/2012/main">
+    <mc:Choice Requires="p15">
+      <p:transition xmlns:p14="http://schemas.microsoft.com/office/powerpoint/2010/main" spd="slow" p14:dur="2000">
+        <p15:prstTrans prst="fracture"/>
+      </p:transition>
+    </mc:Choice>
+    <mc:Fallback xmlns:p="http://schemas.openxmlformats.org/presentationml/2006/main" xmlns:r="http://schemas.openxmlformats.org/officeDocument/2006/relationships" xmlns:a="http://schemas.openxmlformats.org/drawingml/2006/main" xmlns="">
+      <p:transition spd="slow">
+        <p:fade/>
+      </p:transition>
+    </mc:Fallback>
+  </mc:AlternateContent>
+</p:sld>
+</file>
+
+<file path=ppt/slides/slide14.xml><?xml version="1.0" encoding="utf-8"?>
+<p:sld xmlns:a="http://purl.oclc.org/ooxml/drawingml/main" xmlns:r="http://purl.oclc.org/ooxml/officeDocument/relationships" xmlns:p="http://purl.oclc.org/ooxml/presentationml/main">
+  <p:cSld>
+    <p:spTree>
+      <p:nvGrpSpPr>
+        <p:cNvPr id="1" name=""/>
+        <p:cNvGrpSpPr/>
+        <p:nvPr/>
+      </p:nvGrpSpPr>
+      <p:grpSpPr>
+        <a:xfrm>
+          <a:off x="0" y="0"/>
+          <a:ext cx="0" cy="0"/>
+          <a:chOff x="0" y="0"/>
+          <a:chExt cx="0" cy="0"/>
+        </a:xfrm>
+      </p:grpSpPr>
+      <p:sp>
+        <p:nvSpPr>
+          <p:cNvPr id="2" name="Titre 1">
+            <a:extLst>
+              <a:ext uri="{FF2B5EF4-FFF2-40B4-BE49-F238E27FC236}">
+                <a16:creationId xmlns:a16="http://schemas.microsoft.com/office/drawing/2014/main" id="{28FFDA0A-E1E1-4427-9823-51C5A54C5BAC}"/>
+              </a:ext>
+            </a:extLst>
+          </p:cNvPr>
+          <p:cNvSpPr>
+            <a:spLocks noGrp="1"/>
+          </p:cNvSpPr>
+          <p:nvPr>
+            <p:ph type="title"/>
+          </p:nvPr>
+        </p:nvSpPr>
+        <p:spPr/>
+        <p:txBody>
+          <a:bodyPr/>
+          <a:lstStyle/>
+          <a:p>
+            <a:r>
+              <a:rPr lang="fr-FR" dirty="0"/>
+              <a:t>SGBDD</a:t>
+            </a:r>
+          </a:p>
+        </p:txBody>
+      </p:sp>
+      <p:pic>
+        <p:nvPicPr>
+          <p:cNvPr id="5" name="Image 4">
+            <a:extLst>
+              <a:ext uri="{FF2B5EF4-FFF2-40B4-BE49-F238E27FC236}">
+                <a16:creationId xmlns:a16="http://schemas.microsoft.com/office/drawing/2014/main" id="{F6FE5186-098B-4562-998B-3E5586EF57D9}"/>
+              </a:ext>
+            </a:extLst>
+          </p:cNvPr>
+          <p:cNvPicPr>
+            <a:picLocks noChangeAspect="1"/>
+          </p:cNvPicPr>
+          <p:nvPr/>
+        </p:nvPicPr>
+        <p:blipFill>
+          <a:blip r:embed="rId2"/>
+          <a:stretch>
+            <a:fillRect/>
+          </a:stretch>
+        </p:blipFill>
+        <p:spPr>
+          <a:xfrm>
+            <a:off x="3794630" y="3208061"/>
+            <a:ext cx="4201590" cy="2918786"/>
+          </a:xfrm>
+          <a:prstGeom prst="rect">
+            <a:avLst/>
+          </a:prstGeom>
+        </p:spPr>
+      </p:pic>
+      <p:pic>
+        <p:nvPicPr>
+          <p:cNvPr id="7" name="Image 6">
+            <a:extLst>
+              <a:ext uri="{FF2B5EF4-FFF2-40B4-BE49-F238E27FC236}">
+                <a16:creationId xmlns:a16="http://schemas.microsoft.com/office/drawing/2014/main" id="{F9546B74-822E-4D60-8EA3-5F88E4DD2D05}"/>
+              </a:ext>
+            </a:extLst>
+          </p:cNvPr>
+          <p:cNvPicPr>
+            <a:picLocks noChangeAspect="1"/>
+          </p:cNvPicPr>
+          <p:nvPr/>
+        </p:nvPicPr>
+        <p:blipFill>
+          <a:blip r:embed="rId3"/>
+          <a:stretch>
+            <a:fillRect/>
+          </a:stretch>
+        </p:blipFill>
+        <p:spPr>
+          <a:xfrm>
+            <a:off x="6738724" y="2028470"/>
+            <a:ext cx="4201591" cy="1400530"/>
+          </a:xfrm>
+          <a:prstGeom prst="rect">
+            <a:avLst/>
+          </a:prstGeom>
+        </p:spPr>
+      </p:pic>
+      <p:pic>
+        <p:nvPicPr>
+          <p:cNvPr id="11" name="Image 10">
+            <a:extLst>
+              <a:ext uri="{FF2B5EF4-FFF2-40B4-BE49-F238E27FC236}">
+                <a16:creationId xmlns:a16="http://schemas.microsoft.com/office/drawing/2014/main" id="{A5DF23DD-32BA-4C24-892B-E4CF07737F49}"/>
+              </a:ext>
+            </a:extLst>
+          </p:cNvPr>
+          <p:cNvPicPr>
+            <a:picLocks noChangeAspect="1"/>
+          </p:cNvPicPr>
+          <p:nvPr/>
+        </p:nvPicPr>
+        <p:blipFill>
+          <a:blip r:embed="rId4"/>
+          <a:stretch>
+            <a:fillRect/>
+          </a:stretch>
+        </p:blipFill>
+        <p:spPr>
+          <a:xfrm>
+            <a:off x="646111" y="1735146"/>
+            <a:ext cx="4310675" cy="2040835"/>
+          </a:xfrm>
+          <a:prstGeom prst="rect">
+            <a:avLst/>
+          </a:prstGeom>
+        </p:spPr>
+      </p:pic>
+    </p:spTree>
+    <p:extLst>
+      <p:ext uri="{BB962C8B-B14F-4D97-AF65-F5344CB8AC3E}">
+        <p14:creationId xmlns:p14="http://schemas.microsoft.com/office/powerpoint/2010/main" val="2418728007"/>
+      </p:ext>
+    </p:extLst>
+  </p:cSld>
+  <p:clrMapOvr>
+    <a:masterClrMapping/>
+  </p:clrMapOvr>
+  <mc:AlternateContent xmlns:mc="http://schemas.openxmlformats.org/markup-compatibility/2006">
+    <mc:Choice xmlns:p14="http://schemas.microsoft.com/office/powerpoint/2010/main" Requires="p14">
+      <p:transition spd="slow" p14:dur="2000">
+        <p14:ferris dir="l"/>
+      </p:transition>
+    </mc:Choice>
+    <mc:Fallback>
+      <p:transition spd="slow">
+        <p:fade/>
+      </p:transition>
+    </mc:Fallback>
+  </mc:AlternateContent>
+  <p:timing>
+    <p:tnLst>
+      <p:par>
+        <p:cTn id="1" dur="indefinite" restart="never" nodeType="tmRoot">
+          <p:childTnLst>
+            <p:seq concurrent="1" nextAc="seek">
+              <p:cTn id="2" dur="indefinite" nodeType="mainSeq">
+                <p:childTnLst>
+                  <p:par>
+                    <p:cTn id="3" fill="hold">
+                      <p:stCondLst>
+                        <p:cond delay="indefinite"/>
+                      </p:stCondLst>
+                      <p:childTnLst>
+                        <p:par>
+                          <p:cTn id="4" fill="hold">
+                            <p:stCondLst>
+                              <p:cond delay="0"/>
+                            </p:stCondLst>
+                            <p:childTnLst>
+                              <p:par>
+                                <p:cTn id="5" presetID="53" presetClass="exit" presetSubtype="32" fill="hold" nodeType="clickEffect">
+                                  <p:stCondLst>
+                                    <p:cond delay="0"/>
+                                  </p:stCondLst>
+                                  <p:childTnLst>
+                                    <p:anim calcmode="lin" valueType="num">
+                                      <p:cBhvr>
+                                        <p:cTn id="6" dur="500"/>
+                                        <p:tgtEl>
+                                          <p:spTgt spid="11"/>
+                                        </p:tgtEl>
+                                        <p:attrNameLst>
+                                          <p:attrName>ppt_w</p:attrName>
+                                        </p:attrNameLst>
+                                      </p:cBhvr>
+                                      <p:tavLst>
+                                        <p:tav tm="0%">
+                                          <p:val>
+                                            <p:strVal val="ppt_w"/>
+                                          </p:val>
+                                        </p:tav>
+                                        <p:tav tm="100%">
+                                          <p:val>
+                                            <p:fltVal val="0"/>
+                                          </p:val>
+                                        </p:tav>
+                                      </p:tavLst>
+                                    </p:anim>
+                                    <p:anim calcmode="lin" valueType="num">
+                                      <p:cBhvr>
+                                        <p:cTn id="7" dur="500"/>
+                                        <p:tgtEl>
+                                          <p:spTgt spid="11"/>
+                                        </p:tgtEl>
+                                        <p:attrNameLst>
+                                          <p:attrName>ppt_h</p:attrName>
+                                        </p:attrNameLst>
+                                      </p:cBhvr>
+                                      <p:tavLst>
+                                        <p:tav tm="0%">
+                                          <p:val>
+                                            <p:strVal val="ppt_h"/>
+                                          </p:val>
+                                        </p:tav>
+                                        <p:tav tm="100%">
+                                          <p:val>
+                                            <p:fltVal val="0"/>
+                                          </p:val>
+                                        </p:tav>
+                                      </p:tavLst>
+                                    </p:anim>
+                                    <p:animEffect transition="out" filter="fade">
+                                      <p:cBhvr>
+                                        <p:cTn id="8" dur="500"/>
+                                        <p:tgtEl>
+                                          <p:spTgt spid="11"/>
+                                        </p:tgtEl>
+                                      </p:cBhvr>
+                                    </p:animEffect>
+                                    <p:set>
+                                      <p:cBhvr>
+                                        <p:cTn id="9" dur="1" fill="hold">
+                                          <p:stCondLst>
+                                            <p:cond delay="499"/>
+                                          </p:stCondLst>
+                                        </p:cTn>
+                                        <p:tgtEl>
+                                          <p:spTgt spid="11"/>
+                                        </p:tgtEl>
+                                        <p:attrNameLst>
+                                          <p:attrName>style.visibility</p:attrName>
+                                        </p:attrNameLst>
+                                      </p:cBhvr>
+                                      <p:to>
+                                        <p:strVal val="hidden"/>
+                                      </p:to>
+                                    </p:set>
+                                  </p:childTnLst>
+                                </p:cTn>
+                              </p:par>
+                              <p:par>
+                                <p:cTn id="10" presetID="53" presetClass="exit" presetSubtype="32" fill="hold" nodeType="withEffect">
+                                  <p:stCondLst>
+                                    <p:cond delay="0"/>
+                                  </p:stCondLst>
+                                  <p:childTnLst>
+                                    <p:anim calcmode="lin" valueType="num">
+                                      <p:cBhvr>
+                                        <p:cTn id="11" dur="500"/>
+                                        <p:tgtEl>
+                                          <p:spTgt spid="7"/>
+                                        </p:tgtEl>
+                                        <p:attrNameLst>
+                                          <p:attrName>ppt_w</p:attrName>
+                                        </p:attrNameLst>
+                                      </p:cBhvr>
+                                      <p:tavLst>
+                                        <p:tav tm="0%">
+                                          <p:val>
+                                            <p:strVal val="ppt_w"/>
+                                          </p:val>
+                                        </p:tav>
+                                        <p:tav tm="100%">
+                                          <p:val>
+                                            <p:fltVal val="0"/>
+                                          </p:val>
+                                        </p:tav>
+                                      </p:tavLst>
+                                    </p:anim>
+                                    <p:anim calcmode="lin" valueType="num">
+                                      <p:cBhvr>
+                                        <p:cTn id="12" dur="500"/>
+                                        <p:tgtEl>
+                                          <p:spTgt spid="7"/>
+                                        </p:tgtEl>
+                                        <p:attrNameLst>
+                                          <p:attrName>ppt_h</p:attrName>
+                                        </p:attrNameLst>
+                                      </p:cBhvr>
+                                      <p:tavLst>
+                                        <p:tav tm="0%">
+                                          <p:val>
+                                            <p:strVal val="ppt_h"/>
+                                          </p:val>
+                                        </p:tav>
+                                        <p:tav tm="100%">
+                                          <p:val>
+                                            <p:fltVal val="0"/>
+                                          </p:val>
+                                        </p:tav>
+                                      </p:tavLst>
+                                    </p:anim>
+                                    <p:animEffect transition="out" filter="fade">
+                                      <p:cBhvr>
+                                        <p:cTn id="13" dur="500"/>
+                                        <p:tgtEl>
+                                          <p:spTgt spid="7"/>
+                                        </p:tgtEl>
+                                      </p:cBhvr>
+                                    </p:animEffect>
+                                    <p:set>
+                                      <p:cBhvr>
+                                        <p:cTn id="14" dur="1" fill="hold">
+                                          <p:stCondLst>
+                                            <p:cond delay="499"/>
+                                          </p:stCondLst>
+                                        </p:cTn>
+                                        <p:tgtEl>
+                                          <p:spTgt spid="7"/>
+                                        </p:tgtEl>
+                                        <p:attrNameLst>
+                                          <p:attrName>style.visibility</p:attrName>
+                                        </p:attrNameLst>
+                                      </p:cBhvr>
+                                      <p:to>
+                                        <p:strVal val="hidden"/>
+                                      </p:to>
+                                    </p:set>
+                                  </p:childTnLst>
+                                </p:cTn>
+                              </p:par>
+                            </p:childTnLst>
+                          </p:cTn>
+                        </p:par>
+                      </p:childTnLst>
+                    </p:cTn>
+                  </p:par>
+                </p:childTnLst>
+              </p:cTn>
+              <p:prevCondLst>
+                <p:cond evt="onPrev" delay="0">
+                  <p:tgtEl>
+                    <p:sldTgt/>
+                  </p:tgtEl>
+                </p:cond>
+              </p:prevCondLst>
+              <p:nextCondLst>
+                <p:cond evt="onNext" delay="0">
+                  <p:tgtEl>
+                    <p:sldTgt/>
+                  </p:tgtEl>
+                </p:cond>
+              </p:nextCondLst>
+            </p:seq>
+          </p:childTnLst>
+        </p:cTn>
+      </p:par>
+    </p:tnLst>
+  </p:timing>
+</p:sld>
+</file>
+
+<file path=ppt/slides/slide15.xml><?xml version="1.0" encoding="utf-8"?>
+<p:sld xmlns:a="http://purl.oclc.org/ooxml/drawingml/main" xmlns:r="http://purl.oclc.org/ooxml/officeDocument/relationships" xmlns:p="http://purl.oclc.org/ooxml/presentationml/main">
+  <p:cSld>
+    <p:spTree>
+      <p:nvGrpSpPr>
+        <p:cNvPr id="1" name=""/>
+        <p:cNvGrpSpPr/>
+        <p:nvPr/>
+      </p:nvGrpSpPr>
+      <p:grpSpPr>
+        <a:xfrm>
+          <a:off x="0" y="0"/>
+          <a:ext cx="0" cy="0"/>
+          <a:chOff x="0" y="0"/>
+          <a:chExt cx="0" cy="0"/>
+        </a:xfrm>
+      </p:grpSpPr>
+      <p:sp>
+        <p:nvSpPr>
+          <p:cNvPr id="2" name="Titre 1">
+            <a:extLst>
+              <a:ext uri="{FF2B5EF4-FFF2-40B4-BE49-F238E27FC236}">
+                <a16:creationId xmlns:a16="http://schemas.microsoft.com/office/drawing/2014/main" id="{F29D3B53-4485-4041-92A6-F8F008ABF0F7}"/>
+              </a:ext>
+            </a:extLst>
+          </p:cNvPr>
+          <p:cNvSpPr>
+            <a:spLocks noGrp="1"/>
+          </p:cNvSpPr>
+          <p:nvPr>
+            <p:ph type="title"/>
+          </p:nvPr>
+        </p:nvSpPr>
+        <p:spPr/>
+        <p:txBody>
+          <a:bodyPr/>
+          <a:lstStyle/>
+          <a:p>
+            <a:r>
+              <a:rPr lang="fr-FR" dirty="0"/>
+              <a:t>Langage Informatique</a:t>
+            </a:r>
+          </a:p>
+        </p:txBody>
+      </p:sp>
+      <p:pic>
+        <p:nvPicPr>
+          <p:cNvPr id="5" name="Image 4">
+            <a:extLst>
+              <a:ext uri="{FF2B5EF4-FFF2-40B4-BE49-F238E27FC236}">
+                <a16:creationId xmlns:a16="http://schemas.microsoft.com/office/drawing/2014/main" id="{A38ED50E-95FD-4688-864C-C5FC44B634CA}"/>
+              </a:ext>
+            </a:extLst>
+          </p:cNvPr>
+          <p:cNvPicPr>
+            <a:picLocks noChangeAspect="1"/>
+          </p:cNvPicPr>
+          <p:nvPr/>
+        </p:nvPicPr>
+        <p:blipFill>
+          <a:blip r:embed="rId2"/>
+          <a:stretch>
+            <a:fillRect/>
+          </a:stretch>
+        </p:blipFill>
+        <p:spPr>
+          <a:xfrm>
+            <a:off x="705049" y="2793783"/>
+            <a:ext cx="1845365" cy="1845365"/>
+          </a:xfrm>
+          <a:prstGeom prst="rect">
+            <a:avLst/>
+          </a:prstGeom>
+        </p:spPr>
+      </p:pic>
+      <p:pic>
+        <p:nvPicPr>
+          <p:cNvPr id="9" name="Image 8">
+            <a:extLst>
+              <a:ext uri="{FF2B5EF4-FFF2-40B4-BE49-F238E27FC236}">
+                <a16:creationId xmlns:a16="http://schemas.microsoft.com/office/drawing/2014/main" id="{2B059278-1271-4429-97BB-BCF139FC9CEF}"/>
+              </a:ext>
+            </a:extLst>
+          </p:cNvPr>
+          <p:cNvPicPr>
+            <a:picLocks noChangeAspect="1"/>
+          </p:cNvPicPr>
+          <p:nvPr/>
+        </p:nvPicPr>
+        <p:blipFill>
+          <a:blip r:embed="rId3"/>
+          <a:stretch>
+            <a:fillRect/>
+          </a:stretch>
+        </p:blipFill>
+        <p:spPr>
+          <a:xfrm>
+            <a:off x="3212891" y="2681139"/>
+            <a:ext cx="1468060" cy="2070652"/>
+          </a:xfrm>
+          <a:prstGeom prst="rect">
+            <a:avLst/>
+          </a:prstGeom>
+        </p:spPr>
+      </p:pic>
+      <p:pic>
+        <p:nvPicPr>
+          <p:cNvPr id="11" name="Image 10">
+            <a:extLst>
+              <a:ext uri="{FF2B5EF4-FFF2-40B4-BE49-F238E27FC236}">
+                <a16:creationId xmlns:a16="http://schemas.microsoft.com/office/drawing/2014/main" id="{2127D780-CE97-45A8-8D9C-53F387057923}"/>
+              </a:ext>
+            </a:extLst>
+          </p:cNvPr>
+          <p:cNvPicPr>
+            <a:picLocks noChangeAspect="1"/>
+          </p:cNvPicPr>
+          <p:nvPr/>
+        </p:nvPicPr>
+        <p:blipFill>
+          <a:blip r:embed="rId4"/>
+          <a:stretch>
+            <a:fillRect/>
+          </a:stretch>
+        </p:blipFill>
+        <p:spPr>
+          <a:xfrm>
+            <a:off x="5343428" y="2906426"/>
+            <a:ext cx="3415860" cy="1845365"/>
+          </a:xfrm>
+          <a:prstGeom prst="rect">
+            <a:avLst/>
+          </a:prstGeom>
+        </p:spPr>
+      </p:pic>
+      <p:pic>
+        <p:nvPicPr>
+          <p:cNvPr id="13" name="Image 12">
+            <a:extLst>
+              <a:ext uri="{FF2B5EF4-FFF2-40B4-BE49-F238E27FC236}">
+                <a16:creationId xmlns:a16="http://schemas.microsoft.com/office/drawing/2014/main" id="{601372D9-345E-4272-85A9-4FF3B3FB5543}"/>
+              </a:ext>
+            </a:extLst>
+          </p:cNvPr>
+          <p:cNvPicPr>
+            <a:picLocks noChangeAspect="1"/>
+          </p:cNvPicPr>
+          <p:nvPr/>
+        </p:nvPicPr>
+        <p:blipFill>
+          <a:blip r:embed="rId5"/>
+          <a:stretch>
+            <a:fillRect/>
+          </a:stretch>
+        </p:blipFill>
+        <p:spPr>
+          <a:xfrm>
+            <a:off x="9421765" y="2716328"/>
+            <a:ext cx="2050154" cy="2279373"/>
+          </a:xfrm>
+          <a:prstGeom prst="rect">
+            <a:avLst/>
+          </a:prstGeom>
+        </p:spPr>
+      </p:pic>
+    </p:spTree>
+    <p:extLst>
+      <p:ext uri="{BB962C8B-B14F-4D97-AF65-F5344CB8AC3E}">
+        <p14:creationId xmlns:p14="http://schemas.microsoft.com/office/powerpoint/2010/main" val="311619051"/>
+      </p:ext>
+    </p:extLst>
+  </p:cSld>
+  <p:clrMapOvr>
+    <a:masterClrMapping/>
+  </p:clrMapOvr>
+  <mc:AlternateContent xmlns:mc="http://schemas.openxmlformats.org/markup-compatibility/2006">
+    <mc:Choice xmlns:p14="http://schemas.microsoft.com/office/powerpoint/2010/main" Requires="p14">
+      <p:transition spd="slow" p14:dur="1600">
+        <p14:conveyor dir="l"/>
+      </p:transition>
+    </mc:Choice>
+    <mc:Fallback>
+      <p:transition spd="slow">
+        <p:fade/>
+      </p:transition>
+    </mc:Fallback>
+  </mc:AlternateContent>
+  <p:timing>
+    <p:tnLst>
+      <p:par>
+        <p:cTn id="1" dur="indefinite" restart="never" nodeType="tmRoot">
+          <p:childTnLst>
+            <p:seq concurrent="1" nextAc="seek">
+              <p:cTn id="2" dur="indefinite" nodeType="mainSeq">
+                <p:childTnLst>
+                  <p:par>
+                    <p:cTn id="3" fill="hold">
+                      <p:stCondLst>
+                        <p:cond delay="indefinite"/>
+                      </p:stCondLst>
+                      <p:childTnLst>
+                        <p:par>
+                          <p:cTn id="4" fill="hold">
+                            <p:stCondLst>
+                              <p:cond delay="0"/>
+                            </p:stCondLst>
+                            <p:childTnLst>
+                              <p:par>
+                                <p:cTn id="5" presetID="2" presetClass="exit" presetSubtype="4" fill="hold" nodeType="clickEffect">
+                                  <p:stCondLst>
+                                    <p:cond delay="0"/>
+                                  </p:stCondLst>
+                                  <p:childTnLst>
+                                    <p:anim calcmode="lin" valueType="num">
+                                      <p:cBhvr additive="base">
+                                        <p:cTn id="6" dur="500"/>
+                                        <p:tgtEl>
+                                          <p:spTgt spid="13"/>
+                                        </p:tgtEl>
+                                        <p:attrNameLst>
+                                          <p:attrName>ppt_x</p:attrName>
+                                        </p:attrNameLst>
+                                      </p:cBhvr>
+                                      <p:tavLst>
+                                        <p:tav tm="0%">
+                                          <p:val>
+                                            <p:strVal val="ppt_x"/>
+                                          </p:val>
+                                        </p:tav>
+                                        <p:tav tm="100%">
+                                          <p:val>
+                                            <p:strVal val="ppt_x"/>
+                                          </p:val>
+                                        </p:tav>
+                                      </p:tavLst>
+                                    </p:anim>
+                                    <p:anim calcmode="lin" valueType="num">
+                                      <p:cBhvr additive="base">
+                                        <p:cTn id="7" dur="500"/>
+                                        <p:tgtEl>
+                                          <p:spTgt spid="13"/>
+                                        </p:tgtEl>
+                                        <p:attrNameLst>
+                                          <p:attrName>ppt_y</p:attrName>
+                                        </p:attrNameLst>
+                                      </p:cBhvr>
+                                      <p:tavLst>
+                                        <p:tav tm="0%">
+                                          <p:val>
+                                            <p:strVal val="ppt_y"/>
+                                          </p:val>
+                                        </p:tav>
+                                        <p:tav tm="100%">
+                                          <p:val>
+                                            <p:strVal val="1+ppt_h/2"/>
+                                          </p:val>
+                                        </p:tav>
+                                      </p:tavLst>
+                                    </p:anim>
+                                    <p:set>
+                                      <p:cBhvr>
+                                        <p:cTn id="8" dur="1" fill="hold">
+                                          <p:stCondLst>
+                                            <p:cond delay="499"/>
+                                          </p:stCondLst>
+                                        </p:cTn>
+                                        <p:tgtEl>
+                                          <p:spTgt spid="13"/>
+                                        </p:tgtEl>
+                                        <p:attrNameLst>
+                                          <p:attrName>style.visibility</p:attrName>
+                                        </p:attrNameLst>
+                                      </p:cBhvr>
+                                      <p:to>
+                                        <p:strVal val="hidden"/>
+                                      </p:to>
+                                    </p:set>
+                                  </p:childTnLst>
+                                </p:cTn>
+                              </p:par>
+                            </p:childTnLst>
+                          </p:cTn>
+                        </p:par>
+                      </p:childTnLst>
+                    </p:cTn>
+                  </p:par>
+                </p:childTnLst>
+              </p:cTn>
+              <p:prevCondLst>
+                <p:cond evt="onPrev" delay="0">
+                  <p:tgtEl>
+                    <p:sldTgt/>
+                  </p:tgtEl>
+                </p:cond>
+              </p:prevCondLst>
+              <p:nextCondLst>
+                <p:cond evt="onNext" delay="0">
+                  <p:tgtEl>
+                    <p:sldTgt/>
+                  </p:tgtEl>
+                </p:cond>
+              </p:nextCondLst>
+            </p:seq>
+          </p:childTnLst>
+        </p:cTn>
+      </p:par>
+    </p:tnLst>
+  </p:timing>
+</p:sld>
+</file>
+
+<file path=ppt/slides/slide16.xml><?xml version="1.0" encoding="utf-8"?>
+<p:sld xmlns:a="http://purl.oclc.org/ooxml/drawingml/main" xmlns:r="http://purl.oclc.org/ooxml/officeDocument/relationships" xmlns:p="http://purl.oclc.org/ooxml/presentationml/main">
+  <p:cSld>
+    <p:spTree>
+      <p:nvGrpSpPr>
+        <p:cNvPr id="1" name=""/>
+        <p:cNvGrpSpPr/>
+        <p:nvPr/>
+      </p:nvGrpSpPr>
+      <p:grpSpPr>
+        <a:xfrm>
+          <a:off x="0" y="0"/>
+          <a:ext cx="0" cy="0"/>
+          <a:chOff x="0" y="0"/>
+          <a:chExt cx="0" cy="0"/>
+        </a:xfrm>
+      </p:grpSpPr>
+      <p:sp>
+        <p:nvSpPr>
+          <p:cNvPr id="2" name="Titre 1">
+            <a:extLst>
+              <a:ext uri="{FF2B5EF4-FFF2-40B4-BE49-F238E27FC236}">
+                <a16:creationId xmlns:a16="http://schemas.microsoft.com/office/drawing/2014/main" id="{E65968A7-5FE5-45CF-9E9A-BEA4403C85EA}"/>
+              </a:ext>
+            </a:extLst>
+          </p:cNvPr>
+          <p:cNvSpPr>
+            <a:spLocks noGrp="1"/>
+          </p:cNvSpPr>
+          <p:nvPr>
+            <p:ph type="title"/>
+          </p:nvPr>
+        </p:nvSpPr>
+        <p:spPr/>
+        <p:txBody>
+          <a:bodyPr/>
+          <a:lstStyle/>
+          <a:p>
+            <a:r>
+              <a:rPr lang="fr-FR" dirty="0"/>
+              <a:t>Editeur de Texte(ou IDE)</a:t>
+            </a:r>
+          </a:p>
+        </p:txBody>
+      </p:sp>
+      <p:pic>
+        <p:nvPicPr>
+          <p:cNvPr id="5" name="Image 4">
+            <a:extLst>
+              <a:ext uri="{FF2B5EF4-FFF2-40B4-BE49-F238E27FC236}">
+                <a16:creationId xmlns:a16="http://schemas.microsoft.com/office/drawing/2014/main" id="{C91D1129-6FE9-489C-BE52-0E3BDEA7F9C1}"/>
+              </a:ext>
+            </a:extLst>
+          </p:cNvPr>
+          <p:cNvPicPr>
+            <a:picLocks noChangeAspect="1"/>
+          </p:cNvPicPr>
+          <p:nvPr/>
+        </p:nvPicPr>
+        <p:blipFill>
+          <a:blip r:embed="rId2"/>
+          <a:stretch>
+            <a:fillRect/>
+          </a:stretch>
+        </p:blipFill>
+        <p:spPr>
+          <a:xfrm>
+            <a:off x="2160105" y="2320584"/>
+            <a:ext cx="2367937" cy="1214434"/>
+          </a:xfrm>
+          <a:prstGeom prst="rect">
+            <a:avLst/>
+          </a:prstGeom>
+        </p:spPr>
+      </p:pic>
+      <p:pic>
+        <p:nvPicPr>
+          <p:cNvPr id="7" name="Image 6">
+            <a:extLst>
+              <a:ext uri="{FF2B5EF4-FFF2-40B4-BE49-F238E27FC236}">
+                <a16:creationId xmlns:a16="http://schemas.microsoft.com/office/drawing/2014/main" id="{A3FD6AE8-E0C4-49AF-9177-5F268A4B65EC}"/>
+              </a:ext>
+            </a:extLst>
+          </p:cNvPr>
+          <p:cNvPicPr>
+            <a:picLocks noChangeAspect="1"/>
+          </p:cNvPicPr>
+          <p:nvPr/>
+        </p:nvPicPr>
+        <p:blipFill>
+          <a:blip r:embed="rId3"/>
+          <a:stretch>
+            <a:fillRect/>
+          </a:stretch>
+        </p:blipFill>
+        <p:spPr>
+          <a:xfrm>
+            <a:off x="6818784" y="1825814"/>
+            <a:ext cx="1928889" cy="1928889"/>
+          </a:xfrm>
+          <a:prstGeom prst="rect">
+            <a:avLst/>
+          </a:prstGeom>
+        </p:spPr>
+      </p:pic>
+    </p:spTree>
+    <p:extLst>
+      <p:ext uri="{BB962C8B-B14F-4D97-AF65-F5344CB8AC3E}">
+        <p14:creationId xmlns:p14="http://schemas.microsoft.com/office/powerpoint/2010/main" val="3937766257"/>
+      </p:ext>
+    </p:extLst>
+  </p:cSld>
+  <p:clrMapOvr>
+    <a:masterClrMapping/>
+  </p:clrMapOvr>
+  <mc:AlternateContent xmlns:mc="http://schemas.openxmlformats.org/markup-compatibility/2006">
+    <mc:Choice xmlns:p14="http://schemas.microsoft.com/office/powerpoint/2010/main" Requires="p14">
+      <p:transition spd="slow" p14:dur="1600">
+        <p14:conveyor dir="l"/>
+      </p:transition>
+    </mc:Choice>
+    <mc:Fallback>
+      <p:transition spd="slow">
+        <p:fade/>
+      </p:transition>
+    </mc:Fallback>
+  </mc:AlternateContent>
+  <p:timing>
+    <p:tnLst>
+      <p:par>
+        <p:cTn id="1" dur="indefinite" restart="never" nodeType="tmRoot">
+          <p:childTnLst>
+            <p:seq concurrent="1" nextAc="seek">
+              <p:cTn id="2" dur="indefinite" nodeType="mainSeq">
+                <p:childTnLst>
+                  <p:par>
+                    <p:cTn id="3" fill="hold">
+                      <p:stCondLst>
+                        <p:cond delay="indefinite"/>
+                      </p:stCondLst>
+                      <p:childTnLst>
+                        <p:par>
+                          <p:cTn id="4" fill="hold">
+                            <p:stCondLst>
+                              <p:cond delay="0"/>
+                            </p:stCondLst>
+                            <p:childTnLst>
+                              <p:par>
+                                <p:cTn id="5" presetID="26" presetClass="exit" presetSubtype="0" fill="hold" nodeType="clickEffect">
+                                  <p:stCondLst>
+                                    <p:cond delay="0"/>
+                                  </p:stCondLst>
+                                  <p:childTnLst>
+                                    <p:animEffect transition="out" filter="wipe(down)">
+                                      <p:cBhvr>
+                                        <p:cTn id="6" dur="180" accel="50%">
+                                          <p:stCondLst>
+                                            <p:cond delay="1820"/>
+                                          </p:stCondLst>
+                                        </p:cTn>
+                                        <p:tgtEl>
+                                          <p:spTgt spid="7"/>
+                                        </p:tgtEl>
+                                      </p:cBhvr>
+                                    </p:animEffect>
+                                    <p:anim calcmode="lin" valueType="num">
+                                      <p:cBhvr>
+                                        <p:cTn id="7" dur="1822" tmFilter="0,0; 0.14,0.31; 0.43,0.73; 0.71,0.91; 1.0,1.0">
+                                          <p:stCondLst>
+                                            <p:cond delay="0"/>
+                                          </p:stCondLst>
+                                        </p:cTn>
+                                        <p:tgtEl>
+                                          <p:spTgt spid="7"/>
+                                        </p:tgtEl>
+                                        <p:attrNameLst>
+                                          <p:attrName>ppt_x</p:attrName>
+                                        </p:attrNameLst>
+                                      </p:cBhvr>
+                                      <p:tavLst>
+                                        <p:tav tm="0%">
+                                          <p:val>
+                                            <p:strVal val="ppt_x"/>
+                                          </p:val>
+                                        </p:tav>
+                                        <p:tav tm="100%">
+                                          <p:val>
+                                            <p:strVal val="#ppt_x+0.25"/>
+                                          </p:val>
+                                        </p:tav>
+                                      </p:tavLst>
+                                    </p:anim>
+                                    <p:anim calcmode="lin" valueType="num">
+                                      <p:cBhvr>
+                                        <p:cTn id="8" dur="178">
+                                          <p:stCondLst>
+                                            <p:cond delay="1822"/>
+                                          </p:stCondLst>
+                                        </p:cTn>
+                                        <p:tgtEl>
+                                          <p:spTgt spid="7"/>
+                                        </p:tgtEl>
+                                        <p:attrNameLst>
+                                          <p:attrName>ppt_x</p:attrName>
+                                        </p:attrNameLst>
+                                      </p:cBhvr>
+                                      <p:tavLst>
+                                        <p:tav tm="0%">
+                                          <p:val>
+                                            <p:strVal val="ppt_x"/>
+                                          </p:val>
+                                        </p:tav>
+                                        <p:tav tm="100%">
+                                          <p:val>
+                                            <p:strVal val="ppt_x"/>
+                                          </p:val>
+                                        </p:tav>
+                                      </p:tavLst>
+                                    </p:anim>
+                                    <p:anim calcmode="lin" valueType="num">
+                                      <p:cBhvr>
+                                        <p:cTn id="9" dur="664" tmFilter="0.0,0.0;0.25,0.07;0.50,0.2;0.75,0.467;1.0,1.0">
+                                          <p:stCondLst>
+                                            <p:cond delay="0"/>
+                                          </p:stCondLst>
+                                        </p:cTn>
+                                        <p:tgtEl>
+                                          <p:spTgt spid="7"/>
+                                        </p:tgtEl>
+                                        <p:attrNameLst>
+                                          <p:attrName>ppt_y</p:attrName>
+                                        </p:attrNameLst>
+                                      </p:cBhvr>
+                                      <p:tavLst>
+                                        <p:tav tm="0%">
+                                          <p:val>
+                                            <p:strVal val="ppt_y"/>
+                                          </p:val>
+                                        </p:tav>
+                                        <p:tav tm="5%">
+                                          <p:val>
+                                            <p:strVal val="ppt_y+0.026"/>
+                                          </p:val>
+                                        </p:tav>
+                                        <p:tav tm="10%">
+                                          <p:val>
+                                            <p:strVal val="ppt_y+0.052"/>
+                                          </p:val>
+                                        </p:tav>
+                                        <p:tav tm="15%">
+                                          <p:val>
+                                            <p:strVal val="ppt_y+0.078"/>
+                                          </p:val>
+                                        </p:tav>
+                                        <p:tav tm="20%">
+                                          <p:val>
+                                            <p:strVal val="ppt_y+0.103"/>
+                                          </p:val>
+                                        </p:tav>
+                                        <p:tav tm="30%">
+                                          <p:val>
+                                            <p:strVal val="ppt_y+0.151"/>
+                                          </p:val>
+                                        </p:tav>
+                                        <p:tav tm="40%">
+                                          <p:val>
+                                            <p:strVal val="ppt_y+0.196"/>
+                                          </p:val>
+                                        </p:tav>
+                                        <p:tav tm="50%">
+                                          <p:val>
+                                            <p:strVal val="ppt_y+0.236"/>
+                                          </p:val>
+                                        </p:tav>
+                                        <p:tav tm="60%">
+                                          <p:val>
+                                            <p:strVal val="ppt_y+0.270"/>
+                                          </p:val>
+                                        </p:tav>
+                                        <p:tav tm="70%">
+                                          <p:val>
+                                            <p:strVal val="ppt_y+0.297"/>
+                                          </p:val>
+                                        </p:tav>
+                                        <p:tav tm="80%">
+                                          <p:val>
+                                            <p:strVal val="ppt_y+0.317"/>
+                                          </p:val>
+                                        </p:tav>
+                                        <p:tav tm="90%">
+                                          <p:val>
+                                            <p:strVal val="ppt_y+0.329"/>
+                                          </p:val>
+                                        </p:tav>
+                                        <p:tav tm="100%">
+                                          <p:val>
+                                            <p:strVal val="ppt_y+0.333"/>
+                                          </p:val>
+                                        </p:tav>
+                                      </p:tavLst>
+                                    </p:anim>
+                                    <p:anim calcmode="lin" valueType="num">
+                                      <p:cBhvr>
+                                        <p:cTn id="10" dur="664" tmFilter="0, 0; 0.125,0.2665; 0.25,0.4; 0.375,0.465; 0.5,0.5;  0.625,0.535; 0.75,0.6; 0.875,0.7335; 1,1">
+                                          <p:stCondLst>
+                                            <p:cond delay="664"/>
+                                          </p:stCondLst>
+                                        </p:cTn>
+                                        <p:tgtEl>
+                                          <p:spTgt spid="7"/>
+                                        </p:tgtEl>
+                                        <p:attrNameLst>
+                                          <p:attrName>ppt_y</p:attrName>
+                                        </p:attrNameLst>
+                                      </p:cBhvr>
+                                      <p:tavLst>
+                                        <p:tav tm="0%">
+                                          <p:val>
+                                            <p:strVal val="ppt_y"/>
+                                          </p:val>
+                                        </p:tav>
+                                        <p:tav tm="10%">
+                                          <p:val>
+                                            <p:strVal val="ppt_y-0.034"/>
+                                          </p:val>
+                                        </p:tav>
+                                        <p:tav tm="20%">
+                                          <p:val>
+                                            <p:strVal val="ppt_y-0.065"/>
+                                          </p:val>
+                                        </p:tav>
+                                        <p:tav tm="30%">
+                                          <p:val>
+                                            <p:strVal val="ppt_y-0.090"/>
+                                          </p:val>
+                                        </p:tav>
+                                        <p:tav tm="40%">
+                                          <p:val>
+                                            <p:strVal val="ppt_y-0.106"/>
+                                          </p:val>
+                                        </p:tav>
+                                        <p:tav tm="50%">
+                                          <p:val>
+                                            <p:strVal val="ppt_y-0.111"/>
+                                          </p:val>
+                                        </p:tav>
+                                        <p:tav tm="60%">
+                                          <p:val>
+                                            <p:strVal val="ppt_y-0.106"/>
+                                          </p:val>
+                                        </p:tav>
+                                        <p:tav tm="70%">
+                                          <p:val>
+                                            <p:strVal val="ppt_y-0.090"/>
+                                          </p:val>
+                                        </p:tav>
+                                        <p:tav tm="80%">
+                                          <p:val>
+                                            <p:strVal val="ppt_y-0.065"/>
+                                          </p:val>
+                                        </p:tav>
+                                        <p:tav tm="90%">
+                                          <p:val>
+                                            <p:strVal val="ppt_y-0.034"/>
+                                          </p:val>
+                                        </p:tav>
+                                        <p:tav tm="100%">
+                                          <p:val>
+                                            <p:strVal val="ppt_y"/>
+                                          </p:val>
+                                        </p:tav>
+                                      </p:tavLst>
+                                    </p:anim>
+                                    <p:anim calcmode="lin" valueType="num">
+                                      <p:cBhvr>
+                                        <p:cTn id="11" dur="332" tmFilter="0, 0; 0.125,0.2665; 0.25,0.4; 0.375,0.465; 0.5,0.5;  0.625,0.535; 0.75,0.6; 0.875,0.7335; 1,1">
+                                          <p:stCondLst>
+                                            <p:cond delay="1324"/>
+                                          </p:stCondLst>
+                                        </p:cTn>
+                                        <p:tgtEl>
+                                          <p:spTgt spid="7"/>
+                                        </p:tgtEl>
+                                        <p:attrNameLst>
+                                          <p:attrName>ppt_y</p:attrName>
+                                        </p:attrNameLst>
+                                      </p:cBhvr>
+                                      <p:tavLst>
+                                        <p:tav tm="0%">
+                                          <p:val>
+                                            <p:strVal val="ppt_y"/>
+                                          </p:val>
+                                        </p:tav>
+                                        <p:tav tm="10%">
+                                          <p:val>
+                                            <p:strVal val="ppt_y-0.011"/>
+                                          </p:val>
+                                        </p:tav>
+                                        <p:tav tm="20%">
+                                          <p:val>
+                                            <p:strVal val="ppt_y-0.022"/>
+                                          </p:val>
+                                        </p:tav>
+                                        <p:tav tm="30%">
+                                          <p:val>
+                                            <p:strVal val="ppt_y-0.030"/>
+                                          </p:val>
+                                        </p:tav>
+                                        <p:tav tm="40%">
+                                          <p:val>
+                                            <p:strVal val="ppt_y-0.035"/>
+                                          </p:val>
+                                        </p:tav>
+                                        <p:tav tm="50%">
+                                          <p:val>
+                                            <p:strVal val="ppt_y-0.037"/>
+                                          </p:val>
+                                        </p:tav>
+                                        <p:tav tm="60%">
+                                          <p:val>
+                                            <p:strVal val="ppt_y-0.035"/>
+                                          </p:val>
+                                        </p:tav>
+                                        <p:tav tm="70%">
+                                          <p:val>
+                                            <p:strVal val="ppt_y-0.030"/>
+                                          </p:val>
+                                        </p:tav>
+                                        <p:tav tm="80%">
+                                          <p:val>
+                                            <p:strVal val="ppt_y-0.022"/>
+                                          </p:val>
+                                        </p:tav>
+                                        <p:tav tm="90%">
+                                          <p:val>
+                                            <p:strVal val="ppt_y-0.011"/>
+                                          </p:val>
+                                        </p:tav>
+                                        <p:tav tm="100%">
+                                          <p:val>
+                                            <p:strVal val="ppt_y"/>
+                                          </p:val>
+                                        </p:tav>
+                                      </p:tavLst>
+                                    </p:anim>
+                                    <p:anim calcmode="lin" valueType="num">
+                                      <p:cBhvr>
+                                        <p:cTn id="12" dur="164" tmFilter="0, 0; 0.125,0.2665; 0.25,0.4; 0.375,0.465; 0.5,0.5;  0.625,0.535; 0.75,0.6; 0.875,0.7335; 1,1">
+                                          <p:stCondLst>
+                                            <p:cond delay="1656"/>
+                                          </p:stCondLst>
+                                        </p:cTn>
+                                        <p:tgtEl>
+                                          <p:spTgt spid="7"/>
+                                        </p:tgtEl>
+                                        <p:attrNameLst>
+                                          <p:attrName>ppt_y</p:attrName>
+                                        </p:attrNameLst>
+                                      </p:cBhvr>
+                                      <p:tavLst>
+                                        <p:tav tm="0%">
+                                          <p:val>
+                                            <p:strVal val="ppt_y"/>
+                                          </p:val>
+                                        </p:tav>
+                                        <p:tav tm="10%">
+                                          <p:val>
+                                            <p:strVal val="ppt_y-0.004"/>
+                                          </p:val>
+                                        </p:tav>
+                                        <p:tav tm="20%">
+                                          <p:val>
+                                            <p:strVal val="ppt_y-0.007"/>
+                                          </p:val>
+                                        </p:tav>
+                                        <p:tav tm="30%">
+                                          <p:val>
+                                            <p:strVal val="ppt_y-0.010"/>
+                                          </p:val>
+                                        </p:tav>
+                                        <p:tav tm="40%">
+                                          <p:val>
+                                            <p:strVal val="ppt_y-0.012"/>
+                                          </p:val>
+                                        </p:tav>
+                                        <p:tav tm="50%">
+                                          <p:val>
+                                            <p:strVal val="ppt_y-0.0123"/>
+                                          </p:val>
+                                        </p:tav>
+                                        <p:tav tm="60%">
+                                          <p:val>
+                                            <p:strVal val="ppt_y-0.012"/>
+                                          </p:val>
+                                        </p:tav>
+                                        <p:tav tm="70%">
+                                          <p:val>
+                                            <p:strVal val="ppt_y-0.010"/>
+                                          </p:val>
+                                        </p:tav>
+                                        <p:tav tm="80%">
+                                          <p:val>
+                                            <p:strVal val="ppt_y-0.007"/>
+                                          </p:val>
+                                        </p:tav>
+                                        <p:tav tm="90%">
+                                          <p:val>
+                                            <p:strVal val="ppt_y-0.004"/>
+                                          </p:val>
+                                        </p:tav>
+                                        <p:tav tm="100%">
+                                          <p:val>
+                                            <p:strVal val="ppt_y"/>
+                                          </p:val>
+                                        </p:tav>
+                                      </p:tavLst>
+                                    </p:anim>
+                                    <p:anim calcmode="lin" valueType="num">
+                                      <p:cBhvr>
+                                        <p:cTn id="13" dur="180" accel="50%">
+                                          <p:stCondLst>
+                                            <p:cond delay="1820"/>
+                                          </p:stCondLst>
+                                        </p:cTn>
+                                        <p:tgtEl>
+                                          <p:spTgt spid="7"/>
+                                        </p:tgtEl>
+                                        <p:attrNameLst>
+                                          <p:attrName>ppt_y</p:attrName>
+                                        </p:attrNameLst>
+                                      </p:cBhvr>
+                                      <p:tavLst>
+                                        <p:tav tm="0%">
+                                          <p:val>
+                                            <p:strVal val="ppt_y"/>
+                                          </p:val>
+                                        </p:tav>
+                                        <p:tav tm="100%">
+                                          <p:val>
+                                            <p:strVal val="ppt_y+ppt_h"/>
+                                          </p:val>
+                                        </p:tav>
+                                      </p:tavLst>
+                                    </p:anim>
+                                    <p:animScale>
+                                      <p:cBhvr>
+                                        <p:cTn id="14" dur="26">
+                                          <p:stCondLst>
+                                            <p:cond delay="620"/>
+                                          </p:stCondLst>
+                                        </p:cTn>
+                                        <p:tgtEl>
+                                          <p:spTgt spid="7"/>
+                                        </p:tgtEl>
+                                      </p:cBhvr>
+                                      <p:to x="100%" y="60%"/>
+                                    </p:animScale>
+                                    <p:animScale>
+                                      <p:cBhvr>
+                                        <p:cTn id="15" dur="166" decel="50%">
+                                          <p:stCondLst>
+                                            <p:cond delay="646"/>
+                                          </p:stCondLst>
+                                        </p:cTn>
+                                        <p:tgtEl>
+                                          <p:spTgt spid="7"/>
+                                        </p:tgtEl>
+                                      </p:cBhvr>
+                                      <p:to x="100%" y="100%"/>
+                                    </p:animScale>
+                                    <p:animScale>
+                                      <p:cBhvr>
+                                        <p:cTn id="16" dur="26">
+                                          <p:stCondLst>
+                                            <p:cond delay="1312"/>
+                                          </p:stCondLst>
+                                        </p:cTn>
+                                        <p:tgtEl>
+                                          <p:spTgt spid="7"/>
+                                        </p:tgtEl>
+                                      </p:cBhvr>
+                                      <p:to x="100%" y="80%"/>
+                                    </p:animScale>
+                                    <p:animScale>
+                                      <p:cBhvr>
+                                        <p:cTn id="17" dur="166" decel="50%">
+                                          <p:stCondLst>
+                                            <p:cond delay="1338"/>
+                                          </p:stCondLst>
+                                        </p:cTn>
+                                        <p:tgtEl>
+                                          <p:spTgt spid="7"/>
+                                        </p:tgtEl>
+                                      </p:cBhvr>
+                                      <p:to x="100%" y="100%"/>
+                                    </p:animScale>
+                                    <p:animScale>
+                                      <p:cBhvr>
+                                        <p:cTn id="18" dur="26">
+                                          <p:stCondLst>
+                                            <p:cond delay="1642"/>
+                                          </p:stCondLst>
+                                        </p:cTn>
+                                        <p:tgtEl>
+                                          <p:spTgt spid="7"/>
+                                        </p:tgtEl>
+                                      </p:cBhvr>
+                                      <p:to x="100%" y="90%"/>
+                                    </p:animScale>
+                                    <p:animScale>
+                                      <p:cBhvr>
+                                        <p:cTn id="19" dur="166" decel="50%">
+                                          <p:stCondLst>
+                                            <p:cond delay="1668"/>
+                                          </p:stCondLst>
+                                        </p:cTn>
+                                        <p:tgtEl>
+                                          <p:spTgt spid="7"/>
+                                        </p:tgtEl>
+                                      </p:cBhvr>
+                                      <p:to x="100%" y="100%"/>
+                                    </p:animScale>
+                                    <p:animScale>
+                                      <p:cBhvr>
+                                        <p:cTn id="20" dur="26">
+                                          <p:stCondLst>
+                                            <p:cond delay="1808"/>
+                                          </p:stCondLst>
+                                        </p:cTn>
+                                        <p:tgtEl>
+                                          <p:spTgt spid="7"/>
+                                        </p:tgtEl>
+                                      </p:cBhvr>
+                                      <p:to x="100%" y="95%"/>
+                                    </p:animScale>
+                                    <p:animScale>
+                                      <p:cBhvr>
+                                        <p:cTn id="21" dur="166" decel="50%">
+                                          <p:stCondLst>
+                                            <p:cond delay="1834"/>
+                                          </p:stCondLst>
+                                        </p:cTn>
+                                        <p:tgtEl>
+                                          <p:spTgt spid="7"/>
+                                        </p:tgtEl>
+                                      </p:cBhvr>
+                                      <p:to x="100%" y="100%"/>
+                                    </p:animScale>
+                                    <p:set>
+                                      <p:cBhvr>
+                                        <p:cTn id="22" dur="1" fill="hold">
+                                          <p:stCondLst>
+                                            <p:cond delay="1999"/>
+                                          </p:stCondLst>
+                                        </p:cTn>
+                                        <p:tgtEl>
+                                          <p:spTgt spid="7"/>
+                                        </p:tgtEl>
+                                        <p:attrNameLst>
+                                          <p:attrName>style.visibility</p:attrName>
+                                        </p:attrNameLst>
+                                      </p:cBhvr>
+                                      <p:to>
+                                        <p:strVal val="hidden"/>
+                                      </p:to>
+                                    </p:set>
+                                  </p:childTnLst>
+                                </p:cTn>
+                              </p:par>
+                            </p:childTnLst>
+                          </p:cTn>
+                        </p:par>
+                      </p:childTnLst>
+                    </p:cTn>
+                  </p:par>
+                </p:childTnLst>
+              </p:cTn>
+              <p:prevCondLst>
+                <p:cond evt="onPrev" delay="0">
+                  <p:tgtEl>
+                    <p:sldTgt/>
+                  </p:tgtEl>
+                </p:cond>
+              </p:prevCondLst>
+              <p:nextCondLst>
+                <p:cond evt="onNext" delay="0">
+                  <p:tgtEl>
+                    <p:sldTgt/>
+                  </p:tgtEl>
+                </p:cond>
+              </p:nextCondLst>
+            </p:seq>
+          </p:childTnLst>
+        </p:cTn>
+      </p:par>
+    </p:tnLst>
+  </p:timing>
+</p:sld>
+</file>
+
+<file path=ppt/slides/slide17.xml><?xml version="1.0" encoding="utf-8"?>
+<p:sld xmlns:a="http://purl.oclc.org/ooxml/drawingml/main" xmlns:r="http://purl.oclc.org/ooxml/officeDocument/relationships" xmlns:p="http://purl.oclc.org/ooxml/presentationml/main">
+  <p:cSld>
+    <p:spTree>
+      <p:nvGrpSpPr>
+        <p:cNvPr id="1" name=""/>
+        <p:cNvGrpSpPr/>
+        <p:nvPr/>
+      </p:nvGrpSpPr>
+      <p:grpSpPr>
+        <a:xfrm>
+          <a:off x="0" y="0"/>
+          <a:ext cx="0" cy="0"/>
+          <a:chOff x="0" y="0"/>
+          <a:chExt cx="0" cy="0"/>
+        </a:xfrm>
+      </p:grpSpPr>
+      <p:sp>
+        <p:nvSpPr>
+          <p:cNvPr id="2" name="Titre 1">
+            <a:extLst>
+              <a:ext uri="{FF2B5EF4-FFF2-40B4-BE49-F238E27FC236}">
+                <a16:creationId xmlns:a16="http://schemas.microsoft.com/office/drawing/2014/main" id="{37037CC6-8402-462A-AA50-69C17F175894}"/>
+              </a:ext>
+            </a:extLst>
+          </p:cNvPr>
+          <p:cNvSpPr>
+            <a:spLocks noGrp="1"/>
+          </p:cNvSpPr>
+          <p:nvPr>
+            <p:ph type="title"/>
+          </p:nvPr>
+        </p:nvSpPr>
+        <p:spPr/>
+        <p:txBody>
+          <a:bodyPr/>
+          <a:lstStyle/>
+          <a:p>
+            <a:r>
+              <a:rPr lang="fr-FR" dirty="0"/>
+              <a:t>Gestion de version</a:t>
+            </a:r>
+          </a:p>
+        </p:txBody>
+      </p:sp>
+      <p:pic>
+        <p:nvPicPr>
+          <p:cNvPr id="7" name="Image 6">
+            <a:extLst>
+              <a:ext uri="{FF2B5EF4-FFF2-40B4-BE49-F238E27FC236}">
+                <a16:creationId xmlns:a16="http://schemas.microsoft.com/office/drawing/2014/main" id="{FA01BA25-99F6-46C2-B256-73247CA02DBD}"/>
+              </a:ext>
+            </a:extLst>
+          </p:cNvPr>
+          <p:cNvPicPr>
+            <a:picLocks noChangeAspect="1"/>
+          </p:cNvPicPr>
+          <p:nvPr/>
+        </p:nvPicPr>
+        <p:blipFill>
+          <a:blip r:embed="rId2"/>
+          <a:stretch>
+            <a:fillRect/>
+          </a:stretch>
+        </p:blipFill>
+        <p:spPr>
+          <a:xfrm>
+            <a:off x="2862468" y="1766332"/>
+            <a:ext cx="4292467" cy="1794117"/>
+          </a:xfrm>
+          <a:prstGeom prst="rect">
+            <a:avLst/>
+          </a:prstGeom>
+        </p:spPr>
+      </p:pic>
+      <p:pic>
+        <p:nvPicPr>
+          <p:cNvPr id="9" name="Image 8">
+            <a:extLst>
+              <a:ext uri="{FF2B5EF4-FFF2-40B4-BE49-F238E27FC236}">
+                <a16:creationId xmlns:a16="http://schemas.microsoft.com/office/drawing/2014/main" id="{AD5DC29A-1687-4CF7-A780-D271B1C21BEF}"/>
+              </a:ext>
+            </a:extLst>
+          </p:cNvPr>
+          <p:cNvPicPr>
+            <a:picLocks noChangeAspect="1"/>
+          </p:cNvPicPr>
+          <p:nvPr/>
+        </p:nvPicPr>
+        <p:blipFill>
+          <a:blip r:embed="rId3"/>
+          <a:stretch>
+            <a:fillRect/>
+          </a:stretch>
+        </p:blipFill>
+        <p:spPr>
+          <a:xfrm>
+            <a:off x="2457841" y="3907275"/>
+            <a:ext cx="6019800" cy="1933575"/>
+          </a:xfrm>
+          <a:prstGeom prst="rect">
+            <a:avLst/>
+          </a:prstGeom>
+        </p:spPr>
+      </p:pic>
+    </p:spTree>
+    <p:extLst>
+      <p:ext uri="{BB962C8B-B14F-4D97-AF65-F5344CB8AC3E}">
+        <p14:creationId xmlns:p14="http://schemas.microsoft.com/office/powerpoint/2010/main" val="3511875550"/>
+      </p:ext>
+    </p:extLst>
+  </p:cSld>
+  <p:clrMapOvr>
+    <a:masterClrMapping/>
+  </p:clrMapOvr>
+  <mc:AlternateContent xmlns:mc="http://schemas.openxmlformats.org/markup-compatibility/2006">
+    <mc:Choice xmlns:p14="http://schemas.microsoft.com/office/powerpoint/2010/main" Requires="p14">
+      <p:transition spd="slow" p14:dur="1600">
+        <p14:conveyor dir="l"/>
+      </p:transition>
+    </mc:Choice>
+    <mc:Fallback>
+      <p:transition spd="slow">
+        <p:fade/>
+      </p:transition>
+    </mc:Fallback>
+  </mc:AlternateContent>
+  <p:timing>
+    <p:tnLst>
+      <p:par>
+        <p:cTn id="1" dur="indefinite" restart="never" nodeType="tmRoot">
+          <p:childTnLst>
+            <p:seq concurrent="1" nextAc="seek">
+              <p:cTn id="2" dur="indefinite" nodeType="mainSeq">
+                <p:childTnLst>
+                  <p:par>
+                    <p:cTn id="3" fill="hold">
+                      <p:stCondLst>
+                        <p:cond delay="indefinite"/>
+                      </p:stCondLst>
+                      <p:childTnLst>
+                        <p:par>
+                          <p:cTn id="4" fill="hold">
+                            <p:stCondLst>
+                              <p:cond delay="0"/>
+                            </p:stCondLst>
+                            <p:childTnLst>
+                              <p:par>
+                                <p:cTn id="5" presetID="26" presetClass="exit" presetSubtype="0" fill="hold" nodeType="clickEffect">
+                                  <p:stCondLst>
+                                    <p:cond delay="0"/>
+                                  </p:stCondLst>
+                                  <p:childTnLst>
+                                    <p:animEffect transition="out" filter="wipe(down)">
+                                      <p:cBhvr>
+                                        <p:cTn id="6" dur="180" accel="50%">
+                                          <p:stCondLst>
+                                            <p:cond delay="1820"/>
+                                          </p:stCondLst>
+                                        </p:cTn>
+                                        <p:tgtEl>
+                                          <p:spTgt spid="9"/>
+                                        </p:tgtEl>
+                                      </p:cBhvr>
+                                    </p:animEffect>
+                                    <p:anim calcmode="lin" valueType="num">
+                                      <p:cBhvr>
+                                        <p:cTn id="7" dur="1822" tmFilter="0,0; 0.14,0.31; 0.43,0.73; 0.71,0.91; 1.0,1.0">
+                                          <p:stCondLst>
+                                            <p:cond delay="0"/>
+                                          </p:stCondLst>
+                                        </p:cTn>
+                                        <p:tgtEl>
+                                          <p:spTgt spid="9"/>
+                                        </p:tgtEl>
+                                        <p:attrNameLst>
+                                          <p:attrName>ppt_x</p:attrName>
+                                        </p:attrNameLst>
+                                      </p:cBhvr>
+                                      <p:tavLst>
+                                        <p:tav tm="0%">
+                                          <p:val>
+                                            <p:strVal val="ppt_x"/>
+                                          </p:val>
+                                        </p:tav>
+                                        <p:tav tm="100%">
+                                          <p:val>
+                                            <p:strVal val="#ppt_x+0.25"/>
+                                          </p:val>
+                                        </p:tav>
+                                      </p:tavLst>
+                                    </p:anim>
+                                    <p:anim calcmode="lin" valueType="num">
+                                      <p:cBhvr>
+                                        <p:cTn id="8" dur="178">
+                                          <p:stCondLst>
+                                            <p:cond delay="1822"/>
+                                          </p:stCondLst>
+                                        </p:cTn>
+                                        <p:tgtEl>
+                                          <p:spTgt spid="9"/>
+                                        </p:tgtEl>
+                                        <p:attrNameLst>
+                                          <p:attrName>ppt_x</p:attrName>
+                                        </p:attrNameLst>
+                                      </p:cBhvr>
+                                      <p:tavLst>
+                                        <p:tav tm="0%">
+                                          <p:val>
+                                            <p:strVal val="ppt_x"/>
+                                          </p:val>
+                                        </p:tav>
+                                        <p:tav tm="100%">
+                                          <p:val>
+                                            <p:strVal val="ppt_x"/>
+                                          </p:val>
+                                        </p:tav>
+                                      </p:tavLst>
+                                    </p:anim>
+                                    <p:anim calcmode="lin" valueType="num">
+                                      <p:cBhvr>
+                                        <p:cTn id="9" dur="664" tmFilter="0.0,0.0;0.25,0.07;0.50,0.2;0.75,0.467;1.0,1.0">
+                                          <p:stCondLst>
+                                            <p:cond delay="0"/>
+                                          </p:stCondLst>
+                                        </p:cTn>
+                                        <p:tgtEl>
+                                          <p:spTgt spid="9"/>
+                                        </p:tgtEl>
+                                        <p:attrNameLst>
+                                          <p:attrName>ppt_y</p:attrName>
+                                        </p:attrNameLst>
+                                      </p:cBhvr>
+                                      <p:tavLst>
+                                        <p:tav tm="0%">
+                                          <p:val>
+                                            <p:strVal val="ppt_y"/>
+                                          </p:val>
+                                        </p:tav>
+                                        <p:tav tm="5%">
+                                          <p:val>
+                                            <p:strVal val="ppt_y+0.026"/>
+                                          </p:val>
+                                        </p:tav>
+                                        <p:tav tm="10%">
+                                          <p:val>
+                                            <p:strVal val="ppt_y+0.052"/>
+                                          </p:val>
+                                        </p:tav>
+                                        <p:tav tm="15%">
+                                          <p:val>
+                                            <p:strVal val="ppt_y+0.078"/>
+                                          </p:val>
+                                        </p:tav>
+                                        <p:tav tm="20%">
+                                          <p:val>
+                                            <p:strVal val="ppt_y+0.103"/>
+                                          </p:val>
+                                        </p:tav>
+                                        <p:tav tm="30%">
+                                          <p:val>
+                                            <p:strVal val="ppt_y+0.151"/>
+                                          </p:val>
+                                        </p:tav>
+                                        <p:tav tm="40%">
+                                          <p:val>
+                                            <p:strVal val="ppt_y+0.196"/>
+                                          </p:val>
+                                        </p:tav>
+                                        <p:tav tm="50%">
+                                          <p:val>
+                                            <p:strVal val="ppt_y+0.236"/>
+                                          </p:val>
+                                        </p:tav>
+                                        <p:tav tm="60%">
+                                          <p:val>
+                                            <p:strVal val="ppt_y+0.270"/>
+                                          </p:val>
+                                        </p:tav>
+                                        <p:tav tm="70%">
+                                          <p:val>
+                                            <p:strVal val="ppt_y+0.297"/>
+                                          </p:val>
+                                        </p:tav>
+                                        <p:tav tm="80%">
+                                          <p:val>
+                                            <p:strVal val="ppt_y+0.317"/>
+                                          </p:val>
+                                        </p:tav>
+                                        <p:tav tm="90%">
+                                          <p:val>
+                                            <p:strVal val="ppt_y+0.329"/>
+                                          </p:val>
+                                        </p:tav>
+                                        <p:tav tm="100%">
+                                          <p:val>
+                                            <p:strVal val="ppt_y+0.333"/>
+                                          </p:val>
+                                        </p:tav>
+                                      </p:tavLst>
+                                    </p:anim>
+                                    <p:anim calcmode="lin" valueType="num">
+                                      <p:cBhvr>
+                                        <p:cTn id="10" dur="664" tmFilter="0, 0; 0.125,0.2665; 0.25,0.4; 0.375,0.465; 0.5,0.5;  0.625,0.535; 0.75,0.6; 0.875,0.7335; 1,1">
+                                          <p:stCondLst>
+                                            <p:cond delay="664"/>
+                                          </p:stCondLst>
+                                        </p:cTn>
+                                        <p:tgtEl>
+                                          <p:spTgt spid="9"/>
+                                        </p:tgtEl>
+                                        <p:attrNameLst>
+                                          <p:attrName>ppt_y</p:attrName>
+                                        </p:attrNameLst>
+                                      </p:cBhvr>
+                                      <p:tavLst>
+                                        <p:tav tm="0%">
+                                          <p:val>
+                                            <p:strVal val="ppt_y"/>
+                                          </p:val>
+                                        </p:tav>
+                                        <p:tav tm="10%">
+                                          <p:val>
+                                            <p:strVal val="ppt_y-0.034"/>
+                                          </p:val>
+                                        </p:tav>
+                                        <p:tav tm="20%">
+                                          <p:val>
+                                            <p:strVal val="ppt_y-0.065"/>
+                                          </p:val>
+                                        </p:tav>
+                                        <p:tav tm="30%">
+                                          <p:val>
+                                            <p:strVal val="ppt_y-0.090"/>
+                                          </p:val>
+                                        </p:tav>
+                                        <p:tav tm="40%">
+                                          <p:val>
+                                            <p:strVal val="ppt_y-0.106"/>
+                                          </p:val>
+                                        </p:tav>
+                                        <p:tav tm="50%">
+                                          <p:val>
+                                            <p:strVal val="ppt_y-0.111"/>
+                                          </p:val>
+                                        </p:tav>
+                                        <p:tav tm="60%">
+                                          <p:val>
+                                            <p:strVal val="ppt_y-0.106"/>
+                                          </p:val>
+                                        </p:tav>
+                                        <p:tav tm="70%">
+                                          <p:val>
+                                            <p:strVal val="ppt_y-0.090"/>
+                                          </p:val>
+                                        </p:tav>
+                                        <p:tav tm="80%">
+                                          <p:val>
+                                            <p:strVal val="ppt_y-0.065"/>
+                                          </p:val>
+                                        </p:tav>
+                                        <p:tav tm="90%">
+                                          <p:val>
+                                            <p:strVal val="ppt_y-0.034"/>
+                                          </p:val>
+                                        </p:tav>
+                                        <p:tav tm="100%">
+                                          <p:val>
+                                            <p:strVal val="ppt_y"/>
+                                          </p:val>
+                                        </p:tav>
+                                      </p:tavLst>
+                                    </p:anim>
+                                    <p:anim calcmode="lin" valueType="num">
+                                      <p:cBhvr>
+                                        <p:cTn id="11" dur="332" tmFilter="0, 0; 0.125,0.2665; 0.25,0.4; 0.375,0.465; 0.5,0.5;  0.625,0.535; 0.75,0.6; 0.875,0.7335; 1,1">
+                                          <p:stCondLst>
+                                            <p:cond delay="1324"/>
+                                          </p:stCondLst>
+                                        </p:cTn>
+                                        <p:tgtEl>
+                                          <p:spTgt spid="9"/>
+                                        </p:tgtEl>
+                                        <p:attrNameLst>
+                                          <p:attrName>ppt_y</p:attrName>
+                                        </p:attrNameLst>
+                                      </p:cBhvr>
+                                      <p:tavLst>
+                                        <p:tav tm="0%">
+                                          <p:val>
+                                            <p:strVal val="ppt_y"/>
+                                          </p:val>
+                                        </p:tav>
+                                        <p:tav tm="10%">
+                                          <p:val>
+                                            <p:strVal val="ppt_y-0.011"/>
+                                          </p:val>
+                                        </p:tav>
+                                        <p:tav tm="20%">
+                                          <p:val>
+                                            <p:strVal val="ppt_y-0.022"/>
+                                          </p:val>
+                                        </p:tav>
+                                        <p:tav tm="30%">
+                                          <p:val>
+                                            <p:strVal val="ppt_y-0.030"/>
+                                          </p:val>
+                                        </p:tav>
+                                        <p:tav tm="40%">
+                                          <p:val>
+                                            <p:strVal val="ppt_y-0.035"/>
+                                          </p:val>
+                                        </p:tav>
+                                        <p:tav tm="50%">
+                                          <p:val>
+                                            <p:strVal val="ppt_y-0.037"/>
+                                          </p:val>
+                                        </p:tav>
+                                        <p:tav tm="60%">
+                                          <p:val>
+                                            <p:strVal val="ppt_y-0.035"/>
+                                          </p:val>
+                                        </p:tav>
+                                        <p:tav tm="70%">
+                                          <p:val>
+                                            <p:strVal val="ppt_y-0.030"/>
+                                          </p:val>
+                                        </p:tav>
+                                        <p:tav tm="80%">
+                                          <p:val>
+                                            <p:strVal val="ppt_y-0.022"/>
+                                          </p:val>
+                                        </p:tav>
+                                        <p:tav tm="90%">
+                                          <p:val>
+                                            <p:strVal val="ppt_y-0.011"/>
+                                          </p:val>
+                                        </p:tav>
+                                        <p:tav tm="100%">
+                                          <p:val>
+                                            <p:strVal val="ppt_y"/>
+                                          </p:val>
+                                        </p:tav>
+                                      </p:tavLst>
+                                    </p:anim>
+                                    <p:anim calcmode="lin" valueType="num">
+                                      <p:cBhvr>
+                                        <p:cTn id="12" dur="164" tmFilter="0, 0; 0.125,0.2665; 0.25,0.4; 0.375,0.465; 0.5,0.5;  0.625,0.535; 0.75,0.6; 0.875,0.7335; 1,1">
+                                          <p:stCondLst>
+                                            <p:cond delay="1656"/>
+                                          </p:stCondLst>
+                                        </p:cTn>
+                                        <p:tgtEl>
+                                          <p:spTgt spid="9"/>
+                                        </p:tgtEl>
+                                        <p:attrNameLst>
+                                          <p:attrName>ppt_y</p:attrName>
+                                        </p:attrNameLst>
+                                      </p:cBhvr>
+                                      <p:tavLst>
+                                        <p:tav tm="0%">
+                                          <p:val>
+                                            <p:strVal val="ppt_y"/>
+                                          </p:val>
+                                        </p:tav>
+                                        <p:tav tm="10%">
+                                          <p:val>
+                                            <p:strVal val="ppt_y-0.004"/>
+                                          </p:val>
+                                        </p:tav>
+                                        <p:tav tm="20%">
+                                          <p:val>
+                                            <p:strVal val="ppt_y-0.007"/>
+                                          </p:val>
+                                        </p:tav>
+                                        <p:tav tm="30%">
+                                          <p:val>
+                                            <p:strVal val="ppt_y-0.010"/>
+                                          </p:val>
+                                        </p:tav>
+                                        <p:tav tm="40%">
+                                          <p:val>
+                                            <p:strVal val="ppt_y-0.012"/>
+                                          </p:val>
+                                        </p:tav>
+                                        <p:tav tm="50%">
+                                          <p:val>
+                                            <p:strVal val="ppt_y-0.0123"/>
+                                          </p:val>
+                                        </p:tav>
+                                        <p:tav tm="60%">
+                                          <p:val>
+                                            <p:strVal val="ppt_y-0.012"/>
+                                          </p:val>
+                                        </p:tav>
+                                        <p:tav tm="70%">
+                                          <p:val>
+                                            <p:strVal val="ppt_y-0.010"/>
+                                          </p:val>
+                                        </p:tav>
+                                        <p:tav tm="80%">
+                                          <p:val>
+                                            <p:strVal val="ppt_y-0.007"/>
+                                          </p:val>
+                                        </p:tav>
+                                        <p:tav tm="90%">
+                                          <p:val>
+                                            <p:strVal val="ppt_y-0.004"/>
+                                          </p:val>
+                                        </p:tav>
+                                        <p:tav tm="100%">
+                                          <p:val>
+                                            <p:strVal val="ppt_y"/>
+                                          </p:val>
+                                        </p:tav>
+                                      </p:tavLst>
+                                    </p:anim>
+                                    <p:anim calcmode="lin" valueType="num">
+                                      <p:cBhvr>
+                                        <p:cTn id="13" dur="180" accel="50%">
+                                          <p:stCondLst>
+                                            <p:cond delay="1820"/>
+                                          </p:stCondLst>
+                                        </p:cTn>
+                                        <p:tgtEl>
+                                          <p:spTgt spid="9"/>
+                                        </p:tgtEl>
+                                        <p:attrNameLst>
+                                          <p:attrName>ppt_y</p:attrName>
+                                        </p:attrNameLst>
+                                      </p:cBhvr>
+                                      <p:tavLst>
+                                        <p:tav tm="0%">
+                                          <p:val>
+                                            <p:strVal val="ppt_y"/>
+                                          </p:val>
+                                        </p:tav>
+                                        <p:tav tm="100%">
+                                          <p:val>
+                                            <p:strVal val="ppt_y+ppt_h"/>
+                                          </p:val>
+                                        </p:tav>
+                                      </p:tavLst>
+                                    </p:anim>
+                                    <p:animScale>
+                                      <p:cBhvr>
+                                        <p:cTn id="14" dur="26">
+                                          <p:stCondLst>
+                                            <p:cond delay="620"/>
+                                          </p:stCondLst>
+                                        </p:cTn>
+                                        <p:tgtEl>
+                                          <p:spTgt spid="9"/>
+                                        </p:tgtEl>
+                                      </p:cBhvr>
+                                      <p:to x="100%" y="60%"/>
+                                    </p:animScale>
+                                    <p:animScale>
+                                      <p:cBhvr>
+                                        <p:cTn id="15" dur="166" decel="50%">
+                                          <p:stCondLst>
+                                            <p:cond delay="646"/>
+                                          </p:stCondLst>
+                                        </p:cTn>
+                                        <p:tgtEl>
+                                          <p:spTgt spid="9"/>
+                                        </p:tgtEl>
+                                      </p:cBhvr>
+                                      <p:to x="100%" y="100%"/>
+                                    </p:animScale>
+                                    <p:animScale>
+                                      <p:cBhvr>
+                                        <p:cTn id="16" dur="26">
+                                          <p:stCondLst>
+                                            <p:cond delay="1312"/>
+                                          </p:stCondLst>
+                                        </p:cTn>
+                                        <p:tgtEl>
+                                          <p:spTgt spid="9"/>
+                                        </p:tgtEl>
+                                      </p:cBhvr>
+                                      <p:to x="100%" y="80%"/>
+                                    </p:animScale>
+                                    <p:animScale>
+                                      <p:cBhvr>
+                                        <p:cTn id="17" dur="166" decel="50%">
+                                          <p:stCondLst>
+                                            <p:cond delay="1338"/>
+                                          </p:stCondLst>
+                                        </p:cTn>
+                                        <p:tgtEl>
+                                          <p:spTgt spid="9"/>
+                                        </p:tgtEl>
+                                      </p:cBhvr>
+                                      <p:to x="100%" y="100%"/>
+                                    </p:animScale>
+                                    <p:animScale>
+                                      <p:cBhvr>
+                                        <p:cTn id="18" dur="26">
+                                          <p:stCondLst>
+                                            <p:cond delay="1642"/>
+                                          </p:stCondLst>
+                                        </p:cTn>
+                                        <p:tgtEl>
+                                          <p:spTgt spid="9"/>
+                                        </p:tgtEl>
+                                      </p:cBhvr>
+                                      <p:to x="100%" y="90%"/>
+                                    </p:animScale>
+                                    <p:animScale>
+                                      <p:cBhvr>
+                                        <p:cTn id="19" dur="166" decel="50%">
+                                          <p:stCondLst>
+                                            <p:cond delay="1668"/>
+                                          </p:stCondLst>
+                                        </p:cTn>
+                                        <p:tgtEl>
+                                          <p:spTgt spid="9"/>
+                                        </p:tgtEl>
+                                      </p:cBhvr>
+                                      <p:to x="100%" y="100%"/>
+                                    </p:animScale>
+                                    <p:animScale>
+                                      <p:cBhvr>
+                                        <p:cTn id="20" dur="26">
+                                          <p:stCondLst>
+                                            <p:cond delay="1808"/>
+                                          </p:stCondLst>
+                                        </p:cTn>
+                                        <p:tgtEl>
+                                          <p:spTgt spid="9"/>
+                                        </p:tgtEl>
+                                      </p:cBhvr>
+                                      <p:to x="100%" y="95%"/>
+                                    </p:animScale>
+                                    <p:animScale>
+                                      <p:cBhvr>
+                                        <p:cTn id="21" dur="166" decel="50%">
+                                          <p:stCondLst>
+                                            <p:cond delay="1834"/>
+                                          </p:stCondLst>
+                                        </p:cTn>
+                                        <p:tgtEl>
+                                          <p:spTgt spid="9"/>
+                                        </p:tgtEl>
+                                      </p:cBhvr>
+                                      <p:to x="100%" y="100%"/>
+                                    </p:animScale>
+                                    <p:set>
+                                      <p:cBhvr>
+                                        <p:cTn id="22" dur="1" fill="hold">
+                                          <p:stCondLst>
+                                            <p:cond delay="1999"/>
+                                          </p:stCondLst>
+                                        </p:cTn>
+                                        <p:tgtEl>
+                                          <p:spTgt spid="9"/>
+                                        </p:tgtEl>
+                                        <p:attrNameLst>
+                                          <p:attrName>style.visibility</p:attrName>
+                                        </p:attrNameLst>
+                                      </p:cBhvr>
+                                      <p:to>
+                                        <p:strVal val="hidden"/>
+                                      </p:to>
+                                    </p:set>
+                                  </p:childTnLst>
+                                </p:cTn>
+                              </p:par>
+                            </p:childTnLst>
+                          </p:cTn>
+                        </p:par>
+                      </p:childTnLst>
+                    </p:cTn>
+                  </p:par>
+                </p:childTnLst>
+              </p:cTn>
+              <p:prevCondLst>
+                <p:cond evt="onPrev" delay="0">
+                  <p:tgtEl>
+                    <p:sldTgt/>
+                  </p:tgtEl>
+                </p:cond>
+              </p:prevCondLst>
+              <p:nextCondLst>
+                <p:cond evt="onNext" delay="0">
+                  <p:tgtEl>
+                    <p:sldTgt/>
+                  </p:tgtEl>
+                </p:cond>
+              </p:nextCondLst>
+            </p:seq>
+          </p:childTnLst>
+        </p:cTn>
+      </p:par>
+    </p:tnLst>
+  </p:timing>
+</p:sld>
+</file>
+
+<file path=ppt/slides/slide18.xml><?xml version="1.0" encoding="utf-8"?>
+<p:sld xmlns:a="http://purl.oclc.org/ooxml/drawingml/main" xmlns:r="http://purl.oclc.org/ooxml/officeDocument/relationships" xmlns:p="http://purl.oclc.org/ooxml/presentationml/main">
+  <p:cSld>
+    <p:spTree>
+      <p:nvGrpSpPr>
+        <p:cNvPr id="1" name=""/>
+        <p:cNvGrpSpPr/>
+        <p:nvPr/>
+      </p:nvGrpSpPr>
+      <p:grpSpPr>
+        <a:xfrm>
+          <a:off x="0" y="0"/>
+          <a:ext cx="0" cy="0"/>
+          <a:chOff x="0" y="0"/>
+          <a:chExt cx="0" cy="0"/>
+        </a:xfrm>
+      </p:grpSpPr>
+      <p:sp>
+        <p:nvSpPr>
+          <p:cNvPr id="2" name="Titre 1">
+            <a:extLst>
+              <a:ext uri="{FF2B5EF4-FFF2-40B4-BE49-F238E27FC236}">
+                <a16:creationId xmlns:a16="http://schemas.microsoft.com/office/drawing/2014/main" id="{811125AD-64D1-4EE6-9A60-ABC6ED4DADB2}"/>
+              </a:ext>
+            </a:extLst>
+          </p:cNvPr>
+          <p:cNvSpPr>
+            <a:spLocks noGrp="1"/>
+          </p:cNvSpPr>
+          <p:nvPr>
+            <p:ph type="title"/>
+          </p:nvPr>
+        </p:nvSpPr>
+        <p:spPr/>
+        <p:txBody>
+          <a:bodyPr/>
+          <a:lstStyle/>
+          <a:p>
+            <a:r>
+              <a:rPr lang="fr-FR" dirty="0"/>
+              <a:t>DEPOT</a:t>
+            </a:r>
+          </a:p>
+        </p:txBody>
+      </p:sp>
+      <p:pic>
+        <p:nvPicPr>
+          <p:cNvPr id="5" name="Image 4">
+            <a:extLst>
+              <a:ext uri="{FF2B5EF4-FFF2-40B4-BE49-F238E27FC236}">
+                <a16:creationId xmlns:a16="http://schemas.microsoft.com/office/drawing/2014/main" id="{2165819D-FB2F-4661-B730-CAE8DC8E5F44}"/>
+              </a:ext>
+            </a:extLst>
+          </p:cNvPr>
+          <p:cNvPicPr>
+            <a:picLocks noChangeAspect="1"/>
+          </p:cNvPicPr>
+          <p:nvPr/>
+        </p:nvPicPr>
+        <p:blipFill>
+          <a:blip r:embed="rId2"/>
+          <a:stretch>
+            <a:fillRect/>
+          </a:stretch>
+        </p:blipFill>
+        <p:spPr>
+          <a:xfrm>
+            <a:off x="967408" y="1853248"/>
+            <a:ext cx="4806121" cy="2703443"/>
+          </a:xfrm>
+          <a:prstGeom prst="rect">
+            <a:avLst/>
+          </a:prstGeom>
+        </p:spPr>
+      </p:pic>
+      <p:pic>
+        <p:nvPicPr>
+          <p:cNvPr id="7" name="Image 6">
+            <a:extLst>
+              <a:ext uri="{FF2B5EF4-FFF2-40B4-BE49-F238E27FC236}">
+                <a16:creationId xmlns:a16="http://schemas.microsoft.com/office/drawing/2014/main" id="{8B39BB9A-81E0-4DA9-B229-B455ED25CC5C}"/>
+              </a:ext>
+            </a:extLst>
+          </p:cNvPr>
+          <p:cNvPicPr>
+            <a:picLocks noChangeAspect="1"/>
+          </p:cNvPicPr>
+          <p:nvPr/>
+        </p:nvPicPr>
+        <p:blipFill>
+          <a:blip r:embed="rId3"/>
+          <a:stretch>
+            <a:fillRect/>
+          </a:stretch>
+        </p:blipFill>
+        <p:spPr>
+          <a:xfrm>
+            <a:off x="5348472" y="1389465"/>
+            <a:ext cx="5630624" cy="3167226"/>
+          </a:xfrm>
+          <a:prstGeom prst="rect">
+            <a:avLst/>
+          </a:prstGeom>
+        </p:spPr>
+      </p:pic>
+    </p:spTree>
+    <p:extLst>
+      <p:ext uri="{BB962C8B-B14F-4D97-AF65-F5344CB8AC3E}">
+        <p14:creationId xmlns:p14="http://schemas.microsoft.com/office/powerpoint/2010/main" val="1374653548"/>
+      </p:ext>
+    </p:extLst>
+  </p:cSld>
+  <p:clrMapOvr>
+    <a:masterClrMapping/>
+  </p:clrMapOvr>
+  <mc:AlternateContent xmlns:mc="http://schemas.openxmlformats.org/markup-compatibility/2006">
+    <mc:Choice xmlns:p14="http://schemas.microsoft.com/office/powerpoint/2010/main" Requires="p14">
+      <p:transition spd="slow" p14:dur="1600">
+        <p14:conveyor dir="l"/>
+      </p:transition>
+    </mc:Choice>
+    <mc:Fallback>
+      <p:transition spd="slow">
+        <p:fade/>
+      </p:transition>
+    </mc:Fallback>
+  </mc:AlternateContent>
+  <p:timing>
+    <p:tnLst>
+      <p:par>
+        <p:cTn id="1" dur="indefinite" restart="never" nodeType="tmRoot">
+          <p:childTnLst>
+            <p:seq concurrent="1" nextAc="seek">
+              <p:cTn id="2" dur="indefinite" nodeType="mainSeq">
+                <p:childTnLst>
+                  <p:par>
+                    <p:cTn id="3" fill="hold">
+                      <p:stCondLst>
+                        <p:cond delay="indefinite"/>
+                      </p:stCondLst>
+                      <p:childTnLst>
+                        <p:par>
+                          <p:cTn id="4" fill="hold">
+                            <p:stCondLst>
+                              <p:cond delay="0"/>
+                            </p:stCondLst>
+                            <p:childTnLst>
+                              <p:par>
+                                <p:cTn id="5" presetID="26" presetClass="exit" presetSubtype="0" fill="hold" nodeType="clickEffect">
+                                  <p:stCondLst>
+                                    <p:cond delay="0"/>
+                                  </p:stCondLst>
+                                  <p:childTnLst>
+                                    <p:animEffect transition="out" filter="wipe(down)">
+                                      <p:cBhvr>
+                                        <p:cTn id="6" dur="180" accel="50%">
+                                          <p:stCondLst>
+                                            <p:cond delay="1820"/>
+                                          </p:stCondLst>
+                                        </p:cTn>
+                                        <p:tgtEl>
+                                          <p:spTgt spid="7"/>
+                                        </p:tgtEl>
+                                      </p:cBhvr>
+                                    </p:animEffect>
+                                    <p:anim calcmode="lin" valueType="num">
+                                      <p:cBhvr>
+                                        <p:cTn id="7" dur="1822" tmFilter="0,0; 0.14,0.31; 0.43,0.73; 0.71,0.91; 1.0,1.0">
+                                          <p:stCondLst>
+                                            <p:cond delay="0"/>
+                                          </p:stCondLst>
+                                        </p:cTn>
+                                        <p:tgtEl>
+                                          <p:spTgt spid="7"/>
+                                        </p:tgtEl>
+                                        <p:attrNameLst>
+                                          <p:attrName>ppt_x</p:attrName>
+                                        </p:attrNameLst>
+                                      </p:cBhvr>
+                                      <p:tavLst>
+                                        <p:tav tm="0%">
+                                          <p:val>
+                                            <p:strVal val="ppt_x"/>
+                                          </p:val>
+                                        </p:tav>
+                                        <p:tav tm="100%">
+                                          <p:val>
+                                            <p:strVal val="#ppt_x+0.25"/>
+                                          </p:val>
+                                        </p:tav>
+                                      </p:tavLst>
+                                    </p:anim>
+                                    <p:anim calcmode="lin" valueType="num">
+                                      <p:cBhvr>
+                                        <p:cTn id="8" dur="178">
+                                          <p:stCondLst>
+                                            <p:cond delay="1822"/>
+                                          </p:stCondLst>
+                                        </p:cTn>
+                                        <p:tgtEl>
+                                          <p:spTgt spid="7"/>
+                                        </p:tgtEl>
+                                        <p:attrNameLst>
+                                          <p:attrName>ppt_x</p:attrName>
+                                        </p:attrNameLst>
+                                      </p:cBhvr>
+                                      <p:tavLst>
+                                        <p:tav tm="0%">
+                                          <p:val>
+                                            <p:strVal val="ppt_x"/>
+                                          </p:val>
+                                        </p:tav>
+                                        <p:tav tm="100%">
+                                          <p:val>
+                                            <p:strVal val="ppt_x"/>
+                                          </p:val>
+                                        </p:tav>
+                                      </p:tavLst>
+                                    </p:anim>
+                                    <p:anim calcmode="lin" valueType="num">
+                                      <p:cBhvr>
+                                        <p:cTn id="9" dur="664" tmFilter="0.0,0.0;0.25,0.07;0.50,0.2;0.75,0.467;1.0,1.0">
+                                          <p:stCondLst>
+                                            <p:cond delay="0"/>
+                                          </p:stCondLst>
+                                        </p:cTn>
+                                        <p:tgtEl>
+                                          <p:spTgt spid="7"/>
+                                        </p:tgtEl>
+                                        <p:attrNameLst>
+                                          <p:attrName>ppt_y</p:attrName>
+                                        </p:attrNameLst>
+                                      </p:cBhvr>
+                                      <p:tavLst>
+                                        <p:tav tm="0%">
+                                          <p:val>
+                                            <p:strVal val="ppt_y"/>
+                                          </p:val>
+                                        </p:tav>
+                                        <p:tav tm="5%">
+                                          <p:val>
+                                            <p:strVal val="ppt_y+0.026"/>
+                                          </p:val>
+                                        </p:tav>
+                                        <p:tav tm="10%">
+                                          <p:val>
+                                            <p:strVal val="ppt_y+0.052"/>
+                                          </p:val>
+                                        </p:tav>
+                                        <p:tav tm="15%">
+                                          <p:val>
+                                            <p:strVal val="ppt_y+0.078"/>
+                                          </p:val>
+                                        </p:tav>
+                                        <p:tav tm="20%">
+                                          <p:val>
+                                            <p:strVal val="ppt_y+0.103"/>
+                                          </p:val>
+                                        </p:tav>
+                                        <p:tav tm="30%">
+                                          <p:val>
+                                            <p:strVal val="ppt_y+0.151"/>
+                                          </p:val>
+                                        </p:tav>
+                                        <p:tav tm="40%">
+                                          <p:val>
+                                            <p:strVal val="ppt_y+0.196"/>
+                                          </p:val>
+                                        </p:tav>
+                                        <p:tav tm="50%">
+                                          <p:val>
+                                            <p:strVal val="ppt_y+0.236"/>
+                                          </p:val>
+                                        </p:tav>
+                                        <p:tav tm="60%">
+                                          <p:val>
+                                            <p:strVal val="ppt_y+0.270"/>
+                                          </p:val>
+                                        </p:tav>
+                                        <p:tav tm="70%">
+                                          <p:val>
+                                            <p:strVal val="ppt_y+0.297"/>
+                                          </p:val>
+                                        </p:tav>
+                                        <p:tav tm="80%">
+                                          <p:val>
+                                            <p:strVal val="ppt_y+0.317"/>
+                                          </p:val>
+                                        </p:tav>
+                                        <p:tav tm="90%">
+                                          <p:val>
+                                            <p:strVal val="ppt_y+0.329"/>
+                                          </p:val>
+                                        </p:tav>
+                                        <p:tav tm="100%">
+                                          <p:val>
+                                            <p:strVal val="ppt_y+0.333"/>
+                                          </p:val>
+                                        </p:tav>
+                                      </p:tavLst>
+                                    </p:anim>
+                                    <p:anim calcmode="lin" valueType="num">
+                                      <p:cBhvr>
+                                        <p:cTn id="10" dur="664" tmFilter="0, 0; 0.125,0.2665; 0.25,0.4; 0.375,0.465; 0.5,0.5;  0.625,0.535; 0.75,0.6; 0.875,0.7335; 1,1">
+                                          <p:stCondLst>
+                                            <p:cond delay="664"/>
+                                          </p:stCondLst>
+                                        </p:cTn>
+                                        <p:tgtEl>
+                                          <p:spTgt spid="7"/>
+                                        </p:tgtEl>
+                                        <p:attrNameLst>
+                                          <p:attrName>ppt_y</p:attrName>
+                                        </p:attrNameLst>
+                                      </p:cBhvr>
+                                      <p:tavLst>
+                                        <p:tav tm="0%">
+                                          <p:val>
+                                            <p:strVal val="ppt_y"/>
+                                          </p:val>
+                                        </p:tav>
+                                        <p:tav tm="10%">
+                                          <p:val>
+                                            <p:strVal val="ppt_y-0.034"/>
+                                          </p:val>
+                                        </p:tav>
+                                        <p:tav tm="20%">
+                                          <p:val>
+                                            <p:strVal val="ppt_y-0.065"/>
+                                          </p:val>
+                                        </p:tav>
+                                        <p:tav tm="30%">
+                                          <p:val>
+                                            <p:strVal val="ppt_y-0.090"/>
+                                          </p:val>
+                                        </p:tav>
+                                        <p:tav tm="40%">
+                                          <p:val>
+                                            <p:strVal val="ppt_y-0.106"/>
+                                          </p:val>
+                                        </p:tav>
+                                        <p:tav tm="50%">
+                                          <p:val>
+                                            <p:strVal val="ppt_y-0.111"/>
+                                          </p:val>
+                                        </p:tav>
+                                        <p:tav tm="60%">
+                                          <p:val>
+                                            <p:strVal val="ppt_y-0.106"/>
+                                          </p:val>
+                                        </p:tav>
+                                        <p:tav tm="70%">
+                                          <p:val>
+                                            <p:strVal val="ppt_y-0.090"/>
+                                          </p:val>
+                                        </p:tav>
+                                        <p:tav tm="80%">
+                                          <p:val>
+                                            <p:strVal val="ppt_y-0.065"/>
+                                          </p:val>
+                                        </p:tav>
+                                        <p:tav tm="90%">
+                                          <p:val>
+                                            <p:strVal val="ppt_y-0.034"/>
+                                          </p:val>
+                                        </p:tav>
+                                        <p:tav tm="100%">
+                                          <p:val>
+                                            <p:strVal val="ppt_y"/>
+                                          </p:val>
+                                        </p:tav>
+                                      </p:tavLst>
+                                    </p:anim>
+                                    <p:anim calcmode="lin" valueType="num">
+                                      <p:cBhvr>
+                                        <p:cTn id="11" dur="332" tmFilter="0, 0; 0.125,0.2665; 0.25,0.4; 0.375,0.465; 0.5,0.5;  0.625,0.535; 0.75,0.6; 0.875,0.7335; 1,1">
+                                          <p:stCondLst>
+                                            <p:cond delay="1324"/>
+                                          </p:stCondLst>
+                                        </p:cTn>
+                                        <p:tgtEl>
+                                          <p:spTgt spid="7"/>
+                                        </p:tgtEl>
+                                        <p:attrNameLst>
+                                          <p:attrName>ppt_y</p:attrName>
+                                        </p:attrNameLst>
+                                      </p:cBhvr>
+                                      <p:tavLst>
+                                        <p:tav tm="0%">
+                                          <p:val>
+                                            <p:strVal val="ppt_y"/>
+                                          </p:val>
+                                        </p:tav>
+                                        <p:tav tm="10%">
+                                          <p:val>
+                                            <p:strVal val="ppt_y-0.011"/>
+                                          </p:val>
+                                        </p:tav>
+                                        <p:tav tm="20%">
+                                          <p:val>
+                                            <p:strVal val="ppt_y-0.022"/>
+                                          </p:val>
+                                        </p:tav>
+                                        <p:tav tm="30%">
+                                          <p:val>
+                                            <p:strVal val="ppt_y-0.030"/>
+                                          </p:val>
+                                        </p:tav>
+                                        <p:tav tm="40%">
+                                          <p:val>
+                                            <p:strVal val="ppt_y-0.035"/>
+                                          </p:val>
+                                        </p:tav>
+                                        <p:tav tm="50%">
+                                          <p:val>
+                                            <p:strVal val="ppt_y-0.037"/>
+                                          </p:val>
+                                        </p:tav>
+                                        <p:tav tm="60%">
+                                          <p:val>
+                                            <p:strVal val="ppt_y-0.035"/>
+                                          </p:val>
+                                        </p:tav>
+                                        <p:tav tm="70%">
+                                          <p:val>
+                                            <p:strVal val="ppt_y-0.030"/>
+                                          </p:val>
+                                        </p:tav>
+                                        <p:tav tm="80%">
+                                          <p:val>
+                                            <p:strVal val="ppt_y-0.022"/>
+                                          </p:val>
+                                        </p:tav>
+                                        <p:tav tm="90%">
+                                          <p:val>
+                                            <p:strVal val="ppt_y-0.011"/>
+                                          </p:val>
+                                        </p:tav>
+                                        <p:tav tm="100%">
+                                          <p:val>
+                                            <p:strVal val="ppt_y"/>
+                                          </p:val>
+                                        </p:tav>
+                                      </p:tavLst>
+                                    </p:anim>
+                                    <p:anim calcmode="lin" valueType="num">
+                                      <p:cBhvr>
+                                        <p:cTn id="12" dur="164" tmFilter="0, 0; 0.125,0.2665; 0.25,0.4; 0.375,0.465; 0.5,0.5;  0.625,0.535; 0.75,0.6; 0.875,0.7335; 1,1">
+                                          <p:stCondLst>
+                                            <p:cond delay="1656"/>
+                                          </p:stCondLst>
+                                        </p:cTn>
+                                        <p:tgtEl>
+                                          <p:spTgt spid="7"/>
+                                        </p:tgtEl>
+                                        <p:attrNameLst>
+                                          <p:attrName>ppt_y</p:attrName>
+                                        </p:attrNameLst>
+                                      </p:cBhvr>
+                                      <p:tavLst>
+                                        <p:tav tm="0%">
+                                          <p:val>
+                                            <p:strVal val="ppt_y"/>
+                                          </p:val>
+                                        </p:tav>
+                                        <p:tav tm="10%">
+                                          <p:val>
+                                            <p:strVal val="ppt_y-0.004"/>
+                                          </p:val>
+                                        </p:tav>
+                                        <p:tav tm="20%">
+                                          <p:val>
+                                            <p:strVal val="ppt_y-0.007"/>
+                                          </p:val>
+                                        </p:tav>
+                                        <p:tav tm="30%">
+                                          <p:val>
+                                            <p:strVal val="ppt_y-0.010"/>
+                                          </p:val>
+                                        </p:tav>
+                                        <p:tav tm="40%">
+                                          <p:val>
+                                            <p:strVal val="ppt_y-0.012"/>
+                                          </p:val>
+                                        </p:tav>
+                                        <p:tav tm="50%">
+                                          <p:val>
+                                            <p:strVal val="ppt_y-0.0123"/>
+                                          </p:val>
+                                        </p:tav>
+                                        <p:tav tm="60%">
+                                          <p:val>
+                                            <p:strVal val="ppt_y-0.012"/>
+                                          </p:val>
+                                        </p:tav>
+                                        <p:tav tm="70%">
+                                          <p:val>
+                                            <p:strVal val="ppt_y-0.010"/>
+                                          </p:val>
+                                        </p:tav>
+                                        <p:tav tm="80%">
+                                          <p:val>
+                                            <p:strVal val="ppt_y-0.007"/>
+                                          </p:val>
+                                        </p:tav>
+                                        <p:tav tm="90%">
+                                          <p:val>
+                                            <p:strVal val="ppt_y-0.004"/>
+                                          </p:val>
+                                        </p:tav>
+                                        <p:tav tm="100%">
+                                          <p:val>
+                                            <p:strVal val="ppt_y"/>
+                                          </p:val>
+                                        </p:tav>
+                                      </p:tavLst>
+                                    </p:anim>
+                                    <p:anim calcmode="lin" valueType="num">
+                                      <p:cBhvr>
+                                        <p:cTn id="13" dur="180" accel="50%">
+                                          <p:stCondLst>
+                                            <p:cond delay="1820"/>
+                                          </p:stCondLst>
+                                        </p:cTn>
+                                        <p:tgtEl>
+                                          <p:spTgt spid="7"/>
+                                        </p:tgtEl>
+                                        <p:attrNameLst>
+                                          <p:attrName>ppt_y</p:attrName>
+                                        </p:attrNameLst>
+                                      </p:cBhvr>
+                                      <p:tavLst>
+                                        <p:tav tm="0%">
+                                          <p:val>
+                                            <p:strVal val="ppt_y"/>
+                                          </p:val>
+                                        </p:tav>
+                                        <p:tav tm="100%">
+                                          <p:val>
+                                            <p:strVal val="ppt_y+ppt_h"/>
+                                          </p:val>
+                                        </p:tav>
+                                      </p:tavLst>
+                                    </p:anim>
+                                    <p:animScale>
+                                      <p:cBhvr>
+                                        <p:cTn id="14" dur="26">
+                                          <p:stCondLst>
+                                            <p:cond delay="620"/>
+                                          </p:stCondLst>
+                                        </p:cTn>
+                                        <p:tgtEl>
+                                          <p:spTgt spid="7"/>
+                                        </p:tgtEl>
+                                      </p:cBhvr>
+                                      <p:to x="100%" y="60%"/>
+                                    </p:animScale>
+                                    <p:animScale>
+                                      <p:cBhvr>
+                                        <p:cTn id="15" dur="166" decel="50%">
+                                          <p:stCondLst>
+                                            <p:cond delay="646"/>
+                                          </p:stCondLst>
+                                        </p:cTn>
+                                        <p:tgtEl>
+                                          <p:spTgt spid="7"/>
+                                        </p:tgtEl>
+                                      </p:cBhvr>
+                                      <p:to x="100%" y="100%"/>
+                                    </p:animScale>
+                                    <p:animScale>
+                                      <p:cBhvr>
+                                        <p:cTn id="16" dur="26">
+                                          <p:stCondLst>
+                                            <p:cond delay="1312"/>
+                                          </p:stCondLst>
+                                        </p:cTn>
+                                        <p:tgtEl>
+                                          <p:spTgt spid="7"/>
+                                        </p:tgtEl>
+                                      </p:cBhvr>
+                                      <p:to x="100%" y="80%"/>
+                                    </p:animScale>
+                                    <p:animScale>
+                                      <p:cBhvr>
+                                        <p:cTn id="17" dur="166" decel="50%">
+                                          <p:stCondLst>
+                                            <p:cond delay="1338"/>
+                                          </p:stCondLst>
+                                        </p:cTn>
+                                        <p:tgtEl>
+                                          <p:spTgt spid="7"/>
+                                        </p:tgtEl>
+                                      </p:cBhvr>
+                                      <p:to x="100%" y="100%"/>
+                                    </p:animScale>
+                                    <p:animScale>
+                                      <p:cBhvr>
+                                        <p:cTn id="18" dur="26">
+                                          <p:stCondLst>
+                                            <p:cond delay="1642"/>
+                                          </p:stCondLst>
+                                        </p:cTn>
+                                        <p:tgtEl>
+                                          <p:spTgt spid="7"/>
+                                        </p:tgtEl>
+                                      </p:cBhvr>
+                                      <p:to x="100%" y="90%"/>
+                                    </p:animScale>
+                                    <p:animScale>
+                                      <p:cBhvr>
+                                        <p:cTn id="19" dur="166" decel="50%">
+                                          <p:stCondLst>
+                                            <p:cond delay="1668"/>
+                                          </p:stCondLst>
+                                        </p:cTn>
+                                        <p:tgtEl>
+                                          <p:spTgt spid="7"/>
+                                        </p:tgtEl>
+                                      </p:cBhvr>
+                                      <p:to x="100%" y="100%"/>
+                                    </p:animScale>
+                                    <p:animScale>
+                                      <p:cBhvr>
+                                        <p:cTn id="20" dur="26">
+                                          <p:stCondLst>
+                                            <p:cond delay="1808"/>
+                                          </p:stCondLst>
+                                        </p:cTn>
+                                        <p:tgtEl>
+                                          <p:spTgt spid="7"/>
+                                        </p:tgtEl>
+                                      </p:cBhvr>
+                                      <p:to x="100%" y="95%"/>
+                                    </p:animScale>
+                                    <p:animScale>
+                                      <p:cBhvr>
+                                        <p:cTn id="21" dur="166" decel="50%">
+                                          <p:stCondLst>
+                                            <p:cond delay="1834"/>
+                                          </p:stCondLst>
+                                        </p:cTn>
+                                        <p:tgtEl>
+                                          <p:spTgt spid="7"/>
+                                        </p:tgtEl>
+                                      </p:cBhvr>
+                                      <p:to x="100%" y="100%"/>
+                                    </p:animScale>
+                                    <p:set>
+                                      <p:cBhvr>
+                                        <p:cTn id="22" dur="1" fill="hold">
+                                          <p:stCondLst>
+                                            <p:cond delay="1999"/>
+                                          </p:stCondLst>
+                                        </p:cTn>
+                                        <p:tgtEl>
+                                          <p:spTgt spid="7"/>
+                                        </p:tgtEl>
+                                        <p:attrNameLst>
+                                          <p:attrName>style.visibility</p:attrName>
+                                        </p:attrNameLst>
+                                      </p:cBhvr>
+                                      <p:to>
+                                        <p:strVal val="hidden"/>
+                                      </p:to>
+                                    </p:set>
+                                  </p:childTnLst>
+                                </p:cTn>
+                              </p:par>
+                            </p:childTnLst>
+                          </p:cTn>
+                        </p:par>
+                      </p:childTnLst>
+                    </p:cTn>
+                  </p:par>
+                </p:childTnLst>
+              </p:cTn>
+              <p:prevCondLst>
+                <p:cond evt="onPrev" delay="0">
+                  <p:tgtEl>
+                    <p:sldTgt/>
+                  </p:tgtEl>
+                </p:cond>
+              </p:prevCondLst>
+              <p:nextCondLst>
+                <p:cond evt="onNext" delay="0">
+                  <p:tgtEl>
+                    <p:sldTgt/>
+                  </p:tgtEl>
+                </p:cond>
+              </p:nextCondLst>
+            </p:seq>
+          </p:childTnLst>
+        </p:cTn>
+      </p:par>
+    </p:tnLst>
+  </p:timing>
+</p:sld>
+</file>
+
+<file path=ppt/slides/slide19.xml><?xml version="1.0" encoding="utf-8"?>
+<p:sld xmlns:a="http://purl.oclc.org/ooxml/drawingml/main" xmlns:r="http://purl.oclc.org/ooxml/officeDocument/relationships" xmlns:p="http://purl.oclc.org/ooxml/presentationml/main">
+  <p:cSld>
+    <p:spTree>
+      <p:nvGrpSpPr>
+        <p:cNvPr id="1" name=""/>
+        <p:cNvGrpSpPr/>
+        <p:nvPr/>
+      </p:nvGrpSpPr>
+      <p:grpSpPr>
+        <a:xfrm>
+          <a:off x="0" y="0"/>
+          <a:ext cx="0" cy="0"/>
+          <a:chOff x="0" y="0"/>
+          <a:chExt cx="0" cy="0"/>
+        </a:xfrm>
+      </p:grpSpPr>
+      <p:sp>
+        <p:nvSpPr>
+          <p:cNvPr id="2" name="Titre 1">
+            <a:extLst>
+              <a:ext uri="{FF2B5EF4-FFF2-40B4-BE49-F238E27FC236}">
+                <a16:creationId xmlns:a16="http://schemas.microsoft.com/office/drawing/2014/main" id="{9C16B870-096D-4019-BBEE-2D9860F67F68}"/>
+              </a:ext>
+            </a:extLst>
+          </p:cNvPr>
+          <p:cNvSpPr>
+            <a:spLocks noGrp="1"/>
+          </p:cNvSpPr>
+          <p:nvPr>
+            <p:ph type="title"/>
+          </p:nvPr>
+        </p:nvSpPr>
+        <p:spPr/>
+        <p:txBody>
+          <a:bodyPr/>
+          <a:lstStyle/>
+          <a:p>
+            <a:r>
+              <a:rPr lang="fr-FR" sz="3200" dirty="0">
+                <a:latin typeface="Arial" panose="020B0604020202020204" pitchFamily="34" charset="0"/>
+                <a:cs typeface="Arial" panose="020B0604020202020204" pitchFamily="34" charset="0"/>
+              </a:rPr>
+              <a:t>Présentation d’ une version beta de l’ application</a:t>
+            </a:r>
+            <a:br>
+              <a:rPr lang="fr-FR" sz="4400" dirty="0">
+                <a:latin typeface="Arial" panose="020B0604020202020204" pitchFamily="34" charset="0"/>
+                <a:cs typeface="Arial" panose="020B0604020202020204" pitchFamily="34" charset="0"/>
+              </a:rPr>
+            </a:br>
+            <a:endParaRPr lang="fr-FR" dirty="0"/>
+          </a:p>
+        </p:txBody>
+      </p:sp>
+      <p:pic>
+        <p:nvPicPr>
+          <p:cNvPr id="6" name="Image 5">
+            <a:hlinkClick r:id="rId2" action="ppaction://hlinkfile"/>
+            <a:extLst>
+              <a:ext uri="{FF2B5EF4-FFF2-40B4-BE49-F238E27FC236}">
+                <a16:creationId xmlns:a16="http://schemas.microsoft.com/office/drawing/2014/main" id="{3D6B60B5-BDE9-4077-A7F5-DB85785D6879}"/>
+              </a:ext>
+            </a:extLst>
+          </p:cNvPr>
+          <p:cNvPicPr>
+            <a:picLocks noChangeAspect="1"/>
+          </p:cNvPicPr>
+          <p:nvPr/>
+        </p:nvPicPr>
+        <p:blipFill>
+          <a:blip r:embed="rId3"/>
+          <a:stretch>
+            <a:fillRect/>
+          </a:stretch>
+        </p:blipFill>
+        <p:spPr>
+          <a:xfrm>
+            <a:off x="3620954" y="2133362"/>
+            <a:ext cx="3455035" cy="2591276"/>
+          </a:xfrm>
+          <a:prstGeom prst="rect">
+            <a:avLst/>
+          </a:prstGeom>
+        </p:spPr>
+      </p:pic>
+    </p:spTree>
+    <p:extLst>
+      <p:ext uri="{BB962C8B-B14F-4D97-AF65-F5344CB8AC3E}">
+        <p14:creationId xmlns:p14="http://schemas.microsoft.com/office/powerpoint/2010/main" val="1078354338"/>
+      </p:ext>
+    </p:extLst>
+  </p:cSld>
+  <p:clrMapOvr>
+    <a:masterClrMapping/>
+  </p:clrMapOvr>
+  <mc:AlternateContent xmlns:mc="http://schemas.openxmlformats.org/markup-compatibility/2006">
+    <mc:Choice xmlns:p15="http://schemas.microsoft.com/office/powerpoint/2012/main" Requires="p15">
+      <p:transition xmlns:p14="http://schemas.microsoft.com/office/powerpoint/2010/main" spd="slow" p14:dur="1250">
+        <p15:prstTrans prst="peelOff"/>
+      </p:transition>
+    </mc:Choice>
+    <mc:Fallback>
+      <p:transition spd="slow">
+        <p:fade/>
+      </p:transition>
+    </mc:Fallback>
+  </mc:AlternateContent>
 </p:sld>
 </file>
 
@@ -8109,6 +14871,175 @@
 </p:sld>
 </file>
 
+<file path=ppt/slides/slide20.xml><?xml version="1.0" encoding="utf-8"?>
+<p:sld xmlns:a="http://purl.oclc.org/ooxml/drawingml/main" xmlns:r="http://purl.oclc.org/ooxml/officeDocument/relationships" xmlns:p="http://purl.oclc.org/ooxml/presentationml/main">
+  <p:cSld>
+    <p:spTree>
+      <p:nvGrpSpPr>
+        <p:cNvPr id="1" name=""/>
+        <p:cNvGrpSpPr/>
+        <p:nvPr/>
+      </p:nvGrpSpPr>
+      <p:grpSpPr>
+        <a:xfrm>
+          <a:off x="0" y="0"/>
+          <a:ext cx="0" cy="0"/>
+          <a:chOff x="0" y="0"/>
+          <a:chExt cx="0" cy="0"/>
+        </a:xfrm>
+      </p:grpSpPr>
+      <p:sp>
+        <p:nvSpPr>
+          <p:cNvPr id="3" name="Espace réservé du contenu 2">
+            <a:extLst>
+              <a:ext uri="{FF2B5EF4-FFF2-40B4-BE49-F238E27FC236}">
+                <a16:creationId xmlns:a16="http://schemas.microsoft.com/office/drawing/2014/main" id="{D82214D2-EED4-44F4-B52B-AD646CCF568F}"/>
+              </a:ext>
+            </a:extLst>
+          </p:cNvPr>
+          <p:cNvSpPr>
+            <a:spLocks noGrp="1"/>
+          </p:cNvSpPr>
+          <p:nvPr>
+            <p:ph idx="1"/>
+          </p:nvPr>
+        </p:nvSpPr>
+        <p:spPr>
+          <a:xfrm>
+            <a:off x="3506891" y="2573650"/>
+            <a:ext cx="5292552" cy="1097202"/>
+          </a:xfrm>
+        </p:spPr>
+        <p:txBody>
+          <a:bodyPr>
+            <a:normAutofit fontScale="77.5%" lnSpcReduction="20%"/>
+          </a:bodyPr>
+          <a:lstStyle/>
+          <a:p>
+            <a:pPr marL="0" indent="0">
+              <a:buNone/>
+            </a:pPr>
+            <a:r>
+              <a:rPr lang="fr-FR" sz="10300" dirty="0">
+                <a:latin typeface="Arial" panose="020B0604020202020204" pitchFamily="34" charset="0"/>
+                <a:cs typeface="Arial" panose="020B0604020202020204" pitchFamily="34" charset="0"/>
+              </a:rPr>
+              <a:t>Conclusion</a:t>
+            </a:r>
+          </a:p>
+          <a:p>
+            <a:pPr marL="0" indent="0">
+              <a:buNone/>
+            </a:pPr>
+            <a:endParaRPr lang="fr-FR" dirty="0"/>
+          </a:p>
+        </p:txBody>
+      </p:sp>
+    </p:spTree>
+    <p:extLst>
+      <p:ext uri="{BB962C8B-B14F-4D97-AF65-F5344CB8AC3E}">
+        <p14:creationId xmlns:p14="http://schemas.microsoft.com/office/powerpoint/2010/main" val="4084956527"/>
+      </p:ext>
+    </p:extLst>
+  </p:cSld>
+  <p:clrMapOvr>
+    <a:masterClrMapping/>
+  </p:clrMapOvr>
+  <mc:AlternateContent xmlns:mc="http://schemas.openxmlformats.org/markup-compatibility/2006">
+    <mc:Choice xmlns:p15="http://schemas.microsoft.com/office/powerpoint/2012/main" Requires="p15">
+      <p:transition xmlns:p14="http://schemas.microsoft.com/office/powerpoint/2010/main" spd="slow" p14:dur="2000">
+        <p15:prstTrans prst="fallOver"/>
+      </p:transition>
+    </mc:Choice>
+    <mc:Fallback>
+      <p:transition spd="slow">
+        <p:fade/>
+      </p:transition>
+    </mc:Fallback>
+  </mc:AlternateContent>
+</p:sld>
+</file>
+
+<file path=ppt/slides/slide21.xml><?xml version="1.0" encoding="utf-8"?>
+<p:sld xmlns:a="http://purl.oclc.org/ooxml/drawingml/main" xmlns:r="http://purl.oclc.org/ooxml/officeDocument/relationships" xmlns:p="http://purl.oclc.org/ooxml/presentationml/main">
+  <p:cSld>
+    <p:spTree>
+      <p:nvGrpSpPr>
+        <p:cNvPr id="1" name=""/>
+        <p:cNvGrpSpPr/>
+        <p:nvPr/>
+      </p:nvGrpSpPr>
+      <p:grpSpPr>
+        <a:xfrm>
+          <a:off x="0" y="0"/>
+          <a:ext cx="0" cy="0"/>
+          <a:chOff x="0" y="0"/>
+          <a:chExt cx="0" cy="0"/>
+        </a:xfrm>
+      </p:grpSpPr>
+      <p:sp>
+        <p:nvSpPr>
+          <p:cNvPr id="3" name="Espace réservé du contenu 2">
+            <a:extLst>
+              <a:ext uri="{FF2B5EF4-FFF2-40B4-BE49-F238E27FC236}">
+                <a16:creationId xmlns:a16="http://schemas.microsoft.com/office/drawing/2014/main" id="{D82214D2-EED4-44F4-B52B-AD646CCF568F}"/>
+              </a:ext>
+            </a:extLst>
+          </p:cNvPr>
+          <p:cNvSpPr>
+            <a:spLocks noGrp="1"/>
+          </p:cNvSpPr>
+          <p:nvPr>
+            <p:ph idx="1"/>
+          </p:nvPr>
+        </p:nvSpPr>
+        <p:spPr>
+          <a:xfrm>
+            <a:off x="3739192" y="1778520"/>
+            <a:ext cx="4713615" cy="2462176"/>
+          </a:xfrm>
+        </p:spPr>
+        <p:txBody>
+          <a:bodyPr>
+            <a:noAutofit/>
+          </a:bodyPr>
+          <a:lstStyle/>
+          <a:p>
+            <a:pPr marL="0" indent="0">
+              <a:buNone/>
+            </a:pPr>
+            <a:r>
+              <a:rPr lang="fr-FR" sz="23900" dirty="0"/>
+              <a:t>FIN</a:t>
+            </a:r>
+          </a:p>
+        </p:txBody>
+      </p:sp>
+    </p:spTree>
+    <p:extLst>
+      <p:ext uri="{BB962C8B-B14F-4D97-AF65-F5344CB8AC3E}">
+        <p14:creationId xmlns:p14="http://schemas.microsoft.com/office/powerpoint/2010/main" val="2675226213"/>
+      </p:ext>
+    </p:extLst>
+  </p:cSld>
+  <p:clrMapOvr>
+    <a:masterClrMapping/>
+  </p:clrMapOvr>
+  <mc:AlternateContent xmlns:mc="http://schemas.openxmlformats.org/markup-compatibility/2006">
+    <mc:Choice xmlns:p15="http://schemas.microsoft.com/office/powerpoint/2012/main" Requires="p15">
+      <p:transition xmlns:p14="http://schemas.microsoft.com/office/powerpoint/2010/main" spd="slow" p14:dur="1250">
+        <p15:prstTrans prst="airplane"/>
+      </p:transition>
+    </mc:Choice>
+    <mc:Fallback>
+      <p:transition spd="slow">
+        <p:fade/>
+      </p:transition>
+    </mc:Fallback>
+  </mc:AlternateContent>
+</p:sld>
+</file>
+
 <file path=ppt/slides/slide3.xml><?xml version="1.0" encoding="utf-8"?>
 <p:sld xmlns:a="http://purl.oclc.org/ooxml/drawingml/main" xmlns:r="http://purl.oclc.org/ooxml/officeDocument/relationships" xmlns:p="http://purl.oclc.org/ooxml/presentationml/main">
   <p:cSld>
@@ -9225,21 +16156,7 @@
                 <a:latin typeface="Arial" panose="020B0604020202020204" pitchFamily="34" charset="0"/>
                 <a:cs typeface="Arial" panose="020B0604020202020204" pitchFamily="34" charset="0"/>
               </a:rPr>
-              <a:t>Présentation d’ </a:t>
-            </a:r>
-            <a:r>
-              <a:rPr lang="fr-FR" sz="2800" dirty="0" smtClean="0">
-                <a:latin typeface="Arial" panose="020B0604020202020204" pitchFamily="34" charset="0"/>
-                <a:cs typeface="Arial" panose="020B0604020202020204" pitchFamily="34" charset="0"/>
-              </a:rPr>
-              <a:t>une </a:t>
-            </a:r>
-            <a:r>
-              <a:rPr lang="fr-FR" sz="2800" dirty="0">
-                <a:latin typeface="Arial" panose="020B0604020202020204" pitchFamily="34" charset="0"/>
-                <a:cs typeface="Arial" panose="020B0604020202020204" pitchFamily="34" charset="0"/>
-              </a:rPr>
-              <a:t>version beta de l’ application</a:t>
+              <a:t>Présentation d’ une version beta de l’ application</a:t>
             </a:r>
           </a:p>
         </p:txBody>
@@ -9511,21 +16428,7 @@
                 <a:latin typeface="Arial" panose="020B0604020202020204" pitchFamily="34" charset="0"/>
                 <a:cs typeface="Arial" panose="020B0604020202020204" pitchFamily="34" charset="0"/>
               </a:rPr>
-              <a:t>Présentation d’ </a:t>
-            </a:r>
-            <a:r>
-              <a:rPr lang="fr-FR" sz="2800" dirty="0" smtClean="0">
-                <a:latin typeface="Arial" panose="020B0604020202020204" pitchFamily="34" charset="0"/>
-                <a:cs typeface="Arial" panose="020B0604020202020204" pitchFamily="34" charset="0"/>
-              </a:rPr>
-              <a:t>une </a:t>
-            </a:r>
-            <a:r>
-              <a:rPr lang="fr-FR" sz="2800" dirty="0">
-                <a:latin typeface="Arial" panose="020B0604020202020204" pitchFamily="34" charset="0"/>
-                <a:cs typeface="Arial" panose="020B0604020202020204" pitchFamily="34" charset="0"/>
-              </a:rPr>
-              <a:t>version beta de l’ application</a:t>
+              <a:t>Présentation d’ une version beta de l’ application</a:t>
             </a:r>
           </a:p>
           <a:p>
@@ -9796,18 +16699,17 @@
           <a:lstStyle/>
           <a:p>
             <a:r>
-              <a:rPr lang="fr-FR" dirty="0" smtClean="0"/>
+              <a:rPr lang="fr-FR" dirty="0"/>
               <a:t>Flexibilité</a:t>
             </a:r>
             <a:r>
-              <a:rPr lang="en-US" dirty="0" smtClean="0"/>
+              <a:rPr lang="en-US" dirty="0"/>
               <a:t> ,</a:t>
             </a:r>
             <a:r>
-              <a:rPr lang="fr-FR" dirty="0" smtClean="0"/>
+              <a:rPr lang="fr-FR" dirty="0"/>
               <a:t>Sécurité</a:t>
             </a:r>
-            <a:endParaRPr lang="fr-FR" dirty="0"/>
           </a:p>
         </p:txBody>
       </p:sp>
@@ -9833,13 +16735,6 @@
       </p:transition>
     </mc:Fallback>
   </mc:AlternateContent>
-  <p:timing>
-    <p:tnLst>
-      <p:par>
-        <p:cTn id="1" dur="indefinite" restart="never" nodeType="tmRoot"/>
-      </p:par>
-    </p:tnLst>
-  </p:timing>
 </p:sld>
 </file>
 

--- a/Presentation.pptx
+++ b/Presentation.pptx
@@ -318,7 +318,7 @@
           <a:p>
             <a:fld id="{4AAD347D-5ACD-4C99-B74B-A9C85AD731AF}" type="datetimeFigureOut">
               <a:rPr lang="en-US" dirty="0"/>
-              <a:t>9/25/2022</a:t>
+              <a:t>9/26/2022</a:t>
             </a:fld>
             <a:endParaRPr lang="en-US" dirty="0"/>
           </a:p>
@@ -588,7 +588,7 @@
           <a:p>
             <a:fld id="{4509A250-FF31-4206-8172-F9D3106AACB1}" type="datetimeFigureOut">
               <a:rPr lang="en-US" dirty="0"/>
-              <a:t>9/25/2022</a:t>
+              <a:t>9/26/2022</a:t>
             </a:fld>
             <a:endParaRPr lang="en-US" dirty="0"/>
           </a:p>
@@ -777,7 +777,7 @@
           <a:p>
             <a:fld id="{4509A250-FF31-4206-8172-F9D3106AACB1}" type="datetimeFigureOut">
               <a:rPr lang="en-US" dirty="0"/>
-              <a:t>9/25/2022</a:t>
+              <a:t>9/26/2022</a:t>
             </a:fld>
             <a:endParaRPr lang="en-US" dirty="0"/>
           </a:p>
@@ -1045,7 +1045,7 @@
           <a:p>
             <a:fld id="{4509A250-FF31-4206-8172-F9D3106AACB1}" type="datetimeFigureOut">
               <a:rPr lang="en-US" dirty="0"/>
-              <a:t>9/25/2022</a:t>
+              <a:t>9/26/2022</a:t>
             </a:fld>
             <a:endParaRPr lang="en-US" dirty="0"/>
           </a:p>
@@ -1381,7 +1381,7 @@
           <a:p>
             <a:fld id="{4509A250-FF31-4206-8172-F9D3106AACB1}" type="datetimeFigureOut">
               <a:rPr lang="en-US" dirty="0"/>
-              <a:t>9/25/2022</a:t>
+              <a:t>9/26/2022</a:t>
             </a:fld>
             <a:endParaRPr lang="en-US" dirty="0"/>
           </a:p>
@@ -1999,7 +1999,7 @@
           <a:p>
             <a:fld id="{4509A250-FF31-4206-8172-F9D3106AACB1}" type="datetimeFigureOut">
               <a:rPr lang="en-US" dirty="0"/>
-              <a:t>9/25/2022</a:t>
+              <a:t>9/26/2022</a:t>
             </a:fld>
             <a:endParaRPr lang="en-US" dirty="0"/>
           </a:p>
@@ -2854,7 +2854,7 @@
           <a:p>
             <a:fld id="{4509A250-FF31-4206-8172-F9D3106AACB1}" type="datetimeFigureOut">
               <a:rPr lang="en-US" dirty="0"/>
-              <a:t>9/25/2022</a:t>
+              <a:t>9/26/2022</a:t>
             </a:fld>
             <a:endParaRPr lang="en-US" dirty="0"/>
           </a:p>
@@ -3019,7 +3019,7 @@
           <a:p>
             <a:fld id="{4509A250-FF31-4206-8172-F9D3106AACB1}" type="datetimeFigureOut">
               <a:rPr lang="en-US" dirty="0"/>
-              <a:t>9/25/2022</a:t>
+              <a:t>9/26/2022</a:t>
             </a:fld>
             <a:endParaRPr lang="en-US" dirty="0"/>
           </a:p>
@@ -3194,7 +3194,7 @@
           <a:p>
             <a:fld id="{4509A250-FF31-4206-8172-F9D3106AACB1}" type="datetimeFigureOut">
               <a:rPr lang="en-US" dirty="0"/>
-              <a:t>9/25/2022</a:t>
+              <a:t>9/26/2022</a:t>
             </a:fld>
             <a:endParaRPr lang="en-US" dirty="0"/>
           </a:p>
@@ -3359,7 +3359,7 @@
           <a:p>
             <a:fld id="{4509A250-FF31-4206-8172-F9D3106AACB1}" type="datetimeFigureOut">
               <a:rPr lang="en-US" dirty="0"/>
-              <a:t>9/25/2022</a:t>
+              <a:t>9/26/2022</a:t>
             </a:fld>
             <a:endParaRPr lang="en-US" dirty="0"/>
           </a:p>
@@ -3601,7 +3601,7 @@
           <a:p>
             <a:fld id="{9796027F-7875-4030-9381-8BD8C4F21935}" type="datetimeFigureOut">
               <a:rPr lang="en-US" dirty="0"/>
-              <a:t>9/25/2022</a:t>
+              <a:t>9/26/2022</a:t>
             </a:fld>
             <a:endParaRPr lang="en-US" dirty="0"/>
           </a:p>
@@ -3888,7 +3888,7 @@
           <a:p>
             <a:fld id="{9796027F-7875-4030-9381-8BD8C4F21935}" type="datetimeFigureOut">
               <a:rPr lang="en-US" dirty="0"/>
-              <a:t>9/25/2022</a:t>
+              <a:t>9/26/2022</a:t>
             </a:fld>
             <a:endParaRPr lang="en-US" dirty="0"/>
           </a:p>
@@ -4327,7 +4327,7 @@
           <a:p>
             <a:fld id="{9796027F-7875-4030-9381-8BD8C4F21935}" type="datetimeFigureOut">
               <a:rPr lang="en-US" dirty="0"/>
-              <a:t>9/25/2022</a:t>
+              <a:t>9/26/2022</a:t>
             </a:fld>
             <a:endParaRPr lang="en-US" dirty="0"/>
           </a:p>
@@ -4440,7 +4440,7 @@
           <a:p>
             <a:fld id="{4509A250-FF31-4206-8172-F9D3106AACB1}" type="datetimeFigureOut">
               <a:rPr lang="en-US" dirty="0"/>
-              <a:t>9/25/2022</a:t>
+              <a:t>9/26/2022</a:t>
             </a:fld>
             <a:endParaRPr lang="en-US" dirty="0"/>
           </a:p>
@@ -4530,7 +4530,7 @@
           <a:p>
             <a:fld id="{4509A250-FF31-4206-8172-F9D3106AACB1}" type="datetimeFigureOut">
               <a:rPr lang="en-US" dirty="0"/>
-              <a:t>9/25/2022</a:t>
+              <a:t>9/26/2022</a:t>
             </a:fld>
             <a:endParaRPr lang="en-US" dirty="0"/>
           </a:p>
@@ -4804,7 +4804,7 @@
           <a:p>
             <a:fld id="{4509A250-FF31-4206-8172-F9D3106AACB1}" type="datetimeFigureOut">
               <a:rPr lang="en-US" dirty="0"/>
-              <a:t>9/25/2022</a:t>
+              <a:t>9/26/2022</a:t>
             </a:fld>
             <a:endParaRPr lang="en-US" dirty="0"/>
           </a:p>
@@ -5074,7 +5074,7 @@
           <a:p>
             <a:fld id="{4509A250-FF31-4206-8172-F9D3106AACB1}" type="datetimeFigureOut">
               <a:rPr lang="en-US" dirty="0"/>
-              <a:t>9/25/2022</a:t>
+              <a:t>9/26/2022</a:t>
             </a:fld>
             <a:endParaRPr lang="en-US" dirty="0"/>
           </a:p>
@@ -5498,7 +5498,7 @@
           <a:p>
             <a:fld id="{4AAD347D-5ACD-4C99-B74B-A9C85AD731AF}" type="datetimeFigureOut">
               <a:rPr lang="en-US" dirty="0"/>
-              <a:t>9/25/2022</a:t>
+              <a:t>9/26/2022</a:t>
             </a:fld>
             <a:endParaRPr lang="en-US" dirty="0"/>
           </a:p>
@@ -6245,6 +6245,13 @@
   <p:clrMapOvr>
     <a:masterClrMapping/>
   </p:clrMapOvr>
+  <p:timing>
+    <p:tnLst>
+      <p:par>
+        <p:cTn id="1" dur="indefinite" restart="never" nodeType="tmRoot"/>
+      </p:par>
+    </p:tnLst>
+  </p:timing>
 </p:sld>
 </file>
 
@@ -6370,6 +6377,109 @@
           </a:p>
         </p:txBody>
       </p:sp>
+      <mc:AlternateContent xmlns:mc="http://schemas.openxmlformats.org/markup-compatibility/2006">
+        <mc:Choice xmlns:a14="http://schemas.microsoft.com/office/drawing/2010/main" Requires="a14">
+          <p:sp>
+            <p:nvSpPr>
+              <p:cNvPr id="5" name="ZoneTexte 4"/>
+              <p:cNvSpPr txBox="1"/>
+              <p:nvPr/>
+            </p:nvSpPr>
+            <p:spPr>
+              <a:xfrm>
+                <a:off x="10390909" y="452718"/>
+                <a:ext cx="665019" cy="574901"/>
+              </a:xfrm>
+              <a:prstGeom prst="rect">
+                <a:avLst/>
+              </a:prstGeom>
+              <a:noFill/>
+            </p:spPr>
+            <p:txBody>
+              <a:bodyPr wrap="square" rtlCol="0">
+                <a:spAutoFit/>
+              </a:bodyPr>
+              <a:lstStyle/>
+              <a:p>
+                <a14:m>
+                  <m:oMathPara xmlns:m="http://purl.oclc.org/ooxml/officeDocument/math">
+                    <m:oMathParaPr>
+                      <m:jc m:val="centerGroup"/>
+                    </m:oMathParaPr>
+                    <m:oMath xmlns:m="http://purl.oclc.org/ooxml/officeDocument/math">
+                      <m:f>
+                        <m:fPr>
+                          <m:type m:val="skw"/>
+                          <m:ctrlPr>
+                            <a:rPr lang="fr-FR" sz="2400" i="1" smtClean="0">
+                              <a:latin typeface="Cambria Math" panose="02040503050406030204" pitchFamily="18" charset="0"/>
+                            </a:rPr>
+                          </m:ctrlPr>
+                        </m:fPr>
+                        <m:num>
+                          <m:r>
+                            <a:rPr lang="fr-FR" sz="2400" b="0" i="1" smtClean="0">
+                              <a:latin typeface="Cambria Math" panose="02040503050406030204" pitchFamily="18" charset="0"/>
+                            </a:rPr>
+                            <m:t>3</m:t>
+                          </m:r>
+                        </m:num>
+                        <m:den>
+                          <m:r>
+                            <a:rPr lang="fr-FR" sz="2400" b="0" i="1" smtClean="0">
+                              <a:latin typeface="Cambria Math" panose="02040503050406030204" pitchFamily="18" charset="0"/>
+                            </a:rPr>
+                            <m:t>14</m:t>
+                          </m:r>
+                        </m:den>
+                      </m:f>
+                    </m:oMath>
+                  </m:oMathPara>
+                </a14:m>
+                <a:endParaRPr lang="fr-FR" dirty="0"/>
+              </a:p>
+            </p:txBody>
+          </p:sp>
+        </mc:Choice>
+        <mc:Fallback>
+          <p:sp>
+            <p:nvSpPr>
+              <p:cNvPr id="5" name="ZoneTexte 4"/>
+              <p:cNvSpPr txBox="1">
+                <a:spLocks noRot="1" noChangeAspect="1" noMove="1" noResize="1" noEditPoints="1" noAdjustHandles="1" noChangeArrowheads="1" noChangeShapeType="1" noTextEdit="1"/>
+              </p:cNvSpPr>
+              <p:nvPr/>
+            </p:nvSpPr>
+            <p:spPr>
+              <a:xfrm>
+                <a:off x="10390909" y="452718"/>
+                <a:ext cx="665019" cy="574901"/>
+              </a:xfrm>
+              <a:prstGeom prst="rect">
+                <a:avLst/>
+              </a:prstGeom>
+              <a:blipFill>
+                <a:blip r:embed="rId3"/>
+                <a:stretch>
+                  <a:fillRect r="-7.339%"/>
+                </a:stretch>
+              </a:blipFill>
+            </p:spPr>
+            <p:txBody>
+              <a:bodyPr/>
+              <a:lstStyle/>
+              <a:p>
+                <a:r>
+                  <a:rPr lang="fr-FR">
+                    <a:noFill/>
+                  </a:rPr>
+                  <a:t> </a:t>
+                </a:r>
+              </a:p>
+            </p:txBody>
+          </p:sp>
+        </mc:Fallback>
+      </mc:AlternateContent>
     </p:spTree>
     <p:extLst>
       <p:ext uri="{BB962C8B-B14F-4D97-AF65-F5344CB8AC3E}">
@@ -6386,12 +6496,19 @@
         <p15:prstTrans prst="crush"/>
       </p:transition>
     </mc:Choice>
-    <mc:Fallback xmlns="" xmlns:a="http://schemas.openxmlformats.org/drawingml/2006/main" xmlns:r="http://schemas.openxmlformats.org/officeDocument/2006/relationships" xmlns:p="http://schemas.openxmlformats.org/presentationml/2006/main">
+    <mc:Fallback xmlns:p="http://schemas.openxmlformats.org/presentationml/2006/main" xmlns:r="http://schemas.openxmlformats.org/officeDocument/2006/relationships" xmlns:a="http://schemas.openxmlformats.org/drawingml/2006/main" xmlns="">
       <p:transition spd="slow">
         <p:fade/>
       </p:transition>
     </mc:Fallback>
   </mc:AlternateContent>
+  <p:timing>
+    <p:tnLst>
+      <p:par>
+        <p:cTn id="1" dur="indefinite" restart="never" nodeType="tmRoot"/>
+      </p:par>
+    </p:tnLst>
+  </p:timing>
 </p:sld>
 </file>
 
@@ -6422,7 +6539,12 @@
             <p:ph type="title"/>
           </p:nvPr>
         </p:nvSpPr>
-        <p:spPr/>
+        <p:spPr>
+          <a:xfrm>
+            <a:off x="610485" y="0"/>
+            <a:ext cx="9404723" cy="831273"/>
+          </a:xfrm>
+        </p:spPr>
         <p:txBody>
           <a:bodyPr/>
           <a:lstStyle/>
@@ -6453,14 +6575,14 @@
           <p:nvPr>
             <p:extLst>
               <p:ext uri="{D42A27DB-BD31-4B8C-83A1-F6EECF244321}">
-                <p14:modId xmlns:p14="http://schemas.microsoft.com/office/powerpoint/2010/main" val="3531603108"/>
+                <p14:modId xmlns:p14="http://schemas.microsoft.com/office/powerpoint/2010/main" val="4085103202"/>
               </p:ext>
             </p:extLst>
           </p:nvPr>
         </p:nvGraphicFramePr>
         <p:xfrm>
-          <a:off x="1603184" y="1568932"/>
-          <a:ext cx="8063348" cy="3968144"/>
+          <a:off x="1710063" y="927352"/>
+          <a:ext cx="8063348" cy="5467741"/>
         </p:xfrm>
         <a:graphic>
           <a:graphicData uri="http://purl.oclc.org/ooxml/drawingml/table">
@@ -6498,7 +6620,7 @@
                   </a:extLst>
                 </a:gridCol>
               </a:tblGrid>
-              <a:tr h="248009">
+              <a:tr h="178476">
                 <a:tc>
                   <a:txBody>
                     <a:bodyPr/>
@@ -6621,7 +6743,7 @@
                   </a:ext>
                 </a:extLst>
               </a:tr>
-              <a:tr h="496018">
+              <a:tr h="178613">
                 <a:tc>
                   <a:txBody>
                     <a:bodyPr/>
@@ -6744,7 +6866,7 @@
                   </a:ext>
                 </a:extLst>
               </a:tr>
-              <a:tr h="496018">
+              <a:tr h="178613">
                 <a:tc>
                   <a:txBody>
                     <a:bodyPr/>
@@ -6867,7 +6989,7 @@
                   </a:ext>
                 </a:extLst>
               </a:tr>
-              <a:tr h="248009">
+              <a:tr h="178613">
                 <a:tc>
                   <a:txBody>
                     <a:bodyPr/>
@@ -6990,7 +7112,7 @@
                   </a:ext>
                 </a:extLst>
               </a:tr>
-              <a:tr h="496018">
+              <a:tr h="178613">
                 <a:tc>
                   <a:txBody>
                     <a:bodyPr/>
@@ -7005,10 +7127,19 @@
                         </a:spcAft>
                       </a:pPr>
                       <a:r>
-                        <a:rPr lang="fr-FR" sz="1600" dirty="0">
+                        <a:rPr lang="fr-FR" sz="1600" dirty="0" smtClean="0">
+                          <a:effectLst/>
+                          <a:latin typeface="+mn-lt"/>
+                          <a:ea typeface="+mn-ea"/>
+                          <a:cs typeface="+mn-cs"/>
+                        </a:rPr>
+                        <a:t>Matricule de </a:t>
+                      </a:r>
+                      <a:r>
+                        <a:rPr lang="fr-FR" sz="1600" dirty="0" smtClean="0">
                           <a:effectLst/>
                         </a:rPr>
-                        <a:t>La Matière de l’enseignant</a:t>
+                        <a:t>l’enseignant</a:t>
                       </a:r>
                       <a:endParaRPr lang="en-US" sz="1100" dirty="0">
                         <a:effectLst/>
@@ -7034,10 +7165,13 @@
                         </a:spcAft>
                       </a:pPr>
                       <a:r>
-                        <a:rPr lang="fr-FR" sz="1600" dirty="0">
+                        <a:rPr lang="fr-FR" sz="1600" dirty="0" smtClean="0">
                           <a:effectLst/>
+                          <a:latin typeface="+mn-lt"/>
+                          <a:ea typeface="+mn-ea"/>
+                          <a:cs typeface="+mn-cs"/>
                         </a:rPr>
-                        <a:t>MatiereEn</a:t>
+                        <a:t>MatriculeEn</a:t>
                       </a:r>
                       <a:endParaRPr lang="en-US" sz="1100" dirty="0">
                         <a:effectLst/>
@@ -7063,10 +7197,13 @@
                         </a:spcAft>
                       </a:pPr>
                       <a:r>
-                        <a:rPr lang="fr-FR" sz="1600" dirty="0">
+                        <a:rPr lang="fr-FR" sz="1600" dirty="0" smtClean="0">
                           <a:effectLst/>
+                          <a:latin typeface="+mn-lt"/>
+                          <a:ea typeface="+mn-ea"/>
+                          <a:cs typeface="+mn-cs"/>
                         </a:rPr>
-                        <a:t>A</a:t>
+                        <a:t>N</a:t>
                       </a:r>
                       <a:endParaRPr lang="en-US" sz="1100" dirty="0">
                         <a:effectLst/>
@@ -7092,10 +7229,13 @@
                         </a:spcAft>
                       </a:pPr>
                       <a:r>
-                        <a:rPr lang="fr-FR" sz="1600" dirty="0">
+                        <a:rPr lang="fr-FR" sz="1600" dirty="0" smtClean="0">
                           <a:effectLst/>
+                          <a:latin typeface="+mn-lt"/>
+                          <a:ea typeface="+mn-ea"/>
+                          <a:cs typeface="+mn-cs"/>
                         </a:rPr>
-                        <a:t>20</a:t>
+                        <a:t>6</a:t>
                       </a:r>
                       <a:endParaRPr lang="en-US" sz="1100" dirty="0">
                         <a:effectLst/>
@@ -7113,7 +7253,7 @@
                   </a:ext>
                 </a:extLst>
               </a:tr>
-              <a:tr h="248009">
+              <a:tr h="178613">
                 <a:tc>
                   <a:txBody>
                     <a:bodyPr/>
@@ -7236,7 +7376,271 @@
                   </a:ext>
                 </a:extLst>
               </a:tr>
-              <a:tr h="496018">
+              <a:tr h="178613">
+                <a:tc>
+                  <a:txBody>
+                    <a:bodyPr/>
+                    <a:lstStyle/>
+                    <a:p>
+                      <a:pPr algn="just">
+                        <a:lnSpc>
+                          <a:spcPct val="107%"/>
+                        </a:lnSpc>
+                        <a:spcAft>
+                          <a:spcPts val="0"/>
+                        </a:spcAft>
+                      </a:pPr>
+                      <a:r>
+                        <a:rPr lang="fr-FR" sz="1100" dirty="0" smtClean="0">
+                          <a:effectLst/>
+                        </a:rPr>
+                        <a:t> </a:t>
+                      </a:r>
+                      <a:r>
+                        <a:rPr lang="fr-FR" sz="1600" dirty="0" smtClean="0">
+                          <a:effectLst/>
+                        </a:rPr>
+                        <a:t>code de la matière</a:t>
+                      </a:r>
+                      <a:endParaRPr lang="en-US" sz="1100" dirty="0">
+                        <a:effectLst/>
+                        <a:latin typeface="Calibri" panose="020F0502020204030204" pitchFamily="34" charset="0"/>
+                        <a:ea typeface="Calibri" panose="020F0502020204030204" pitchFamily="34" charset="0"/>
+                        <a:cs typeface="Times New Roman" panose="02020603050405020304" pitchFamily="18" charset="0"/>
+                      </a:endParaRPr>
+                    </a:p>
+                  </a:txBody>
+                  <a:tcPr marL="68580" marR="68580" marT="0" marB="0"/>
+                </a:tc>
+                <a:tc>
+                  <a:txBody>
+                    <a:bodyPr/>
+                    <a:lstStyle/>
+                    <a:p>
+                      <a:pPr algn="just">
+                        <a:lnSpc>
+                          <a:spcPct val="107%"/>
+                        </a:lnSpc>
+                        <a:spcAft>
+                          <a:spcPts val="0"/>
+                        </a:spcAft>
+                      </a:pPr>
+                      <a:r>
+                        <a:rPr lang="fr-FR" sz="1600" dirty="0" smtClean="0">
+                          <a:effectLst/>
+                        </a:rPr>
+                        <a:t>CodeMatiere</a:t>
+                      </a:r>
+                      <a:endParaRPr lang="en-US" sz="1600" dirty="0">
+                        <a:effectLst/>
+                        <a:latin typeface="Calibri" panose="020F0502020204030204" pitchFamily="34" charset="0"/>
+                        <a:ea typeface="Calibri" panose="020F0502020204030204" pitchFamily="34" charset="0"/>
+                        <a:cs typeface="Times New Roman" panose="02020603050405020304" pitchFamily="18" charset="0"/>
+                      </a:endParaRPr>
+                    </a:p>
+                  </a:txBody>
+                  <a:tcPr marL="68580" marR="68580" marT="0" marB="0"/>
+                </a:tc>
+                <a:tc>
+                  <a:txBody>
+                    <a:bodyPr/>
+                    <a:lstStyle/>
+                    <a:p>
+                      <a:pPr algn="just">
+                        <a:lnSpc>
+                          <a:spcPct val="107%"/>
+                        </a:lnSpc>
+                        <a:spcAft>
+                          <a:spcPts val="0"/>
+                        </a:spcAft>
+                      </a:pPr>
+                      <a:r>
+                        <a:rPr lang="fr-FR" sz="1600" dirty="0" smtClean="0">
+                          <a:effectLst/>
+                        </a:rPr>
+                        <a:t> AN</a:t>
+                      </a:r>
+                      <a:endParaRPr lang="en-US" sz="1600" dirty="0">
+                        <a:effectLst/>
+                        <a:latin typeface="Calibri" panose="020F0502020204030204" pitchFamily="34" charset="0"/>
+                        <a:ea typeface="Calibri" panose="020F0502020204030204" pitchFamily="34" charset="0"/>
+                        <a:cs typeface="Times New Roman" panose="02020603050405020304" pitchFamily="18" charset="0"/>
+                      </a:endParaRPr>
+                    </a:p>
+                  </a:txBody>
+                  <a:tcPr marL="68580" marR="68580" marT="0" marB="0"/>
+                </a:tc>
+                <a:tc>
+                  <a:txBody>
+                    <a:bodyPr/>
+                    <a:lstStyle/>
+                    <a:p>
+                      <a:pPr algn="just">
+                        <a:lnSpc>
+                          <a:spcPct val="107%"/>
+                        </a:lnSpc>
+                        <a:spcAft>
+                          <a:spcPts val="0"/>
+                        </a:spcAft>
+                      </a:pPr>
+                      <a:r>
+                        <a:rPr lang="fr-FR" sz="1600" dirty="0" smtClean="0">
+                          <a:effectLst/>
+                        </a:rPr>
+                        <a:t>10</a:t>
+                      </a:r>
+                      <a:endParaRPr lang="en-US" sz="1600" dirty="0">
+                        <a:effectLst/>
+                        <a:latin typeface="Calibri" panose="020F0502020204030204" pitchFamily="34" charset="0"/>
+                        <a:ea typeface="Calibri" panose="020F0502020204030204" pitchFamily="34" charset="0"/>
+                        <a:cs typeface="Times New Roman" panose="02020603050405020304" pitchFamily="18" charset="0"/>
+                      </a:endParaRPr>
+                    </a:p>
+                  </a:txBody>
+                  <a:tcPr marL="68580" marR="68580" marT="0" marB="0"/>
+                </a:tc>
+                <a:extLst>
+                  <a:ext uri="{0D108BD9-81ED-4DB2-BD59-A6C34878D82A}">
+                    <a16:rowId xmlns:a16="http://schemas.microsoft.com/office/drawing/2014/main" val="749867559"/>
+                  </a:ext>
+                </a:extLst>
+              </a:tr>
+              <a:tr h="179896">
+                <a:tc>
+                  <a:txBody>
+                    <a:bodyPr/>
+                    <a:lstStyle/>
+                    <a:p>
+                      <a:pPr algn="just">
+                        <a:lnSpc>
+                          <a:spcPct val="107%"/>
+                        </a:lnSpc>
+                        <a:spcAft>
+                          <a:spcPts val="0"/>
+                        </a:spcAft>
+                      </a:pPr>
+                      <a:r>
+                        <a:rPr lang="en-US" sz="1600" dirty="0" smtClean="0">
+                          <a:effectLst/>
+                          <a:latin typeface="Calibri" panose="020F0502020204030204" pitchFamily="34" charset="0"/>
+                          <a:ea typeface="Calibri" panose="020F0502020204030204" pitchFamily="34" charset="0"/>
+                          <a:cs typeface="Times New Roman" panose="02020603050405020304" pitchFamily="18" charset="0"/>
+                        </a:rPr>
+                        <a:t>Nom de la Métier</a:t>
+                      </a:r>
+                      <a:endParaRPr lang="en-US" sz="1600" dirty="0">
+                        <a:effectLst/>
+                        <a:latin typeface="Calibri" panose="020F0502020204030204" pitchFamily="34" charset="0"/>
+                        <a:ea typeface="Calibri" panose="020F0502020204030204" pitchFamily="34" charset="0"/>
+                        <a:cs typeface="Times New Roman" panose="02020603050405020304" pitchFamily="18" charset="0"/>
+                      </a:endParaRPr>
+                    </a:p>
+                  </a:txBody>
+                  <a:tcPr marL="68580" marR="68580" marT="0" marB="0"/>
+                </a:tc>
+                <a:tc>
+                  <a:txBody>
+                    <a:bodyPr/>
+                    <a:lstStyle/>
+                    <a:p>
+                      <a:pPr algn="just">
+                        <a:lnSpc>
+                          <a:spcPct val="107%"/>
+                        </a:lnSpc>
+                        <a:spcAft>
+                          <a:spcPts val="0"/>
+                        </a:spcAft>
+                      </a:pPr>
+                      <a:r>
+                        <a:rPr lang="en-US" sz="1600" dirty="0" smtClean="0">
+                          <a:effectLst/>
+                          <a:latin typeface="Calibri" panose="020F0502020204030204" pitchFamily="34" charset="0"/>
+                          <a:ea typeface="Calibri" panose="020F0502020204030204" pitchFamily="34" charset="0"/>
+                          <a:cs typeface="Times New Roman" panose="02020603050405020304" pitchFamily="18" charset="0"/>
+                        </a:rPr>
+                        <a:t>NomMatiere</a:t>
+                      </a:r>
+                      <a:endParaRPr lang="en-US" sz="1600" dirty="0">
+                        <a:effectLst/>
+                        <a:latin typeface="Calibri" panose="020F0502020204030204" pitchFamily="34" charset="0"/>
+                        <a:ea typeface="Calibri" panose="020F0502020204030204" pitchFamily="34" charset="0"/>
+                        <a:cs typeface="Times New Roman" panose="02020603050405020304" pitchFamily="18" charset="0"/>
+                      </a:endParaRPr>
+                    </a:p>
+                  </a:txBody>
+                  <a:tcPr marL="68580" marR="68580" marT="0" marB="0"/>
+                </a:tc>
+                <a:tc>
+                  <a:txBody>
+                    <a:bodyPr/>
+                    <a:lstStyle/>
+                    <a:p>
+                      <a:pPr algn="just">
+                        <a:lnSpc>
+                          <a:spcPct val="107%"/>
+                        </a:lnSpc>
+                        <a:spcAft>
+                          <a:spcPts val="0"/>
+                        </a:spcAft>
+                      </a:pPr>
+                      <a:r>
+                        <a:rPr lang="en-US" sz="1600" dirty="0" smtClean="0">
+                          <a:effectLst/>
+                          <a:latin typeface="Calibri" panose="020F0502020204030204" pitchFamily="34" charset="0"/>
+                          <a:ea typeface="Calibri" panose="020F0502020204030204" pitchFamily="34" charset="0"/>
+                          <a:cs typeface="Times New Roman" panose="02020603050405020304" pitchFamily="18" charset="0"/>
+                        </a:rPr>
+                        <a:t>A</a:t>
+                      </a:r>
+                      <a:endParaRPr lang="en-US" sz="1600" dirty="0">
+                        <a:effectLst/>
+                        <a:latin typeface="Calibri" panose="020F0502020204030204" pitchFamily="34" charset="0"/>
+                        <a:ea typeface="Calibri" panose="020F0502020204030204" pitchFamily="34" charset="0"/>
+                        <a:cs typeface="Times New Roman" panose="02020603050405020304" pitchFamily="18" charset="0"/>
+                      </a:endParaRPr>
+                    </a:p>
+                  </a:txBody>
+                  <a:tcPr marL="68580" marR="68580" marT="0" marB="0"/>
+                </a:tc>
+                <a:tc>
+                  <a:txBody>
+                    <a:bodyPr/>
+                    <a:lstStyle/>
+                    <a:p>
+                      <a:pPr algn="just">
+                        <a:lnSpc>
+                          <a:spcPct val="107%"/>
+                        </a:lnSpc>
+                        <a:spcAft>
+                          <a:spcPts val="0"/>
+                        </a:spcAft>
+                      </a:pPr>
+                      <a:r>
+                        <a:rPr lang="en-US" sz="1600" dirty="0" smtClean="0">
+                          <a:effectLst/>
+                          <a:latin typeface="Calibri" panose="020F0502020204030204" pitchFamily="34" charset="0"/>
+                          <a:ea typeface="Calibri" panose="020F0502020204030204" pitchFamily="34" charset="0"/>
+                          <a:cs typeface="Times New Roman" panose="02020603050405020304" pitchFamily="18" charset="0"/>
+                        </a:rPr>
+                        <a:t>20</a:t>
+                      </a:r>
+                      <a:endParaRPr lang="en-US" sz="1600" dirty="0">
+                        <a:effectLst/>
+                        <a:latin typeface="Calibri" panose="020F0502020204030204" pitchFamily="34" charset="0"/>
+                        <a:ea typeface="Calibri" panose="020F0502020204030204" pitchFamily="34" charset="0"/>
+                        <a:cs typeface="Times New Roman" panose="02020603050405020304" pitchFamily="18" charset="0"/>
+                      </a:endParaRPr>
+                    </a:p>
+                  </a:txBody>
+                  <a:tcPr marL="68580" marR="68580" marT="0" marB="0"/>
+                </a:tc>
+                <a:extLst>
+                  <a:ext uri="{0D108BD9-81ED-4DB2-BD59-A6C34878D82A}">
+                    <a16:rowId xmlns:a16="http://schemas.microsoft.com/office/drawing/2014/main" val="4125709855"/>
+                  </a:ext>
+                </a:extLst>
+              </a:tr>
+              <a:tr h="178613">
                 <a:tc>
                   <a:txBody>
                     <a:bodyPr/>
@@ -7359,7 +7763,7 @@
                   </a:ext>
                 </a:extLst>
               </a:tr>
-              <a:tr h="248009">
+              <a:tr h="178613">
                 <a:tc>
                   <a:txBody>
                     <a:bodyPr/>
@@ -7374,10 +7778,10 @@
                         </a:spcAft>
                       </a:pPr>
                       <a:r>
-                        <a:rPr lang="fr-FR" sz="1600" dirty="0">
+                        <a:rPr lang="fr-FR" sz="1600" dirty="0" smtClean="0">
                           <a:effectLst/>
                         </a:rPr>
-                        <a:t>Matricule</a:t>
+                        <a:t>Matricule de l’ étudiant</a:t>
                       </a:r>
                       <a:endParaRPr lang="en-US" sz="1100" dirty="0">
                         <a:effectLst/>
@@ -7403,10 +7807,10 @@
                         </a:spcAft>
                       </a:pPr>
                       <a:r>
-                        <a:rPr lang="fr-FR" sz="1600" dirty="0">
+                        <a:rPr lang="fr-FR" sz="1600" dirty="0" smtClean="0">
                           <a:effectLst/>
                         </a:rPr>
-                        <a:t>Matricule</a:t>
+                        <a:t>MatriculeE</a:t>
                       </a:r>
                       <a:endParaRPr lang="en-US" sz="1100" dirty="0">
                         <a:effectLst/>
@@ -7482,7 +7886,7 @@
                   </a:ext>
                 </a:extLst>
               </a:tr>
-              <a:tr h="248009">
+              <a:tr h="179896">
                 <a:tc>
                   <a:txBody>
                     <a:bodyPr/>
@@ -7497,12 +7901,15 @@
                         </a:spcAft>
                       </a:pPr>
                       <a:r>
-                        <a:rPr lang="fr-FR" sz="1600" dirty="0">
+                        <a:rPr lang="en-US" sz="1600" b="1" dirty="0" smtClean="0">
                           <a:effectLst/>
+                          <a:latin typeface="Calibri" panose="020F0502020204030204" pitchFamily="34" charset="0"/>
+                          <a:ea typeface="Calibri" panose="020F0502020204030204" pitchFamily="34" charset="0"/>
+                          <a:cs typeface="Times New Roman" panose="02020603050405020304" pitchFamily="18" charset="0"/>
                         </a:rPr>
-                        <a:t>nationalité</a:t>
+                        <a:t>Date et lieu de naissance</a:t>
                       </a:r>
-                      <a:endParaRPr lang="en-US" sz="1100" dirty="0">
+                      <a:endParaRPr lang="en-US" sz="1600" b="1" dirty="0">
                         <a:effectLst/>
                         <a:latin typeface="Calibri" panose="020F0502020204030204" pitchFamily="34" charset="0"/>
                         <a:ea typeface="Calibri" panose="020F0502020204030204" pitchFamily="34" charset="0"/>
@@ -7526,12 +7933,15 @@
                         </a:spcAft>
                       </a:pPr>
                       <a:r>
-                        <a:rPr lang="fr-FR" sz="1600" dirty="0">
+                        <a:rPr lang="fr-FR" sz="1600" dirty="0" smtClean="0">
                           <a:effectLst/>
+                          <a:latin typeface="+mn-lt"/>
+                          <a:ea typeface="+mn-ea"/>
+                          <a:cs typeface="+mn-cs"/>
                         </a:rPr>
-                        <a:t>nationalite</a:t>
+                        <a:t>DateLieuNaiss</a:t>
                       </a:r>
-                      <a:endParaRPr lang="en-US" sz="1100" dirty="0">
+                      <a:endParaRPr lang="en-US" sz="1600" dirty="0">
                         <a:effectLst/>
                         <a:latin typeface="Calibri" panose="020F0502020204030204" pitchFamily="34" charset="0"/>
                         <a:ea typeface="Calibri" panose="020F0502020204030204" pitchFamily="34" charset="0"/>
@@ -7605,7 +8015,7 @@
                   </a:ext>
                 </a:extLst>
               </a:tr>
-              <a:tr h="248009">
+              <a:tr h="178613">
                 <a:tc>
                   <a:txBody>
                     <a:bodyPr/>
@@ -7728,7 +8138,7 @@
                   </a:ext>
                 </a:extLst>
               </a:tr>
-              <a:tr h="248009">
+              <a:tr h="179896">
                 <a:tc>
                   <a:txBody>
                     <a:bodyPr/>
@@ -7746,7 +8156,19 @@
                         <a:rPr lang="fr-FR" sz="1600" dirty="0">
                           <a:effectLst/>
                         </a:rPr>
-                        <a:t> code de la matière</a:t>
+                        <a:t> </a:t>
+                      </a:r>
+                      <a:r>
+                        <a:rPr lang="fr-FR" sz="1600" dirty="0" smtClean="0">
+                          <a:effectLst/>
+                        </a:rPr>
+                        <a:t>Année</a:t>
+                      </a:r>
+                      <a:r>
+                        <a:rPr lang="fr-FR" sz="1600" baseline="0%" dirty="0" smtClean="0">
+                          <a:effectLst/>
+                        </a:rPr>
+                        <a:t> Académique</a:t>
                       </a:r>
                       <a:endParaRPr lang="en-US" sz="1100" dirty="0">
                         <a:effectLst/>
@@ -7775,9 +8197,47 @@
                         <a:rPr lang="fr-FR" sz="1600" dirty="0">
                           <a:effectLst/>
                         </a:rPr>
-                        <a:t> CodeMatiere</a:t>
+                        <a:t> </a:t>
+                      </a:r>
+                      <a:r>
+                        <a:rPr lang="fr-FR" sz="1600" dirty="0" smtClean="0">
+                          <a:effectLst/>
+                        </a:rPr>
+                        <a:t>Annee</a:t>
                       </a:r>
                       <a:endParaRPr lang="en-US" sz="1100" dirty="0">
+                        <a:effectLst/>
+                        <a:latin typeface="Calibri" panose="020F0502020204030204" pitchFamily="34" charset="0"/>
+                        <a:ea typeface="Calibri" panose="020F0502020204030204" pitchFamily="34" charset="0"/>
+                        <a:cs typeface="Times New Roman" panose="02020603050405020304" pitchFamily="18" charset="0"/>
+                      </a:endParaRPr>
+                    </a:p>
+                  </a:txBody>
+                  <a:tcPr marL="68580" marR="68580" marT="0" marB="0"/>
+                </a:tc>
+                <a:tc>
+                  <a:txBody>
+                    <a:bodyPr/>
+                    <a:lstStyle/>
+                    <a:p>
+                      <a:pPr algn="just">
+                        <a:lnSpc>
+                          <a:spcPct val="107%"/>
+                        </a:lnSpc>
+                        <a:spcAft>
+                          <a:spcPts val="0"/>
+                        </a:spcAft>
+                      </a:pPr>
+                      <a:r>
+                        <a:rPr lang="en-US" sz="1600" dirty="0" smtClean="0">
+                          <a:effectLst/>
+                          <a:latin typeface="Calibri" panose="020F0502020204030204" pitchFamily="34" charset="0"/>
+                          <a:ea typeface="Calibri" panose="020F0502020204030204" pitchFamily="34" charset="0"/>
+                          <a:cs typeface="Times New Roman" panose="02020603050405020304" pitchFamily="18" charset="0"/>
+                        </a:rPr>
+                        <a:t>A</a:t>
+                      </a:r>
+                      <a:endParaRPr lang="en-US" sz="1600" dirty="0">
                         <a:effectLst/>
                         <a:latin typeface="Calibri" panose="020F0502020204030204" pitchFamily="34" charset="0"/>
                         <a:ea typeface="Calibri" panose="020F0502020204030204" pitchFamily="34" charset="0"/>
@@ -7804,9 +8264,63 @@
                         <a:rPr lang="fr-FR" sz="1600" dirty="0">
                           <a:effectLst/>
                         </a:rPr>
-                        <a:t> AN</a:t>
+                        <a:t> </a:t>
+                      </a:r>
+                      <a:r>
+                        <a:rPr lang="fr-FR" sz="1600" dirty="0" smtClean="0">
+                          <a:effectLst/>
+                        </a:rPr>
+                        <a:t>20</a:t>
                       </a:r>
                       <a:endParaRPr lang="en-US" sz="1100" dirty="0">
+                        <a:effectLst/>
+                        <a:latin typeface="Calibri" panose="020F0502020204030204" pitchFamily="34" charset="0"/>
+                        <a:ea typeface="Calibri" panose="020F0502020204030204" pitchFamily="34" charset="0"/>
+                        <a:cs typeface="Times New Roman" panose="02020603050405020304" pitchFamily="18" charset="0"/>
+                      </a:endParaRPr>
+                    </a:p>
+                  </a:txBody>
+                  <a:tcPr marL="68580" marR="68580" marT="0" marB="0"/>
+                </a:tc>
+                <a:extLst>
+                  <a:ext uri="{0D108BD9-81ED-4DB2-BD59-A6C34878D82A}">
+                    <a16:rowId xmlns:a16="http://schemas.microsoft.com/office/drawing/2014/main" val="3008290664"/>
+                  </a:ext>
+                </a:extLst>
+              </a:tr>
+              <a:tr h="179896">
+                <a:tc>
+                  <a:txBody>
+                    <a:bodyPr/>
+                    <a:lstStyle/>
+                    <a:p>
+                      <a:pPr algn="just">
+                        <a:lnSpc>
+                          <a:spcPct val="107%"/>
+                        </a:lnSpc>
+                        <a:spcAft>
+                          <a:spcPts val="0"/>
+                        </a:spcAft>
+                      </a:pPr>
+                      <a:r>
+                        <a:rPr lang="en-US" sz="1600" dirty="0" smtClean="0">
+                          <a:effectLst/>
+                          <a:latin typeface="Calibri" panose="020F0502020204030204" pitchFamily="34" charset="0"/>
+                          <a:ea typeface="Calibri" panose="020F0502020204030204" pitchFamily="34" charset="0"/>
+                          <a:cs typeface="Times New Roman" panose="02020603050405020304" pitchFamily="18" charset="0"/>
+                        </a:rPr>
+                        <a:t>Note de l’ </a:t>
+                      </a:r>
+                      <a:r>
+                        <a:rPr lang="fr-FR" sz="1600" noProof="0" dirty="0" smtClean="0">
+                          <a:effectLst/>
+                          <a:latin typeface="Calibri" panose="020F0502020204030204" pitchFamily="34" charset="0"/>
+                          <a:ea typeface="Calibri" panose="020F0502020204030204" pitchFamily="34" charset="0"/>
+                          <a:cs typeface="Times New Roman" panose="02020603050405020304" pitchFamily="18" charset="0"/>
+                        </a:rPr>
+                        <a:t>Etudiant </a:t>
+                      </a:r>
+                      <a:endParaRPr lang="fr-FR" sz="1600" noProof="0" dirty="0">
                         <a:effectLst/>
                         <a:latin typeface="Calibri" panose="020F0502020204030204" pitchFamily="34" charset="0"/>
                         <a:ea typeface="Calibri" panose="020F0502020204030204" pitchFamily="34" charset="0"/>
@@ -7830,42 +8344,15 @@
                         </a:spcAft>
                       </a:pPr>
                       <a:r>
-                        <a:rPr lang="fr-FR" sz="1600" dirty="0">
+                        <a:rPr lang="en-US" sz="1600" dirty="0" smtClean="0">
                           <a:effectLst/>
+                          <a:latin typeface="Calibri" panose="020F0502020204030204" pitchFamily="34" charset="0"/>
+                          <a:ea typeface="Calibri" panose="020F0502020204030204" pitchFamily="34" charset="0"/>
+                          <a:cs typeface="Times New Roman" panose="02020603050405020304" pitchFamily="18" charset="0"/>
                         </a:rPr>
-                        <a:t> 10</a:t>
+                        <a:t>Note</a:t>
                       </a:r>
-                      <a:endParaRPr lang="en-US" sz="1100" dirty="0">
-                        <a:effectLst/>
-                        <a:latin typeface="Calibri" panose="020F0502020204030204" pitchFamily="34" charset="0"/>
-                        <a:ea typeface="Calibri" panose="020F0502020204030204" pitchFamily="34" charset="0"/>
-                        <a:cs typeface="Times New Roman" panose="02020603050405020304" pitchFamily="18" charset="0"/>
-                      </a:endParaRPr>
-                    </a:p>
-                  </a:txBody>
-                  <a:tcPr marL="68580" marR="68580" marT="0" marB="0"/>
-                </a:tc>
-                <a:extLst>
-                  <a:ext uri="{0D108BD9-81ED-4DB2-BD59-A6C34878D82A}">
-                    <a16:rowId xmlns:a16="http://schemas.microsoft.com/office/drawing/2014/main" val="3008290664"/>
-                  </a:ext>
-                </a:extLst>
-              </a:tr>
-              <a:tr h="248009">
-                <a:tc>
-                  <a:txBody>
-                    <a:bodyPr/>
-                    <a:lstStyle/>
-                    <a:p>
-                      <a:pPr algn="just">
-                        <a:lnSpc>
-                          <a:spcPct val="107%"/>
-                        </a:lnSpc>
-                        <a:spcAft>
-                          <a:spcPts val="0"/>
-                        </a:spcAft>
-                      </a:pPr>
-                      <a:endParaRPr lang="en-US" sz="1100" dirty="0">
+                      <a:endParaRPr lang="en-US" sz="1600" dirty="0">
                         <a:effectLst/>
                         <a:latin typeface="Calibri" panose="020F0502020204030204" pitchFamily="34" charset="0"/>
                         <a:ea typeface="Calibri" panose="020F0502020204030204" pitchFamily="34" charset="0"/>
@@ -7888,7 +8375,16 @@
                           <a:spcPts val="0"/>
                         </a:spcAft>
                       </a:pPr>
-                      <a:endParaRPr lang="en-US" sz="1100" dirty="0">
+                      <a:r>
+                        <a:rPr lang="en-US" sz="1600" dirty="0" smtClean="0">
+                          <a:effectLst/>
+                          <a:latin typeface="Calibri" panose="020F0502020204030204" pitchFamily="34" charset="0"/>
+                          <a:ea typeface="Calibri" panose="020F0502020204030204" pitchFamily="34" charset="0"/>
+                          <a:cs typeface="Times New Roman" panose="02020603050405020304" pitchFamily="18" charset="0"/>
+                        </a:rPr>
+                        <a:t>N</a:t>
+                      </a:r>
+                      <a:endParaRPr lang="en-US" sz="1600" dirty="0">
                         <a:effectLst/>
                         <a:latin typeface="Calibri" panose="020F0502020204030204" pitchFamily="34" charset="0"/>
                         <a:ea typeface="Calibri" panose="020F0502020204030204" pitchFamily="34" charset="0"/>
@@ -7911,7 +8407,55 @@
                           <a:spcPts val="0"/>
                         </a:spcAft>
                       </a:pPr>
-                      <a:endParaRPr lang="en-US" sz="1100" dirty="0">
+                      <a:r>
+                        <a:rPr lang="en-US" sz="1600" dirty="0" smtClean="0">
+                          <a:effectLst/>
+                          <a:latin typeface="Calibri" panose="020F0502020204030204" pitchFamily="34" charset="0"/>
+                          <a:ea typeface="Calibri" panose="020F0502020204030204" pitchFamily="34" charset="0"/>
+                          <a:cs typeface="Times New Roman" panose="02020603050405020304" pitchFamily="18" charset="0"/>
+                        </a:rPr>
+                        <a:t>3</a:t>
+                      </a:r>
+                      <a:endParaRPr lang="en-US" sz="1600" dirty="0">
+                        <a:effectLst/>
+                        <a:latin typeface="Calibri" panose="020F0502020204030204" pitchFamily="34" charset="0"/>
+                        <a:ea typeface="Calibri" panose="020F0502020204030204" pitchFamily="34" charset="0"/>
+                        <a:cs typeface="Times New Roman" panose="02020603050405020304" pitchFamily="18" charset="0"/>
+                      </a:endParaRPr>
+                    </a:p>
+                  </a:txBody>
+                  <a:tcPr marL="68580" marR="68580" marT="0" marB="0"/>
+                </a:tc>
+                <a:extLst>
+                  <a:ext uri="{0D108BD9-81ED-4DB2-BD59-A6C34878D82A}">
+                    <a16:rowId xmlns:a16="http://schemas.microsoft.com/office/drawing/2014/main" val="1793361421"/>
+                  </a:ext>
+                </a:extLst>
+              </a:tr>
+              <a:tr h="179896">
+                <a:tc>
+                  <a:txBody>
+                    <a:bodyPr/>
+                    <a:lstStyle/>
+                    <a:p>
+                      <a:pPr algn="just">
+                        <a:lnSpc>
+                          <a:spcPct val="107%"/>
+                        </a:lnSpc>
+                        <a:spcAft>
+                          <a:spcPts val="0"/>
+                        </a:spcAft>
+                      </a:pPr>
+                      <a:r>
+                        <a:rPr lang="fr-FR" sz="1600" noProof="0" dirty="0" smtClean="0">
+                          <a:effectLst/>
+                          <a:latin typeface="Calibri" panose="020F0502020204030204" pitchFamily="34" charset="0"/>
+                          <a:ea typeface="Calibri" panose="020F0502020204030204" pitchFamily="34" charset="0"/>
+                          <a:cs typeface="Times New Roman" panose="02020603050405020304" pitchFamily="18" charset="0"/>
+                        </a:rPr>
+                        <a:t>L’ identifiant de l’ agent</a:t>
+                      </a:r>
+                      <a:endParaRPr lang="fr-FR" sz="1600" noProof="0" dirty="0">
                         <a:effectLst/>
                         <a:latin typeface="Calibri" panose="020F0502020204030204" pitchFamily="34" charset="0"/>
                         <a:ea typeface="Calibri" panose="020F0502020204030204" pitchFamily="34" charset="0"/>
@@ -7934,7 +8478,80 @@
                           <a:spcPts val="0"/>
                         </a:spcAft>
                       </a:pPr>
-                      <a:endParaRPr lang="en-US" sz="1100" dirty="0">
+                      <a:r>
+                        <a:rPr lang="en-US" sz="1600" dirty="0" smtClean="0">
+                          <a:effectLst/>
+                          <a:latin typeface="Calibri" panose="020F0502020204030204" pitchFamily="34" charset="0"/>
+                          <a:ea typeface="Calibri" panose="020F0502020204030204" pitchFamily="34" charset="0"/>
+                          <a:cs typeface="Times New Roman" panose="02020603050405020304" pitchFamily="18" charset="0"/>
+                        </a:rPr>
+                        <a:t>IdAgent</a:t>
+                      </a:r>
+                      <a:endParaRPr lang="en-US" sz="1600" dirty="0">
+                        <a:effectLst/>
+                        <a:latin typeface="Calibri" panose="020F0502020204030204" pitchFamily="34" charset="0"/>
+                        <a:ea typeface="Calibri" panose="020F0502020204030204" pitchFamily="34" charset="0"/>
+                        <a:cs typeface="Times New Roman" panose="02020603050405020304" pitchFamily="18" charset="0"/>
+                      </a:endParaRPr>
+                    </a:p>
+                  </a:txBody>
+                  <a:tcPr marL="68580" marR="68580" marT="0" marB="0"/>
+                </a:tc>
+                <a:tc>
+                  <a:txBody>
+                    <a:bodyPr/>
+                    <a:lstStyle/>
+                    <a:p>
+                      <a:pPr algn="just">
+                        <a:lnSpc>
+                          <a:spcPct val="107%"/>
+                        </a:lnSpc>
+                        <a:spcAft>
+                          <a:spcPts val="0"/>
+                        </a:spcAft>
+                      </a:pPr>
+                      <a:r>
+                        <a:rPr lang="en-US" sz="1600" dirty="0" smtClean="0">
+                          <a:effectLst/>
+                          <a:latin typeface="Calibri" panose="020F0502020204030204" pitchFamily="34" charset="0"/>
+                          <a:ea typeface="Calibri" panose="020F0502020204030204" pitchFamily="34" charset="0"/>
+                          <a:cs typeface="Times New Roman" panose="02020603050405020304" pitchFamily="18" charset="0"/>
+                        </a:rPr>
+                        <a:t>N</a:t>
+                      </a:r>
+                      <a:endParaRPr lang="en-US" sz="1600" dirty="0">
+                        <a:effectLst/>
+                        <a:latin typeface="Calibri" panose="020F0502020204030204" pitchFamily="34" charset="0"/>
+                        <a:ea typeface="Calibri" panose="020F0502020204030204" pitchFamily="34" charset="0"/>
+                        <a:cs typeface="Times New Roman" panose="02020603050405020304" pitchFamily="18" charset="0"/>
+                      </a:endParaRPr>
+                    </a:p>
+                  </a:txBody>
+                  <a:tcPr marL="68580" marR="68580" marT="0" marB="0"/>
+                </a:tc>
+                <a:tc>
+                  <a:txBody>
+                    <a:bodyPr/>
+                    <a:lstStyle/>
+                    <a:p>
+                      <a:pPr algn="just">
+                        <a:lnSpc>
+                          <a:spcPct val="107%"/>
+                        </a:lnSpc>
+                        <a:spcAft>
+                          <a:spcPts val="0"/>
+                        </a:spcAft>
+                      </a:pPr>
+                      <a:r>
+                        <a:rPr lang="en-US" sz="1600" dirty="0" smtClean="0">
+                          <a:effectLst/>
+                          <a:latin typeface="Calibri" panose="020F0502020204030204" pitchFamily="34" charset="0"/>
+                          <a:ea typeface="Calibri" panose="020F0502020204030204" pitchFamily="34" charset="0"/>
+                          <a:cs typeface="Times New Roman" panose="02020603050405020304" pitchFamily="18" charset="0"/>
+                        </a:rPr>
+                        <a:t>6</a:t>
+                      </a:r>
+                      <a:endParaRPr lang="en-US" sz="1600" dirty="0">
                         <a:effectLst/>
                         <a:latin typeface="Calibri" panose="020F0502020204030204" pitchFamily="34" charset="0"/>
                         <a:ea typeface="Calibri" panose="020F0502020204030204" pitchFamily="34" charset="0"/>
@@ -7946,7 +8563,835 @@
                 </a:tc>
                 <a:extLst>
                   <a:ext uri="{0D108BD9-81ED-4DB2-BD59-A6C34878D82A}">
-                    <a16:rowId xmlns:a16="http://schemas.microsoft.com/office/drawing/2014/main" val="1793361421"/>
+                    <a16:rowId xmlns:a16="http://schemas.microsoft.com/office/drawing/2014/main" val="3193751568"/>
+                  </a:ext>
+                </a:extLst>
+              </a:tr>
+              <a:tr h="179896">
+                <a:tc>
+                  <a:txBody>
+                    <a:bodyPr/>
+                    <a:lstStyle/>
+                    <a:p>
+                      <a:pPr algn="just">
+                        <a:lnSpc>
+                          <a:spcPct val="107%"/>
+                        </a:lnSpc>
+                        <a:spcAft>
+                          <a:spcPts val="0"/>
+                        </a:spcAft>
+                      </a:pPr>
+                      <a:r>
+                        <a:rPr lang="fr-FR" sz="1600" noProof="0" dirty="0" smtClean="0">
+                          <a:effectLst/>
+                          <a:latin typeface="Calibri" panose="020F0502020204030204" pitchFamily="34" charset="0"/>
+                          <a:ea typeface="Calibri" panose="020F0502020204030204" pitchFamily="34" charset="0"/>
+                          <a:cs typeface="Times New Roman" panose="02020603050405020304" pitchFamily="18" charset="0"/>
+                        </a:rPr>
+                        <a:t>Nom de l’ Agent</a:t>
+                      </a:r>
+                      <a:endParaRPr lang="fr-FR" sz="1600" noProof="0" dirty="0">
+                        <a:effectLst/>
+                        <a:latin typeface="Calibri" panose="020F0502020204030204" pitchFamily="34" charset="0"/>
+                        <a:ea typeface="Calibri" panose="020F0502020204030204" pitchFamily="34" charset="0"/>
+                        <a:cs typeface="Times New Roman" panose="02020603050405020304" pitchFamily="18" charset="0"/>
+                      </a:endParaRPr>
+                    </a:p>
+                  </a:txBody>
+                  <a:tcPr marL="68580" marR="68580" marT="0" marB="0"/>
+                </a:tc>
+                <a:tc>
+                  <a:txBody>
+                    <a:bodyPr/>
+                    <a:lstStyle/>
+                    <a:p>
+                      <a:pPr algn="just">
+                        <a:lnSpc>
+                          <a:spcPct val="107%"/>
+                        </a:lnSpc>
+                        <a:spcAft>
+                          <a:spcPts val="0"/>
+                        </a:spcAft>
+                      </a:pPr>
+                      <a:r>
+                        <a:rPr lang="en-US" sz="1600" dirty="0" smtClean="0">
+                          <a:effectLst/>
+                          <a:latin typeface="Calibri" panose="020F0502020204030204" pitchFamily="34" charset="0"/>
+                          <a:ea typeface="Calibri" panose="020F0502020204030204" pitchFamily="34" charset="0"/>
+                          <a:cs typeface="Times New Roman" panose="02020603050405020304" pitchFamily="18" charset="0"/>
+                        </a:rPr>
+                        <a:t>NomAg</a:t>
+                      </a:r>
+                      <a:endParaRPr lang="en-US" sz="1600" dirty="0">
+                        <a:effectLst/>
+                        <a:latin typeface="Calibri" panose="020F0502020204030204" pitchFamily="34" charset="0"/>
+                        <a:ea typeface="Calibri" panose="020F0502020204030204" pitchFamily="34" charset="0"/>
+                        <a:cs typeface="Times New Roman" panose="02020603050405020304" pitchFamily="18" charset="0"/>
+                      </a:endParaRPr>
+                    </a:p>
+                  </a:txBody>
+                  <a:tcPr marL="68580" marR="68580" marT="0" marB="0"/>
+                </a:tc>
+                <a:tc>
+                  <a:txBody>
+                    <a:bodyPr/>
+                    <a:lstStyle/>
+                    <a:p>
+                      <a:pPr algn="just">
+                        <a:lnSpc>
+                          <a:spcPct val="107%"/>
+                        </a:lnSpc>
+                        <a:spcAft>
+                          <a:spcPts val="0"/>
+                        </a:spcAft>
+                      </a:pPr>
+                      <a:r>
+                        <a:rPr lang="en-US" sz="1600" dirty="0" smtClean="0">
+                          <a:effectLst/>
+                          <a:latin typeface="Calibri" panose="020F0502020204030204" pitchFamily="34" charset="0"/>
+                          <a:ea typeface="Calibri" panose="020F0502020204030204" pitchFamily="34" charset="0"/>
+                          <a:cs typeface="Times New Roman" panose="02020603050405020304" pitchFamily="18" charset="0"/>
+                        </a:rPr>
+                        <a:t>A</a:t>
+                      </a:r>
+                      <a:endParaRPr lang="en-US" sz="1600" dirty="0">
+                        <a:effectLst/>
+                        <a:latin typeface="Calibri" panose="020F0502020204030204" pitchFamily="34" charset="0"/>
+                        <a:ea typeface="Calibri" panose="020F0502020204030204" pitchFamily="34" charset="0"/>
+                        <a:cs typeface="Times New Roman" panose="02020603050405020304" pitchFamily="18" charset="0"/>
+                      </a:endParaRPr>
+                    </a:p>
+                  </a:txBody>
+                  <a:tcPr marL="68580" marR="68580" marT="0" marB="0"/>
+                </a:tc>
+                <a:tc>
+                  <a:txBody>
+                    <a:bodyPr/>
+                    <a:lstStyle/>
+                    <a:p>
+                      <a:pPr algn="just">
+                        <a:lnSpc>
+                          <a:spcPct val="107%"/>
+                        </a:lnSpc>
+                        <a:spcAft>
+                          <a:spcPts val="0"/>
+                        </a:spcAft>
+                      </a:pPr>
+                      <a:r>
+                        <a:rPr lang="en-US" sz="1600" dirty="0" smtClean="0">
+                          <a:effectLst/>
+                          <a:latin typeface="Calibri" panose="020F0502020204030204" pitchFamily="34" charset="0"/>
+                          <a:ea typeface="Calibri" panose="020F0502020204030204" pitchFamily="34" charset="0"/>
+                          <a:cs typeface="Times New Roman" panose="02020603050405020304" pitchFamily="18" charset="0"/>
+                        </a:rPr>
+                        <a:t>20</a:t>
+                      </a:r>
+                      <a:endParaRPr lang="en-US" sz="1600" dirty="0">
+                        <a:effectLst/>
+                        <a:latin typeface="Calibri" panose="020F0502020204030204" pitchFamily="34" charset="0"/>
+                        <a:ea typeface="Calibri" panose="020F0502020204030204" pitchFamily="34" charset="0"/>
+                        <a:cs typeface="Times New Roman" panose="02020603050405020304" pitchFamily="18" charset="0"/>
+                      </a:endParaRPr>
+                    </a:p>
+                  </a:txBody>
+                  <a:tcPr marL="68580" marR="68580" marT="0" marB="0"/>
+                </a:tc>
+                <a:extLst>
+                  <a:ext uri="{0D108BD9-81ED-4DB2-BD59-A6C34878D82A}">
+                    <a16:rowId xmlns:a16="http://schemas.microsoft.com/office/drawing/2014/main" val="286185232"/>
+                  </a:ext>
+                </a:extLst>
+              </a:tr>
+              <a:tr h="179896">
+                <a:tc>
+                  <a:txBody>
+                    <a:bodyPr/>
+                    <a:lstStyle/>
+                    <a:p>
+                      <a:pPr algn="just">
+                        <a:lnSpc>
+                          <a:spcPct val="107%"/>
+                        </a:lnSpc>
+                        <a:spcAft>
+                          <a:spcPts val="0"/>
+                        </a:spcAft>
+                      </a:pPr>
+                      <a:r>
+                        <a:rPr lang="fr-FR" sz="1600" noProof="0" dirty="0" smtClean="0">
+                          <a:effectLst/>
+                          <a:latin typeface="Calibri" panose="020F0502020204030204" pitchFamily="34" charset="0"/>
+                          <a:ea typeface="Calibri" panose="020F0502020204030204" pitchFamily="34" charset="0"/>
+                          <a:cs typeface="Times New Roman" panose="02020603050405020304" pitchFamily="18" charset="0"/>
+                        </a:rPr>
+                        <a:t>Prénom</a:t>
+                      </a:r>
+                      <a:r>
+                        <a:rPr lang="fr-FR" sz="1600" baseline="0%" noProof="0" dirty="0" smtClean="0">
+                          <a:effectLst/>
+                          <a:latin typeface="Calibri" panose="020F0502020204030204" pitchFamily="34" charset="0"/>
+                          <a:ea typeface="Calibri" panose="020F0502020204030204" pitchFamily="34" charset="0"/>
+                          <a:cs typeface="Times New Roman" panose="02020603050405020304" pitchFamily="18" charset="0"/>
+                        </a:rPr>
+                        <a:t> de l’ agent</a:t>
+                      </a:r>
+                      <a:endParaRPr lang="fr-FR" sz="1600" noProof="0" dirty="0">
+                        <a:effectLst/>
+                        <a:latin typeface="Calibri" panose="020F0502020204030204" pitchFamily="34" charset="0"/>
+                        <a:ea typeface="Calibri" panose="020F0502020204030204" pitchFamily="34" charset="0"/>
+                        <a:cs typeface="Times New Roman" panose="02020603050405020304" pitchFamily="18" charset="0"/>
+                      </a:endParaRPr>
+                    </a:p>
+                  </a:txBody>
+                  <a:tcPr marL="68580" marR="68580" marT="0" marB="0"/>
+                </a:tc>
+                <a:tc>
+                  <a:txBody>
+                    <a:bodyPr/>
+                    <a:lstStyle/>
+                    <a:p>
+                      <a:pPr algn="just">
+                        <a:lnSpc>
+                          <a:spcPct val="107%"/>
+                        </a:lnSpc>
+                        <a:spcAft>
+                          <a:spcPts val="0"/>
+                        </a:spcAft>
+                      </a:pPr>
+                      <a:r>
+                        <a:rPr lang="en-US" sz="1600" dirty="0" smtClean="0">
+                          <a:effectLst/>
+                          <a:latin typeface="Calibri" panose="020F0502020204030204" pitchFamily="34" charset="0"/>
+                          <a:ea typeface="Calibri" panose="020F0502020204030204" pitchFamily="34" charset="0"/>
+                          <a:cs typeface="Times New Roman" panose="02020603050405020304" pitchFamily="18" charset="0"/>
+                        </a:rPr>
+                        <a:t>PrenomAg</a:t>
+                      </a:r>
+                      <a:endParaRPr lang="en-US" sz="1600" dirty="0">
+                        <a:effectLst/>
+                        <a:latin typeface="Calibri" panose="020F0502020204030204" pitchFamily="34" charset="0"/>
+                        <a:ea typeface="Calibri" panose="020F0502020204030204" pitchFamily="34" charset="0"/>
+                        <a:cs typeface="Times New Roman" panose="02020603050405020304" pitchFamily="18" charset="0"/>
+                      </a:endParaRPr>
+                    </a:p>
+                  </a:txBody>
+                  <a:tcPr marL="68580" marR="68580" marT="0" marB="0"/>
+                </a:tc>
+                <a:tc>
+                  <a:txBody>
+                    <a:bodyPr/>
+                    <a:lstStyle/>
+                    <a:p>
+                      <a:pPr algn="just">
+                        <a:lnSpc>
+                          <a:spcPct val="107%"/>
+                        </a:lnSpc>
+                        <a:spcAft>
+                          <a:spcPts val="0"/>
+                        </a:spcAft>
+                      </a:pPr>
+                      <a:r>
+                        <a:rPr lang="en-US" sz="1600" dirty="0" smtClean="0">
+                          <a:effectLst/>
+                          <a:latin typeface="Calibri" panose="020F0502020204030204" pitchFamily="34" charset="0"/>
+                          <a:ea typeface="Calibri" panose="020F0502020204030204" pitchFamily="34" charset="0"/>
+                          <a:cs typeface="Times New Roman" panose="02020603050405020304" pitchFamily="18" charset="0"/>
+                        </a:rPr>
+                        <a:t>A</a:t>
+                      </a:r>
+                      <a:endParaRPr lang="en-US" sz="1600" dirty="0">
+                        <a:effectLst/>
+                        <a:latin typeface="Calibri" panose="020F0502020204030204" pitchFamily="34" charset="0"/>
+                        <a:ea typeface="Calibri" panose="020F0502020204030204" pitchFamily="34" charset="0"/>
+                        <a:cs typeface="Times New Roman" panose="02020603050405020304" pitchFamily="18" charset="0"/>
+                      </a:endParaRPr>
+                    </a:p>
+                  </a:txBody>
+                  <a:tcPr marL="68580" marR="68580" marT="0" marB="0"/>
+                </a:tc>
+                <a:tc>
+                  <a:txBody>
+                    <a:bodyPr/>
+                    <a:lstStyle/>
+                    <a:p>
+                      <a:pPr algn="just">
+                        <a:lnSpc>
+                          <a:spcPct val="107%"/>
+                        </a:lnSpc>
+                        <a:spcAft>
+                          <a:spcPts val="0"/>
+                        </a:spcAft>
+                      </a:pPr>
+                      <a:r>
+                        <a:rPr lang="en-US" sz="1600" dirty="0" smtClean="0">
+                          <a:effectLst/>
+                          <a:latin typeface="Calibri" panose="020F0502020204030204" pitchFamily="34" charset="0"/>
+                          <a:ea typeface="Calibri" panose="020F0502020204030204" pitchFamily="34" charset="0"/>
+                          <a:cs typeface="Times New Roman" panose="02020603050405020304" pitchFamily="18" charset="0"/>
+                        </a:rPr>
+                        <a:t>20</a:t>
+                      </a:r>
+                      <a:endParaRPr lang="en-US" sz="1600" dirty="0">
+                        <a:effectLst/>
+                        <a:latin typeface="Calibri" panose="020F0502020204030204" pitchFamily="34" charset="0"/>
+                        <a:ea typeface="Calibri" panose="020F0502020204030204" pitchFamily="34" charset="0"/>
+                        <a:cs typeface="Times New Roman" panose="02020603050405020304" pitchFamily="18" charset="0"/>
+                      </a:endParaRPr>
+                    </a:p>
+                  </a:txBody>
+                  <a:tcPr marL="68580" marR="68580" marT="0" marB="0"/>
+                </a:tc>
+                <a:extLst>
+                  <a:ext uri="{0D108BD9-81ED-4DB2-BD59-A6C34878D82A}">
+                    <a16:rowId xmlns:a16="http://schemas.microsoft.com/office/drawing/2014/main" val="3021868487"/>
+                  </a:ext>
+                </a:extLst>
+              </a:tr>
+              <a:tr h="179896">
+                <a:tc>
+                  <a:txBody>
+                    <a:bodyPr/>
+                    <a:lstStyle/>
+                    <a:p>
+                      <a:pPr algn="just">
+                        <a:lnSpc>
+                          <a:spcPct val="107%"/>
+                        </a:lnSpc>
+                        <a:spcAft>
+                          <a:spcPts val="0"/>
+                        </a:spcAft>
+                      </a:pPr>
+                      <a:r>
+                        <a:rPr lang="fr-FR" sz="1600" noProof="0" dirty="0" smtClean="0">
+                          <a:effectLst/>
+                          <a:latin typeface="Calibri" panose="020F0502020204030204" pitchFamily="34" charset="0"/>
+                          <a:ea typeface="Calibri" panose="020F0502020204030204" pitchFamily="34" charset="0"/>
+                          <a:cs typeface="Times New Roman" panose="02020603050405020304" pitchFamily="18" charset="0"/>
+                        </a:rPr>
+                        <a:t>Date de connexion</a:t>
+                      </a:r>
+                      <a:endParaRPr lang="fr-FR" sz="1600" noProof="0" dirty="0">
+                        <a:effectLst/>
+                        <a:latin typeface="Calibri" panose="020F0502020204030204" pitchFamily="34" charset="0"/>
+                        <a:ea typeface="Calibri" panose="020F0502020204030204" pitchFamily="34" charset="0"/>
+                        <a:cs typeface="Times New Roman" panose="02020603050405020304" pitchFamily="18" charset="0"/>
+                      </a:endParaRPr>
+                    </a:p>
+                  </a:txBody>
+                  <a:tcPr marL="68580" marR="68580" marT="0" marB="0"/>
+                </a:tc>
+                <a:tc>
+                  <a:txBody>
+                    <a:bodyPr/>
+                    <a:lstStyle/>
+                    <a:p>
+                      <a:pPr algn="just">
+                        <a:lnSpc>
+                          <a:spcPct val="107%"/>
+                        </a:lnSpc>
+                        <a:spcAft>
+                          <a:spcPts val="0"/>
+                        </a:spcAft>
+                      </a:pPr>
+                      <a:r>
+                        <a:rPr lang="en-US" sz="1600" dirty="0" smtClean="0">
+                          <a:effectLst/>
+                          <a:latin typeface="Calibri" panose="020F0502020204030204" pitchFamily="34" charset="0"/>
+                          <a:ea typeface="Calibri" panose="020F0502020204030204" pitchFamily="34" charset="0"/>
+                          <a:cs typeface="Times New Roman" panose="02020603050405020304" pitchFamily="18" charset="0"/>
+                        </a:rPr>
+                        <a:t>DateC</a:t>
+                      </a:r>
+                      <a:endParaRPr lang="en-US" sz="1600" dirty="0">
+                        <a:effectLst/>
+                        <a:latin typeface="Calibri" panose="020F0502020204030204" pitchFamily="34" charset="0"/>
+                        <a:ea typeface="Calibri" panose="020F0502020204030204" pitchFamily="34" charset="0"/>
+                        <a:cs typeface="Times New Roman" panose="02020603050405020304" pitchFamily="18" charset="0"/>
+                      </a:endParaRPr>
+                    </a:p>
+                  </a:txBody>
+                  <a:tcPr marL="68580" marR="68580" marT="0" marB="0"/>
+                </a:tc>
+                <a:tc>
+                  <a:txBody>
+                    <a:bodyPr/>
+                    <a:lstStyle/>
+                    <a:p>
+                      <a:pPr algn="just">
+                        <a:lnSpc>
+                          <a:spcPct val="107%"/>
+                        </a:lnSpc>
+                        <a:spcAft>
+                          <a:spcPts val="0"/>
+                        </a:spcAft>
+                      </a:pPr>
+                      <a:r>
+                        <a:rPr lang="en-US" sz="1600" dirty="0" smtClean="0">
+                          <a:effectLst/>
+                          <a:latin typeface="Calibri" panose="020F0502020204030204" pitchFamily="34" charset="0"/>
+                          <a:ea typeface="Calibri" panose="020F0502020204030204" pitchFamily="34" charset="0"/>
+                          <a:cs typeface="Times New Roman" panose="02020603050405020304" pitchFamily="18" charset="0"/>
+                        </a:rPr>
+                        <a:t>A</a:t>
+                      </a:r>
+                      <a:endParaRPr lang="en-US" sz="1600" dirty="0">
+                        <a:effectLst/>
+                        <a:latin typeface="Calibri" panose="020F0502020204030204" pitchFamily="34" charset="0"/>
+                        <a:ea typeface="Calibri" panose="020F0502020204030204" pitchFamily="34" charset="0"/>
+                        <a:cs typeface="Times New Roman" panose="02020603050405020304" pitchFamily="18" charset="0"/>
+                      </a:endParaRPr>
+                    </a:p>
+                  </a:txBody>
+                  <a:tcPr marL="68580" marR="68580" marT="0" marB="0"/>
+                </a:tc>
+                <a:tc>
+                  <a:txBody>
+                    <a:bodyPr/>
+                    <a:lstStyle/>
+                    <a:p>
+                      <a:pPr algn="just">
+                        <a:lnSpc>
+                          <a:spcPct val="107%"/>
+                        </a:lnSpc>
+                        <a:spcAft>
+                          <a:spcPts val="0"/>
+                        </a:spcAft>
+                      </a:pPr>
+                      <a:r>
+                        <a:rPr lang="en-US" sz="1600" dirty="0" smtClean="0">
+                          <a:effectLst/>
+                          <a:latin typeface="Calibri" panose="020F0502020204030204" pitchFamily="34" charset="0"/>
+                          <a:ea typeface="Calibri" panose="020F0502020204030204" pitchFamily="34" charset="0"/>
+                          <a:cs typeface="Times New Roman" panose="02020603050405020304" pitchFamily="18" charset="0"/>
+                        </a:rPr>
+                        <a:t>20</a:t>
+                      </a:r>
+                      <a:endParaRPr lang="en-US" sz="1600" dirty="0">
+                        <a:effectLst/>
+                        <a:latin typeface="Calibri" panose="020F0502020204030204" pitchFamily="34" charset="0"/>
+                        <a:ea typeface="Calibri" panose="020F0502020204030204" pitchFamily="34" charset="0"/>
+                        <a:cs typeface="Times New Roman" panose="02020603050405020304" pitchFamily="18" charset="0"/>
+                      </a:endParaRPr>
+                    </a:p>
+                  </a:txBody>
+                  <a:tcPr marL="68580" marR="68580" marT="0" marB="0"/>
+                </a:tc>
+                <a:extLst>
+                  <a:ext uri="{0D108BD9-81ED-4DB2-BD59-A6C34878D82A}">
+                    <a16:rowId xmlns:a16="http://schemas.microsoft.com/office/drawing/2014/main" val="1170107822"/>
+                  </a:ext>
+                </a:extLst>
+              </a:tr>
+              <a:tr h="179896">
+                <a:tc>
+                  <a:txBody>
+                    <a:bodyPr/>
+                    <a:lstStyle/>
+                    <a:p>
+                      <a:pPr algn="just">
+                        <a:lnSpc>
+                          <a:spcPct val="107%"/>
+                        </a:lnSpc>
+                        <a:spcAft>
+                          <a:spcPts val="0"/>
+                        </a:spcAft>
+                      </a:pPr>
+                      <a:r>
+                        <a:rPr lang="fr-FR" sz="1600" noProof="0" dirty="0" smtClean="0">
+                          <a:effectLst/>
+                          <a:latin typeface="Calibri" panose="020F0502020204030204" pitchFamily="34" charset="0"/>
+                          <a:ea typeface="Calibri" panose="020F0502020204030204" pitchFamily="34" charset="0"/>
+                          <a:cs typeface="Times New Roman" panose="02020603050405020304" pitchFamily="18" charset="0"/>
+                        </a:rPr>
+                        <a:t>Mot de passe</a:t>
+                      </a:r>
+                      <a:endParaRPr lang="fr-FR" sz="1600" noProof="0" dirty="0">
+                        <a:effectLst/>
+                        <a:latin typeface="Calibri" panose="020F0502020204030204" pitchFamily="34" charset="0"/>
+                        <a:ea typeface="Calibri" panose="020F0502020204030204" pitchFamily="34" charset="0"/>
+                        <a:cs typeface="Times New Roman" panose="02020603050405020304" pitchFamily="18" charset="0"/>
+                      </a:endParaRPr>
+                    </a:p>
+                  </a:txBody>
+                  <a:tcPr marL="68580" marR="68580" marT="0" marB="0"/>
+                </a:tc>
+                <a:tc>
+                  <a:txBody>
+                    <a:bodyPr/>
+                    <a:lstStyle/>
+                    <a:p>
+                      <a:pPr algn="just">
+                        <a:lnSpc>
+                          <a:spcPct val="107%"/>
+                        </a:lnSpc>
+                        <a:spcAft>
+                          <a:spcPts val="0"/>
+                        </a:spcAft>
+                      </a:pPr>
+                      <a:r>
+                        <a:rPr lang="en-US" sz="1600" dirty="0" smtClean="0">
+                          <a:effectLst/>
+                          <a:latin typeface="Calibri" panose="020F0502020204030204" pitchFamily="34" charset="0"/>
+                          <a:ea typeface="Calibri" panose="020F0502020204030204" pitchFamily="34" charset="0"/>
+                          <a:cs typeface="Times New Roman" panose="02020603050405020304" pitchFamily="18" charset="0"/>
+                        </a:rPr>
+                        <a:t>MotDePasse</a:t>
+                      </a:r>
+                      <a:endParaRPr lang="en-US" sz="1600" dirty="0">
+                        <a:effectLst/>
+                        <a:latin typeface="Calibri" panose="020F0502020204030204" pitchFamily="34" charset="0"/>
+                        <a:ea typeface="Calibri" panose="020F0502020204030204" pitchFamily="34" charset="0"/>
+                        <a:cs typeface="Times New Roman" panose="02020603050405020304" pitchFamily="18" charset="0"/>
+                      </a:endParaRPr>
+                    </a:p>
+                  </a:txBody>
+                  <a:tcPr marL="68580" marR="68580" marT="0" marB="0"/>
+                </a:tc>
+                <a:tc>
+                  <a:txBody>
+                    <a:bodyPr/>
+                    <a:lstStyle/>
+                    <a:p>
+                      <a:pPr algn="just">
+                        <a:lnSpc>
+                          <a:spcPct val="107%"/>
+                        </a:lnSpc>
+                        <a:spcAft>
+                          <a:spcPts val="0"/>
+                        </a:spcAft>
+                      </a:pPr>
+                      <a:r>
+                        <a:rPr lang="en-US" sz="1600" dirty="0" smtClean="0">
+                          <a:effectLst/>
+                          <a:latin typeface="Calibri" panose="020F0502020204030204" pitchFamily="34" charset="0"/>
+                          <a:ea typeface="Calibri" panose="020F0502020204030204" pitchFamily="34" charset="0"/>
+                          <a:cs typeface="Times New Roman" panose="02020603050405020304" pitchFamily="18" charset="0"/>
+                        </a:rPr>
+                        <a:t>A</a:t>
+                      </a:r>
+                      <a:endParaRPr lang="en-US" sz="1600" dirty="0">
+                        <a:effectLst/>
+                        <a:latin typeface="Calibri" panose="020F0502020204030204" pitchFamily="34" charset="0"/>
+                        <a:ea typeface="Calibri" panose="020F0502020204030204" pitchFamily="34" charset="0"/>
+                        <a:cs typeface="Times New Roman" panose="02020603050405020304" pitchFamily="18" charset="0"/>
+                      </a:endParaRPr>
+                    </a:p>
+                  </a:txBody>
+                  <a:tcPr marL="68580" marR="68580" marT="0" marB="0"/>
+                </a:tc>
+                <a:tc>
+                  <a:txBody>
+                    <a:bodyPr/>
+                    <a:lstStyle/>
+                    <a:p>
+                      <a:pPr algn="just">
+                        <a:lnSpc>
+                          <a:spcPct val="107%"/>
+                        </a:lnSpc>
+                        <a:spcAft>
+                          <a:spcPts val="0"/>
+                        </a:spcAft>
+                      </a:pPr>
+                      <a:r>
+                        <a:rPr lang="en-US" sz="1600" dirty="0" smtClean="0">
+                          <a:effectLst/>
+                          <a:latin typeface="Calibri" panose="020F0502020204030204" pitchFamily="34" charset="0"/>
+                          <a:ea typeface="Calibri" panose="020F0502020204030204" pitchFamily="34" charset="0"/>
+                          <a:cs typeface="Times New Roman" panose="02020603050405020304" pitchFamily="18" charset="0"/>
+                        </a:rPr>
+                        <a:t>8</a:t>
+                      </a:r>
+                      <a:endParaRPr lang="en-US" sz="1600" dirty="0">
+                        <a:effectLst/>
+                        <a:latin typeface="Calibri" panose="020F0502020204030204" pitchFamily="34" charset="0"/>
+                        <a:ea typeface="Calibri" panose="020F0502020204030204" pitchFamily="34" charset="0"/>
+                        <a:cs typeface="Times New Roman" panose="02020603050405020304" pitchFamily="18" charset="0"/>
+                      </a:endParaRPr>
+                    </a:p>
+                  </a:txBody>
+                  <a:tcPr marL="68580" marR="68580" marT="0" marB="0"/>
+                </a:tc>
+                <a:extLst>
+                  <a:ext uri="{0D108BD9-81ED-4DB2-BD59-A6C34878D82A}">
+                    <a16:rowId xmlns:a16="http://schemas.microsoft.com/office/drawing/2014/main" val="4135918785"/>
+                  </a:ext>
+                </a:extLst>
+              </a:tr>
+              <a:tr h="179896">
+                <a:tc>
+                  <a:txBody>
+                    <a:bodyPr/>
+                    <a:lstStyle/>
+                    <a:p>
+                      <a:pPr algn="just">
+                        <a:lnSpc>
+                          <a:spcPct val="107%"/>
+                        </a:lnSpc>
+                        <a:spcAft>
+                          <a:spcPts val="0"/>
+                        </a:spcAft>
+                      </a:pPr>
+                      <a:r>
+                        <a:rPr lang="fr-FR" sz="1600" noProof="0" dirty="0" smtClean="0">
+                          <a:effectLst/>
+                          <a:latin typeface="Calibri" panose="020F0502020204030204" pitchFamily="34" charset="0"/>
+                          <a:ea typeface="Calibri" panose="020F0502020204030204" pitchFamily="34" charset="0"/>
+                          <a:cs typeface="Times New Roman" panose="02020603050405020304" pitchFamily="18" charset="0"/>
+                        </a:rPr>
+                        <a:t>Titre de l’ évènement</a:t>
+                      </a:r>
+                      <a:r>
+                        <a:rPr lang="fr-FR" sz="1600" baseline="0%" noProof="0" dirty="0" smtClean="0">
+                          <a:effectLst/>
+                          <a:latin typeface="Calibri" panose="020F0502020204030204" pitchFamily="34" charset="0"/>
+                          <a:ea typeface="Calibri" panose="020F0502020204030204" pitchFamily="34" charset="0"/>
+                          <a:cs typeface="Times New Roman" panose="02020603050405020304" pitchFamily="18" charset="0"/>
+                        </a:rPr>
+                        <a:t> </a:t>
+                      </a:r>
+                      <a:endParaRPr lang="fr-FR" sz="1600" noProof="0" dirty="0">
+                        <a:effectLst/>
+                        <a:latin typeface="Calibri" panose="020F0502020204030204" pitchFamily="34" charset="0"/>
+                        <a:ea typeface="Calibri" panose="020F0502020204030204" pitchFamily="34" charset="0"/>
+                        <a:cs typeface="Times New Roman" panose="02020603050405020304" pitchFamily="18" charset="0"/>
+                      </a:endParaRPr>
+                    </a:p>
+                  </a:txBody>
+                  <a:tcPr marL="68580" marR="68580" marT="0" marB="0"/>
+                </a:tc>
+                <a:tc>
+                  <a:txBody>
+                    <a:bodyPr/>
+                    <a:lstStyle/>
+                    <a:p>
+                      <a:pPr algn="just">
+                        <a:lnSpc>
+                          <a:spcPct val="107%"/>
+                        </a:lnSpc>
+                        <a:spcAft>
+                          <a:spcPts val="0"/>
+                        </a:spcAft>
+                      </a:pPr>
+                      <a:r>
+                        <a:rPr lang="en-US" sz="1600" dirty="0" smtClean="0">
+                          <a:effectLst/>
+                          <a:latin typeface="Calibri" panose="020F0502020204030204" pitchFamily="34" charset="0"/>
+                          <a:ea typeface="Calibri" panose="020F0502020204030204" pitchFamily="34" charset="0"/>
+                          <a:cs typeface="Times New Roman" panose="02020603050405020304" pitchFamily="18" charset="0"/>
+                        </a:rPr>
+                        <a:t>Titre</a:t>
+                      </a:r>
+                      <a:endParaRPr lang="en-US" sz="1600" dirty="0">
+                        <a:effectLst/>
+                        <a:latin typeface="Calibri" panose="020F0502020204030204" pitchFamily="34" charset="0"/>
+                        <a:ea typeface="Calibri" panose="020F0502020204030204" pitchFamily="34" charset="0"/>
+                        <a:cs typeface="Times New Roman" panose="02020603050405020304" pitchFamily="18" charset="0"/>
+                      </a:endParaRPr>
+                    </a:p>
+                  </a:txBody>
+                  <a:tcPr marL="68580" marR="68580" marT="0" marB="0"/>
+                </a:tc>
+                <a:tc>
+                  <a:txBody>
+                    <a:bodyPr/>
+                    <a:lstStyle/>
+                    <a:p>
+                      <a:pPr algn="just">
+                        <a:lnSpc>
+                          <a:spcPct val="107%"/>
+                        </a:lnSpc>
+                        <a:spcAft>
+                          <a:spcPts val="0"/>
+                        </a:spcAft>
+                      </a:pPr>
+                      <a:r>
+                        <a:rPr lang="en-US" sz="1600" dirty="0" smtClean="0">
+                          <a:effectLst/>
+                          <a:latin typeface="Calibri" panose="020F0502020204030204" pitchFamily="34" charset="0"/>
+                          <a:ea typeface="Calibri" panose="020F0502020204030204" pitchFamily="34" charset="0"/>
+                          <a:cs typeface="Times New Roman" panose="02020603050405020304" pitchFamily="18" charset="0"/>
+                        </a:rPr>
+                        <a:t>A</a:t>
+                      </a:r>
+                      <a:endParaRPr lang="en-US" sz="1600" dirty="0">
+                        <a:effectLst/>
+                        <a:latin typeface="Calibri" panose="020F0502020204030204" pitchFamily="34" charset="0"/>
+                        <a:ea typeface="Calibri" panose="020F0502020204030204" pitchFamily="34" charset="0"/>
+                        <a:cs typeface="Times New Roman" panose="02020603050405020304" pitchFamily="18" charset="0"/>
+                      </a:endParaRPr>
+                    </a:p>
+                  </a:txBody>
+                  <a:tcPr marL="68580" marR="68580" marT="0" marB="0"/>
+                </a:tc>
+                <a:tc>
+                  <a:txBody>
+                    <a:bodyPr/>
+                    <a:lstStyle/>
+                    <a:p>
+                      <a:pPr algn="just">
+                        <a:lnSpc>
+                          <a:spcPct val="107%"/>
+                        </a:lnSpc>
+                        <a:spcAft>
+                          <a:spcPts val="0"/>
+                        </a:spcAft>
+                      </a:pPr>
+                      <a:r>
+                        <a:rPr lang="en-US" sz="1600" dirty="0" smtClean="0">
+                          <a:effectLst/>
+                          <a:latin typeface="Calibri" panose="020F0502020204030204" pitchFamily="34" charset="0"/>
+                          <a:ea typeface="Calibri" panose="020F0502020204030204" pitchFamily="34" charset="0"/>
+                          <a:cs typeface="Times New Roman" panose="02020603050405020304" pitchFamily="18" charset="0"/>
+                        </a:rPr>
+                        <a:t>20</a:t>
+                      </a:r>
+                      <a:endParaRPr lang="en-US" sz="1600" dirty="0">
+                        <a:effectLst/>
+                        <a:latin typeface="Calibri" panose="020F0502020204030204" pitchFamily="34" charset="0"/>
+                        <a:ea typeface="Calibri" panose="020F0502020204030204" pitchFamily="34" charset="0"/>
+                        <a:cs typeface="Times New Roman" panose="02020603050405020304" pitchFamily="18" charset="0"/>
+                      </a:endParaRPr>
+                    </a:p>
+                  </a:txBody>
+                  <a:tcPr marL="68580" marR="68580" marT="0" marB="0"/>
+                </a:tc>
+                <a:extLst>
+                  <a:ext uri="{0D108BD9-81ED-4DB2-BD59-A6C34878D82A}">
+                    <a16:rowId xmlns:a16="http://schemas.microsoft.com/office/drawing/2014/main" val="3112498393"/>
+                  </a:ext>
+                </a:extLst>
+              </a:tr>
+              <a:tr h="179896">
+                <a:tc>
+                  <a:txBody>
+                    <a:bodyPr/>
+                    <a:lstStyle/>
+                    <a:p>
+                      <a:pPr algn="just">
+                        <a:lnSpc>
+                          <a:spcPct val="107%"/>
+                        </a:lnSpc>
+                        <a:spcAft>
+                          <a:spcPts val="0"/>
+                        </a:spcAft>
+                      </a:pPr>
+                      <a:r>
+                        <a:rPr lang="fr-FR" sz="1600" noProof="0" dirty="0" smtClean="0">
+                          <a:effectLst/>
+                          <a:latin typeface="Calibri" panose="020F0502020204030204" pitchFamily="34" charset="0"/>
+                          <a:ea typeface="Calibri" panose="020F0502020204030204" pitchFamily="34" charset="0"/>
+                          <a:cs typeface="Times New Roman" panose="02020603050405020304" pitchFamily="18" charset="0"/>
+                        </a:rPr>
+                        <a:t>Date de l’ évènement</a:t>
+                      </a:r>
+                      <a:endParaRPr lang="fr-FR" sz="1600" noProof="0" dirty="0">
+                        <a:effectLst/>
+                        <a:latin typeface="Calibri" panose="020F0502020204030204" pitchFamily="34" charset="0"/>
+                        <a:ea typeface="Calibri" panose="020F0502020204030204" pitchFamily="34" charset="0"/>
+                        <a:cs typeface="Times New Roman" panose="02020603050405020304" pitchFamily="18" charset="0"/>
+                      </a:endParaRPr>
+                    </a:p>
+                  </a:txBody>
+                  <a:tcPr marL="68580" marR="68580" marT="0" marB="0"/>
+                </a:tc>
+                <a:tc>
+                  <a:txBody>
+                    <a:bodyPr/>
+                    <a:lstStyle/>
+                    <a:p>
+                      <a:pPr algn="just">
+                        <a:lnSpc>
+                          <a:spcPct val="107%"/>
+                        </a:lnSpc>
+                        <a:spcAft>
+                          <a:spcPts val="0"/>
+                        </a:spcAft>
+                      </a:pPr>
+                      <a:r>
+                        <a:rPr lang="en-US" sz="1600" dirty="0" smtClean="0">
+                          <a:effectLst/>
+                          <a:latin typeface="Calibri" panose="020F0502020204030204" pitchFamily="34" charset="0"/>
+                          <a:ea typeface="Calibri" panose="020F0502020204030204" pitchFamily="34" charset="0"/>
+                          <a:cs typeface="Times New Roman" panose="02020603050405020304" pitchFamily="18" charset="0"/>
+                        </a:rPr>
+                        <a:t>DateE</a:t>
+                      </a:r>
+                      <a:endParaRPr lang="en-US" sz="1600" dirty="0">
+                        <a:effectLst/>
+                        <a:latin typeface="Calibri" panose="020F0502020204030204" pitchFamily="34" charset="0"/>
+                        <a:ea typeface="Calibri" panose="020F0502020204030204" pitchFamily="34" charset="0"/>
+                        <a:cs typeface="Times New Roman" panose="02020603050405020304" pitchFamily="18" charset="0"/>
+                      </a:endParaRPr>
+                    </a:p>
+                  </a:txBody>
+                  <a:tcPr marL="68580" marR="68580" marT="0" marB="0"/>
+                </a:tc>
+                <a:tc>
+                  <a:txBody>
+                    <a:bodyPr/>
+                    <a:lstStyle/>
+                    <a:p>
+                      <a:pPr algn="just">
+                        <a:lnSpc>
+                          <a:spcPct val="107%"/>
+                        </a:lnSpc>
+                        <a:spcAft>
+                          <a:spcPts val="0"/>
+                        </a:spcAft>
+                      </a:pPr>
+                      <a:r>
+                        <a:rPr lang="en-US" sz="1600" dirty="0" smtClean="0">
+                          <a:effectLst/>
+                          <a:latin typeface="Calibri" panose="020F0502020204030204" pitchFamily="34" charset="0"/>
+                          <a:ea typeface="Calibri" panose="020F0502020204030204" pitchFamily="34" charset="0"/>
+                          <a:cs typeface="Times New Roman" panose="02020603050405020304" pitchFamily="18" charset="0"/>
+                        </a:rPr>
+                        <a:t>A</a:t>
+                      </a:r>
+                      <a:endParaRPr lang="en-US" sz="1600" dirty="0">
+                        <a:effectLst/>
+                        <a:latin typeface="Calibri" panose="020F0502020204030204" pitchFamily="34" charset="0"/>
+                        <a:ea typeface="Calibri" panose="020F0502020204030204" pitchFamily="34" charset="0"/>
+                        <a:cs typeface="Times New Roman" panose="02020603050405020304" pitchFamily="18" charset="0"/>
+                      </a:endParaRPr>
+                    </a:p>
+                  </a:txBody>
+                  <a:tcPr marL="68580" marR="68580" marT="0" marB="0"/>
+                </a:tc>
+                <a:tc>
+                  <a:txBody>
+                    <a:bodyPr/>
+                    <a:lstStyle/>
+                    <a:p>
+                      <a:pPr algn="just">
+                        <a:lnSpc>
+                          <a:spcPct val="107%"/>
+                        </a:lnSpc>
+                        <a:spcAft>
+                          <a:spcPts val="0"/>
+                        </a:spcAft>
+                      </a:pPr>
+                      <a:r>
+                        <a:rPr lang="en-US" sz="1600" dirty="0" smtClean="0">
+                          <a:effectLst/>
+                          <a:latin typeface="Calibri" panose="020F0502020204030204" pitchFamily="34" charset="0"/>
+                          <a:ea typeface="Calibri" panose="020F0502020204030204" pitchFamily="34" charset="0"/>
+                          <a:cs typeface="Times New Roman" panose="02020603050405020304" pitchFamily="18" charset="0"/>
+                        </a:rPr>
+                        <a:t>10</a:t>
+                      </a:r>
+                      <a:endParaRPr lang="en-US" sz="1600" dirty="0">
+                        <a:effectLst/>
+                        <a:latin typeface="Calibri" panose="020F0502020204030204" pitchFamily="34" charset="0"/>
+                        <a:ea typeface="Calibri" panose="020F0502020204030204" pitchFamily="34" charset="0"/>
+                        <a:cs typeface="Times New Roman" panose="02020603050405020304" pitchFamily="18" charset="0"/>
+                      </a:endParaRPr>
+                    </a:p>
+                  </a:txBody>
+                  <a:tcPr marL="68580" marR="68580" marT="0" marB="0"/>
+                </a:tc>
+                <a:extLst>
+                  <a:ext uri="{0D108BD9-81ED-4DB2-BD59-A6C34878D82A}">
+                    <a16:rowId xmlns:a16="http://schemas.microsoft.com/office/drawing/2014/main" val="3274871861"/>
                   </a:ext>
                 </a:extLst>
               </a:tr>
@@ -7954,6 +9399,109 @@
           </a:graphicData>
         </a:graphic>
       </p:graphicFrame>
+      <mc:AlternateContent xmlns:mc="http://schemas.openxmlformats.org/markup-compatibility/2006">
+        <mc:Choice xmlns:a14="http://schemas.microsoft.com/office/drawing/2010/main" Requires="a14">
+          <p:sp>
+            <p:nvSpPr>
+              <p:cNvPr id="5" name="ZoneTexte 4"/>
+              <p:cNvSpPr txBox="1"/>
+              <p:nvPr/>
+            </p:nvSpPr>
+            <p:spPr>
+              <a:xfrm>
+                <a:off x="10390909" y="452718"/>
+                <a:ext cx="665019" cy="571182"/>
+              </a:xfrm>
+              <a:prstGeom prst="rect">
+                <a:avLst/>
+              </a:prstGeom>
+              <a:noFill/>
+            </p:spPr>
+            <p:txBody>
+              <a:bodyPr wrap="square" rtlCol="0">
+                <a:spAutoFit/>
+              </a:bodyPr>
+              <a:lstStyle/>
+              <a:p>
+                <a14:m>
+                  <m:oMathPara xmlns:m="http://purl.oclc.org/ooxml/officeDocument/math">
+                    <m:oMathParaPr>
+                      <m:jc m:val="centerGroup"/>
+                    </m:oMathParaPr>
+                    <m:oMath xmlns:m="http://purl.oclc.org/ooxml/officeDocument/math">
+                      <m:f>
+                        <m:fPr>
+                          <m:type m:val="skw"/>
+                          <m:ctrlPr>
+                            <a:rPr lang="fr-FR" sz="2400" i="1" smtClean="0">
+                              <a:latin typeface="Cambria Math" panose="02040503050406030204" pitchFamily="18" charset="0"/>
+                            </a:rPr>
+                          </m:ctrlPr>
+                        </m:fPr>
+                        <m:num>
+                          <m:r>
+                            <a:rPr lang="fr-FR" sz="2400" b="0" i="1" smtClean="0">
+                              <a:latin typeface="Cambria Math" panose="02040503050406030204" pitchFamily="18" charset="0"/>
+                            </a:rPr>
+                            <m:t>4</m:t>
+                          </m:r>
+                        </m:num>
+                        <m:den>
+                          <m:r>
+                            <a:rPr lang="fr-FR" sz="2400" b="0" i="1" smtClean="0">
+                              <a:latin typeface="Cambria Math" panose="02040503050406030204" pitchFamily="18" charset="0"/>
+                            </a:rPr>
+                            <m:t>14</m:t>
+                          </m:r>
+                        </m:den>
+                      </m:f>
+                    </m:oMath>
+                  </m:oMathPara>
+                </a14:m>
+                <a:endParaRPr lang="fr-FR" dirty="0"/>
+              </a:p>
+            </p:txBody>
+          </p:sp>
+        </mc:Choice>
+        <mc:Fallback>
+          <p:sp>
+            <p:nvSpPr>
+              <p:cNvPr id="5" name="ZoneTexte 4"/>
+              <p:cNvSpPr txBox="1">
+                <a:spLocks noRot="1" noChangeAspect="1" noMove="1" noResize="1" noEditPoints="1" noAdjustHandles="1" noChangeArrowheads="1" noChangeShapeType="1" noTextEdit="1"/>
+              </p:cNvSpPr>
+              <p:nvPr/>
+            </p:nvSpPr>
+            <p:spPr>
+              <a:xfrm>
+                <a:off x="10390909" y="452718"/>
+                <a:ext cx="665019" cy="571182"/>
+              </a:xfrm>
+              <a:prstGeom prst="rect">
+                <a:avLst/>
+              </a:prstGeom>
+              <a:blipFill>
+                <a:blip r:embed="rId2"/>
+                <a:stretch>
+                  <a:fillRect r="-7.339%"/>
+                </a:stretch>
+              </a:blipFill>
+            </p:spPr>
+            <p:txBody>
+              <a:bodyPr/>
+              <a:lstStyle/>
+              <a:p>
+                <a:r>
+                  <a:rPr lang="fr-FR">
+                    <a:noFill/>
+                  </a:rPr>
+                  <a:t> </a:t>
+                </a:r>
+              </a:p>
+            </p:txBody>
+          </p:sp>
+        </mc:Fallback>
+      </mc:AlternateContent>
     </p:spTree>
     <p:extLst>
       <p:ext uri="{BB962C8B-B14F-4D97-AF65-F5344CB8AC3E}">
@@ -7970,12 +9518,19 @@
         <p14:conveyor dir="l"/>
       </p:transition>
     </mc:Choice>
-    <mc:Fallback xmlns="" xmlns:a="http://schemas.openxmlformats.org/drawingml/2006/main" xmlns:r="http://schemas.openxmlformats.org/officeDocument/2006/relationships" xmlns:p="http://schemas.openxmlformats.org/presentationml/2006/main">
+    <mc:Fallback xmlns:p="http://schemas.openxmlformats.org/presentationml/2006/main" xmlns:r="http://schemas.openxmlformats.org/officeDocument/2006/relationships" xmlns:a="http://schemas.openxmlformats.org/drawingml/2006/main" xmlns="">
       <p:transition spd="slow">
         <p:fade/>
       </p:transition>
     </mc:Fallback>
   </mc:AlternateContent>
+  <p:timing>
+    <p:tnLst>
+      <p:par>
+        <p:cTn id="1" dur="indefinite" restart="never" nodeType="tmRoot"/>
+      </p:par>
+    </p:tnLst>
+  </p:timing>
 </p:sld>
 </file>
 
@@ -8024,6 +9579,13 @@
               </a:rPr>
               <a:t>Modelé relationnel des données (MRD)</a:t>
             </a:r>
+            <a:r>
+              <a:rPr lang="fr-FR" sz="4400" dirty="0">
+                <a:latin typeface="Arial" panose="020B0604020202020204" pitchFamily="34" charset="0"/>
+                <a:cs typeface="Arial" panose="020B0604020202020204" pitchFamily="34" charset="0"/>
+              </a:rPr>
+              <a:t/>
+            </a:r>
             <a:br>
               <a:rPr lang="fr-FR" sz="4400" dirty="0">
                 <a:latin typeface="Arial" panose="020B0604020202020204" pitchFamily="34" charset="0"/>
@@ -8056,7 +9618,7 @@
         </p:nvGraphicFramePr>
         <p:xfrm>
           <a:off x="3046984" y="3377535"/>
-          <a:ext cx="1656282" cy="1855855"/>
+          <a:ext cx="1656282" cy="1871095"/>
         </p:xfrm>
         <a:graphic>
           <a:graphicData uri="http://purl.oclc.org/ooxml/drawingml/table">
@@ -8503,7 +10065,7 @@
         </p:nvGraphicFramePr>
         <p:xfrm>
           <a:off x="9608313" y="3224525"/>
-          <a:ext cx="1832179" cy="2286572"/>
+          <a:ext cx="1832179" cy="2315401"/>
         </p:xfrm>
         <a:graphic>
           <a:graphicData uri="http://purl.oclc.org/ooxml/drawingml/table">
@@ -8895,7 +10457,7 @@
         </p:nvGraphicFramePr>
         <p:xfrm>
           <a:off x="470033" y="4068618"/>
-          <a:ext cx="1448435" cy="2580069"/>
+          <a:ext cx="1448435" cy="2608898"/>
         </p:xfrm>
         <a:graphic>
           <a:graphicData uri="http://purl.oclc.org/ooxml/drawingml/table">
@@ -9160,7 +10722,7 @@
         </p:nvGraphicFramePr>
         <p:xfrm>
           <a:off x="2303717" y="2106700"/>
-          <a:ext cx="1486535" cy="952627"/>
+          <a:ext cx="1486535" cy="967867"/>
         </p:xfrm>
         <a:graphic>
           <a:graphicData uri="http://purl.oclc.org/ooxml/drawingml/table">
@@ -9312,7 +10874,7 @@
         </p:nvGraphicFramePr>
         <p:xfrm>
           <a:off x="7523173" y="2051532"/>
-          <a:ext cx="1757154" cy="894842"/>
+          <a:ext cx="1757154" cy="910082"/>
         </p:xfrm>
         <a:graphic>
           <a:graphicData uri="http://purl.oclc.org/ooxml/drawingml/table">
@@ -9439,7 +11001,7 @@
         </p:nvGraphicFramePr>
         <p:xfrm>
           <a:off x="6499895" y="5612490"/>
-          <a:ext cx="1486535" cy="921703"/>
+          <a:ext cx="1486535" cy="935292"/>
         </p:xfrm>
         <a:graphic>
           <a:graphicData uri="http://purl.oclc.org/ooxml/drawingml/table">
@@ -9881,6 +11443,109 @@
           </a:fontRef>
         </p:style>
       </p:cxnSp>
+      <mc:AlternateContent xmlns:mc="http://schemas.openxmlformats.org/markup-compatibility/2006">
+        <mc:Choice xmlns:a14="http://schemas.microsoft.com/office/drawing/2010/main" Requires="a14">
+          <p:sp>
+            <p:nvSpPr>
+              <p:cNvPr id="20" name="ZoneTexte 19"/>
+              <p:cNvSpPr txBox="1"/>
+              <p:nvPr/>
+            </p:nvSpPr>
+            <p:spPr>
+              <a:xfrm>
+                <a:off x="10390909" y="452718"/>
+                <a:ext cx="665019" cy="604396"/>
+              </a:xfrm>
+              <a:prstGeom prst="rect">
+                <a:avLst/>
+              </a:prstGeom>
+              <a:noFill/>
+            </p:spPr>
+            <p:txBody>
+              <a:bodyPr wrap="square" rtlCol="0">
+                <a:spAutoFit/>
+              </a:bodyPr>
+              <a:lstStyle/>
+              <a:p>
+                <a14:m>
+                  <m:oMathPara xmlns:m="http://purl.oclc.org/ooxml/officeDocument/math">
+                    <m:oMathParaPr>
+                      <m:jc m:val="centerGroup"/>
+                    </m:oMathParaPr>
+                    <m:oMath xmlns:m="http://purl.oclc.org/ooxml/officeDocument/math">
+                      <m:f>
+                        <m:fPr>
+                          <m:type m:val="skw"/>
+                          <m:ctrlPr>
+                            <a:rPr lang="fr-FR" sz="2400" i="1" smtClean="0">
+                              <a:latin typeface="Cambria Math" panose="02040503050406030204" pitchFamily="18" charset="0"/>
+                            </a:rPr>
+                          </m:ctrlPr>
+                        </m:fPr>
+                        <m:num>
+                          <m:r>
+                            <a:rPr lang="fr-FR" sz="2400" b="0" i="1" smtClean="0">
+                              <a:latin typeface="Cambria Math" panose="02040503050406030204" pitchFamily="18" charset="0"/>
+                            </a:rPr>
+                            <m:t>5</m:t>
+                          </m:r>
+                        </m:num>
+                        <m:den>
+                          <m:r>
+                            <a:rPr lang="fr-FR" sz="2400" b="0" i="1" smtClean="0">
+                              <a:latin typeface="Cambria Math" panose="02040503050406030204" pitchFamily="18" charset="0"/>
+                            </a:rPr>
+                            <m:t>14</m:t>
+                          </m:r>
+                        </m:den>
+                      </m:f>
+                    </m:oMath>
+                  </m:oMathPara>
+                </a14:m>
+                <a:endParaRPr lang="fr-FR" dirty="0"/>
+              </a:p>
+            </p:txBody>
+          </p:sp>
+        </mc:Choice>
+        <mc:Fallback>
+          <p:sp>
+            <p:nvSpPr>
+              <p:cNvPr id="20" name="ZoneTexte 19"/>
+              <p:cNvSpPr txBox="1">
+                <a:spLocks noRot="1" noChangeAspect="1" noMove="1" noResize="1" noEditPoints="1" noAdjustHandles="1" noChangeArrowheads="1" noChangeShapeType="1" noTextEdit="1"/>
+              </p:cNvSpPr>
+              <p:nvPr/>
+            </p:nvSpPr>
+            <p:spPr>
+              <a:xfrm>
+                <a:off x="10390909" y="452718"/>
+                <a:ext cx="665019" cy="604396"/>
+              </a:xfrm>
+              <a:prstGeom prst="rect">
+                <a:avLst/>
+              </a:prstGeom>
+              <a:blipFill>
+                <a:blip r:embed="rId2"/>
+                <a:stretch>
+                  <a:fillRect r="-7.339%"/>
+                </a:stretch>
+              </a:blipFill>
+            </p:spPr>
+            <p:txBody>
+              <a:bodyPr/>
+              <a:lstStyle/>
+              <a:p>
+                <a:r>
+                  <a:rPr lang="fr-FR">
+                    <a:noFill/>
+                  </a:rPr>
+                  <a:t> </a:t>
+                </a:r>
+              </a:p>
+            </p:txBody>
+          </p:sp>
+        </mc:Fallback>
+      </mc:AlternateContent>
     </p:spTree>
     <p:extLst>
       <p:ext uri="{BB962C8B-B14F-4D97-AF65-F5344CB8AC3E}">
@@ -9897,7 +11562,7 @@
         <p14:window dir="vert"/>
       </p:transition>
     </mc:Choice>
-    <mc:Fallback xmlns="" xmlns:a="http://schemas.openxmlformats.org/drawingml/2006/main" xmlns:r="http://schemas.openxmlformats.org/officeDocument/2006/relationships" xmlns:p="http://schemas.openxmlformats.org/presentationml/2006/main">
+    <mc:Fallback xmlns:p="http://schemas.openxmlformats.org/presentationml/2006/main" xmlns:r="http://schemas.openxmlformats.org/officeDocument/2006/relationships" xmlns:a="http://schemas.openxmlformats.org/drawingml/2006/main" xmlns="">
       <p:transition spd="slow">
         <p:fade/>
       </p:transition>
@@ -11718,6 +13383,109 @@
           </a:p>
         </p:txBody>
       </p:sp>
+      <mc:AlternateContent xmlns:mc="http://schemas.openxmlformats.org/markup-compatibility/2006">
+        <mc:Choice xmlns:a14="http://schemas.microsoft.com/office/drawing/2010/main" Requires="a14">
+          <p:sp>
+            <p:nvSpPr>
+              <p:cNvPr id="4" name="ZoneTexte 3"/>
+              <p:cNvSpPr txBox="1"/>
+              <p:nvPr/>
+            </p:nvSpPr>
+            <p:spPr>
+              <a:xfrm>
+                <a:off x="10390909" y="452718"/>
+                <a:ext cx="665019" cy="572529"/>
+              </a:xfrm>
+              <a:prstGeom prst="rect">
+                <a:avLst/>
+              </a:prstGeom>
+              <a:noFill/>
+            </p:spPr>
+            <p:txBody>
+              <a:bodyPr wrap="square" rtlCol="0">
+                <a:spAutoFit/>
+              </a:bodyPr>
+              <a:lstStyle/>
+              <a:p>
+                <a14:m>
+                  <m:oMathPara xmlns:m="http://purl.oclc.org/ooxml/officeDocument/math">
+                    <m:oMathParaPr>
+                      <m:jc m:val="centerGroup"/>
+                    </m:oMathParaPr>
+                    <m:oMath xmlns:m="http://purl.oclc.org/ooxml/officeDocument/math">
+                      <m:f>
+                        <m:fPr>
+                          <m:type m:val="skw"/>
+                          <m:ctrlPr>
+                            <a:rPr lang="fr-FR" sz="2400" i="1" smtClean="0">
+                              <a:latin typeface="Cambria Math" panose="02040503050406030204" pitchFamily="18" charset="0"/>
+                            </a:rPr>
+                          </m:ctrlPr>
+                        </m:fPr>
+                        <m:num>
+                          <m:r>
+                            <a:rPr lang="fr-FR" sz="2400" b="0" i="1" smtClean="0">
+                              <a:latin typeface="Cambria Math" panose="02040503050406030204" pitchFamily="18" charset="0"/>
+                            </a:rPr>
+                            <m:t>6</m:t>
+                          </m:r>
+                        </m:num>
+                        <m:den>
+                          <m:r>
+                            <a:rPr lang="fr-FR" sz="2400" b="0" i="1" smtClean="0">
+                              <a:latin typeface="Cambria Math" panose="02040503050406030204" pitchFamily="18" charset="0"/>
+                            </a:rPr>
+                            <m:t>14</m:t>
+                          </m:r>
+                        </m:den>
+                      </m:f>
+                    </m:oMath>
+                  </m:oMathPara>
+                </a14:m>
+                <a:endParaRPr lang="fr-FR" dirty="0"/>
+              </a:p>
+            </p:txBody>
+          </p:sp>
+        </mc:Choice>
+        <mc:Fallback>
+          <p:sp>
+            <p:nvSpPr>
+              <p:cNvPr id="4" name="ZoneTexte 3"/>
+              <p:cNvSpPr txBox="1">
+                <a:spLocks noRot="1" noChangeAspect="1" noMove="1" noResize="1" noEditPoints="1" noAdjustHandles="1" noChangeArrowheads="1" noChangeShapeType="1" noTextEdit="1"/>
+              </p:cNvSpPr>
+              <p:nvPr/>
+            </p:nvSpPr>
+            <p:spPr>
+              <a:xfrm>
+                <a:off x="10390909" y="452718"/>
+                <a:ext cx="665019" cy="572529"/>
+              </a:xfrm>
+              <a:prstGeom prst="rect">
+                <a:avLst/>
+              </a:prstGeom>
+              <a:blipFill>
+                <a:blip r:embed="rId2"/>
+                <a:stretch>
+                  <a:fillRect r="-7.339%"/>
+                </a:stretch>
+              </a:blipFill>
+            </p:spPr>
+            <p:txBody>
+              <a:bodyPr/>
+              <a:lstStyle/>
+              <a:p>
+                <a:r>
+                  <a:rPr lang="fr-FR">
+                    <a:noFill/>
+                  </a:rPr>
+                  <a:t> </a:t>
+                </a:r>
+              </a:p>
+            </p:txBody>
+          </p:sp>
+        </mc:Fallback>
+      </mc:AlternateContent>
     </p:spTree>
     <p:extLst>
       <p:ext uri="{BB962C8B-B14F-4D97-AF65-F5344CB8AC3E}">
@@ -11734,12 +13502,19 @@
         <p15:prstTrans prst="fracture"/>
       </p:transition>
     </mc:Choice>
-    <mc:Fallback xmlns:p="http://schemas.openxmlformats.org/presentationml/2006/main" xmlns:r="http://schemas.openxmlformats.org/officeDocument/2006/relationships" xmlns:a="http://schemas.openxmlformats.org/drawingml/2006/main" xmlns="">
+    <mc:Fallback xmlns="" xmlns:a="http://schemas.openxmlformats.org/drawingml/2006/main" xmlns:r="http://schemas.openxmlformats.org/officeDocument/2006/relationships" xmlns:p="http://schemas.openxmlformats.org/presentationml/2006/main">
       <p:transition spd="slow">
         <p:fade/>
       </p:transition>
     </mc:Fallback>
   </mc:AlternateContent>
+  <p:timing>
+    <p:tnLst>
+      <p:par>
+        <p:cTn id="1" dur="indefinite" restart="never" nodeType="tmRoot"/>
+      </p:par>
+    </p:tnLst>
+  </p:timing>
 </p:sld>
 </file>
 
@@ -11878,6 +13653,109 @@
           </a:prstGeom>
         </p:spPr>
       </p:pic>
+      <mc:AlternateContent xmlns:mc="http://schemas.openxmlformats.org/markup-compatibility/2006">
+        <mc:Choice xmlns:a14="http://schemas.microsoft.com/office/drawing/2010/main" Requires="a14">
+          <p:sp>
+            <p:nvSpPr>
+              <p:cNvPr id="6" name="ZoneTexte 5"/>
+              <p:cNvSpPr txBox="1"/>
+              <p:nvPr/>
+            </p:nvSpPr>
+            <p:spPr>
+              <a:xfrm>
+                <a:off x="10390909" y="452718"/>
+                <a:ext cx="665019" cy="571182"/>
+              </a:xfrm>
+              <a:prstGeom prst="rect">
+                <a:avLst/>
+              </a:prstGeom>
+              <a:noFill/>
+            </p:spPr>
+            <p:txBody>
+              <a:bodyPr wrap="square" rtlCol="0">
+                <a:spAutoFit/>
+              </a:bodyPr>
+              <a:lstStyle/>
+              <a:p>
+                <a14:m>
+                  <m:oMathPara xmlns:m="http://purl.oclc.org/ooxml/officeDocument/math">
+                    <m:oMathParaPr>
+                      <m:jc m:val="centerGroup"/>
+                    </m:oMathParaPr>
+                    <m:oMath xmlns:m="http://purl.oclc.org/ooxml/officeDocument/math">
+                      <m:f>
+                        <m:fPr>
+                          <m:type m:val="skw"/>
+                          <m:ctrlPr>
+                            <a:rPr lang="fr-FR" sz="2400" i="1" smtClean="0">
+                              <a:latin typeface="Cambria Math" panose="02040503050406030204" pitchFamily="18" charset="0"/>
+                            </a:rPr>
+                          </m:ctrlPr>
+                        </m:fPr>
+                        <m:num>
+                          <m:r>
+                            <a:rPr lang="fr-FR" sz="2400" b="0" i="1" smtClean="0">
+                              <a:latin typeface="Cambria Math" panose="02040503050406030204" pitchFamily="18" charset="0"/>
+                            </a:rPr>
+                            <m:t>7</m:t>
+                          </m:r>
+                        </m:num>
+                        <m:den>
+                          <m:r>
+                            <a:rPr lang="fr-FR" sz="2400" b="0" i="1" smtClean="0">
+                              <a:latin typeface="Cambria Math" panose="02040503050406030204" pitchFamily="18" charset="0"/>
+                            </a:rPr>
+                            <m:t>14</m:t>
+                          </m:r>
+                        </m:den>
+                      </m:f>
+                    </m:oMath>
+                  </m:oMathPara>
+                </a14:m>
+                <a:endParaRPr lang="fr-FR" dirty="0"/>
+              </a:p>
+            </p:txBody>
+          </p:sp>
+        </mc:Choice>
+        <mc:Fallback>
+          <p:sp>
+            <p:nvSpPr>
+              <p:cNvPr id="6" name="ZoneTexte 5"/>
+              <p:cNvSpPr txBox="1">
+                <a:spLocks noRot="1" noChangeAspect="1" noMove="1" noResize="1" noEditPoints="1" noAdjustHandles="1" noChangeArrowheads="1" noChangeShapeType="1" noTextEdit="1"/>
+              </p:cNvSpPr>
+              <p:nvPr/>
+            </p:nvSpPr>
+            <p:spPr>
+              <a:xfrm>
+                <a:off x="10390909" y="452718"/>
+                <a:ext cx="665019" cy="571182"/>
+              </a:xfrm>
+              <a:prstGeom prst="rect">
+                <a:avLst/>
+              </a:prstGeom>
+              <a:blipFill>
+                <a:blip r:embed="rId5"/>
+                <a:stretch>
+                  <a:fillRect r="-7.339%"/>
+                </a:stretch>
+              </a:blipFill>
+            </p:spPr>
+            <p:txBody>
+              <a:bodyPr/>
+              <a:lstStyle/>
+              <a:p>
+                <a:r>
+                  <a:rPr lang="fr-FR">
+                    <a:noFill/>
+                  </a:rPr>
+                  <a:t> </a:t>
+                </a:r>
+              </a:p>
+            </p:txBody>
+          </p:sp>
+        </mc:Fallback>
+      </mc:AlternateContent>
     </p:spTree>
     <p:extLst>
       <p:ext uri="{BB962C8B-B14F-4D97-AF65-F5344CB8AC3E}">
@@ -11888,13 +13766,13 @@
   <p:clrMapOvr>
     <a:masterClrMapping/>
   </p:clrMapOvr>
-  <mc:AlternateContent xmlns:mc="http://schemas.openxmlformats.org/markup-compatibility/2006">
-    <mc:Choice xmlns:p14="http://schemas.microsoft.com/office/powerpoint/2010/main" Requires="p14">
+  <mc:AlternateContent xmlns:mc="http://schemas.openxmlformats.org/markup-compatibility/2006" xmlns:p14="http://schemas.microsoft.com/office/powerpoint/2010/main">
+    <mc:Choice Requires="p14">
       <p:transition spd="slow" p14:dur="2000">
         <p14:ferris dir="l"/>
       </p:transition>
     </mc:Choice>
-    <mc:Fallback>
+    <mc:Fallback xmlns:p="http://schemas.openxmlformats.org/presentationml/2006/main" xmlns:r="http://schemas.openxmlformats.org/officeDocument/2006/relationships" xmlns:a="http://schemas.openxmlformats.org/drawingml/2006/main" xmlns="">
       <p:transition spd="slow">
         <p:fade/>
       </p:transition>
@@ -12278,6 +14156,109 @@
           </a:prstGeom>
         </p:spPr>
       </p:pic>
+      <mc:AlternateContent xmlns:mc="http://schemas.openxmlformats.org/markup-compatibility/2006">
+        <mc:Choice xmlns:a14="http://schemas.microsoft.com/office/drawing/2010/main" Requires="a14">
+          <p:sp>
+            <p:nvSpPr>
+              <p:cNvPr id="7" name="ZoneTexte 6"/>
+              <p:cNvSpPr txBox="1"/>
+              <p:nvPr/>
+            </p:nvSpPr>
+            <p:spPr>
+              <a:xfrm>
+                <a:off x="10390909" y="452718"/>
+                <a:ext cx="665019" cy="574901"/>
+              </a:xfrm>
+              <a:prstGeom prst="rect">
+                <a:avLst/>
+              </a:prstGeom>
+              <a:noFill/>
+            </p:spPr>
+            <p:txBody>
+              <a:bodyPr wrap="square" rtlCol="0">
+                <a:spAutoFit/>
+              </a:bodyPr>
+              <a:lstStyle/>
+              <a:p>
+                <a14:m>
+                  <m:oMathPara xmlns:m="http://purl.oclc.org/ooxml/officeDocument/math">
+                    <m:oMathParaPr>
+                      <m:jc m:val="centerGroup"/>
+                    </m:oMathParaPr>
+                    <m:oMath xmlns:m="http://purl.oclc.org/ooxml/officeDocument/math">
+                      <m:f>
+                        <m:fPr>
+                          <m:type m:val="skw"/>
+                          <m:ctrlPr>
+                            <a:rPr lang="fr-FR" sz="2400" i="1" smtClean="0">
+                              <a:latin typeface="Cambria Math" panose="02040503050406030204" pitchFamily="18" charset="0"/>
+                            </a:rPr>
+                          </m:ctrlPr>
+                        </m:fPr>
+                        <m:num>
+                          <m:r>
+                            <a:rPr lang="fr-FR" sz="2400" b="0" i="1" smtClean="0">
+                              <a:latin typeface="Cambria Math" panose="02040503050406030204" pitchFamily="18" charset="0"/>
+                            </a:rPr>
+                            <m:t>8</m:t>
+                          </m:r>
+                        </m:num>
+                        <m:den>
+                          <m:r>
+                            <a:rPr lang="fr-FR" sz="2400" b="0" i="1" smtClean="0">
+                              <a:latin typeface="Cambria Math" panose="02040503050406030204" pitchFamily="18" charset="0"/>
+                            </a:rPr>
+                            <m:t>14</m:t>
+                          </m:r>
+                        </m:den>
+                      </m:f>
+                    </m:oMath>
+                  </m:oMathPara>
+                </a14:m>
+                <a:endParaRPr lang="fr-FR" dirty="0"/>
+              </a:p>
+            </p:txBody>
+          </p:sp>
+        </mc:Choice>
+        <mc:Fallback>
+          <p:sp>
+            <p:nvSpPr>
+              <p:cNvPr id="7" name="ZoneTexte 6"/>
+              <p:cNvSpPr txBox="1">
+                <a:spLocks noRot="1" noChangeAspect="1" noMove="1" noResize="1" noEditPoints="1" noAdjustHandles="1" noChangeArrowheads="1" noChangeShapeType="1" noTextEdit="1"/>
+              </p:cNvSpPr>
+              <p:nvPr/>
+            </p:nvSpPr>
+            <p:spPr>
+              <a:xfrm>
+                <a:off x="10390909" y="452718"/>
+                <a:ext cx="665019" cy="574901"/>
+              </a:xfrm>
+              <a:prstGeom prst="rect">
+                <a:avLst/>
+              </a:prstGeom>
+              <a:blipFill>
+                <a:blip r:embed="rId6"/>
+                <a:stretch>
+                  <a:fillRect r="-7.339%"/>
+                </a:stretch>
+              </a:blipFill>
+            </p:spPr>
+            <p:txBody>
+              <a:bodyPr/>
+              <a:lstStyle/>
+              <a:p>
+                <a:r>
+                  <a:rPr lang="fr-FR">
+                    <a:noFill/>
+                  </a:rPr>
+                  <a:t> </a:t>
+                </a:r>
+              </a:p>
+            </p:txBody>
+          </p:sp>
+        </mc:Fallback>
+      </mc:AlternateContent>
     </p:spTree>
     <p:extLst>
       <p:ext uri="{BB962C8B-B14F-4D97-AF65-F5344CB8AC3E}">
@@ -12288,13 +14269,13 @@
   <p:clrMapOvr>
     <a:masterClrMapping/>
   </p:clrMapOvr>
-  <mc:AlternateContent xmlns:mc="http://schemas.openxmlformats.org/markup-compatibility/2006">
-    <mc:Choice xmlns:p14="http://schemas.microsoft.com/office/powerpoint/2010/main" Requires="p14">
+  <mc:AlternateContent xmlns:mc="http://schemas.openxmlformats.org/markup-compatibility/2006" xmlns:p14="http://schemas.microsoft.com/office/powerpoint/2010/main">
+    <mc:Choice Requires="p14">
       <p:transition spd="slow" p14:dur="1600">
         <p14:conveyor dir="l"/>
       </p:transition>
     </mc:Choice>
-    <mc:Fallback>
+    <mc:Fallback xmlns:p="http://schemas.openxmlformats.org/presentationml/2006/main" xmlns:r="http://schemas.openxmlformats.org/officeDocument/2006/relationships" xmlns:a="http://schemas.openxmlformats.org/drawingml/2006/main" xmlns="">
       <p:transition spd="slow">
         <p:fade/>
       </p:transition>
@@ -12529,6 +14510,109 @@
           </a:prstGeom>
         </p:spPr>
       </p:pic>
+      <mc:AlternateContent xmlns:mc="http://schemas.openxmlformats.org/markup-compatibility/2006">
+        <mc:Choice xmlns:a14="http://schemas.microsoft.com/office/drawing/2010/main" Requires="a14">
+          <p:sp>
+            <p:nvSpPr>
+              <p:cNvPr id="6" name="ZoneTexte 5"/>
+              <p:cNvSpPr txBox="1"/>
+              <p:nvPr/>
+            </p:nvSpPr>
+            <p:spPr>
+              <a:xfrm>
+                <a:off x="10390909" y="452718"/>
+                <a:ext cx="665019" cy="574901"/>
+              </a:xfrm>
+              <a:prstGeom prst="rect">
+                <a:avLst/>
+              </a:prstGeom>
+              <a:noFill/>
+            </p:spPr>
+            <p:txBody>
+              <a:bodyPr wrap="square" rtlCol="0">
+                <a:spAutoFit/>
+              </a:bodyPr>
+              <a:lstStyle/>
+              <a:p>
+                <a14:m>
+                  <m:oMathPara xmlns:m="http://purl.oclc.org/ooxml/officeDocument/math">
+                    <m:oMathParaPr>
+                      <m:jc m:val="centerGroup"/>
+                    </m:oMathParaPr>
+                    <m:oMath xmlns:m="http://purl.oclc.org/ooxml/officeDocument/math">
+                      <m:f>
+                        <m:fPr>
+                          <m:type m:val="skw"/>
+                          <m:ctrlPr>
+                            <a:rPr lang="fr-FR" sz="2400" i="1" smtClean="0">
+                              <a:latin typeface="Cambria Math" panose="02040503050406030204" pitchFamily="18" charset="0"/>
+                            </a:rPr>
+                          </m:ctrlPr>
+                        </m:fPr>
+                        <m:num>
+                          <m:r>
+                            <a:rPr lang="fr-FR" sz="2400" b="0" i="1" smtClean="0">
+                              <a:latin typeface="Cambria Math" panose="02040503050406030204" pitchFamily="18" charset="0"/>
+                            </a:rPr>
+                            <m:t>9</m:t>
+                          </m:r>
+                        </m:num>
+                        <m:den>
+                          <m:r>
+                            <a:rPr lang="fr-FR" sz="2400" b="0" i="1" smtClean="0">
+                              <a:latin typeface="Cambria Math" panose="02040503050406030204" pitchFamily="18" charset="0"/>
+                            </a:rPr>
+                            <m:t>14</m:t>
+                          </m:r>
+                        </m:den>
+                      </m:f>
+                    </m:oMath>
+                  </m:oMathPara>
+                </a14:m>
+                <a:endParaRPr lang="fr-FR" dirty="0"/>
+              </a:p>
+            </p:txBody>
+          </p:sp>
+        </mc:Choice>
+        <mc:Fallback>
+          <p:sp>
+            <p:nvSpPr>
+              <p:cNvPr id="6" name="ZoneTexte 5"/>
+              <p:cNvSpPr txBox="1">
+                <a:spLocks noRot="1" noChangeAspect="1" noMove="1" noResize="1" noEditPoints="1" noAdjustHandles="1" noChangeArrowheads="1" noChangeShapeType="1" noTextEdit="1"/>
+              </p:cNvSpPr>
+              <p:nvPr/>
+            </p:nvSpPr>
+            <p:spPr>
+              <a:xfrm>
+                <a:off x="10390909" y="452718"/>
+                <a:ext cx="665019" cy="574901"/>
+              </a:xfrm>
+              <a:prstGeom prst="rect">
+                <a:avLst/>
+              </a:prstGeom>
+              <a:blipFill>
+                <a:blip r:embed="rId4"/>
+                <a:stretch>
+                  <a:fillRect r="-7.339%"/>
+                </a:stretch>
+              </a:blipFill>
+            </p:spPr>
+            <p:txBody>
+              <a:bodyPr/>
+              <a:lstStyle/>
+              <a:p>
+                <a:r>
+                  <a:rPr lang="fr-FR">
+                    <a:noFill/>
+                  </a:rPr>
+                  <a:t> </a:t>
+                </a:r>
+              </a:p>
+            </p:txBody>
+          </p:sp>
+        </mc:Fallback>
+      </mc:AlternateContent>
     </p:spTree>
     <p:extLst>
       <p:ext uri="{BB962C8B-B14F-4D97-AF65-F5344CB8AC3E}">
@@ -12539,13 +14623,13 @@
   <p:clrMapOvr>
     <a:masterClrMapping/>
   </p:clrMapOvr>
-  <mc:AlternateContent xmlns:mc="http://schemas.openxmlformats.org/markup-compatibility/2006">
-    <mc:Choice xmlns:p14="http://schemas.microsoft.com/office/powerpoint/2010/main" Requires="p14">
+  <mc:AlternateContent xmlns:mc="http://schemas.openxmlformats.org/markup-compatibility/2006" xmlns:p14="http://schemas.microsoft.com/office/powerpoint/2010/main">
+    <mc:Choice Requires="p14">
       <p:transition spd="slow" p14:dur="1600">
         <p14:conveyor dir="l"/>
       </p:transition>
     </mc:Choice>
-    <mc:Fallback>
+    <mc:Fallback xmlns:p="http://schemas.openxmlformats.org/presentationml/2006/main" xmlns:r="http://schemas.openxmlformats.org/officeDocument/2006/relationships" xmlns:a="http://schemas.openxmlformats.org/drawingml/2006/main" xmlns="">
       <p:transition spd="slow">
         <p:fade/>
       </p:transition>
@@ -13229,6 +15313,109 @@
           </a:prstGeom>
         </p:spPr>
       </p:pic>
+      <mc:AlternateContent xmlns:mc="http://schemas.openxmlformats.org/markup-compatibility/2006">
+        <mc:Choice xmlns:a14="http://schemas.microsoft.com/office/drawing/2010/main" Requires="a14">
+          <p:sp>
+            <p:nvSpPr>
+              <p:cNvPr id="5" name="ZoneTexte 4"/>
+              <p:cNvSpPr txBox="1"/>
+              <p:nvPr/>
+            </p:nvSpPr>
+            <p:spPr>
+              <a:xfrm>
+                <a:off x="10367160" y="559596"/>
+                <a:ext cx="558139" cy="494494"/>
+              </a:xfrm>
+              <a:prstGeom prst="rect">
+                <a:avLst/>
+              </a:prstGeom>
+              <a:noFill/>
+            </p:spPr>
+            <p:txBody>
+              <a:bodyPr wrap="square" rtlCol="0">
+                <a:spAutoFit/>
+              </a:bodyPr>
+              <a:lstStyle/>
+              <a:p>
+                <a14:m>
+                  <m:oMathPara xmlns:m="http://purl.oclc.org/ooxml/officeDocument/math">
+                    <m:oMathParaPr>
+                      <m:jc m:val="centerGroup"/>
+                    </m:oMathParaPr>
+                    <m:oMath xmlns:m="http://purl.oclc.org/ooxml/officeDocument/math">
+                      <m:f>
+                        <m:fPr>
+                          <m:type m:val="skw"/>
+                          <m:ctrlPr>
+                            <a:rPr lang="fr-FR" sz="2000" i="1" smtClean="0">
+                              <a:latin typeface="Cambria Math" panose="02040503050406030204" pitchFamily="18" charset="0"/>
+                            </a:rPr>
+                          </m:ctrlPr>
+                        </m:fPr>
+                        <m:num>
+                          <m:r>
+                            <a:rPr lang="fr-FR" sz="2000" b="0" i="1" smtClean="0">
+                              <a:latin typeface="Cambria Math" panose="02040503050406030204" pitchFamily="18" charset="0"/>
+                            </a:rPr>
+                            <m:t>10</m:t>
+                          </m:r>
+                        </m:num>
+                        <m:den>
+                          <m:r>
+                            <a:rPr lang="fr-FR" sz="2000" b="0" i="1" smtClean="0">
+                              <a:latin typeface="Cambria Math" panose="02040503050406030204" pitchFamily="18" charset="0"/>
+                            </a:rPr>
+                            <m:t>14</m:t>
+                          </m:r>
+                        </m:den>
+                      </m:f>
+                    </m:oMath>
+                  </m:oMathPara>
+                </a14:m>
+                <a:endParaRPr lang="fr-FR" dirty="0"/>
+              </a:p>
+            </p:txBody>
+          </p:sp>
+        </mc:Choice>
+        <mc:Fallback>
+          <p:sp>
+            <p:nvSpPr>
+              <p:cNvPr id="5" name="ZoneTexte 4"/>
+              <p:cNvSpPr txBox="1">
+                <a:spLocks noRot="1" noChangeAspect="1" noMove="1" noResize="1" noEditPoints="1" noAdjustHandles="1" noChangeArrowheads="1" noChangeShapeType="1" noTextEdit="1"/>
+              </p:cNvSpPr>
+              <p:nvPr/>
+            </p:nvSpPr>
+            <p:spPr>
+              <a:xfrm>
+                <a:off x="10367160" y="559596"/>
+                <a:ext cx="558139" cy="494494"/>
+              </a:xfrm>
+              <a:prstGeom prst="rect">
+                <a:avLst/>
+              </a:prstGeom>
+              <a:blipFill>
+                <a:blip r:embed="rId4"/>
+                <a:stretch>
+                  <a:fillRect l="-42.857%" t="-124.691%" r="-136.264%" b="-191.358%"/>
+                </a:stretch>
+              </a:blipFill>
+            </p:spPr>
+            <p:txBody>
+              <a:bodyPr/>
+              <a:lstStyle/>
+              <a:p>
+                <a:r>
+                  <a:rPr lang="fr-FR">
+                    <a:noFill/>
+                  </a:rPr>
+                  <a:t> </a:t>
+                </a:r>
+              </a:p>
+            </p:txBody>
+          </p:sp>
+        </mc:Fallback>
+      </mc:AlternateContent>
     </p:spTree>
     <p:extLst>
       <p:ext uri="{BB962C8B-B14F-4D97-AF65-F5344CB8AC3E}">
@@ -13239,13 +15426,13 @@
   <p:clrMapOvr>
     <a:masterClrMapping/>
   </p:clrMapOvr>
-  <mc:AlternateContent xmlns:mc="http://schemas.openxmlformats.org/markup-compatibility/2006">
-    <mc:Choice xmlns:p14="http://schemas.microsoft.com/office/powerpoint/2010/main" Requires="p14">
+  <mc:AlternateContent xmlns:mc="http://schemas.openxmlformats.org/markup-compatibility/2006" xmlns:p14="http://schemas.microsoft.com/office/powerpoint/2010/main">
+    <mc:Choice Requires="p14">
       <p:transition spd="slow" p14:dur="1600">
         <p14:conveyor dir="l"/>
       </p:transition>
     </mc:Choice>
-    <mc:Fallback>
+    <mc:Fallback xmlns:p="http://schemas.openxmlformats.org/presentationml/2006/main" xmlns:r="http://schemas.openxmlformats.org/officeDocument/2006/relationships" xmlns:a="http://schemas.openxmlformats.org/drawingml/2006/main" xmlns="">
       <p:transition spd="slow">
         <p:fade/>
       </p:transition>
@@ -13929,6 +16116,109 @@
           </a:prstGeom>
         </p:spPr>
       </p:pic>
+      <mc:AlternateContent xmlns:mc="http://schemas.openxmlformats.org/markup-compatibility/2006">
+        <mc:Choice xmlns:a14="http://schemas.microsoft.com/office/drawing/2010/main" Requires="a14">
+          <p:sp>
+            <p:nvSpPr>
+              <p:cNvPr id="6" name="ZoneTexte 5"/>
+              <p:cNvSpPr txBox="1"/>
+              <p:nvPr/>
+            </p:nvSpPr>
+            <p:spPr>
+              <a:xfrm>
+                <a:off x="10367160" y="559596"/>
+                <a:ext cx="558139" cy="494494"/>
+              </a:xfrm>
+              <a:prstGeom prst="rect">
+                <a:avLst/>
+              </a:prstGeom>
+              <a:noFill/>
+            </p:spPr>
+            <p:txBody>
+              <a:bodyPr wrap="square" rtlCol="0">
+                <a:spAutoFit/>
+              </a:bodyPr>
+              <a:lstStyle/>
+              <a:p>
+                <a14:m>
+                  <m:oMathPara xmlns:m="http://purl.oclc.org/ooxml/officeDocument/math">
+                    <m:oMathParaPr>
+                      <m:jc m:val="centerGroup"/>
+                    </m:oMathParaPr>
+                    <m:oMath xmlns:m="http://purl.oclc.org/ooxml/officeDocument/math">
+                      <m:f>
+                        <m:fPr>
+                          <m:type m:val="skw"/>
+                          <m:ctrlPr>
+                            <a:rPr lang="fr-FR" sz="2000" i="1" smtClean="0">
+                              <a:latin typeface="Cambria Math" panose="02040503050406030204" pitchFamily="18" charset="0"/>
+                            </a:rPr>
+                          </m:ctrlPr>
+                        </m:fPr>
+                        <m:num>
+                          <m:r>
+                            <a:rPr lang="fr-FR" sz="2000" b="0" i="1" smtClean="0">
+                              <a:latin typeface="Cambria Math" panose="02040503050406030204" pitchFamily="18" charset="0"/>
+                            </a:rPr>
+                            <m:t>11</m:t>
+                          </m:r>
+                        </m:num>
+                        <m:den>
+                          <m:r>
+                            <a:rPr lang="fr-FR" sz="2000" b="0" i="1" smtClean="0">
+                              <a:latin typeface="Cambria Math" panose="02040503050406030204" pitchFamily="18" charset="0"/>
+                            </a:rPr>
+                            <m:t>14</m:t>
+                          </m:r>
+                        </m:den>
+                      </m:f>
+                    </m:oMath>
+                  </m:oMathPara>
+                </a14:m>
+                <a:endParaRPr lang="fr-FR" dirty="0"/>
+              </a:p>
+            </p:txBody>
+          </p:sp>
+        </mc:Choice>
+        <mc:Fallback>
+          <p:sp>
+            <p:nvSpPr>
+              <p:cNvPr id="6" name="ZoneTexte 5"/>
+              <p:cNvSpPr txBox="1">
+                <a:spLocks noRot="1" noChangeAspect="1" noMove="1" noResize="1" noEditPoints="1" noAdjustHandles="1" noChangeArrowheads="1" noChangeShapeType="1" noTextEdit="1"/>
+              </p:cNvSpPr>
+              <p:nvPr/>
+            </p:nvSpPr>
+            <p:spPr>
+              <a:xfrm>
+                <a:off x="10367160" y="559596"/>
+                <a:ext cx="558139" cy="494494"/>
+              </a:xfrm>
+              <a:prstGeom prst="rect">
+                <a:avLst/>
+              </a:prstGeom>
+              <a:blipFill>
+                <a:blip r:embed="rId4"/>
+                <a:stretch>
+                  <a:fillRect l="-42.857%" t="-125.926%" r="-136.264%" b="-190.123%"/>
+                </a:stretch>
+              </a:blipFill>
+            </p:spPr>
+            <p:txBody>
+              <a:bodyPr/>
+              <a:lstStyle/>
+              <a:p>
+                <a:r>
+                  <a:rPr lang="fr-FR">
+                    <a:noFill/>
+                  </a:rPr>
+                  <a:t> </a:t>
+                </a:r>
+              </a:p>
+            </p:txBody>
+          </p:sp>
+        </mc:Fallback>
+      </mc:AlternateContent>
     </p:spTree>
     <p:extLst>
       <p:ext uri="{BB962C8B-B14F-4D97-AF65-F5344CB8AC3E}">
@@ -13939,13 +16229,13 @@
   <p:clrMapOvr>
     <a:masterClrMapping/>
   </p:clrMapOvr>
-  <mc:AlternateContent xmlns:mc="http://schemas.openxmlformats.org/markup-compatibility/2006">
-    <mc:Choice xmlns:p14="http://schemas.microsoft.com/office/powerpoint/2010/main" Requires="p14">
+  <mc:AlternateContent xmlns:mc="http://schemas.openxmlformats.org/markup-compatibility/2006" xmlns:p14="http://schemas.microsoft.com/office/powerpoint/2010/main">
+    <mc:Choice Requires="p14">
       <p:transition spd="slow" p14:dur="1600">
         <p14:conveyor dir="l"/>
       </p:transition>
     </mc:Choice>
-    <mc:Fallback>
+    <mc:Fallback xmlns:p="http://schemas.openxmlformats.org/presentationml/2006/main" xmlns:r="http://schemas.openxmlformats.org/officeDocument/2006/relationships" xmlns:a="http://schemas.openxmlformats.org/drawingml/2006/main" xmlns="">
       <p:transition spd="slow">
         <p:fade/>
       </p:transition>
@@ -14569,6 +16859,13 @@
               </a:rPr>
               <a:t>Présentation d’ une version beta de l’ application</a:t>
             </a:r>
+            <a:r>
+              <a:rPr lang="fr-FR" sz="4400" dirty="0">
+                <a:latin typeface="Arial" panose="020B0604020202020204" pitchFamily="34" charset="0"/>
+                <a:cs typeface="Arial" panose="020B0604020202020204" pitchFamily="34" charset="0"/>
+              </a:rPr>
+              <a:t/>
+            </a:r>
             <a:br>
               <a:rPr lang="fr-FR" sz="4400" dirty="0">
                 <a:latin typeface="Arial" panose="020B0604020202020204" pitchFamily="34" charset="0"/>
@@ -14581,13 +16878,8 @@
       </p:sp>
       <p:pic>
         <p:nvPicPr>
-          <p:cNvPr id="6" name="Image 5">
+          <p:cNvPr id="5" name="Image 4">
             <a:hlinkClick r:id="rId2" action="ppaction://hlinkfile"/>
-            <a:extLst>
-              <a:ext uri="{FF2B5EF4-FFF2-40B4-BE49-F238E27FC236}">
-                <a16:creationId xmlns:a16="http://schemas.microsoft.com/office/drawing/2014/main" id="{3D6B60B5-BDE9-4077-A7F5-DB85785D6879}"/>
-              </a:ext>
-            </a:extLst>
           </p:cNvPr>
           <p:cNvPicPr>
             <a:picLocks noChangeAspect="1"/>
@@ -14595,21 +16887,130 @@
           <p:nvPr/>
         </p:nvPicPr>
         <p:blipFill>
-          <a:blip r:embed="rId3"/>
+          <a:blip r:embed="rId3">
+            <a:extLst>
+              <a:ext uri="{28A0092B-C50C-407E-A947-70E740481C1C}">
+                <a14:useLocalDpi xmlns:a14="http://schemas.microsoft.com/office/drawing/2010/main" val="0"/>
+              </a:ext>
+            </a:extLst>
+          </a:blip>
           <a:stretch>
             <a:fillRect/>
           </a:stretch>
         </p:blipFill>
         <p:spPr>
           <a:xfrm>
-            <a:off x="3620954" y="2133362"/>
-            <a:ext cx="3455035" cy="2591276"/>
+            <a:off x="3702010" y="2205353"/>
+            <a:ext cx="3292924" cy="3292924"/>
           </a:xfrm>
           <a:prstGeom prst="rect">
             <a:avLst/>
           </a:prstGeom>
         </p:spPr>
       </p:pic>
+      <mc:AlternateContent xmlns:mc="http://schemas.openxmlformats.org/markup-compatibility/2006">
+        <mc:Choice xmlns:a14="http://schemas.microsoft.com/office/drawing/2010/main" Requires="a14">
+          <p:sp>
+            <p:nvSpPr>
+              <p:cNvPr id="7" name="ZoneTexte 6"/>
+              <p:cNvSpPr txBox="1"/>
+              <p:nvPr/>
+            </p:nvSpPr>
+            <p:spPr>
+              <a:xfrm>
+                <a:off x="10367160" y="559596"/>
+                <a:ext cx="558139" cy="494494"/>
+              </a:xfrm>
+              <a:prstGeom prst="rect">
+                <a:avLst/>
+              </a:prstGeom>
+              <a:noFill/>
+            </p:spPr>
+            <p:txBody>
+              <a:bodyPr wrap="square" rtlCol="0">
+                <a:spAutoFit/>
+              </a:bodyPr>
+              <a:lstStyle/>
+              <a:p>
+                <a14:m>
+                  <m:oMathPara xmlns:m="http://purl.oclc.org/ooxml/officeDocument/math">
+                    <m:oMathParaPr>
+                      <m:jc m:val="centerGroup"/>
+                    </m:oMathParaPr>
+                    <m:oMath xmlns:m="http://purl.oclc.org/ooxml/officeDocument/math">
+                      <m:f>
+                        <m:fPr>
+                          <m:type m:val="skw"/>
+                          <m:ctrlPr>
+                            <a:rPr lang="fr-FR" sz="2000" i="1" smtClean="0">
+                              <a:latin typeface="Cambria Math" panose="02040503050406030204" pitchFamily="18" charset="0"/>
+                            </a:rPr>
+                          </m:ctrlPr>
+                        </m:fPr>
+                        <m:num>
+                          <m:r>
+                            <a:rPr lang="fr-FR" sz="2000" b="0" i="1" smtClean="0">
+                              <a:latin typeface="Cambria Math" panose="02040503050406030204" pitchFamily="18" charset="0"/>
+                            </a:rPr>
+                            <m:t>12</m:t>
+                          </m:r>
+                        </m:num>
+                        <m:den>
+                          <m:r>
+                            <a:rPr lang="fr-FR" sz="2000" b="0" i="1" smtClean="0">
+                              <a:latin typeface="Cambria Math" panose="02040503050406030204" pitchFamily="18" charset="0"/>
+                            </a:rPr>
+                            <m:t>14</m:t>
+                          </m:r>
+                        </m:den>
+                      </m:f>
+                    </m:oMath>
+                  </m:oMathPara>
+                </a14:m>
+                <a:endParaRPr lang="fr-FR" dirty="0"/>
+              </a:p>
+            </p:txBody>
+          </p:sp>
+        </mc:Choice>
+        <mc:Fallback>
+          <p:sp>
+            <p:nvSpPr>
+              <p:cNvPr id="7" name="ZoneTexte 6"/>
+              <p:cNvSpPr txBox="1">
+                <a:spLocks noRot="1" noChangeAspect="1" noMove="1" noResize="1" noEditPoints="1" noAdjustHandles="1" noChangeArrowheads="1" noChangeShapeType="1" noTextEdit="1"/>
+              </p:cNvSpPr>
+              <p:nvPr/>
+            </p:nvSpPr>
+            <p:spPr>
+              <a:xfrm>
+                <a:off x="10367160" y="559596"/>
+                <a:ext cx="558139" cy="494494"/>
+              </a:xfrm>
+              <a:prstGeom prst="rect">
+                <a:avLst/>
+              </a:prstGeom>
+              <a:blipFill>
+                <a:blip r:embed="rId4"/>
+                <a:stretch>
+                  <a:fillRect l="-42.857%" t="-125.926%" r="-136.264%" b="-190.123%"/>
+                </a:stretch>
+              </a:blipFill>
+            </p:spPr>
+            <p:txBody>
+              <a:bodyPr/>
+              <a:lstStyle/>
+              <a:p>
+                <a:r>
+                  <a:rPr lang="fr-FR">
+                    <a:noFill/>
+                  </a:rPr>
+                  <a:t> </a:t>
+                </a:r>
+              </a:p>
+            </p:txBody>
+          </p:sp>
+        </mc:Fallback>
+      </mc:AlternateContent>
     </p:spTree>
     <p:extLst>
       <p:ext uri="{BB962C8B-B14F-4D97-AF65-F5344CB8AC3E}">
@@ -14620,18 +17021,25 @@
   <p:clrMapOvr>
     <a:masterClrMapping/>
   </p:clrMapOvr>
-  <mc:AlternateContent xmlns:mc="http://schemas.openxmlformats.org/markup-compatibility/2006">
-    <mc:Choice xmlns:p15="http://schemas.microsoft.com/office/powerpoint/2012/main" Requires="p15">
+  <mc:AlternateContent xmlns:mc="http://schemas.openxmlformats.org/markup-compatibility/2006" xmlns:p15="http://schemas.microsoft.com/office/powerpoint/2012/main">
+    <mc:Choice Requires="p15">
       <p:transition xmlns:p14="http://schemas.microsoft.com/office/powerpoint/2010/main" spd="slow" p14:dur="1250">
         <p15:prstTrans prst="peelOff"/>
       </p:transition>
     </mc:Choice>
-    <mc:Fallback>
+    <mc:Fallback xmlns:p="http://schemas.openxmlformats.org/presentationml/2006/main" xmlns:r="http://schemas.openxmlformats.org/officeDocument/2006/relationships" xmlns:a="http://schemas.openxmlformats.org/drawingml/2006/main" xmlns="">
       <p:transition spd="slow">
         <p:fade/>
       </p:transition>
     </mc:Fallback>
   </mc:AlternateContent>
+  <p:timing>
+    <p:tnLst>
+      <p:par>
+        <p:cTn id="1" dur="indefinite" restart="never" nodeType="tmRoot"/>
+      </p:par>
+    </p:tnLst>
+  </p:timing>
 </p:sld>
 </file>
 
@@ -14713,6 +17121,109 @@
           </a:p>
         </p:txBody>
       </p:sp>
+      <mc:AlternateContent xmlns:mc="http://schemas.openxmlformats.org/markup-compatibility/2006">
+        <mc:Choice xmlns:a14="http://schemas.microsoft.com/office/drawing/2010/main" Requires="a14">
+          <p:sp>
+            <p:nvSpPr>
+              <p:cNvPr id="4" name="ZoneTexte 3"/>
+              <p:cNvSpPr txBox="1"/>
+              <p:nvPr/>
+            </p:nvSpPr>
+            <p:spPr>
+              <a:xfrm>
+                <a:off x="10390909" y="452718"/>
+                <a:ext cx="665019" cy="572529"/>
+              </a:xfrm>
+              <a:prstGeom prst="rect">
+                <a:avLst/>
+              </a:prstGeom>
+              <a:noFill/>
+            </p:spPr>
+            <p:txBody>
+              <a:bodyPr wrap="square" rtlCol="0">
+                <a:spAutoFit/>
+              </a:bodyPr>
+              <a:lstStyle/>
+              <a:p>
+                <a14:m>
+                  <m:oMathPara xmlns:m="http://purl.oclc.org/ooxml/officeDocument/math">
+                    <m:oMathParaPr>
+                      <m:jc m:val="centerGroup"/>
+                    </m:oMathParaPr>
+                    <m:oMath xmlns:m="http://purl.oclc.org/ooxml/officeDocument/math">
+                      <m:f>
+                        <m:fPr>
+                          <m:type m:val="skw"/>
+                          <m:ctrlPr>
+                            <a:rPr lang="fr-FR" sz="2400" i="1" smtClean="0">
+                              <a:latin typeface="Cambria Math" panose="02040503050406030204" pitchFamily="18" charset="0"/>
+                            </a:rPr>
+                          </m:ctrlPr>
+                        </m:fPr>
+                        <m:num>
+                          <m:r>
+                            <a:rPr lang="fr-FR" sz="2400" b="0" i="1" smtClean="0">
+                              <a:latin typeface="Cambria Math" panose="02040503050406030204" pitchFamily="18" charset="0"/>
+                            </a:rPr>
+                            <m:t>1</m:t>
+                          </m:r>
+                        </m:num>
+                        <m:den>
+                          <m:r>
+                            <a:rPr lang="fr-FR" sz="2400" b="0" i="1" smtClean="0">
+                              <a:latin typeface="Cambria Math" panose="02040503050406030204" pitchFamily="18" charset="0"/>
+                            </a:rPr>
+                            <m:t>14</m:t>
+                          </m:r>
+                        </m:den>
+                      </m:f>
+                    </m:oMath>
+                  </m:oMathPara>
+                </a14:m>
+                <a:endParaRPr lang="fr-FR" dirty="0"/>
+              </a:p>
+            </p:txBody>
+          </p:sp>
+        </mc:Choice>
+        <mc:Fallback>
+          <p:sp>
+            <p:nvSpPr>
+              <p:cNvPr id="4" name="ZoneTexte 3"/>
+              <p:cNvSpPr txBox="1">
+                <a:spLocks noRot="1" noChangeAspect="1" noMove="1" noResize="1" noEditPoints="1" noAdjustHandles="1" noChangeArrowheads="1" noChangeShapeType="1" noTextEdit="1"/>
+              </p:cNvSpPr>
+              <p:nvPr/>
+            </p:nvSpPr>
+            <p:spPr>
+              <a:xfrm>
+                <a:off x="10390909" y="452718"/>
+                <a:ext cx="665019" cy="572529"/>
+              </a:xfrm>
+              <a:prstGeom prst="rect">
+                <a:avLst/>
+              </a:prstGeom>
+              <a:blipFill>
+                <a:blip r:embed="rId2"/>
+                <a:stretch>
+                  <a:fillRect r="-7.339%"/>
+                </a:stretch>
+              </a:blipFill>
+            </p:spPr>
+            <p:txBody>
+              <a:bodyPr/>
+              <a:lstStyle/>
+              <a:p>
+                <a:r>
+                  <a:rPr lang="fr-FR">
+                    <a:noFill/>
+                  </a:rPr>
+                  <a:t> </a:t>
+                </a:r>
+              </a:p>
+            </p:txBody>
+          </p:sp>
+        </mc:Fallback>
+      </mc:AlternateContent>
     </p:spTree>
     <p:extLst>
       <p:ext uri="{BB962C8B-B14F-4D97-AF65-F5344CB8AC3E}">
@@ -14729,7 +17240,7 @@
         <p15:prstTrans prst="curtains"/>
       </p:transition>
     </mc:Choice>
-    <mc:Fallback xmlns:p="http://schemas.openxmlformats.org/presentationml/2006/main" xmlns:r="http://schemas.openxmlformats.org/officeDocument/2006/relationships" xmlns:a="http://schemas.openxmlformats.org/drawingml/2006/main" xmlns="">
+    <mc:Fallback xmlns="" xmlns:a="http://schemas.openxmlformats.org/drawingml/2006/main" xmlns:r="http://schemas.openxmlformats.org/officeDocument/2006/relationships" xmlns:p="http://schemas.openxmlformats.org/presentationml/2006/main">
       <p:transition spd="slow">
         <p:fade/>
       </p:transition>
@@ -14935,6 +17446,109 @@
           </a:p>
         </p:txBody>
       </p:sp>
+      <mc:AlternateContent xmlns:mc="http://schemas.openxmlformats.org/markup-compatibility/2006">
+        <mc:Choice xmlns:a14="http://schemas.microsoft.com/office/drawing/2010/main" Requires="a14">
+          <p:sp>
+            <p:nvSpPr>
+              <p:cNvPr id="4" name="ZoneTexte 3"/>
+              <p:cNvSpPr txBox="1"/>
+              <p:nvPr/>
+            </p:nvSpPr>
+            <p:spPr>
+              <a:xfrm>
+                <a:off x="10367160" y="559596"/>
+                <a:ext cx="558139" cy="494494"/>
+              </a:xfrm>
+              <a:prstGeom prst="rect">
+                <a:avLst/>
+              </a:prstGeom>
+              <a:noFill/>
+            </p:spPr>
+            <p:txBody>
+              <a:bodyPr wrap="square" rtlCol="0">
+                <a:spAutoFit/>
+              </a:bodyPr>
+              <a:lstStyle/>
+              <a:p>
+                <a14:m>
+                  <m:oMathPara xmlns:m="http://purl.oclc.org/ooxml/officeDocument/math">
+                    <m:oMathParaPr>
+                      <m:jc m:val="centerGroup"/>
+                    </m:oMathParaPr>
+                    <m:oMath xmlns:m="http://purl.oclc.org/ooxml/officeDocument/math">
+                      <m:f>
+                        <m:fPr>
+                          <m:type m:val="skw"/>
+                          <m:ctrlPr>
+                            <a:rPr lang="fr-FR" sz="2000" i="1" smtClean="0">
+                              <a:latin typeface="Cambria Math" panose="02040503050406030204" pitchFamily="18" charset="0"/>
+                            </a:rPr>
+                          </m:ctrlPr>
+                        </m:fPr>
+                        <m:num>
+                          <m:r>
+                            <a:rPr lang="fr-FR" sz="2000" b="0" i="1" smtClean="0">
+                              <a:latin typeface="Cambria Math" panose="02040503050406030204" pitchFamily="18" charset="0"/>
+                            </a:rPr>
+                            <m:t>13</m:t>
+                          </m:r>
+                        </m:num>
+                        <m:den>
+                          <m:r>
+                            <a:rPr lang="fr-FR" sz="2000" b="0" i="1" smtClean="0">
+                              <a:latin typeface="Cambria Math" panose="02040503050406030204" pitchFamily="18" charset="0"/>
+                            </a:rPr>
+                            <m:t>14</m:t>
+                          </m:r>
+                        </m:den>
+                      </m:f>
+                    </m:oMath>
+                  </m:oMathPara>
+                </a14:m>
+                <a:endParaRPr lang="fr-FR" dirty="0"/>
+              </a:p>
+            </p:txBody>
+          </p:sp>
+        </mc:Choice>
+        <mc:Fallback>
+          <p:sp>
+            <p:nvSpPr>
+              <p:cNvPr id="4" name="ZoneTexte 3"/>
+              <p:cNvSpPr txBox="1">
+                <a:spLocks noRot="1" noChangeAspect="1" noMove="1" noResize="1" noEditPoints="1" noAdjustHandles="1" noChangeArrowheads="1" noChangeShapeType="1" noTextEdit="1"/>
+              </p:cNvSpPr>
+              <p:nvPr/>
+            </p:nvSpPr>
+            <p:spPr>
+              <a:xfrm>
+                <a:off x="10367160" y="559596"/>
+                <a:ext cx="558139" cy="494494"/>
+              </a:xfrm>
+              <a:prstGeom prst="rect">
+                <a:avLst/>
+              </a:prstGeom>
+              <a:blipFill>
+                <a:blip r:embed="rId2"/>
+                <a:stretch>
+                  <a:fillRect l="-42.857%" t="-124.691%" r="-136.264%" b="-191.358%"/>
+                </a:stretch>
+              </a:blipFill>
+            </p:spPr>
+            <p:txBody>
+              <a:bodyPr/>
+              <a:lstStyle/>
+              <a:p>
+                <a:r>
+                  <a:rPr lang="fr-FR">
+                    <a:noFill/>
+                  </a:rPr>
+                  <a:t> </a:t>
+                </a:r>
+              </a:p>
+            </p:txBody>
+          </p:sp>
+        </mc:Fallback>
+      </mc:AlternateContent>
     </p:spTree>
     <p:extLst>
       <p:ext uri="{BB962C8B-B14F-4D97-AF65-F5344CB8AC3E}">
@@ -14945,18 +17559,25 @@
   <p:clrMapOvr>
     <a:masterClrMapping/>
   </p:clrMapOvr>
-  <mc:AlternateContent xmlns:mc="http://schemas.openxmlformats.org/markup-compatibility/2006">
-    <mc:Choice xmlns:p15="http://schemas.microsoft.com/office/powerpoint/2012/main" Requires="p15">
+  <mc:AlternateContent xmlns:mc="http://schemas.openxmlformats.org/markup-compatibility/2006" xmlns:p15="http://schemas.microsoft.com/office/powerpoint/2012/main">
+    <mc:Choice Requires="p15">
       <p:transition xmlns:p14="http://schemas.microsoft.com/office/powerpoint/2010/main" spd="slow" p14:dur="2000">
         <p15:prstTrans prst="fallOver"/>
       </p:transition>
     </mc:Choice>
-    <mc:Fallback>
+    <mc:Fallback xmlns:p="http://schemas.openxmlformats.org/presentationml/2006/main" xmlns:r="http://schemas.openxmlformats.org/officeDocument/2006/relationships" xmlns:a="http://schemas.openxmlformats.org/drawingml/2006/main" xmlns="">
       <p:transition spd="slow">
         <p:fade/>
       </p:transition>
     </mc:Fallback>
   </mc:AlternateContent>
+  <p:timing>
+    <p:tnLst>
+      <p:par>
+        <p:cTn id="1" dur="indefinite" restart="never" nodeType="tmRoot"/>
+      </p:par>
+    </p:tnLst>
+  </p:timing>
 </p:sld>
 </file>
 
@@ -15015,6 +17636,109 @@
           </a:p>
         </p:txBody>
       </p:sp>
+      <mc:AlternateContent xmlns:mc="http://schemas.openxmlformats.org/markup-compatibility/2006">
+        <mc:Choice xmlns:a14="http://schemas.microsoft.com/office/drawing/2010/main" Requires="a14">
+          <p:sp>
+            <p:nvSpPr>
+              <p:cNvPr id="4" name="ZoneTexte 3"/>
+              <p:cNvSpPr txBox="1"/>
+              <p:nvPr/>
+            </p:nvSpPr>
+            <p:spPr>
+              <a:xfrm>
+                <a:off x="10367160" y="559596"/>
+                <a:ext cx="558139" cy="494494"/>
+              </a:xfrm>
+              <a:prstGeom prst="rect">
+                <a:avLst/>
+              </a:prstGeom>
+              <a:noFill/>
+            </p:spPr>
+            <p:txBody>
+              <a:bodyPr wrap="square" rtlCol="0">
+                <a:spAutoFit/>
+              </a:bodyPr>
+              <a:lstStyle/>
+              <a:p>
+                <a14:m>
+                  <m:oMathPara xmlns:m="http://purl.oclc.org/ooxml/officeDocument/math">
+                    <m:oMathParaPr>
+                      <m:jc m:val="centerGroup"/>
+                    </m:oMathParaPr>
+                    <m:oMath xmlns:m="http://purl.oclc.org/ooxml/officeDocument/math">
+                      <m:f>
+                        <m:fPr>
+                          <m:type m:val="skw"/>
+                          <m:ctrlPr>
+                            <a:rPr lang="fr-FR" sz="2000" i="1" smtClean="0">
+                              <a:latin typeface="Cambria Math" panose="02040503050406030204" pitchFamily="18" charset="0"/>
+                            </a:rPr>
+                          </m:ctrlPr>
+                        </m:fPr>
+                        <m:num>
+                          <m:r>
+                            <a:rPr lang="fr-FR" sz="2000" b="0" i="1" smtClean="0">
+                              <a:latin typeface="Cambria Math" panose="02040503050406030204" pitchFamily="18" charset="0"/>
+                            </a:rPr>
+                            <m:t>14</m:t>
+                          </m:r>
+                        </m:num>
+                        <m:den>
+                          <m:r>
+                            <a:rPr lang="fr-FR" sz="2000" b="0" i="1" smtClean="0">
+                              <a:latin typeface="Cambria Math" panose="02040503050406030204" pitchFamily="18" charset="0"/>
+                            </a:rPr>
+                            <m:t>14</m:t>
+                          </m:r>
+                        </m:den>
+                      </m:f>
+                    </m:oMath>
+                  </m:oMathPara>
+                </a14:m>
+                <a:endParaRPr lang="fr-FR" dirty="0"/>
+              </a:p>
+            </p:txBody>
+          </p:sp>
+        </mc:Choice>
+        <mc:Fallback>
+          <p:sp>
+            <p:nvSpPr>
+              <p:cNvPr id="4" name="ZoneTexte 3"/>
+              <p:cNvSpPr txBox="1">
+                <a:spLocks noRot="1" noChangeAspect="1" noMove="1" noResize="1" noEditPoints="1" noAdjustHandles="1" noChangeArrowheads="1" noChangeShapeType="1" noTextEdit="1"/>
+              </p:cNvSpPr>
+              <p:nvPr/>
+            </p:nvSpPr>
+            <p:spPr>
+              <a:xfrm>
+                <a:off x="10367160" y="559596"/>
+                <a:ext cx="558139" cy="494494"/>
+              </a:xfrm>
+              <a:prstGeom prst="rect">
+                <a:avLst/>
+              </a:prstGeom>
+              <a:blipFill>
+                <a:blip r:embed="rId2"/>
+                <a:stretch>
+                  <a:fillRect l="-42.857%" t="-125.926%" r="-136.264%" b="-190.123%"/>
+                </a:stretch>
+              </a:blipFill>
+            </p:spPr>
+            <p:txBody>
+              <a:bodyPr/>
+              <a:lstStyle/>
+              <a:p>
+                <a:r>
+                  <a:rPr lang="fr-FR">
+                    <a:noFill/>
+                  </a:rPr>
+                  <a:t> </a:t>
+                </a:r>
+              </a:p>
+            </p:txBody>
+          </p:sp>
+        </mc:Fallback>
+      </mc:AlternateContent>
     </p:spTree>
     <p:extLst>
       <p:ext uri="{BB962C8B-B14F-4D97-AF65-F5344CB8AC3E}">
@@ -15025,18 +17749,25 @@
   <p:clrMapOvr>
     <a:masterClrMapping/>
   </p:clrMapOvr>
-  <mc:AlternateContent xmlns:mc="http://schemas.openxmlformats.org/markup-compatibility/2006">
-    <mc:Choice xmlns:p15="http://schemas.microsoft.com/office/powerpoint/2012/main" Requires="p15">
+  <mc:AlternateContent xmlns:mc="http://schemas.openxmlformats.org/markup-compatibility/2006" xmlns:p15="http://schemas.microsoft.com/office/powerpoint/2012/main">
+    <mc:Choice Requires="p15">
       <p:transition xmlns:p14="http://schemas.microsoft.com/office/powerpoint/2010/main" spd="slow" p14:dur="1250">
         <p15:prstTrans prst="airplane"/>
       </p:transition>
     </mc:Choice>
-    <mc:Fallback>
+    <mc:Fallback xmlns:p="http://schemas.openxmlformats.org/presentationml/2006/main" xmlns:r="http://schemas.openxmlformats.org/officeDocument/2006/relationships" xmlns:a="http://schemas.openxmlformats.org/drawingml/2006/main" xmlns="">
       <p:transition spd="slow">
         <p:fade/>
       </p:transition>
     </mc:Fallback>
   </mc:AlternateContent>
+  <p:timing>
+    <p:tnLst>
+      <p:par>
+        <p:cTn id="1" dur="indefinite" restart="never" nodeType="tmRoot"/>
+      </p:par>
+    </p:tnLst>
+  </p:timing>
 </p:sld>
 </file>
 
@@ -15127,6 +17858,109 @@
           </a:p>
         </p:txBody>
       </p:sp>
+      <mc:AlternateContent xmlns:mc="http://schemas.openxmlformats.org/markup-compatibility/2006">
+        <mc:Choice xmlns:a14="http://schemas.microsoft.com/office/drawing/2010/main" Requires="a14">
+          <p:sp>
+            <p:nvSpPr>
+              <p:cNvPr id="6" name="ZoneTexte 5"/>
+              <p:cNvSpPr txBox="1"/>
+              <p:nvPr/>
+            </p:nvSpPr>
+            <p:spPr>
+              <a:xfrm>
+                <a:off x="10390909" y="452718"/>
+                <a:ext cx="665019" cy="572529"/>
+              </a:xfrm>
+              <a:prstGeom prst="rect">
+                <a:avLst/>
+              </a:prstGeom>
+              <a:noFill/>
+            </p:spPr>
+            <p:txBody>
+              <a:bodyPr wrap="square" rtlCol="0">
+                <a:spAutoFit/>
+              </a:bodyPr>
+              <a:lstStyle/>
+              <a:p>
+                <a14:m>
+                  <m:oMathPara xmlns:m="http://purl.oclc.org/ooxml/officeDocument/math">
+                    <m:oMathParaPr>
+                      <m:jc m:val="centerGroup"/>
+                    </m:oMathParaPr>
+                    <m:oMath xmlns:m="http://purl.oclc.org/ooxml/officeDocument/math">
+                      <m:f>
+                        <m:fPr>
+                          <m:type m:val="skw"/>
+                          <m:ctrlPr>
+                            <a:rPr lang="fr-FR" sz="2400" i="1" smtClean="0">
+                              <a:latin typeface="Cambria Math" panose="02040503050406030204" pitchFamily="18" charset="0"/>
+                            </a:rPr>
+                          </m:ctrlPr>
+                        </m:fPr>
+                        <m:num>
+                          <m:r>
+                            <a:rPr lang="fr-FR" sz="2400" b="0" i="1" smtClean="0">
+                              <a:latin typeface="Cambria Math" panose="02040503050406030204" pitchFamily="18" charset="0"/>
+                            </a:rPr>
+                            <m:t>1</m:t>
+                          </m:r>
+                        </m:num>
+                        <m:den>
+                          <m:r>
+                            <a:rPr lang="fr-FR" sz="2400" b="0" i="1" smtClean="0">
+                              <a:latin typeface="Cambria Math" panose="02040503050406030204" pitchFamily="18" charset="0"/>
+                            </a:rPr>
+                            <m:t>14</m:t>
+                          </m:r>
+                        </m:den>
+                      </m:f>
+                    </m:oMath>
+                  </m:oMathPara>
+                </a14:m>
+                <a:endParaRPr lang="fr-FR" dirty="0"/>
+              </a:p>
+            </p:txBody>
+          </p:sp>
+        </mc:Choice>
+        <mc:Fallback>
+          <p:sp>
+            <p:nvSpPr>
+              <p:cNvPr id="6" name="ZoneTexte 5"/>
+              <p:cNvSpPr txBox="1">
+                <a:spLocks noRot="1" noChangeAspect="1" noMove="1" noResize="1" noEditPoints="1" noAdjustHandles="1" noChangeArrowheads="1" noChangeShapeType="1" noTextEdit="1"/>
+              </p:cNvSpPr>
+              <p:nvPr/>
+            </p:nvSpPr>
+            <p:spPr>
+              <a:xfrm>
+                <a:off x="10390909" y="452718"/>
+                <a:ext cx="665019" cy="572529"/>
+              </a:xfrm>
+              <a:prstGeom prst="rect">
+                <a:avLst/>
+              </a:prstGeom>
+              <a:blipFill>
+                <a:blip r:embed="rId2"/>
+                <a:stretch>
+                  <a:fillRect r="-7.339%"/>
+                </a:stretch>
+              </a:blipFill>
+            </p:spPr>
+            <p:txBody>
+              <a:bodyPr/>
+              <a:lstStyle/>
+              <a:p>
+                <a:r>
+                  <a:rPr lang="fr-FR">
+                    <a:noFill/>
+                  </a:rPr>
+                  <a:t> </a:t>
+                </a:r>
+              </a:p>
+            </p:txBody>
+          </p:sp>
+        </mc:Fallback>
+      </mc:AlternateContent>
     </p:spTree>
     <p:extLst>
       <p:ext uri="{BB962C8B-B14F-4D97-AF65-F5344CB8AC3E}">
@@ -15372,6 +18206,109 @@
           </a:p>
         </p:txBody>
       </p:sp>
+      <mc:AlternateContent xmlns:mc="http://schemas.openxmlformats.org/markup-compatibility/2006">
+        <mc:Choice xmlns:a14="http://schemas.microsoft.com/office/drawing/2010/main" Requires="a14">
+          <p:sp>
+            <p:nvSpPr>
+              <p:cNvPr id="4" name="ZoneTexte 3"/>
+              <p:cNvSpPr txBox="1"/>
+              <p:nvPr/>
+            </p:nvSpPr>
+            <p:spPr>
+              <a:xfrm>
+                <a:off x="10390909" y="452718"/>
+                <a:ext cx="665019" cy="572529"/>
+              </a:xfrm>
+              <a:prstGeom prst="rect">
+                <a:avLst/>
+              </a:prstGeom>
+              <a:noFill/>
+            </p:spPr>
+            <p:txBody>
+              <a:bodyPr wrap="square" rtlCol="0">
+                <a:spAutoFit/>
+              </a:bodyPr>
+              <a:lstStyle/>
+              <a:p>
+                <a14:m>
+                  <m:oMathPara xmlns:m="http://purl.oclc.org/ooxml/officeDocument/math">
+                    <m:oMathParaPr>
+                      <m:jc m:val="centerGroup"/>
+                    </m:oMathParaPr>
+                    <m:oMath xmlns:m="http://purl.oclc.org/ooxml/officeDocument/math">
+                      <m:f>
+                        <m:fPr>
+                          <m:type m:val="skw"/>
+                          <m:ctrlPr>
+                            <a:rPr lang="fr-FR" sz="2400" i="1" smtClean="0">
+                              <a:latin typeface="Cambria Math" panose="02040503050406030204" pitchFamily="18" charset="0"/>
+                            </a:rPr>
+                          </m:ctrlPr>
+                        </m:fPr>
+                        <m:num>
+                          <m:r>
+                            <a:rPr lang="fr-FR" sz="2400" b="0" i="1" smtClean="0">
+                              <a:latin typeface="Cambria Math" panose="02040503050406030204" pitchFamily="18" charset="0"/>
+                            </a:rPr>
+                            <m:t>1</m:t>
+                          </m:r>
+                        </m:num>
+                        <m:den>
+                          <m:r>
+                            <a:rPr lang="fr-FR" sz="2400" b="0" i="1" smtClean="0">
+                              <a:latin typeface="Cambria Math" panose="02040503050406030204" pitchFamily="18" charset="0"/>
+                            </a:rPr>
+                            <m:t>14</m:t>
+                          </m:r>
+                        </m:den>
+                      </m:f>
+                    </m:oMath>
+                  </m:oMathPara>
+                </a14:m>
+                <a:endParaRPr lang="fr-FR" dirty="0"/>
+              </a:p>
+            </p:txBody>
+          </p:sp>
+        </mc:Choice>
+        <mc:Fallback>
+          <p:sp>
+            <p:nvSpPr>
+              <p:cNvPr id="4" name="ZoneTexte 3"/>
+              <p:cNvSpPr txBox="1">
+                <a:spLocks noRot="1" noChangeAspect="1" noMove="1" noResize="1" noEditPoints="1" noAdjustHandles="1" noChangeArrowheads="1" noChangeShapeType="1" noTextEdit="1"/>
+              </p:cNvSpPr>
+              <p:nvPr/>
+            </p:nvSpPr>
+            <p:spPr>
+              <a:xfrm>
+                <a:off x="10390909" y="452718"/>
+                <a:ext cx="665019" cy="572529"/>
+              </a:xfrm>
+              <a:prstGeom prst="rect">
+                <a:avLst/>
+              </a:prstGeom>
+              <a:blipFill>
+                <a:blip r:embed="rId2"/>
+                <a:stretch>
+                  <a:fillRect r="-7.339%"/>
+                </a:stretch>
+              </a:blipFill>
+            </p:spPr>
+            <p:txBody>
+              <a:bodyPr/>
+              <a:lstStyle/>
+              <a:p>
+                <a:r>
+                  <a:rPr lang="fr-FR">
+                    <a:noFill/>
+                  </a:rPr>
+                  <a:t> </a:t>
+                </a:r>
+              </a:p>
+            </p:txBody>
+          </p:sp>
+        </mc:Fallback>
+      </mc:AlternateContent>
     </p:spTree>
     <p:extLst>
       <p:ext uri="{BB962C8B-B14F-4D97-AF65-F5344CB8AC3E}">
@@ -15626,6 +18563,109 @@
           </a:p>
         </p:txBody>
       </p:sp>
+      <mc:AlternateContent xmlns:mc="http://schemas.openxmlformats.org/markup-compatibility/2006">
+        <mc:Choice xmlns:a14="http://schemas.microsoft.com/office/drawing/2010/main" Requires="a14">
+          <p:sp>
+            <p:nvSpPr>
+              <p:cNvPr id="4" name="ZoneTexte 3"/>
+              <p:cNvSpPr txBox="1"/>
+              <p:nvPr/>
+            </p:nvSpPr>
+            <p:spPr>
+              <a:xfrm>
+                <a:off x="10390909" y="452718"/>
+                <a:ext cx="665019" cy="572529"/>
+              </a:xfrm>
+              <a:prstGeom prst="rect">
+                <a:avLst/>
+              </a:prstGeom>
+              <a:noFill/>
+            </p:spPr>
+            <p:txBody>
+              <a:bodyPr wrap="square" rtlCol="0">
+                <a:spAutoFit/>
+              </a:bodyPr>
+              <a:lstStyle/>
+              <a:p>
+                <a14:m>
+                  <m:oMathPara xmlns:m="http://purl.oclc.org/ooxml/officeDocument/math">
+                    <m:oMathParaPr>
+                      <m:jc m:val="centerGroup"/>
+                    </m:oMathParaPr>
+                    <m:oMath xmlns:m="http://purl.oclc.org/ooxml/officeDocument/math">
+                      <m:f>
+                        <m:fPr>
+                          <m:type m:val="skw"/>
+                          <m:ctrlPr>
+                            <a:rPr lang="fr-FR" sz="2400" i="1" smtClean="0">
+                              <a:latin typeface="Cambria Math" panose="02040503050406030204" pitchFamily="18" charset="0"/>
+                            </a:rPr>
+                          </m:ctrlPr>
+                        </m:fPr>
+                        <m:num>
+                          <m:r>
+                            <a:rPr lang="fr-FR" sz="2400" b="0" i="1" smtClean="0">
+                              <a:latin typeface="Cambria Math" panose="02040503050406030204" pitchFamily="18" charset="0"/>
+                            </a:rPr>
+                            <m:t>1</m:t>
+                          </m:r>
+                        </m:num>
+                        <m:den>
+                          <m:r>
+                            <a:rPr lang="fr-FR" sz="2400" b="0" i="1" smtClean="0">
+                              <a:latin typeface="Cambria Math" panose="02040503050406030204" pitchFamily="18" charset="0"/>
+                            </a:rPr>
+                            <m:t>14</m:t>
+                          </m:r>
+                        </m:den>
+                      </m:f>
+                    </m:oMath>
+                  </m:oMathPara>
+                </a14:m>
+                <a:endParaRPr lang="fr-FR" dirty="0"/>
+              </a:p>
+            </p:txBody>
+          </p:sp>
+        </mc:Choice>
+        <mc:Fallback>
+          <p:sp>
+            <p:nvSpPr>
+              <p:cNvPr id="4" name="ZoneTexte 3"/>
+              <p:cNvSpPr txBox="1">
+                <a:spLocks noRot="1" noChangeAspect="1" noMove="1" noResize="1" noEditPoints="1" noAdjustHandles="1" noChangeArrowheads="1" noChangeShapeType="1" noTextEdit="1"/>
+              </p:cNvSpPr>
+              <p:nvPr/>
+            </p:nvSpPr>
+            <p:spPr>
+              <a:xfrm>
+                <a:off x="10390909" y="452718"/>
+                <a:ext cx="665019" cy="572529"/>
+              </a:xfrm>
+              <a:prstGeom prst="rect">
+                <a:avLst/>
+              </a:prstGeom>
+              <a:blipFill>
+                <a:blip r:embed="rId2"/>
+                <a:stretch>
+                  <a:fillRect r="-7.339%"/>
+                </a:stretch>
+              </a:blipFill>
+            </p:spPr>
+            <p:txBody>
+              <a:bodyPr/>
+              <a:lstStyle/>
+              <a:p>
+                <a:r>
+                  <a:rPr lang="fr-FR">
+                    <a:noFill/>
+                  </a:rPr>
+                  <a:t> </a:t>
+                </a:r>
+              </a:p>
+            </p:txBody>
+          </p:sp>
+        </mc:Fallback>
+      </mc:AlternateContent>
     </p:spTree>
     <p:extLst>
       <p:ext uri="{BB962C8B-B14F-4D97-AF65-F5344CB8AC3E}">
@@ -15889,6 +18929,109 @@
           </a:p>
         </p:txBody>
       </p:sp>
+      <mc:AlternateContent xmlns:mc="http://schemas.openxmlformats.org/markup-compatibility/2006">
+        <mc:Choice xmlns:a14="http://schemas.microsoft.com/office/drawing/2010/main" Requires="a14">
+          <p:sp>
+            <p:nvSpPr>
+              <p:cNvPr id="4" name="ZoneTexte 3"/>
+              <p:cNvSpPr txBox="1"/>
+              <p:nvPr/>
+            </p:nvSpPr>
+            <p:spPr>
+              <a:xfrm>
+                <a:off x="10390909" y="452718"/>
+                <a:ext cx="665019" cy="572529"/>
+              </a:xfrm>
+              <a:prstGeom prst="rect">
+                <a:avLst/>
+              </a:prstGeom>
+              <a:noFill/>
+            </p:spPr>
+            <p:txBody>
+              <a:bodyPr wrap="square" rtlCol="0">
+                <a:spAutoFit/>
+              </a:bodyPr>
+              <a:lstStyle/>
+              <a:p>
+                <a14:m>
+                  <m:oMathPara xmlns:m="http://purl.oclc.org/ooxml/officeDocument/math">
+                    <m:oMathParaPr>
+                      <m:jc m:val="centerGroup"/>
+                    </m:oMathParaPr>
+                    <m:oMath xmlns:m="http://purl.oclc.org/ooxml/officeDocument/math">
+                      <m:f>
+                        <m:fPr>
+                          <m:type m:val="skw"/>
+                          <m:ctrlPr>
+                            <a:rPr lang="fr-FR" sz="2400" i="1" smtClean="0">
+                              <a:latin typeface="Cambria Math" panose="02040503050406030204" pitchFamily="18" charset="0"/>
+                            </a:rPr>
+                          </m:ctrlPr>
+                        </m:fPr>
+                        <m:num>
+                          <m:r>
+                            <a:rPr lang="fr-FR" sz="2400" b="0" i="1" smtClean="0">
+                              <a:latin typeface="Cambria Math" panose="02040503050406030204" pitchFamily="18" charset="0"/>
+                            </a:rPr>
+                            <m:t>1</m:t>
+                          </m:r>
+                        </m:num>
+                        <m:den>
+                          <m:r>
+                            <a:rPr lang="fr-FR" sz="2400" b="0" i="1" smtClean="0">
+                              <a:latin typeface="Cambria Math" panose="02040503050406030204" pitchFamily="18" charset="0"/>
+                            </a:rPr>
+                            <m:t>14</m:t>
+                          </m:r>
+                        </m:den>
+                      </m:f>
+                    </m:oMath>
+                  </m:oMathPara>
+                </a14:m>
+                <a:endParaRPr lang="fr-FR" dirty="0"/>
+              </a:p>
+            </p:txBody>
+          </p:sp>
+        </mc:Choice>
+        <mc:Fallback>
+          <p:sp>
+            <p:nvSpPr>
+              <p:cNvPr id="4" name="ZoneTexte 3"/>
+              <p:cNvSpPr txBox="1">
+                <a:spLocks noRot="1" noChangeAspect="1" noMove="1" noResize="1" noEditPoints="1" noAdjustHandles="1" noChangeArrowheads="1" noChangeShapeType="1" noTextEdit="1"/>
+              </p:cNvSpPr>
+              <p:nvPr/>
+            </p:nvSpPr>
+            <p:spPr>
+              <a:xfrm>
+                <a:off x="10390909" y="452718"/>
+                <a:ext cx="665019" cy="572529"/>
+              </a:xfrm>
+              <a:prstGeom prst="rect">
+                <a:avLst/>
+              </a:prstGeom>
+              <a:blipFill>
+                <a:blip r:embed="rId2"/>
+                <a:stretch>
+                  <a:fillRect r="-7.339%"/>
+                </a:stretch>
+              </a:blipFill>
+            </p:spPr>
+            <p:txBody>
+              <a:bodyPr/>
+              <a:lstStyle/>
+              <a:p>
+                <a:r>
+                  <a:rPr lang="fr-FR">
+                    <a:noFill/>
+                  </a:rPr>
+                  <a:t> </a:t>
+                </a:r>
+              </a:p>
+            </p:txBody>
+          </p:sp>
+        </mc:Fallback>
+      </mc:AlternateContent>
     </p:spTree>
     <p:extLst>
       <p:ext uri="{BB962C8B-B14F-4D97-AF65-F5344CB8AC3E}">
@@ -16161,6 +19304,109 @@
           </a:p>
         </p:txBody>
       </p:sp>
+      <mc:AlternateContent xmlns:mc="http://schemas.openxmlformats.org/markup-compatibility/2006">
+        <mc:Choice xmlns:a14="http://schemas.microsoft.com/office/drawing/2010/main" Requires="a14">
+          <p:sp>
+            <p:nvSpPr>
+              <p:cNvPr id="4" name="ZoneTexte 3"/>
+              <p:cNvSpPr txBox="1"/>
+              <p:nvPr/>
+            </p:nvSpPr>
+            <p:spPr>
+              <a:xfrm>
+                <a:off x="10390909" y="452718"/>
+                <a:ext cx="665019" cy="572529"/>
+              </a:xfrm>
+              <a:prstGeom prst="rect">
+                <a:avLst/>
+              </a:prstGeom>
+              <a:noFill/>
+            </p:spPr>
+            <p:txBody>
+              <a:bodyPr wrap="square" rtlCol="0">
+                <a:spAutoFit/>
+              </a:bodyPr>
+              <a:lstStyle/>
+              <a:p>
+                <a14:m>
+                  <m:oMathPara xmlns:m="http://purl.oclc.org/ooxml/officeDocument/math">
+                    <m:oMathParaPr>
+                      <m:jc m:val="centerGroup"/>
+                    </m:oMathParaPr>
+                    <m:oMath xmlns:m="http://purl.oclc.org/ooxml/officeDocument/math">
+                      <m:f>
+                        <m:fPr>
+                          <m:type m:val="skw"/>
+                          <m:ctrlPr>
+                            <a:rPr lang="fr-FR" sz="2400" i="1" smtClean="0">
+                              <a:latin typeface="Cambria Math" panose="02040503050406030204" pitchFamily="18" charset="0"/>
+                            </a:rPr>
+                          </m:ctrlPr>
+                        </m:fPr>
+                        <m:num>
+                          <m:r>
+                            <a:rPr lang="fr-FR" sz="2400" b="0" i="1" smtClean="0">
+                              <a:latin typeface="Cambria Math" panose="02040503050406030204" pitchFamily="18" charset="0"/>
+                            </a:rPr>
+                            <m:t>1</m:t>
+                          </m:r>
+                        </m:num>
+                        <m:den>
+                          <m:r>
+                            <a:rPr lang="fr-FR" sz="2400" b="0" i="1" smtClean="0">
+                              <a:latin typeface="Cambria Math" panose="02040503050406030204" pitchFamily="18" charset="0"/>
+                            </a:rPr>
+                            <m:t>14</m:t>
+                          </m:r>
+                        </m:den>
+                      </m:f>
+                    </m:oMath>
+                  </m:oMathPara>
+                </a14:m>
+                <a:endParaRPr lang="fr-FR" dirty="0"/>
+              </a:p>
+            </p:txBody>
+          </p:sp>
+        </mc:Choice>
+        <mc:Fallback>
+          <p:sp>
+            <p:nvSpPr>
+              <p:cNvPr id="4" name="ZoneTexte 3"/>
+              <p:cNvSpPr txBox="1">
+                <a:spLocks noRot="1" noChangeAspect="1" noMove="1" noResize="1" noEditPoints="1" noAdjustHandles="1" noChangeArrowheads="1" noChangeShapeType="1" noTextEdit="1"/>
+              </p:cNvSpPr>
+              <p:nvPr/>
+            </p:nvSpPr>
+            <p:spPr>
+              <a:xfrm>
+                <a:off x="10390909" y="452718"/>
+                <a:ext cx="665019" cy="572529"/>
+              </a:xfrm>
+              <a:prstGeom prst="rect">
+                <a:avLst/>
+              </a:prstGeom>
+              <a:blipFill>
+                <a:blip r:embed="rId2"/>
+                <a:stretch>
+                  <a:fillRect r="-7.339%"/>
+                </a:stretch>
+              </a:blipFill>
+            </p:spPr>
+            <p:txBody>
+              <a:bodyPr/>
+              <a:lstStyle/>
+              <a:p>
+                <a:r>
+                  <a:rPr lang="fr-FR">
+                    <a:noFill/>
+                  </a:rPr>
+                  <a:t> </a:t>
+                </a:r>
+              </a:p>
+            </p:txBody>
+          </p:sp>
+        </mc:Fallback>
+      </mc:AlternateContent>
     </p:spTree>
     <p:extLst>
       <p:ext uri="{BB962C8B-B14F-4D97-AF65-F5344CB8AC3E}">
@@ -16442,6 +19688,109 @@
           </a:p>
         </p:txBody>
       </p:sp>
+      <mc:AlternateContent xmlns:mc="http://schemas.openxmlformats.org/markup-compatibility/2006">
+        <mc:Choice xmlns:a14="http://schemas.microsoft.com/office/drawing/2010/main" Requires="a14">
+          <p:sp>
+            <p:nvSpPr>
+              <p:cNvPr id="4" name="ZoneTexte 3"/>
+              <p:cNvSpPr txBox="1"/>
+              <p:nvPr/>
+            </p:nvSpPr>
+            <p:spPr>
+              <a:xfrm>
+                <a:off x="10390909" y="452718"/>
+                <a:ext cx="665019" cy="572529"/>
+              </a:xfrm>
+              <a:prstGeom prst="rect">
+                <a:avLst/>
+              </a:prstGeom>
+              <a:noFill/>
+            </p:spPr>
+            <p:txBody>
+              <a:bodyPr wrap="square" rtlCol="0">
+                <a:spAutoFit/>
+              </a:bodyPr>
+              <a:lstStyle/>
+              <a:p>
+                <a14:m>
+                  <m:oMathPara xmlns:m="http://purl.oclc.org/ooxml/officeDocument/math">
+                    <m:oMathParaPr>
+                      <m:jc m:val="centerGroup"/>
+                    </m:oMathParaPr>
+                    <m:oMath xmlns:m="http://purl.oclc.org/ooxml/officeDocument/math">
+                      <m:f>
+                        <m:fPr>
+                          <m:type m:val="skw"/>
+                          <m:ctrlPr>
+                            <a:rPr lang="fr-FR" sz="2400" i="1" smtClean="0">
+                              <a:latin typeface="Cambria Math" panose="02040503050406030204" pitchFamily="18" charset="0"/>
+                            </a:rPr>
+                          </m:ctrlPr>
+                        </m:fPr>
+                        <m:num>
+                          <m:r>
+                            <a:rPr lang="fr-FR" sz="2400" b="0" i="1" smtClean="0">
+                              <a:latin typeface="Cambria Math" panose="02040503050406030204" pitchFamily="18" charset="0"/>
+                            </a:rPr>
+                            <m:t>1</m:t>
+                          </m:r>
+                        </m:num>
+                        <m:den>
+                          <m:r>
+                            <a:rPr lang="fr-FR" sz="2400" b="0" i="1" smtClean="0">
+                              <a:latin typeface="Cambria Math" panose="02040503050406030204" pitchFamily="18" charset="0"/>
+                            </a:rPr>
+                            <m:t>14</m:t>
+                          </m:r>
+                        </m:den>
+                      </m:f>
+                    </m:oMath>
+                  </m:oMathPara>
+                </a14:m>
+                <a:endParaRPr lang="fr-FR" dirty="0"/>
+              </a:p>
+            </p:txBody>
+          </p:sp>
+        </mc:Choice>
+        <mc:Fallback>
+          <p:sp>
+            <p:nvSpPr>
+              <p:cNvPr id="4" name="ZoneTexte 3"/>
+              <p:cNvSpPr txBox="1">
+                <a:spLocks noRot="1" noChangeAspect="1" noMove="1" noResize="1" noEditPoints="1" noAdjustHandles="1" noChangeArrowheads="1" noChangeShapeType="1" noTextEdit="1"/>
+              </p:cNvSpPr>
+              <p:nvPr/>
+            </p:nvSpPr>
+            <p:spPr>
+              <a:xfrm>
+                <a:off x="10390909" y="452718"/>
+                <a:ext cx="665019" cy="572529"/>
+              </a:xfrm>
+              <a:prstGeom prst="rect">
+                <a:avLst/>
+              </a:prstGeom>
+              <a:blipFill>
+                <a:blip r:embed="rId2"/>
+                <a:stretch>
+                  <a:fillRect r="-7.339%"/>
+                </a:stretch>
+              </a:blipFill>
+            </p:spPr>
+            <p:txBody>
+              <a:bodyPr/>
+              <a:lstStyle/>
+              <a:p>
+                <a:r>
+                  <a:rPr lang="fr-FR">
+                    <a:noFill/>
+                  </a:rPr>
+                  <a:t> </a:t>
+                </a:r>
+              </a:p>
+            </p:txBody>
+          </p:sp>
+        </mc:Fallback>
+      </mc:AlternateContent>
     </p:spTree>
     <p:extLst>
       <p:ext uri="{BB962C8B-B14F-4D97-AF65-F5344CB8AC3E}">
@@ -16713,6 +20062,109 @@
           </a:p>
         </p:txBody>
       </p:sp>
+      <mc:AlternateContent xmlns:mc="http://schemas.openxmlformats.org/markup-compatibility/2006">
+        <mc:Choice xmlns:a14="http://schemas.microsoft.com/office/drawing/2010/main" Requires="a14">
+          <p:sp>
+            <p:nvSpPr>
+              <p:cNvPr id="7" name="ZoneTexte 6"/>
+              <p:cNvSpPr txBox="1"/>
+              <p:nvPr/>
+            </p:nvSpPr>
+            <p:spPr>
+              <a:xfrm>
+                <a:off x="10390909" y="452718"/>
+                <a:ext cx="665019" cy="572529"/>
+              </a:xfrm>
+              <a:prstGeom prst="rect">
+                <a:avLst/>
+              </a:prstGeom>
+              <a:noFill/>
+            </p:spPr>
+            <p:txBody>
+              <a:bodyPr wrap="square" rtlCol="0">
+                <a:spAutoFit/>
+              </a:bodyPr>
+              <a:lstStyle/>
+              <a:p>
+                <a14:m>
+                  <m:oMathPara xmlns:m="http://purl.oclc.org/ooxml/officeDocument/math">
+                    <m:oMathParaPr>
+                      <m:jc m:val="centerGroup"/>
+                    </m:oMathParaPr>
+                    <m:oMath xmlns:m="http://purl.oclc.org/ooxml/officeDocument/math">
+                      <m:f>
+                        <m:fPr>
+                          <m:type m:val="skw"/>
+                          <m:ctrlPr>
+                            <a:rPr lang="fr-FR" sz="2400" i="1" smtClean="0">
+                              <a:latin typeface="Cambria Math" panose="02040503050406030204" pitchFamily="18" charset="0"/>
+                            </a:rPr>
+                          </m:ctrlPr>
+                        </m:fPr>
+                        <m:num>
+                          <m:r>
+                            <a:rPr lang="fr-FR" sz="2400" b="0" i="1" smtClean="0">
+                              <a:latin typeface="Cambria Math" panose="02040503050406030204" pitchFamily="18" charset="0"/>
+                            </a:rPr>
+                            <m:t>2</m:t>
+                          </m:r>
+                        </m:num>
+                        <m:den>
+                          <m:r>
+                            <a:rPr lang="fr-FR" sz="2400" b="0" i="1" smtClean="0">
+                              <a:latin typeface="Cambria Math" panose="02040503050406030204" pitchFamily="18" charset="0"/>
+                            </a:rPr>
+                            <m:t>14</m:t>
+                          </m:r>
+                        </m:den>
+                      </m:f>
+                    </m:oMath>
+                  </m:oMathPara>
+                </a14:m>
+                <a:endParaRPr lang="fr-FR" dirty="0"/>
+              </a:p>
+            </p:txBody>
+          </p:sp>
+        </mc:Choice>
+        <mc:Fallback>
+          <p:sp>
+            <p:nvSpPr>
+              <p:cNvPr id="7" name="ZoneTexte 6"/>
+              <p:cNvSpPr txBox="1">
+                <a:spLocks noRot="1" noChangeAspect="1" noMove="1" noResize="1" noEditPoints="1" noAdjustHandles="1" noChangeArrowheads="1" noChangeShapeType="1" noTextEdit="1"/>
+              </p:cNvSpPr>
+              <p:nvPr/>
+            </p:nvSpPr>
+            <p:spPr>
+              <a:xfrm>
+                <a:off x="10390909" y="452718"/>
+                <a:ext cx="665019" cy="572529"/>
+              </a:xfrm>
+              <a:prstGeom prst="rect">
+                <a:avLst/>
+              </a:prstGeom>
+              <a:blipFill>
+                <a:blip r:embed="rId3"/>
+                <a:stretch>
+                  <a:fillRect r="-7.339%"/>
+                </a:stretch>
+              </a:blipFill>
+            </p:spPr>
+            <p:txBody>
+              <a:bodyPr/>
+              <a:lstStyle/>
+              <a:p>
+                <a:r>
+                  <a:rPr lang="fr-FR">
+                    <a:noFill/>
+                  </a:rPr>
+                  <a:t> </a:t>
+                </a:r>
+              </a:p>
+            </p:txBody>
+          </p:sp>
+        </mc:Fallback>
+      </mc:AlternateContent>
     </p:spTree>
     <p:extLst>
       <p:ext uri="{BB962C8B-B14F-4D97-AF65-F5344CB8AC3E}">
@@ -16729,12 +20181,19 @@
         <p15:prstTrans prst="fracture"/>
       </p:transition>
     </mc:Choice>
-    <mc:Fallback xmlns:p="http://schemas.openxmlformats.org/presentationml/2006/main" xmlns:r="http://schemas.openxmlformats.org/officeDocument/2006/relationships" xmlns:a="http://schemas.openxmlformats.org/drawingml/2006/main" xmlns="">
+    <mc:Fallback xmlns="" xmlns:a="http://schemas.openxmlformats.org/drawingml/2006/main" xmlns:r="http://schemas.openxmlformats.org/officeDocument/2006/relationships" xmlns:p="http://schemas.openxmlformats.org/presentationml/2006/main">
       <p:transition spd="slow">
         <p:fade/>
       </p:transition>
     </mc:Fallback>
   </mc:AlternateContent>
+  <p:timing>
+    <p:tnLst>
+      <p:par>
+        <p:cTn id="1" dur="indefinite" restart="never" nodeType="tmRoot"/>
+      </p:par>
+    </p:tnLst>
+  </p:timing>
 </p:sld>
 </file>
 

--- a/Presentation.pptx
+++ b/Presentation.pptx
@@ -318,7 +318,7 @@
           <a:p>
             <a:fld id="{4AAD347D-5ACD-4C99-B74B-A9C85AD731AF}" type="datetimeFigureOut">
               <a:rPr lang="en-US" dirty="0"/>
-              <a:t>9/26/2022</a:t>
+              <a:t>10/1/2022</a:t>
             </a:fld>
             <a:endParaRPr lang="en-US" dirty="0"/>
           </a:p>
@@ -588,7 +588,7 @@
           <a:p>
             <a:fld id="{4509A250-FF31-4206-8172-F9D3106AACB1}" type="datetimeFigureOut">
               <a:rPr lang="en-US" dirty="0"/>
-              <a:t>9/26/2022</a:t>
+              <a:t>10/1/2022</a:t>
             </a:fld>
             <a:endParaRPr lang="en-US" dirty="0"/>
           </a:p>
@@ -777,7 +777,7 @@
           <a:p>
             <a:fld id="{4509A250-FF31-4206-8172-F9D3106AACB1}" type="datetimeFigureOut">
               <a:rPr lang="en-US" dirty="0"/>
-              <a:t>9/26/2022</a:t>
+              <a:t>10/1/2022</a:t>
             </a:fld>
             <a:endParaRPr lang="en-US" dirty="0"/>
           </a:p>
@@ -1045,7 +1045,7 @@
           <a:p>
             <a:fld id="{4509A250-FF31-4206-8172-F9D3106AACB1}" type="datetimeFigureOut">
               <a:rPr lang="en-US" dirty="0"/>
-              <a:t>9/26/2022</a:t>
+              <a:t>10/1/2022</a:t>
             </a:fld>
             <a:endParaRPr lang="en-US" dirty="0"/>
           </a:p>
@@ -1381,7 +1381,7 @@
           <a:p>
             <a:fld id="{4509A250-FF31-4206-8172-F9D3106AACB1}" type="datetimeFigureOut">
               <a:rPr lang="en-US" dirty="0"/>
-              <a:t>9/26/2022</a:t>
+              <a:t>10/1/2022</a:t>
             </a:fld>
             <a:endParaRPr lang="en-US" dirty="0"/>
           </a:p>
@@ -1999,7 +1999,7 @@
           <a:p>
             <a:fld id="{4509A250-FF31-4206-8172-F9D3106AACB1}" type="datetimeFigureOut">
               <a:rPr lang="en-US" dirty="0"/>
-              <a:t>9/26/2022</a:t>
+              <a:t>10/1/2022</a:t>
             </a:fld>
             <a:endParaRPr lang="en-US" dirty="0"/>
           </a:p>
@@ -2854,7 +2854,7 @@
           <a:p>
             <a:fld id="{4509A250-FF31-4206-8172-F9D3106AACB1}" type="datetimeFigureOut">
               <a:rPr lang="en-US" dirty="0"/>
-              <a:t>9/26/2022</a:t>
+              <a:t>10/1/2022</a:t>
             </a:fld>
             <a:endParaRPr lang="en-US" dirty="0"/>
           </a:p>
@@ -3019,7 +3019,7 @@
           <a:p>
             <a:fld id="{4509A250-FF31-4206-8172-F9D3106AACB1}" type="datetimeFigureOut">
               <a:rPr lang="en-US" dirty="0"/>
-              <a:t>9/26/2022</a:t>
+              <a:t>10/1/2022</a:t>
             </a:fld>
             <a:endParaRPr lang="en-US" dirty="0"/>
           </a:p>
@@ -3194,7 +3194,7 @@
           <a:p>
             <a:fld id="{4509A250-FF31-4206-8172-F9D3106AACB1}" type="datetimeFigureOut">
               <a:rPr lang="en-US" dirty="0"/>
-              <a:t>9/26/2022</a:t>
+              <a:t>10/1/2022</a:t>
             </a:fld>
             <a:endParaRPr lang="en-US" dirty="0"/>
           </a:p>
@@ -3359,7 +3359,7 @@
           <a:p>
             <a:fld id="{4509A250-FF31-4206-8172-F9D3106AACB1}" type="datetimeFigureOut">
               <a:rPr lang="en-US" dirty="0"/>
-              <a:t>9/26/2022</a:t>
+              <a:t>10/1/2022</a:t>
             </a:fld>
             <a:endParaRPr lang="en-US" dirty="0"/>
           </a:p>
@@ -3601,7 +3601,7 @@
           <a:p>
             <a:fld id="{9796027F-7875-4030-9381-8BD8C4F21935}" type="datetimeFigureOut">
               <a:rPr lang="en-US" dirty="0"/>
-              <a:t>9/26/2022</a:t>
+              <a:t>10/1/2022</a:t>
             </a:fld>
             <a:endParaRPr lang="en-US" dirty="0"/>
           </a:p>
@@ -3888,7 +3888,7 @@
           <a:p>
             <a:fld id="{9796027F-7875-4030-9381-8BD8C4F21935}" type="datetimeFigureOut">
               <a:rPr lang="en-US" dirty="0"/>
-              <a:t>9/26/2022</a:t>
+              <a:t>10/1/2022</a:t>
             </a:fld>
             <a:endParaRPr lang="en-US" dirty="0"/>
           </a:p>
@@ -4327,7 +4327,7 @@
           <a:p>
             <a:fld id="{9796027F-7875-4030-9381-8BD8C4F21935}" type="datetimeFigureOut">
               <a:rPr lang="en-US" dirty="0"/>
-              <a:t>9/26/2022</a:t>
+              <a:t>10/1/2022</a:t>
             </a:fld>
             <a:endParaRPr lang="en-US" dirty="0"/>
           </a:p>
@@ -4440,7 +4440,7 @@
           <a:p>
             <a:fld id="{4509A250-FF31-4206-8172-F9D3106AACB1}" type="datetimeFigureOut">
               <a:rPr lang="en-US" dirty="0"/>
-              <a:t>9/26/2022</a:t>
+              <a:t>10/1/2022</a:t>
             </a:fld>
             <a:endParaRPr lang="en-US" dirty="0"/>
           </a:p>
@@ -4530,7 +4530,7 @@
           <a:p>
             <a:fld id="{4509A250-FF31-4206-8172-F9D3106AACB1}" type="datetimeFigureOut">
               <a:rPr lang="en-US" dirty="0"/>
-              <a:t>9/26/2022</a:t>
+              <a:t>10/1/2022</a:t>
             </a:fld>
             <a:endParaRPr lang="en-US" dirty="0"/>
           </a:p>
@@ -4804,7 +4804,7 @@
           <a:p>
             <a:fld id="{4509A250-FF31-4206-8172-F9D3106AACB1}" type="datetimeFigureOut">
               <a:rPr lang="en-US" dirty="0"/>
-              <a:t>9/26/2022</a:t>
+              <a:t>10/1/2022</a:t>
             </a:fld>
             <a:endParaRPr lang="en-US" dirty="0"/>
           </a:p>
@@ -5074,7 +5074,7 @@
           <a:p>
             <a:fld id="{4509A250-FF31-4206-8172-F9D3106AACB1}" type="datetimeFigureOut">
               <a:rPr lang="en-US" dirty="0"/>
-              <a:t>9/26/2022</a:t>
+              <a:t>10/1/2022</a:t>
             </a:fld>
             <a:endParaRPr lang="en-US" dirty="0"/>
           </a:p>
@@ -5498,7 +5498,7 @@
           <a:p>
             <a:fld id="{4AAD347D-5ACD-4C99-B74B-A9C85AD731AF}" type="datetimeFigureOut">
               <a:rPr lang="en-US" dirty="0"/>
-              <a:t>9/26/2022</a:t>
+              <a:t>10/1/2022</a:t>
             </a:fld>
             <a:endParaRPr lang="en-US" dirty="0"/>
           </a:p>
@@ -6245,13 +6245,6 @@
   <p:clrMapOvr>
     <a:masterClrMapping/>
   </p:clrMapOvr>
-  <p:timing>
-    <p:tnLst>
-      <p:par>
-        <p:cTn id="1" dur="indefinite" restart="never" nodeType="tmRoot"/>
-      </p:par>
-    </p:tnLst>
-  </p:timing>
 </p:sld>
 </file>
 
@@ -6377,8 +6370,8 @@
           </a:p>
         </p:txBody>
       </p:sp>
-      <mc:AlternateContent xmlns:mc="http://schemas.openxmlformats.org/markup-compatibility/2006">
-        <mc:Choice xmlns:a14="http://schemas.microsoft.com/office/drawing/2010/main" Requires="a14">
+      <mc:AlternateContent xmlns:mc="http://schemas.openxmlformats.org/markup-compatibility/2006" xmlns:a14="http://schemas.microsoft.com/office/drawing/2010/main">
+        <mc:Choice Requires="a14">
           <p:sp>
             <p:nvSpPr>
               <p:cNvPr id="5" name="ZoneTexte 4"/>
@@ -6401,6 +6394,7 @@
               </a:bodyPr>
               <a:lstStyle/>
               <a:p>
+                <a:pPr/>
                 <a14:m>
                   <m:oMathPara xmlns:m="http://purl.oclc.org/ooxml/officeDocument/math">
                     <m:oMathParaPr>
@@ -6441,7 +6435,7 @@
             </p:txBody>
           </p:sp>
         </mc:Choice>
-        <mc:Fallback>
+        <mc:Fallback xmlns:p="http://schemas.openxmlformats.org/presentationml/2006/main" xmlns:r="http://schemas.openxmlformats.org/officeDocument/2006/relationships" xmlns:a="http://schemas.openxmlformats.org/drawingml/2006/main" xmlns="">
           <p:sp>
             <p:nvSpPr>
               <p:cNvPr id="5" name="ZoneTexte 4"/>
@@ -6496,19 +6490,12 @@
         <p15:prstTrans prst="crush"/>
       </p:transition>
     </mc:Choice>
-    <mc:Fallback xmlns:p="http://schemas.openxmlformats.org/presentationml/2006/main" xmlns:r="http://schemas.openxmlformats.org/officeDocument/2006/relationships" xmlns:a="http://schemas.openxmlformats.org/drawingml/2006/main" xmlns="">
+    <mc:Fallback xmlns="" xmlns:a="http://schemas.openxmlformats.org/drawingml/2006/main" xmlns:r="http://schemas.openxmlformats.org/officeDocument/2006/relationships" xmlns:p="http://schemas.openxmlformats.org/presentationml/2006/main">
       <p:transition spd="slow">
         <p:fade/>
       </p:transition>
     </mc:Fallback>
   </mc:AlternateContent>
-  <p:timing>
-    <p:tnLst>
-      <p:par>
-        <p:cTn id="1" dur="indefinite" restart="never" nodeType="tmRoot"/>
-      </p:par>
-    </p:tnLst>
-  </p:timing>
 </p:sld>
 </file>
 
@@ -6582,7 +6569,7 @@
         </p:nvGraphicFramePr>
         <p:xfrm>
           <a:off x="1710063" y="927352"/>
-          <a:ext cx="8063348" cy="5467741"/>
+          <a:ext cx="8063348" cy="5217351"/>
         </p:xfrm>
         <a:graphic>
           <a:graphicData uri="http://purl.oclc.org/ooxml/drawingml/table">
@@ -7127,7 +7114,7 @@
                         </a:spcAft>
                       </a:pPr>
                       <a:r>
-                        <a:rPr lang="fr-FR" sz="1600" dirty="0" smtClean="0">
+                        <a:rPr lang="fr-FR" sz="1600" dirty="0">
                           <a:effectLst/>
                           <a:latin typeface="+mn-lt"/>
                           <a:ea typeface="+mn-ea"/>
@@ -7136,7 +7123,7 @@
                         <a:t>Matricule de </a:t>
                       </a:r>
                       <a:r>
-                        <a:rPr lang="fr-FR" sz="1600" dirty="0" smtClean="0">
+                        <a:rPr lang="fr-FR" sz="1600" dirty="0">
                           <a:effectLst/>
                         </a:rPr>
                         <a:t>l’enseignant</a:t>
@@ -7165,7 +7152,7 @@
                         </a:spcAft>
                       </a:pPr>
                       <a:r>
-                        <a:rPr lang="fr-FR" sz="1600" dirty="0" smtClean="0">
+                        <a:rPr lang="fr-FR" sz="1600" dirty="0">
                           <a:effectLst/>
                           <a:latin typeface="+mn-lt"/>
                           <a:ea typeface="+mn-ea"/>
@@ -7197,7 +7184,7 @@
                         </a:spcAft>
                       </a:pPr>
                       <a:r>
-                        <a:rPr lang="fr-FR" sz="1600" dirty="0" smtClean="0">
+                        <a:rPr lang="fr-FR" sz="1600" dirty="0">
                           <a:effectLst/>
                           <a:latin typeface="+mn-lt"/>
                           <a:ea typeface="+mn-ea"/>
@@ -7229,7 +7216,7 @@
                         </a:spcAft>
                       </a:pPr>
                       <a:r>
-                        <a:rPr lang="fr-FR" sz="1600" dirty="0" smtClean="0">
+                        <a:rPr lang="fr-FR" sz="1600" dirty="0">
                           <a:effectLst/>
                           <a:latin typeface="+mn-lt"/>
                           <a:ea typeface="+mn-ea"/>
@@ -7391,13 +7378,13 @@
                         </a:spcAft>
                       </a:pPr>
                       <a:r>
-                        <a:rPr lang="fr-FR" sz="1100" dirty="0" smtClean="0">
+                        <a:rPr lang="fr-FR" sz="1100" dirty="0">
                           <a:effectLst/>
                         </a:rPr>
                         <a:t> </a:t>
                       </a:r>
                       <a:r>
-                        <a:rPr lang="fr-FR" sz="1600" dirty="0" smtClean="0">
+                        <a:rPr lang="fr-FR" sz="1600" dirty="0">
                           <a:effectLst/>
                         </a:rPr>
                         <a:t>code de la matière</a:t>
@@ -7426,7 +7413,7 @@
                         </a:spcAft>
                       </a:pPr>
                       <a:r>
-                        <a:rPr lang="fr-FR" sz="1600" dirty="0" smtClean="0">
+                        <a:rPr lang="fr-FR" sz="1600" dirty="0">
                           <a:effectLst/>
                         </a:rPr>
                         <a:t>CodeMatiere</a:t>
@@ -7455,7 +7442,7 @@
                         </a:spcAft>
                       </a:pPr>
                       <a:r>
-                        <a:rPr lang="fr-FR" sz="1600" dirty="0" smtClean="0">
+                        <a:rPr lang="fr-FR" sz="1600" dirty="0">
                           <a:effectLst/>
                         </a:rPr>
                         <a:t> AN</a:t>
@@ -7484,7 +7471,7 @@
                         </a:spcAft>
                       </a:pPr>
                       <a:r>
-                        <a:rPr lang="fr-FR" sz="1600" dirty="0" smtClean="0">
+                        <a:rPr lang="fr-FR" sz="1600" dirty="0">
                           <a:effectLst/>
                         </a:rPr>
                         <a:t>10</a:t>
@@ -7520,7 +7507,7 @@
                         </a:spcAft>
                       </a:pPr>
                       <a:r>
-                        <a:rPr lang="en-US" sz="1600" dirty="0" smtClean="0">
+                        <a:rPr lang="en-US" sz="1600" dirty="0">
                           <a:effectLst/>
                           <a:latin typeface="Calibri" panose="020F0502020204030204" pitchFamily="34" charset="0"/>
                           <a:ea typeface="Calibri" panose="020F0502020204030204" pitchFamily="34" charset="0"/>
@@ -7528,12 +7515,6 @@
                         </a:rPr>
                         <a:t>Nom de la Métier</a:t>
                       </a:r>
-                      <a:endParaRPr lang="en-US" sz="1600" dirty="0">
-                        <a:effectLst/>
-                        <a:latin typeface="Calibri" panose="020F0502020204030204" pitchFamily="34" charset="0"/>
-                        <a:ea typeface="Calibri" panose="020F0502020204030204" pitchFamily="34" charset="0"/>
-                        <a:cs typeface="Times New Roman" panose="02020603050405020304" pitchFamily="18" charset="0"/>
-                      </a:endParaRPr>
                     </a:p>
                   </a:txBody>
                   <a:tcPr marL="68580" marR="68580" marT="0" marB="0"/>
@@ -7552,7 +7533,7 @@
                         </a:spcAft>
                       </a:pPr>
                       <a:r>
-                        <a:rPr lang="en-US" sz="1600" dirty="0" smtClean="0">
+                        <a:rPr lang="en-US" sz="1600" dirty="0">
                           <a:effectLst/>
                           <a:latin typeface="Calibri" panose="020F0502020204030204" pitchFamily="34" charset="0"/>
                           <a:ea typeface="Calibri" panose="020F0502020204030204" pitchFamily="34" charset="0"/>
@@ -7560,12 +7541,6 @@
                         </a:rPr>
                         <a:t>NomMatiere</a:t>
                       </a:r>
-                      <a:endParaRPr lang="en-US" sz="1600" dirty="0">
-                        <a:effectLst/>
-                        <a:latin typeface="Calibri" panose="020F0502020204030204" pitchFamily="34" charset="0"/>
-                        <a:ea typeface="Calibri" panose="020F0502020204030204" pitchFamily="34" charset="0"/>
-                        <a:cs typeface="Times New Roman" panose="02020603050405020304" pitchFamily="18" charset="0"/>
-                      </a:endParaRPr>
                     </a:p>
                   </a:txBody>
                   <a:tcPr marL="68580" marR="68580" marT="0" marB="0"/>
@@ -7584,7 +7559,7 @@
                         </a:spcAft>
                       </a:pPr>
                       <a:r>
-                        <a:rPr lang="en-US" sz="1600" dirty="0" smtClean="0">
+                        <a:rPr lang="en-US" sz="1600" dirty="0">
                           <a:effectLst/>
                           <a:latin typeface="Calibri" panose="020F0502020204030204" pitchFamily="34" charset="0"/>
                           <a:ea typeface="Calibri" panose="020F0502020204030204" pitchFamily="34" charset="0"/>
@@ -7592,12 +7567,6 @@
                         </a:rPr>
                         <a:t>A</a:t>
                       </a:r>
-                      <a:endParaRPr lang="en-US" sz="1600" dirty="0">
-                        <a:effectLst/>
-                        <a:latin typeface="Calibri" panose="020F0502020204030204" pitchFamily="34" charset="0"/>
-                        <a:ea typeface="Calibri" panose="020F0502020204030204" pitchFamily="34" charset="0"/>
-                        <a:cs typeface="Times New Roman" panose="02020603050405020304" pitchFamily="18" charset="0"/>
-                      </a:endParaRPr>
                     </a:p>
                   </a:txBody>
                   <a:tcPr marL="68580" marR="68580" marT="0" marB="0"/>
@@ -7616,7 +7585,7 @@
                         </a:spcAft>
                       </a:pPr>
                       <a:r>
-                        <a:rPr lang="en-US" sz="1600" dirty="0" smtClean="0">
+                        <a:rPr lang="en-US" sz="1600" dirty="0">
                           <a:effectLst/>
                           <a:latin typeface="Calibri" panose="020F0502020204030204" pitchFamily="34" charset="0"/>
                           <a:ea typeface="Calibri" panose="020F0502020204030204" pitchFamily="34" charset="0"/>
@@ -7624,12 +7593,6 @@
                         </a:rPr>
                         <a:t>20</a:t>
                       </a:r>
-                      <a:endParaRPr lang="en-US" sz="1600" dirty="0">
-                        <a:effectLst/>
-                        <a:latin typeface="Calibri" panose="020F0502020204030204" pitchFamily="34" charset="0"/>
-                        <a:ea typeface="Calibri" panose="020F0502020204030204" pitchFamily="34" charset="0"/>
-                        <a:cs typeface="Times New Roman" panose="02020603050405020304" pitchFamily="18" charset="0"/>
-                      </a:endParaRPr>
                     </a:p>
                   </a:txBody>
                   <a:tcPr marL="68580" marR="68580" marT="0" marB="0"/>
@@ -7778,7 +7741,7 @@
                         </a:spcAft>
                       </a:pPr>
                       <a:r>
-                        <a:rPr lang="fr-FR" sz="1600" dirty="0" smtClean="0">
+                        <a:rPr lang="fr-FR" sz="1600" dirty="0">
                           <a:effectLst/>
                         </a:rPr>
                         <a:t>Matricule de l’ étudiant</a:t>
@@ -7807,7 +7770,7 @@
                         </a:spcAft>
                       </a:pPr>
                       <a:r>
-                        <a:rPr lang="fr-FR" sz="1600" dirty="0" smtClean="0">
+                        <a:rPr lang="fr-FR" sz="1600" dirty="0">
                           <a:effectLst/>
                         </a:rPr>
                         <a:t>MatriculeE</a:t>
@@ -7901,7 +7864,7 @@
                         </a:spcAft>
                       </a:pPr>
                       <a:r>
-                        <a:rPr lang="en-US" sz="1600" b="1" dirty="0" smtClean="0">
+                        <a:rPr lang="en-US" sz="1600" b="1" dirty="0">
                           <a:effectLst/>
                           <a:latin typeface="Calibri" panose="020F0502020204030204" pitchFamily="34" charset="0"/>
                           <a:ea typeface="Calibri" panose="020F0502020204030204" pitchFamily="34" charset="0"/>
@@ -7909,12 +7872,6 @@
                         </a:rPr>
                         <a:t>Date et lieu de naissance</a:t>
                       </a:r>
-                      <a:endParaRPr lang="en-US" sz="1600" b="1" dirty="0">
-                        <a:effectLst/>
-                        <a:latin typeface="Calibri" panose="020F0502020204030204" pitchFamily="34" charset="0"/>
-                        <a:ea typeface="Calibri" panose="020F0502020204030204" pitchFamily="34" charset="0"/>
-                        <a:cs typeface="Times New Roman" panose="02020603050405020304" pitchFamily="18" charset="0"/>
-                      </a:endParaRPr>
                     </a:p>
                   </a:txBody>
                   <a:tcPr marL="68580" marR="68580" marT="0" marB="0"/>
@@ -7933,7 +7890,7 @@
                         </a:spcAft>
                       </a:pPr>
                       <a:r>
-                        <a:rPr lang="fr-FR" sz="1600" dirty="0" smtClean="0">
+                        <a:rPr lang="fr-FR" sz="1600" dirty="0">
                           <a:effectLst/>
                           <a:latin typeface="+mn-lt"/>
                           <a:ea typeface="+mn-ea"/>
@@ -8156,16 +8113,10 @@
                         <a:rPr lang="fr-FR" sz="1600" dirty="0">
                           <a:effectLst/>
                         </a:rPr>
-                        <a:t> </a:t>
+                        <a:t> Année</a:t>
                       </a:r>
                       <a:r>
-                        <a:rPr lang="fr-FR" sz="1600" dirty="0" smtClean="0">
-                          <a:effectLst/>
-                        </a:rPr>
-                        <a:t>Année</a:t>
-                      </a:r>
-                      <a:r>
-                        <a:rPr lang="fr-FR" sz="1600" baseline="0%" dirty="0" smtClean="0">
+                        <a:rPr lang="fr-FR" sz="1600" baseline="0%" dirty="0">
                           <a:effectLst/>
                         </a:rPr>
                         <a:t> Académique</a:t>
@@ -8197,13 +8148,7 @@
                         <a:rPr lang="fr-FR" sz="1600" dirty="0">
                           <a:effectLst/>
                         </a:rPr>
-                        <a:t> </a:t>
-                      </a:r>
-                      <a:r>
-                        <a:rPr lang="fr-FR" sz="1600" dirty="0" smtClean="0">
-                          <a:effectLst/>
-                        </a:rPr>
-                        <a:t>Annee</a:t>
+                        <a:t> Annee</a:t>
                       </a:r>
                       <a:endParaRPr lang="en-US" sz="1100" dirty="0">
                         <a:effectLst/>
@@ -8229,7 +8174,7 @@
                         </a:spcAft>
                       </a:pPr>
                       <a:r>
-                        <a:rPr lang="en-US" sz="1600" dirty="0" smtClean="0">
+                        <a:rPr lang="en-US" sz="1600" dirty="0">
                           <a:effectLst/>
                           <a:latin typeface="Calibri" panose="020F0502020204030204" pitchFamily="34" charset="0"/>
                           <a:ea typeface="Calibri" panose="020F0502020204030204" pitchFamily="34" charset="0"/>
@@ -8237,12 +8182,6 @@
                         </a:rPr>
                         <a:t>A</a:t>
                       </a:r>
-                      <a:endParaRPr lang="en-US" sz="1600" dirty="0">
-                        <a:effectLst/>
-                        <a:latin typeface="Calibri" panose="020F0502020204030204" pitchFamily="34" charset="0"/>
-                        <a:ea typeface="Calibri" panose="020F0502020204030204" pitchFamily="34" charset="0"/>
-                        <a:cs typeface="Times New Roman" panose="02020603050405020304" pitchFamily="18" charset="0"/>
-                      </a:endParaRPr>
                     </a:p>
                   </a:txBody>
                   <a:tcPr marL="68580" marR="68580" marT="0" marB="0"/>
@@ -8264,13 +8203,7 @@
                         <a:rPr lang="fr-FR" sz="1600" dirty="0">
                           <a:effectLst/>
                         </a:rPr>
-                        <a:t> </a:t>
-                      </a:r>
-                      <a:r>
-                        <a:rPr lang="fr-FR" sz="1600" dirty="0" smtClean="0">
-                          <a:effectLst/>
-                        </a:rPr>
-                        <a:t>20</a:t>
+                        <a:t> 20</a:t>
                       </a:r>
                       <a:endParaRPr lang="en-US" sz="1100" dirty="0">
                         <a:effectLst/>
@@ -8303,7 +8236,7 @@
                         </a:spcAft>
                       </a:pPr>
                       <a:r>
-                        <a:rPr lang="en-US" sz="1600" dirty="0" smtClean="0">
+                        <a:rPr lang="en-US" sz="1600" dirty="0">
                           <a:effectLst/>
                           <a:latin typeface="Calibri" panose="020F0502020204030204" pitchFamily="34" charset="0"/>
                           <a:ea typeface="Calibri" panose="020F0502020204030204" pitchFamily="34" charset="0"/>
@@ -8312,7 +8245,7 @@
                         <a:t>Note de l’ </a:t>
                       </a:r>
                       <a:r>
-                        <a:rPr lang="fr-FR" sz="1600" noProof="0" dirty="0" smtClean="0">
+                        <a:rPr lang="fr-FR" sz="1600" noProof="0" dirty="0">
                           <a:effectLst/>
                           <a:latin typeface="Calibri" panose="020F0502020204030204" pitchFamily="34" charset="0"/>
                           <a:ea typeface="Calibri" panose="020F0502020204030204" pitchFamily="34" charset="0"/>
@@ -8320,12 +8253,6 @@
                         </a:rPr>
                         <a:t>Etudiant </a:t>
                       </a:r>
-                      <a:endParaRPr lang="fr-FR" sz="1600" noProof="0" dirty="0">
-                        <a:effectLst/>
-                        <a:latin typeface="Calibri" panose="020F0502020204030204" pitchFamily="34" charset="0"/>
-                        <a:ea typeface="Calibri" panose="020F0502020204030204" pitchFamily="34" charset="0"/>
-                        <a:cs typeface="Times New Roman" panose="02020603050405020304" pitchFamily="18" charset="0"/>
-                      </a:endParaRPr>
                     </a:p>
                   </a:txBody>
                   <a:tcPr marL="68580" marR="68580" marT="0" marB="0"/>
@@ -8344,7 +8271,7 @@
                         </a:spcAft>
                       </a:pPr>
                       <a:r>
-                        <a:rPr lang="en-US" sz="1600" dirty="0" smtClean="0">
+                        <a:rPr lang="en-US" sz="1600" dirty="0">
                           <a:effectLst/>
                           <a:latin typeface="Calibri" panose="020F0502020204030204" pitchFamily="34" charset="0"/>
                           <a:ea typeface="Calibri" panose="020F0502020204030204" pitchFamily="34" charset="0"/>
@@ -8352,12 +8279,6 @@
                         </a:rPr>
                         <a:t>Note</a:t>
                       </a:r>
-                      <a:endParaRPr lang="en-US" sz="1600" dirty="0">
-                        <a:effectLst/>
-                        <a:latin typeface="Calibri" panose="020F0502020204030204" pitchFamily="34" charset="0"/>
-                        <a:ea typeface="Calibri" panose="020F0502020204030204" pitchFamily="34" charset="0"/>
-                        <a:cs typeface="Times New Roman" panose="02020603050405020304" pitchFamily="18" charset="0"/>
-                      </a:endParaRPr>
                     </a:p>
                   </a:txBody>
                   <a:tcPr marL="68580" marR="68580" marT="0" marB="0"/>
@@ -8376,7 +8297,7 @@
                         </a:spcAft>
                       </a:pPr>
                       <a:r>
-                        <a:rPr lang="en-US" sz="1600" dirty="0" smtClean="0">
+                        <a:rPr lang="en-US" sz="1600" dirty="0">
                           <a:effectLst/>
                           <a:latin typeface="Calibri" panose="020F0502020204030204" pitchFamily="34" charset="0"/>
                           <a:ea typeface="Calibri" panose="020F0502020204030204" pitchFamily="34" charset="0"/>
@@ -8384,12 +8305,6 @@
                         </a:rPr>
                         <a:t>N</a:t>
                       </a:r>
-                      <a:endParaRPr lang="en-US" sz="1600" dirty="0">
-                        <a:effectLst/>
-                        <a:latin typeface="Calibri" panose="020F0502020204030204" pitchFamily="34" charset="0"/>
-                        <a:ea typeface="Calibri" panose="020F0502020204030204" pitchFamily="34" charset="0"/>
-                        <a:cs typeface="Times New Roman" panose="02020603050405020304" pitchFamily="18" charset="0"/>
-                      </a:endParaRPr>
                     </a:p>
                   </a:txBody>
                   <a:tcPr marL="68580" marR="68580" marT="0" marB="0"/>
@@ -8408,7 +8323,7 @@
                         </a:spcAft>
                       </a:pPr>
                       <a:r>
-                        <a:rPr lang="en-US" sz="1600" dirty="0" smtClean="0">
+                        <a:rPr lang="en-US" sz="1600" dirty="0">
                           <a:effectLst/>
                           <a:latin typeface="Calibri" panose="020F0502020204030204" pitchFamily="34" charset="0"/>
                           <a:ea typeface="Calibri" panose="020F0502020204030204" pitchFamily="34" charset="0"/>
@@ -8416,12 +8331,6 @@
                         </a:rPr>
                         <a:t>3</a:t>
                       </a:r>
-                      <a:endParaRPr lang="en-US" sz="1600" dirty="0">
-                        <a:effectLst/>
-                        <a:latin typeface="Calibri" panose="020F0502020204030204" pitchFamily="34" charset="0"/>
-                        <a:ea typeface="Calibri" panose="020F0502020204030204" pitchFamily="34" charset="0"/>
-                        <a:cs typeface="Times New Roman" panose="02020603050405020304" pitchFamily="18" charset="0"/>
-                      </a:endParaRPr>
                     </a:p>
                   </a:txBody>
                   <a:tcPr marL="68580" marR="68580" marT="0" marB="0"/>
@@ -8447,7 +8356,7 @@
                         </a:spcAft>
                       </a:pPr>
                       <a:r>
-                        <a:rPr lang="fr-FR" sz="1600" noProof="0" dirty="0" smtClean="0">
+                        <a:rPr lang="fr-FR" sz="1600" noProof="0" dirty="0">
                           <a:effectLst/>
                           <a:latin typeface="Calibri" panose="020F0502020204030204" pitchFamily="34" charset="0"/>
                           <a:ea typeface="Calibri" panose="020F0502020204030204" pitchFamily="34" charset="0"/>
@@ -8455,12 +8364,6 @@
                         </a:rPr>
                         <a:t>L’ identifiant de l’ agent</a:t>
                       </a:r>
-                      <a:endParaRPr lang="fr-FR" sz="1600" noProof="0" dirty="0">
-                        <a:effectLst/>
-                        <a:latin typeface="Calibri" panose="020F0502020204030204" pitchFamily="34" charset="0"/>
-                        <a:ea typeface="Calibri" panose="020F0502020204030204" pitchFamily="34" charset="0"/>
-                        <a:cs typeface="Times New Roman" panose="02020603050405020304" pitchFamily="18" charset="0"/>
-                      </a:endParaRPr>
                     </a:p>
                   </a:txBody>
                   <a:tcPr marL="68580" marR="68580" marT="0" marB="0"/>
@@ -8479,7 +8382,7 @@
                         </a:spcAft>
                       </a:pPr>
                       <a:r>
-                        <a:rPr lang="en-US" sz="1600" dirty="0" smtClean="0">
+                        <a:rPr lang="en-US" sz="1600" dirty="0">
                           <a:effectLst/>
                           <a:latin typeface="Calibri" panose="020F0502020204030204" pitchFamily="34" charset="0"/>
                           <a:ea typeface="Calibri" panose="020F0502020204030204" pitchFamily="34" charset="0"/>
@@ -8487,12 +8390,6 @@
                         </a:rPr>
                         <a:t>IdAgent</a:t>
                       </a:r>
-                      <a:endParaRPr lang="en-US" sz="1600" dirty="0">
-                        <a:effectLst/>
-                        <a:latin typeface="Calibri" panose="020F0502020204030204" pitchFamily="34" charset="0"/>
-                        <a:ea typeface="Calibri" panose="020F0502020204030204" pitchFamily="34" charset="0"/>
-                        <a:cs typeface="Times New Roman" panose="02020603050405020304" pitchFamily="18" charset="0"/>
-                      </a:endParaRPr>
                     </a:p>
                   </a:txBody>
                   <a:tcPr marL="68580" marR="68580" marT="0" marB="0"/>
@@ -8511,7 +8408,7 @@
                         </a:spcAft>
                       </a:pPr>
                       <a:r>
-                        <a:rPr lang="en-US" sz="1600" dirty="0" smtClean="0">
+                        <a:rPr lang="en-US" sz="1600" dirty="0">
                           <a:effectLst/>
                           <a:latin typeface="Calibri" panose="020F0502020204030204" pitchFamily="34" charset="0"/>
                           <a:ea typeface="Calibri" panose="020F0502020204030204" pitchFamily="34" charset="0"/>
@@ -8519,12 +8416,6 @@
                         </a:rPr>
                         <a:t>N</a:t>
                       </a:r>
-                      <a:endParaRPr lang="en-US" sz="1600" dirty="0">
-                        <a:effectLst/>
-                        <a:latin typeface="Calibri" panose="020F0502020204030204" pitchFamily="34" charset="0"/>
-                        <a:ea typeface="Calibri" panose="020F0502020204030204" pitchFamily="34" charset="0"/>
-                        <a:cs typeface="Times New Roman" panose="02020603050405020304" pitchFamily="18" charset="0"/>
-                      </a:endParaRPr>
                     </a:p>
                   </a:txBody>
                   <a:tcPr marL="68580" marR="68580" marT="0" marB="0"/>
@@ -8543,7 +8434,7 @@
                         </a:spcAft>
                       </a:pPr>
                       <a:r>
-                        <a:rPr lang="en-US" sz="1600" dirty="0" smtClean="0">
+                        <a:rPr lang="en-US" sz="1600" dirty="0">
                           <a:effectLst/>
                           <a:latin typeface="Calibri" panose="020F0502020204030204" pitchFamily="34" charset="0"/>
                           <a:ea typeface="Calibri" panose="020F0502020204030204" pitchFamily="34" charset="0"/>
@@ -8551,12 +8442,6 @@
                         </a:rPr>
                         <a:t>6</a:t>
                       </a:r>
-                      <a:endParaRPr lang="en-US" sz="1600" dirty="0">
-                        <a:effectLst/>
-                        <a:latin typeface="Calibri" panose="020F0502020204030204" pitchFamily="34" charset="0"/>
-                        <a:ea typeface="Calibri" panose="020F0502020204030204" pitchFamily="34" charset="0"/>
-                        <a:cs typeface="Times New Roman" panose="02020603050405020304" pitchFamily="18" charset="0"/>
-                      </a:endParaRPr>
                     </a:p>
                   </a:txBody>
                   <a:tcPr marL="68580" marR="68580" marT="0" marB="0"/>
@@ -8582,7 +8467,7 @@
                         </a:spcAft>
                       </a:pPr>
                       <a:r>
-                        <a:rPr lang="fr-FR" sz="1600" noProof="0" dirty="0" smtClean="0">
+                        <a:rPr lang="fr-FR" sz="1600" noProof="0" dirty="0">
                           <a:effectLst/>
                           <a:latin typeface="Calibri" panose="020F0502020204030204" pitchFamily="34" charset="0"/>
                           <a:ea typeface="Calibri" panose="020F0502020204030204" pitchFamily="34" charset="0"/>
@@ -8590,12 +8475,6 @@
                         </a:rPr>
                         <a:t>Nom de l’ Agent</a:t>
                       </a:r>
-                      <a:endParaRPr lang="fr-FR" sz="1600" noProof="0" dirty="0">
-                        <a:effectLst/>
-                        <a:latin typeface="Calibri" panose="020F0502020204030204" pitchFamily="34" charset="0"/>
-                        <a:ea typeface="Calibri" panose="020F0502020204030204" pitchFamily="34" charset="0"/>
-                        <a:cs typeface="Times New Roman" panose="02020603050405020304" pitchFamily="18" charset="0"/>
-                      </a:endParaRPr>
                     </a:p>
                   </a:txBody>
                   <a:tcPr marL="68580" marR="68580" marT="0" marB="0"/>
@@ -8614,7 +8493,7 @@
                         </a:spcAft>
                       </a:pPr>
                       <a:r>
-                        <a:rPr lang="en-US" sz="1600" dirty="0" smtClean="0">
+                        <a:rPr lang="en-US" sz="1600" dirty="0">
                           <a:effectLst/>
                           <a:latin typeface="Calibri" panose="020F0502020204030204" pitchFamily="34" charset="0"/>
                           <a:ea typeface="Calibri" panose="020F0502020204030204" pitchFamily="34" charset="0"/>
@@ -8622,12 +8501,6 @@
                         </a:rPr>
                         <a:t>NomAg</a:t>
                       </a:r>
-                      <a:endParaRPr lang="en-US" sz="1600" dirty="0">
-                        <a:effectLst/>
-                        <a:latin typeface="Calibri" panose="020F0502020204030204" pitchFamily="34" charset="0"/>
-                        <a:ea typeface="Calibri" panose="020F0502020204030204" pitchFamily="34" charset="0"/>
-                        <a:cs typeface="Times New Roman" panose="02020603050405020304" pitchFamily="18" charset="0"/>
-                      </a:endParaRPr>
                     </a:p>
                   </a:txBody>
                   <a:tcPr marL="68580" marR="68580" marT="0" marB="0"/>
@@ -8646,7 +8519,7 @@
                         </a:spcAft>
                       </a:pPr>
                       <a:r>
-                        <a:rPr lang="en-US" sz="1600" dirty="0" smtClean="0">
+                        <a:rPr lang="en-US" sz="1600" dirty="0">
                           <a:effectLst/>
                           <a:latin typeface="Calibri" panose="020F0502020204030204" pitchFamily="34" charset="0"/>
                           <a:ea typeface="Calibri" panose="020F0502020204030204" pitchFamily="34" charset="0"/>
@@ -8654,12 +8527,6 @@
                         </a:rPr>
                         <a:t>A</a:t>
                       </a:r>
-                      <a:endParaRPr lang="en-US" sz="1600" dirty="0">
-                        <a:effectLst/>
-                        <a:latin typeface="Calibri" panose="020F0502020204030204" pitchFamily="34" charset="0"/>
-                        <a:ea typeface="Calibri" panose="020F0502020204030204" pitchFamily="34" charset="0"/>
-                        <a:cs typeface="Times New Roman" panose="02020603050405020304" pitchFamily="18" charset="0"/>
-                      </a:endParaRPr>
                     </a:p>
                   </a:txBody>
                   <a:tcPr marL="68580" marR="68580" marT="0" marB="0"/>
@@ -8678,7 +8545,7 @@
                         </a:spcAft>
                       </a:pPr>
                       <a:r>
-                        <a:rPr lang="en-US" sz="1600" dirty="0" smtClean="0">
+                        <a:rPr lang="en-US" sz="1600" dirty="0">
                           <a:effectLst/>
                           <a:latin typeface="Calibri" panose="020F0502020204030204" pitchFamily="34" charset="0"/>
                           <a:ea typeface="Calibri" panose="020F0502020204030204" pitchFamily="34" charset="0"/>
@@ -8686,12 +8553,6 @@
                         </a:rPr>
                         <a:t>20</a:t>
                       </a:r>
-                      <a:endParaRPr lang="en-US" sz="1600" dirty="0">
-                        <a:effectLst/>
-                        <a:latin typeface="Calibri" panose="020F0502020204030204" pitchFamily="34" charset="0"/>
-                        <a:ea typeface="Calibri" panose="020F0502020204030204" pitchFamily="34" charset="0"/>
-                        <a:cs typeface="Times New Roman" panose="02020603050405020304" pitchFamily="18" charset="0"/>
-                      </a:endParaRPr>
                     </a:p>
                   </a:txBody>
                   <a:tcPr marL="68580" marR="68580" marT="0" marB="0"/>
@@ -8717,7 +8578,7 @@
                         </a:spcAft>
                       </a:pPr>
                       <a:r>
-                        <a:rPr lang="fr-FR" sz="1600" noProof="0" dirty="0" smtClean="0">
+                        <a:rPr lang="fr-FR" sz="1600" noProof="0" dirty="0">
                           <a:effectLst/>
                           <a:latin typeface="Calibri" panose="020F0502020204030204" pitchFamily="34" charset="0"/>
                           <a:ea typeface="Calibri" panose="020F0502020204030204" pitchFamily="34" charset="0"/>
@@ -8726,7 +8587,7 @@
                         <a:t>Prénom</a:t>
                       </a:r>
                       <a:r>
-                        <a:rPr lang="fr-FR" sz="1600" baseline="0%" noProof="0" dirty="0" smtClean="0">
+                        <a:rPr lang="fr-FR" sz="1600" baseline="0%" noProof="0" dirty="0">
                           <a:effectLst/>
                           <a:latin typeface="Calibri" panose="020F0502020204030204" pitchFamily="34" charset="0"/>
                           <a:ea typeface="Calibri" panose="020F0502020204030204" pitchFamily="34" charset="0"/>
@@ -8758,7 +8619,7 @@
                         </a:spcAft>
                       </a:pPr>
                       <a:r>
-                        <a:rPr lang="en-US" sz="1600" dirty="0" smtClean="0">
+                        <a:rPr lang="en-US" sz="1600" dirty="0">
                           <a:effectLst/>
                           <a:latin typeface="Calibri" panose="020F0502020204030204" pitchFamily="34" charset="0"/>
                           <a:ea typeface="Calibri" panose="020F0502020204030204" pitchFamily="34" charset="0"/>
@@ -8766,12 +8627,6 @@
                         </a:rPr>
                         <a:t>PrenomAg</a:t>
                       </a:r>
-                      <a:endParaRPr lang="en-US" sz="1600" dirty="0">
-                        <a:effectLst/>
-                        <a:latin typeface="Calibri" panose="020F0502020204030204" pitchFamily="34" charset="0"/>
-                        <a:ea typeface="Calibri" panose="020F0502020204030204" pitchFamily="34" charset="0"/>
-                        <a:cs typeface="Times New Roman" panose="02020603050405020304" pitchFamily="18" charset="0"/>
-                      </a:endParaRPr>
                     </a:p>
                   </a:txBody>
                   <a:tcPr marL="68580" marR="68580" marT="0" marB="0"/>
@@ -8790,7 +8645,7 @@
                         </a:spcAft>
                       </a:pPr>
                       <a:r>
-                        <a:rPr lang="en-US" sz="1600" dirty="0" smtClean="0">
+                        <a:rPr lang="en-US" sz="1600" dirty="0">
                           <a:effectLst/>
                           <a:latin typeface="Calibri" panose="020F0502020204030204" pitchFamily="34" charset="0"/>
                           <a:ea typeface="Calibri" panose="020F0502020204030204" pitchFamily="34" charset="0"/>
@@ -8798,12 +8653,6 @@
                         </a:rPr>
                         <a:t>A</a:t>
                       </a:r>
-                      <a:endParaRPr lang="en-US" sz="1600" dirty="0">
-                        <a:effectLst/>
-                        <a:latin typeface="Calibri" panose="020F0502020204030204" pitchFamily="34" charset="0"/>
-                        <a:ea typeface="Calibri" panose="020F0502020204030204" pitchFamily="34" charset="0"/>
-                        <a:cs typeface="Times New Roman" panose="02020603050405020304" pitchFamily="18" charset="0"/>
-                      </a:endParaRPr>
                     </a:p>
                   </a:txBody>
                   <a:tcPr marL="68580" marR="68580" marT="0" marB="0"/>
@@ -8822,7 +8671,7 @@
                         </a:spcAft>
                       </a:pPr>
                       <a:r>
-                        <a:rPr lang="en-US" sz="1600" dirty="0" smtClean="0">
+                        <a:rPr lang="en-US" sz="1600" dirty="0">
                           <a:effectLst/>
                           <a:latin typeface="Calibri" panose="020F0502020204030204" pitchFamily="34" charset="0"/>
                           <a:ea typeface="Calibri" panose="020F0502020204030204" pitchFamily="34" charset="0"/>
@@ -8830,12 +8679,6 @@
                         </a:rPr>
                         <a:t>20</a:t>
                       </a:r>
-                      <a:endParaRPr lang="en-US" sz="1600" dirty="0">
-                        <a:effectLst/>
-                        <a:latin typeface="Calibri" panose="020F0502020204030204" pitchFamily="34" charset="0"/>
-                        <a:ea typeface="Calibri" panose="020F0502020204030204" pitchFamily="34" charset="0"/>
-                        <a:cs typeface="Times New Roman" panose="02020603050405020304" pitchFamily="18" charset="0"/>
-                      </a:endParaRPr>
                     </a:p>
                   </a:txBody>
                   <a:tcPr marL="68580" marR="68580" marT="0" marB="0"/>
@@ -8861,7 +8704,7 @@
                         </a:spcAft>
                       </a:pPr>
                       <a:r>
-                        <a:rPr lang="fr-FR" sz="1600" noProof="0" dirty="0" smtClean="0">
+                        <a:rPr lang="fr-FR" sz="1600" noProof="0" dirty="0">
                           <a:effectLst/>
                           <a:latin typeface="Calibri" panose="020F0502020204030204" pitchFamily="34" charset="0"/>
                           <a:ea typeface="Calibri" panose="020F0502020204030204" pitchFamily="34" charset="0"/>
@@ -8869,12 +8712,6 @@
                         </a:rPr>
                         <a:t>Date de connexion</a:t>
                       </a:r>
-                      <a:endParaRPr lang="fr-FR" sz="1600" noProof="0" dirty="0">
-                        <a:effectLst/>
-                        <a:latin typeface="Calibri" panose="020F0502020204030204" pitchFamily="34" charset="0"/>
-                        <a:ea typeface="Calibri" panose="020F0502020204030204" pitchFamily="34" charset="0"/>
-                        <a:cs typeface="Times New Roman" panose="02020603050405020304" pitchFamily="18" charset="0"/>
-                      </a:endParaRPr>
                     </a:p>
                   </a:txBody>
                   <a:tcPr marL="68580" marR="68580" marT="0" marB="0"/>
@@ -8893,7 +8730,7 @@
                         </a:spcAft>
                       </a:pPr>
                       <a:r>
-                        <a:rPr lang="en-US" sz="1600" dirty="0" smtClean="0">
+                        <a:rPr lang="en-US" sz="1600" dirty="0">
                           <a:effectLst/>
                           <a:latin typeface="Calibri" panose="020F0502020204030204" pitchFamily="34" charset="0"/>
                           <a:ea typeface="Calibri" panose="020F0502020204030204" pitchFamily="34" charset="0"/>
@@ -8901,12 +8738,6 @@
                         </a:rPr>
                         <a:t>DateC</a:t>
                       </a:r>
-                      <a:endParaRPr lang="en-US" sz="1600" dirty="0">
-                        <a:effectLst/>
-                        <a:latin typeface="Calibri" panose="020F0502020204030204" pitchFamily="34" charset="0"/>
-                        <a:ea typeface="Calibri" panose="020F0502020204030204" pitchFamily="34" charset="0"/>
-                        <a:cs typeface="Times New Roman" panose="02020603050405020304" pitchFamily="18" charset="0"/>
-                      </a:endParaRPr>
                     </a:p>
                   </a:txBody>
                   <a:tcPr marL="68580" marR="68580" marT="0" marB="0"/>
@@ -8925,7 +8756,7 @@
                         </a:spcAft>
                       </a:pPr>
                       <a:r>
-                        <a:rPr lang="en-US" sz="1600" dirty="0" smtClean="0">
+                        <a:rPr lang="en-US" sz="1600" dirty="0">
                           <a:effectLst/>
                           <a:latin typeface="Calibri" panose="020F0502020204030204" pitchFamily="34" charset="0"/>
                           <a:ea typeface="Calibri" panose="020F0502020204030204" pitchFamily="34" charset="0"/>
@@ -8933,12 +8764,6 @@
                         </a:rPr>
                         <a:t>A</a:t>
                       </a:r>
-                      <a:endParaRPr lang="en-US" sz="1600" dirty="0">
-                        <a:effectLst/>
-                        <a:latin typeface="Calibri" panose="020F0502020204030204" pitchFamily="34" charset="0"/>
-                        <a:ea typeface="Calibri" panose="020F0502020204030204" pitchFamily="34" charset="0"/>
-                        <a:cs typeface="Times New Roman" panose="02020603050405020304" pitchFamily="18" charset="0"/>
-                      </a:endParaRPr>
                     </a:p>
                   </a:txBody>
                   <a:tcPr marL="68580" marR="68580" marT="0" marB="0"/>
@@ -8957,7 +8782,7 @@
                         </a:spcAft>
                       </a:pPr>
                       <a:r>
-                        <a:rPr lang="en-US" sz="1600" dirty="0" smtClean="0">
+                        <a:rPr lang="en-US" sz="1600" dirty="0">
                           <a:effectLst/>
                           <a:latin typeface="Calibri" panose="020F0502020204030204" pitchFamily="34" charset="0"/>
                           <a:ea typeface="Calibri" panose="020F0502020204030204" pitchFamily="34" charset="0"/>
@@ -8965,12 +8790,6 @@
                         </a:rPr>
                         <a:t>20</a:t>
                       </a:r>
-                      <a:endParaRPr lang="en-US" sz="1600" dirty="0">
-                        <a:effectLst/>
-                        <a:latin typeface="Calibri" panose="020F0502020204030204" pitchFamily="34" charset="0"/>
-                        <a:ea typeface="Calibri" panose="020F0502020204030204" pitchFamily="34" charset="0"/>
-                        <a:cs typeface="Times New Roman" panose="02020603050405020304" pitchFamily="18" charset="0"/>
-                      </a:endParaRPr>
                     </a:p>
                   </a:txBody>
                   <a:tcPr marL="68580" marR="68580" marT="0" marB="0"/>
@@ -8996,7 +8815,7 @@
                         </a:spcAft>
                       </a:pPr>
                       <a:r>
-                        <a:rPr lang="fr-FR" sz="1600" noProof="0" dirty="0" smtClean="0">
+                        <a:rPr lang="fr-FR" sz="1600" noProof="0" dirty="0">
                           <a:effectLst/>
                           <a:latin typeface="Calibri" panose="020F0502020204030204" pitchFamily="34" charset="0"/>
                           <a:ea typeface="Calibri" panose="020F0502020204030204" pitchFamily="34" charset="0"/>
@@ -9004,12 +8823,6 @@
                         </a:rPr>
                         <a:t>Mot de passe</a:t>
                       </a:r>
-                      <a:endParaRPr lang="fr-FR" sz="1600" noProof="0" dirty="0">
-                        <a:effectLst/>
-                        <a:latin typeface="Calibri" panose="020F0502020204030204" pitchFamily="34" charset="0"/>
-                        <a:ea typeface="Calibri" panose="020F0502020204030204" pitchFamily="34" charset="0"/>
-                        <a:cs typeface="Times New Roman" panose="02020603050405020304" pitchFamily="18" charset="0"/>
-                      </a:endParaRPr>
                     </a:p>
                   </a:txBody>
                   <a:tcPr marL="68580" marR="68580" marT="0" marB="0"/>
@@ -9028,7 +8841,7 @@
                         </a:spcAft>
                       </a:pPr>
                       <a:r>
-                        <a:rPr lang="en-US" sz="1600" dirty="0" smtClean="0">
+                        <a:rPr lang="en-US" sz="1600" dirty="0">
                           <a:effectLst/>
                           <a:latin typeface="Calibri" panose="020F0502020204030204" pitchFamily="34" charset="0"/>
                           <a:ea typeface="Calibri" panose="020F0502020204030204" pitchFamily="34" charset="0"/>
@@ -9036,12 +8849,6 @@
                         </a:rPr>
                         <a:t>MotDePasse</a:t>
                       </a:r>
-                      <a:endParaRPr lang="en-US" sz="1600" dirty="0">
-                        <a:effectLst/>
-                        <a:latin typeface="Calibri" panose="020F0502020204030204" pitchFamily="34" charset="0"/>
-                        <a:ea typeface="Calibri" panose="020F0502020204030204" pitchFamily="34" charset="0"/>
-                        <a:cs typeface="Times New Roman" panose="02020603050405020304" pitchFamily="18" charset="0"/>
-                      </a:endParaRPr>
                     </a:p>
                   </a:txBody>
                   <a:tcPr marL="68580" marR="68580" marT="0" marB="0"/>
@@ -9060,7 +8867,7 @@
                         </a:spcAft>
                       </a:pPr>
                       <a:r>
-                        <a:rPr lang="en-US" sz="1600" dirty="0" smtClean="0">
+                        <a:rPr lang="en-US" sz="1600" dirty="0">
                           <a:effectLst/>
                           <a:latin typeface="Calibri" panose="020F0502020204030204" pitchFamily="34" charset="0"/>
                           <a:ea typeface="Calibri" panose="020F0502020204030204" pitchFamily="34" charset="0"/>
@@ -9068,12 +8875,6 @@
                         </a:rPr>
                         <a:t>A</a:t>
                       </a:r>
-                      <a:endParaRPr lang="en-US" sz="1600" dirty="0">
-                        <a:effectLst/>
-                        <a:latin typeface="Calibri" panose="020F0502020204030204" pitchFamily="34" charset="0"/>
-                        <a:ea typeface="Calibri" panose="020F0502020204030204" pitchFamily="34" charset="0"/>
-                        <a:cs typeface="Times New Roman" panose="02020603050405020304" pitchFamily="18" charset="0"/>
-                      </a:endParaRPr>
                     </a:p>
                   </a:txBody>
                   <a:tcPr marL="68580" marR="68580" marT="0" marB="0"/>
@@ -9092,7 +8893,7 @@
                         </a:spcAft>
                       </a:pPr>
                       <a:r>
-                        <a:rPr lang="en-US" sz="1600" dirty="0" smtClean="0">
+                        <a:rPr lang="en-US" sz="1600" dirty="0">
                           <a:effectLst/>
                           <a:latin typeface="Calibri" panose="020F0502020204030204" pitchFamily="34" charset="0"/>
                           <a:ea typeface="Calibri" panose="020F0502020204030204" pitchFamily="34" charset="0"/>
@@ -9100,12 +8901,6 @@
                         </a:rPr>
                         <a:t>8</a:t>
                       </a:r>
-                      <a:endParaRPr lang="en-US" sz="1600" dirty="0">
-                        <a:effectLst/>
-                        <a:latin typeface="Calibri" panose="020F0502020204030204" pitchFamily="34" charset="0"/>
-                        <a:ea typeface="Calibri" panose="020F0502020204030204" pitchFamily="34" charset="0"/>
-                        <a:cs typeface="Times New Roman" panose="02020603050405020304" pitchFamily="18" charset="0"/>
-                      </a:endParaRPr>
                     </a:p>
                   </a:txBody>
                   <a:tcPr marL="68580" marR="68580" marT="0" marB="0"/>
@@ -9131,7 +8926,7 @@
                         </a:spcAft>
                       </a:pPr>
                       <a:r>
-                        <a:rPr lang="fr-FR" sz="1600" noProof="0" dirty="0" smtClean="0">
+                        <a:rPr lang="fr-FR" sz="1600" noProof="0" dirty="0">
                           <a:effectLst/>
                           <a:latin typeface="Calibri" panose="020F0502020204030204" pitchFamily="34" charset="0"/>
                           <a:ea typeface="Calibri" panose="020F0502020204030204" pitchFamily="34" charset="0"/>
@@ -9140,7 +8935,7 @@
                         <a:t>Titre de l’ évènement</a:t>
                       </a:r>
                       <a:r>
-                        <a:rPr lang="fr-FR" sz="1600" baseline="0%" noProof="0" dirty="0" smtClean="0">
+                        <a:rPr lang="fr-FR" sz="1600" baseline="0%" noProof="0" dirty="0">
                           <a:effectLst/>
                           <a:latin typeface="Calibri" panose="020F0502020204030204" pitchFamily="34" charset="0"/>
                           <a:ea typeface="Calibri" panose="020F0502020204030204" pitchFamily="34" charset="0"/>
@@ -9172,7 +8967,7 @@
                         </a:spcAft>
                       </a:pPr>
                       <a:r>
-                        <a:rPr lang="en-US" sz="1600" dirty="0" smtClean="0">
+                        <a:rPr lang="en-US" sz="1600" dirty="0">
                           <a:effectLst/>
                           <a:latin typeface="Calibri" panose="020F0502020204030204" pitchFamily="34" charset="0"/>
                           <a:ea typeface="Calibri" panose="020F0502020204030204" pitchFamily="34" charset="0"/>
@@ -9180,12 +8975,6 @@
                         </a:rPr>
                         <a:t>Titre</a:t>
                       </a:r>
-                      <a:endParaRPr lang="en-US" sz="1600" dirty="0">
-                        <a:effectLst/>
-                        <a:latin typeface="Calibri" panose="020F0502020204030204" pitchFamily="34" charset="0"/>
-                        <a:ea typeface="Calibri" panose="020F0502020204030204" pitchFamily="34" charset="0"/>
-                        <a:cs typeface="Times New Roman" panose="02020603050405020304" pitchFamily="18" charset="0"/>
-                      </a:endParaRPr>
                     </a:p>
                   </a:txBody>
                   <a:tcPr marL="68580" marR="68580" marT="0" marB="0"/>
@@ -9204,7 +8993,7 @@
                         </a:spcAft>
                       </a:pPr>
                       <a:r>
-                        <a:rPr lang="en-US" sz="1600" dirty="0" smtClean="0">
+                        <a:rPr lang="en-US" sz="1600" dirty="0">
                           <a:effectLst/>
                           <a:latin typeface="Calibri" panose="020F0502020204030204" pitchFamily="34" charset="0"/>
                           <a:ea typeface="Calibri" panose="020F0502020204030204" pitchFamily="34" charset="0"/>
@@ -9212,12 +9001,6 @@
                         </a:rPr>
                         <a:t>A</a:t>
                       </a:r>
-                      <a:endParaRPr lang="en-US" sz="1600" dirty="0">
-                        <a:effectLst/>
-                        <a:latin typeface="Calibri" panose="020F0502020204030204" pitchFamily="34" charset="0"/>
-                        <a:ea typeface="Calibri" panose="020F0502020204030204" pitchFamily="34" charset="0"/>
-                        <a:cs typeface="Times New Roman" panose="02020603050405020304" pitchFamily="18" charset="0"/>
-                      </a:endParaRPr>
                     </a:p>
                   </a:txBody>
                   <a:tcPr marL="68580" marR="68580" marT="0" marB="0"/>
@@ -9236,7 +9019,7 @@
                         </a:spcAft>
                       </a:pPr>
                       <a:r>
-                        <a:rPr lang="en-US" sz="1600" dirty="0" smtClean="0">
+                        <a:rPr lang="en-US" sz="1600" dirty="0">
                           <a:effectLst/>
                           <a:latin typeface="Calibri" panose="020F0502020204030204" pitchFamily="34" charset="0"/>
                           <a:ea typeface="Calibri" panose="020F0502020204030204" pitchFamily="34" charset="0"/>
@@ -9244,12 +9027,6 @@
                         </a:rPr>
                         <a:t>20</a:t>
                       </a:r>
-                      <a:endParaRPr lang="en-US" sz="1600" dirty="0">
-                        <a:effectLst/>
-                        <a:latin typeface="Calibri" panose="020F0502020204030204" pitchFamily="34" charset="0"/>
-                        <a:ea typeface="Calibri" panose="020F0502020204030204" pitchFamily="34" charset="0"/>
-                        <a:cs typeface="Times New Roman" panose="02020603050405020304" pitchFamily="18" charset="0"/>
-                      </a:endParaRPr>
                     </a:p>
                   </a:txBody>
                   <a:tcPr marL="68580" marR="68580" marT="0" marB="0"/>
@@ -9275,7 +9052,7 @@
                         </a:spcAft>
                       </a:pPr>
                       <a:r>
-                        <a:rPr lang="fr-FR" sz="1600" noProof="0" dirty="0" smtClean="0">
+                        <a:rPr lang="fr-FR" sz="1600" noProof="0" dirty="0">
                           <a:effectLst/>
                           <a:latin typeface="Calibri" panose="020F0502020204030204" pitchFamily="34" charset="0"/>
                           <a:ea typeface="Calibri" panose="020F0502020204030204" pitchFamily="34" charset="0"/>
@@ -9283,12 +9060,6 @@
                         </a:rPr>
                         <a:t>Date de l’ évènement</a:t>
                       </a:r>
-                      <a:endParaRPr lang="fr-FR" sz="1600" noProof="0" dirty="0">
-                        <a:effectLst/>
-                        <a:latin typeface="Calibri" panose="020F0502020204030204" pitchFamily="34" charset="0"/>
-                        <a:ea typeface="Calibri" panose="020F0502020204030204" pitchFamily="34" charset="0"/>
-                        <a:cs typeface="Times New Roman" panose="02020603050405020304" pitchFamily="18" charset="0"/>
-                      </a:endParaRPr>
                     </a:p>
                   </a:txBody>
                   <a:tcPr marL="68580" marR="68580" marT="0" marB="0"/>
@@ -9307,7 +9078,7 @@
                         </a:spcAft>
                       </a:pPr>
                       <a:r>
-                        <a:rPr lang="en-US" sz="1600" dirty="0" smtClean="0">
+                        <a:rPr lang="en-US" sz="1600" dirty="0">
                           <a:effectLst/>
                           <a:latin typeface="Calibri" panose="020F0502020204030204" pitchFamily="34" charset="0"/>
                           <a:ea typeface="Calibri" panose="020F0502020204030204" pitchFamily="34" charset="0"/>
@@ -9315,12 +9086,6 @@
                         </a:rPr>
                         <a:t>DateE</a:t>
                       </a:r>
-                      <a:endParaRPr lang="en-US" sz="1600" dirty="0">
-                        <a:effectLst/>
-                        <a:latin typeface="Calibri" panose="020F0502020204030204" pitchFamily="34" charset="0"/>
-                        <a:ea typeface="Calibri" panose="020F0502020204030204" pitchFamily="34" charset="0"/>
-                        <a:cs typeface="Times New Roman" panose="02020603050405020304" pitchFamily="18" charset="0"/>
-                      </a:endParaRPr>
                     </a:p>
                   </a:txBody>
                   <a:tcPr marL="68580" marR="68580" marT="0" marB="0"/>
@@ -9339,7 +9104,7 @@
                         </a:spcAft>
                       </a:pPr>
                       <a:r>
-                        <a:rPr lang="en-US" sz="1600" dirty="0" smtClean="0">
+                        <a:rPr lang="en-US" sz="1600" dirty="0">
                           <a:effectLst/>
                           <a:latin typeface="Calibri" panose="020F0502020204030204" pitchFamily="34" charset="0"/>
                           <a:ea typeface="Calibri" panose="020F0502020204030204" pitchFamily="34" charset="0"/>
@@ -9347,12 +9112,6 @@
                         </a:rPr>
                         <a:t>A</a:t>
                       </a:r>
-                      <a:endParaRPr lang="en-US" sz="1600" dirty="0">
-                        <a:effectLst/>
-                        <a:latin typeface="Calibri" panose="020F0502020204030204" pitchFamily="34" charset="0"/>
-                        <a:ea typeface="Calibri" panose="020F0502020204030204" pitchFamily="34" charset="0"/>
-                        <a:cs typeface="Times New Roman" panose="02020603050405020304" pitchFamily="18" charset="0"/>
-                      </a:endParaRPr>
                     </a:p>
                   </a:txBody>
                   <a:tcPr marL="68580" marR="68580" marT="0" marB="0"/>
@@ -9371,7 +9130,7 @@
                         </a:spcAft>
                       </a:pPr>
                       <a:r>
-                        <a:rPr lang="en-US" sz="1600" dirty="0" smtClean="0">
+                        <a:rPr lang="en-US" sz="1600" dirty="0">
                           <a:effectLst/>
                           <a:latin typeface="Calibri" panose="020F0502020204030204" pitchFamily="34" charset="0"/>
                           <a:ea typeface="Calibri" panose="020F0502020204030204" pitchFamily="34" charset="0"/>
@@ -9379,12 +9138,6 @@
                         </a:rPr>
                         <a:t>10</a:t>
                       </a:r>
-                      <a:endParaRPr lang="en-US" sz="1600" dirty="0">
-                        <a:effectLst/>
-                        <a:latin typeface="Calibri" panose="020F0502020204030204" pitchFamily="34" charset="0"/>
-                        <a:ea typeface="Calibri" panose="020F0502020204030204" pitchFamily="34" charset="0"/>
-                        <a:cs typeface="Times New Roman" panose="02020603050405020304" pitchFamily="18" charset="0"/>
-                      </a:endParaRPr>
                     </a:p>
                   </a:txBody>
                   <a:tcPr marL="68580" marR="68580" marT="0" marB="0"/>
@@ -9399,8 +9152,8 @@
           </a:graphicData>
         </a:graphic>
       </p:graphicFrame>
-      <mc:AlternateContent xmlns:mc="http://schemas.openxmlformats.org/markup-compatibility/2006">
-        <mc:Choice xmlns:a14="http://schemas.microsoft.com/office/drawing/2010/main" Requires="a14">
+      <mc:AlternateContent xmlns:mc="http://schemas.openxmlformats.org/markup-compatibility/2006" xmlns:a14="http://schemas.microsoft.com/office/drawing/2010/main">
+        <mc:Choice Requires="a14">
           <p:sp>
             <p:nvSpPr>
               <p:cNvPr id="5" name="ZoneTexte 4"/>
@@ -9423,6 +9176,7 @@
               </a:bodyPr>
               <a:lstStyle/>
               <a:p>
+                <a:pPr/>
                 <a14:m>
                   <m:oMathPara xmlns:m="http://purl.oclc.org/ooxml/officeDocument/math">
                     <m:oMathParaPr>
@@ -9463,7 +9217,7 @@
             </p:txBody>
           </p:sp>
         </mc:Choice>
-        <mc:Fallback>
+        <mc:Fallback xmlns:p="http://schemas.openxmlformats.org/presentationml/2006/main" xmlns:r="http://schemas.openxmlformats.org/officeDocument/2006/relationships" xmlns:a="http://schemas.openxmlformats.org/drawingml/2006/main" xmlns="">
           <p:sp>
             <p:nvSpPr>
               <p:cNvPr id="5" name="ZoneTexte 4"/>
@@ -9518,19 +9272,12 @@
         <p14:conveyor dir="l"/>
       </p:transition>
     </mc:Choice>
-    <mc:Fallback xmlns:p="http://schemas.openxmlformats.org/presentationml/2006/main" xmlns:r="http://schemas.openxmlformats.org/officeDocument/2006/relationships" xmlns:a="http://schemas.openxmlformats.org/drawingml/2006/main" xmlns="">
+    <mc:Fallback xmlns="" xmlns:a="http://schemas.openxmlformats.org/drawingml/2006/main" xmlns:r="http://schemas.openxmlformats.org/officeDocument/2006/relationships" xmlns:p="http://schemas.openxmlformats.org/presentationml/2006/main">
       <p:transition spd="slow">
         <p:fade/>
       </p:transition>
     </mc:Fallback>
   </mc:AlternateContent>
-  <p:timing>
-    <p:tnLst>
-      <p:par>
-        <p:cTn id="1" dur="indefinite" restart="never" nodeType="tmRoot"/>
-      </p:par>
-    </p:tnLst>
-  </p:timing>
 </p:sld>
 </file>
 
@@ -9579,13 +9326,6 @@
               </a:rPr>
               <a:t>Modelé relationnel des données (MRD)</a:t>
             </a:r>
-            <a:r>
-              <a:rPr lang="fr-FR" sz="4400" dirty="0">
-                <a:latin typeface="Arial" panose="020B0604020202020204" pitchFamily="34" charset="0"/>
-                <a:cs typeface="Arial" panose="020B0604020202020204" pitchFamily="34" charset="0"/>
-              </a:rPr>
-              <a:t/>
-            </a:r>
             <a:br>
               <a:rPr lang="fr-FR" sz="4400" dirty="0">
                 <a:latin typeface="Arial" panose="020B0604020202020204" pitchFamily="34" charset="0"/>
@@ -9618,7 +9358,7 @@
         </p:nvGraphicFramePr>
         <p:xfrm>
           <a:off x="3046984" y="3377535"/>
-          <a:ext cx="1656282" cy="1871095"/>
+          <a:ext cx="1656282" cy="1855855"/>
         </p:xfrm>
         <a:graphic>
           <a:graphicData uri="http://purl.oclc.org/ooxml/drawingml/table">
@@ -10065,7 +9805,7 @@
         </p:nvGraphicFramePr>
         <p:xfrm>
           <a:off x="9608313" y="3224525"/>
-          <a:ext cx="1832179" cy="2315401"/>
+          <a:ext cx="1832179" cy="2286572"/>
         </p:xfrm>
         <a:graphic>
           <a:graphicData uri="http://purl.oclc.org/ooxml/drawingml/table">
@@ -10457,7 +10197,7 @@
         </p:nvGraphicFramePr>
         <p:xfrm>
           <a:off x="470033" y="4068618"/>
-          <a:ext cx="1448435" cy="2608898"/>
+          <a:ext cx="1448435" cy="2580069"/>
         </p:xfrm>
         <a:graphic>
           <a:graphicData uri="http://purl.oclc.org/ooxml/drawingml/table">
@@ -10722,7 +10462,7 @@
         </p:nvGraphicFramePr>
         <p:xfrm>
           <a:off x="2303717" y="2106700"/>
-          <a:ext cx="1486535" cy="967867"/>
+          <a:ext cx="1486535" cy="952627"/>
         </p:xfrm>
         <a:graphic>
           <a:graphicData uri="http://purl.oclc.org/ooxml/drawingml/table">
@@ -10874,7 +10614,7 @@
         </p:nvGraphicFramePr>
         <p:xfrm>
           <a:off x="7523173" y="2051532"/>
-          <a:ext cx="1757154" cy="910082"/>
+          <a:ext cx="1757154" cy="894842"/>
         </p:xfrm>
         <a:graphic>
           <a:graphicData uri="http://purl.oclc.org/ooxml/drawingml/table">
@@ -11001,7 +10741,7 @@
         </p:nvGraphicFramePr>
         <p:xfrm>
           <a:off x="6499895" y="5612490"/>
-          <a:ext cx="1486535" cy="935292"/>
+          <a:ext cx="1486535" cy="921703"/>
         </p:xfrm>
         <a:graphic>
           <a:graphicData uri="http://purl.oclc.org/ooxml/drawingml/table">
@@ -11443,8 +11183,8 @@
           </a:fontRef>
         </p:style>
       </p:cxnSp>
-      <mc:AlternateContent xmlns:mc="http://schemas.openxmlformats.org/markup-compatibility/2006">
-        <mc:Choice xmlns:a14="http://schemas.microsoft.com/office/drawing/2010/main" Requires="a14">
+      <mc:AlternateContent xmlns:mc="http://schemas.openxmlformats.org/markup-compatibility/2006" xmlns:a14="http://schemas.microsoft.com/office/drawing/2010/main">
+        <mc:Choice Requires="a14">
           <p:sp>
             <p:nvSpPr>
               <p:cNvPr id="20" name="ZoneTexte 19"/>
@@ -11467,6 +11207,7 @@
               </a:bodyPr>
               <a:lstStyle/>
               <a:p>
+                <a:pPr/>
                 <a14:m>
                   <m:oMathPara xmlns:m="http://purl.oclc.org/ooxml/officeDocument/math">
                     <m:oMathParaPr>
@@ -11507,7 +11248,7 @@
             </p:txBody>
           </p:sp>
         </mc:Choice>
-        <mc:Fallback>
+        <mc:Fallback xmlns:p="http://schemas.openxmlformats.org/presentationml/2006/main" xmlns:r="http://schemas.openxmlformats.org/officeDocument/2006/relationships" xmlns:a="http://schemas.openxmlformats.org/drawingml/2006/main" xmlns="">
           <p:sp>
             <p:nvSpPr>
               <p:cNvPr id="20" name="ZoneTexte 19"/>
@@ -11562,7 +11303,7 @@
         <p14:window dir="vert"/>
       </p:transition>
     </mc:Choice>
-    <mc:Fallback xmlns:p="http://schemas.openxmlformats.org/presentationml/2006/main" xmlns:r="http://schemas.openxmlformats.org/officeDocument/2006/relationships" xmlns:a="http://schemas.openxmlformats.org/drawingml/2006/main" xmlns="">
+    <mc:Fallback xmlns="" xmlns:a="http://schemas.openxmlformats.org/drawingml/2006/main" xmlns:r="http://schemas.openxmlformats.org/officeDocument/2006/relationships" xmlns:p="http://schemas.openxmlformats.org/presentationml/2006/main">
       <p:transition spd="slow">
         <p:fade/>
       </p:transition>
@@ -13383,8 +13124,8 @@
           </a:p>
         </p:txBody>
       </p:sp>
-      <mc:AlternateContent xmlns:mc="http://schemas.openxmlformats.org/markup-compatibility/2006">
-        <mc:Choice xmlns:a14="http://schemas.microsoft.com/office/drawing/2010/main" Requires="a14">
+      <mc:AlternateContent xmlns:mc="http://schemas.openxmlformats.org/markup-compatibility/2006" xmlns:a14="http://schemas.microsoft.com/office/drawing/2010/main">
+        <mc:Choice Requires="a14">
           <p:sp>
             <p:nvSpPr>
               <p:cNvPr id="4" name="ZoneTexte 3"/>
@@ -13407,6 +13148,7 @@
               </a:bodyPr>
               <a:lstStyle/>
               <a:p>
+                <a:pPr/>
                 <a14:m>
                   <m:oMathPara xmlns:m="http://purl.oclc.org/ooxml/officeDocument/math">
                     <m:oMathParaPr>
@@ -13447,7 +13189,7 @@
             </p:txBody>
           </p:sp>
         </mc:Choice>
-        <mc:Fallback>
+        <mc:Fallback xmlns:p="http://schemas.openxmlformats.org/presentationml/2006/main" xmlns:r="http://schemas.openxmlformats.org/officeDocument/2006/relationships" xmlns:a="http://schemas.openxmlformats.org/drawingml/2006/main" xmlns="">
           <p:sp>
             <p:nvSpPr>
               <p:cNvPr id="4" name="ZoneTexte 3"/>
@@ -13502,19 +13244,12 @@
         <p15:prstTrans prst="fracture"/>
       </p:transition>
     </mc:Choice>
-    <mc:Fallback xmlns="" xmlns:a="http://schemas.openxmlformats.org/drawingml/2006/main" xmlns:r="http://schemas.openxmlformats.org/officeDocument/2006/relationships" xmlns:p="http://schemas.openxmlformats.org/presentationml/2006/main">
+    <mc:Fallback xmlns:p="http://schemas.openxmlformats.org/presentationml/2006/main" xmlns:r="http://schemas.openxmlformats.org/officeDocument/2006/relationships" xmlns:a="http://schemas.openxmlformats.org/drawingml/2006/main" xmlns="">
       <p:transition spd="slow">
         <p:fade/>
       </p:transition>
     </mc:Fallback>
   </mc:AlternateContent>
-  <p:timing>
-    <p:tnLst>
-      <p:par>
-        <p:cTn id="1" dur="indefinite" restart="never" nodeType="tmRoot"/>
-      </p:par>
-    </p:tnLst>
-  </p:timing>
 </p:sld>
 </file>
 
@@ -13653,8 +13388,8 @@
           </a:prstGeom>
         </p:spPr>
       </p:pic>
-      <mc:AlternateContent xmlns:mc="http://schemas.openxmlformats.org/markup-compatibility/2006">
-        <mc:Choice xmlns:a14="http://schemas.microsoft.com/office/drawing/2010/main" Requires="a14">
+      <mc:AlternateContent xmlns:mc="http://schemas.openxmlformats.org/markup-compatibility/2006" xmlns:a14="http://schemas.microsoft.com/office/drawing/2010/main">
+        <mc:Choice Requires="a14">
           <p:sp>
             <p:nvSpPr>
               <p:cNvPr id="6" name="ZoneTexte 5"/>
@@ -13677,6 +13412,7 @@
               </a:bodyPr>
               <a:lstStyle/>
               <a:p>
+                <a:pPr/>
                 <a14:m>
                   <m:oMathPara xmlns:m="http://purl.oclc.org/ooxml/officeDocument/math">
                     <m:oMathParaPr>
@@ -13717,7 +13453,7 @@
             </p:txBody>
           </p:sp>
         </mc:Choice>
-        <mc:Fallback>
+        <mc:Fallback xmlns:p="http://schemas.openxmlformats.org/presentationml/2006/main" xmlns:r="http://schemas.openxmlformats.org/officeDocument/2006/relationships" xmlns:a="http://schemas.openxmlformats.org/drawingml/2006/main" xmlns="">
           <p:sp>
             <p:nvSpPr>
               <p:cNvPr id="6" name="ZoneTexte 5"/>
@@ -13772,7 +13508,7 @@
         <p14:ferris dir="l"/>
       </p:transition>
     </mc:Choice>
-    <mc:Fallback xmlns:p="http://schemas.openxmlformats.org/presentationml/2006/main" xmlns:r="http://schemas.openxmlformats.org/officeDocument/2006/relationships" xmlns:a="http://schemas.openxmlformats.org/drawingml/2006/main" xmlns="">
+    <mc:Fallback xmlns="" xmlns:a="http://schemas.openxmlformats.org/drawingml/2006/main" xmlns:r="http://schemas.openxmlformats.org/officeDocument/2006/relationships" xmlns:p="http://schemas.openxmlformats.org/presentationml/2006/main">
       <p:transition spd="slow">
         <p:fade/>
       </p:transition>
@@ -14156,8 +13892,8 @@
           </a:prstGeom>
         </p:spPr>
       </p:pic>
-      <mc:AlternateContent xmlns:mc="http://schemas.openxmlformats.org/markup-compatibility/2006">
-        <mc:Choice xmlns:a14="http://schemas.microsoft.com/office/drawing/2010/main" Requires="a14">
+      <mc:AlternateContent xmlns:mc="http://schemas.openxmlformats.org/markup-compatibility/2006" xmlns:a14="http://schemas.microsoft.com/office/drawing/2010/main">
+        <mc:Choice Requires="a14">
           <p:sp>
             <p:nvSpPr>
               <p:cNvPr id="7" name="ZoneTexte 6"/>
@@ -14180,6 +13916,7 @@
               </a:bodyPr>
               <a:lstStyle/>
               <a:p>
+                <a:pPr/>
                 <a14:m>
                   <m:oMathPara xmlns:m="http://purl.oclc.org/ooxml/officeDocument/math">
                     <m:oMathParaPr>
@@ -14220,7 +13957,7 @@
             </p:txBody>
           </p:sp>
         </mc:Choice>
-        <mc:Fallback>
+        <mc:Fallback xmlns:p="http://schemas.openxmlformats.org/presentationml/2006/main" xmlns:r="http://schemas.openxmlformats.org/officeDocument/2006/relationships" xmlns:a="http://schemas.openxmlformats.org/drawingml/2006/main" xmlns="">
           <p:sp>
             <p:nvSpPr>
               <p:cNvPr id="7" name="ZoneTexte 6"/>
@@ -14275,7 +14012,7 @@
         <p14:conveyor dir="l"/>
       </p:transition>
     </mc:Choice>
-    <mc:Fallback xmlns:p="http://schemas.openxmlformats.org/presentationml/2006/main" xmlns:r="http://schemas.openxmlformats.org/officeDocument/2006/relationships" xmlns:a="http://schemas.openxmlformats.org/drawingml/2006/main" xmlns="">
+    <mc:Fallback xmlns="" xmlns:a="http://schemas.openxmlformats.org/drawingml/2006/main" xmlns:r="http://schemas.openxmlformats.org/officeDocument/2006/relationships" xmlns:p="http://schemas.openxmlformats.org/presentationml/2006/main">
       <p:transition spd="slow">
         <p:fade/>
       </p:transition>
@@ -14510,8 +14247,8 @@
           </a:prstGeom>
         </p:spPr>
       </p:pic>
-      <mc:AlternateContent xmlns:mc="http://schemas.openxmlformats.org/markup-compatibility/2006">
-        <mc:Choice xmlns:a14="http://schemas.microsoft.com/office/drawing/2010/main" Requires="a14">
+      <mc:AlternateContent xmlns:mc="http://schemas.openxmlformats.org/markup-compatibility/2006" xmlns:a14="http://schemas.microsoft.com/office/drawing/2010/main">
+        <mc:Choice Requires="a14">
           <p:sp>
             <p:nvSpPr>
               <p:cNvPr id="6" name="ZoneTexte 5"/>
@@ -14534,6 +14271,7 @@
               </a:bodyPr>
               <a:lstStyle/>
               <a:p>
+                <a:pPr/>
                 <a14:m>
                   <m:oMathPara xmlns:m="http://purl.oclc.org/ooxml/officeDocument/math">
                     <m:oMathParaPr>
@@ -14574,7 +14312,7 @@
             </p:txBody>
           </p:sp>
         </mc:Choice>
-        <mc:Fallback>
+        <mc:Fallback xmlns:p="http://schemas.openxmlformats.org/presentationml/2006/main" xmlns:r="http://schemas.openxmlformats.org/officeDocument/2006/relationships" xmlns:a="http://schemas.openxmlformats.org/drawingml/2006/main" xmlns="">
           <p:sp>
             <p:nvSpPr>
               <p:cNvPr id="6" name="ZoneTexte 5"/>
@@ -14629,7 +14367,7 @@
         <p14:conveyor dir="l"/>
       </p:transition>
     </mc:Choice>
-    <mc:Fallback xmlns:p="http://schemas.openxmlformats.org/presentationml/2006/main" xmlns:r="http://schemas.openxmlformats.org/officeDocument/2006/relationships" xmlns:a="http://schemas.openxmlformats.org/drawingml/2006/main" xmlns="">
+    <mc:Fallback xmlns="" xmlns:a="http://schemas.openxmlformats.org/drawingml/2006/main" xmlns:r="http://schemas.openxmlformats.org/officeDocument/2006/relationships" xmlns:p="http://schemas.openxmlformats.org/presentationml/2006/main">
       <p:transition spd="slow">
         <p:fade/>
       </p:transition>
@@ -15313,8 +15051,8 @@
           </a:prstGeom>
         </p:spPr>
       </p:pic>
-      <mc:AlternateContent xmlns:mc="http://schemas.openxmlformats.org/markup-compatibility/2006">
-        <mc:Choice xmlns:a14="http://schemas.microsoft.com/office/drawing/2010/main" Requires="a14">
+      <mc:AlternateContent xmlns:mc="http://schemas.openxmlformats.org/markup-compatibility/2006" xmlns:a14="http://schemas.microsoft.com/office/drawing/2010/main">
+        <mc:Choice Requires="a14">
           <p:sp>
             <p:nvSpPr>
               <p:cNvPr id="5" name="ZoneTexte 4"/>
@@ -15337,6 +15075,7 @@
               </a:bodyPr>
               <a:lstStyle/>
               <a:p>
+                <a:pPr/>
                 <a14:m>
                   <m:oMathPara xmlns:m="http://purl.oclc.org/ooxml/officeDocument/math">
                     <m:oMathParaPr>
@@ -15377,7 +15116,7 @@
             </p:txBody>
           </p:sp>
         </mc:Choice>
-        <mc:Fallback>
+        <mc:Fallback xmlns:p="http://schemas.openxmlformats.org/presentationml/2006/main" xmlns:r="http://schemas.openxmlformats.org/officeDocument/2006/relationships" xmlns:a="http://schemas.openxmlformats.org/drawingml/2006/main" xmlns="">
           <p:sp>
             <p:nvSpPr>
               <p:cNvPr id="5" name="ZoneTexte 4"/>
@@ -15432,7 +15171,7 @@
         <p14:conveyor dir="l"/>
       </p:transition>
     </mc:Choice>
-    <mc:Fallback xmlns:p="http://schemas.openxmlformats.org/presentationml/2006/main" xmlns:r="http://schemas.openxmlformats.org/officeDocument/2006/relationships" xmlns:a="http://schemas.openxmlformats.org/drawingml/2006/main" xmlns="">
+    <mc:Fallback xmlns="" xmlns:a="http://schemas.openxmlformats.org/drawingml/2006/main" xmlns:r="http://schemas.openxmlformats.org/officeDocument/2006/relationships" xmlns:p="http://schemas.openxmlformats.org/presentationml/2006/main">
       <p:transition spd="slow">
         <p:fade/>
       </p:transition>
@@ -16116,8 +15855,8 @@
           </a:prstGeom>
         </p:spPr>
       </p:pic>
-      <mc:AlternateContent xmlns:mc="http://schemas.openxmlformats.org/markup-compatibility/2006">
-        <mc:Choice xmlns:a14="http://schemas.microsoft.com/office/drawing/2010/main" Requires="a14">
+      <mc:AlternateContent xmlns:mc="http://schemas.openxmlformats.org/markup-compatibility/2006" xmlns:a14="http://schemas.microsoft.com/office/drawing/2010/main">
+        <mc:Choice Requires="a14">
           <p:sp>
             <p:nvSpPr>
               <p:cNvPr id="6" name="ZoneTexte 5"/>
@@ -16140,6 +15879,7 @@
               </a:bodyPr>
               <a:lstStyle/>
               <a:p>
+                <a:pPr/>
                 <a14:m>
                   <m:oMathPara xmlns:m="http://purl.oclc.org/ooxml/officeDocument/math">
                     <m:oMathParaPr>
@@ -16180,7 +15920,7 @@
             </p:txBody>
           </p:sp>
         </mc:Choice>
-        <mc:Fallback>
+        <mc:Fallback xmlns:p="http://schemas.openxmlformats.org/presentationml/2006/main" xmlns:r="http://schemas.openxmlformats.org/officeDocument/2006/relationships" xmlns:a="http://schemas.openxmlformats.org/drawingml/2006/main" xmlns="">
           <p:sp>
             <p:nvSpPr>
               <p:cNvPr id="6" name="ZoneTexte 5"/>
@@ -16235,7 +15975,7 @@
         <p14:conveyor dir="l"/>
       </p:transition>
     </mc:Choice>
-    <mc:Fallback xmlns:p="http://schemas.openxmlformats.org/presentationml/2006/main" xmlns:r="http://schemas.openxmlformats.org/officeDocument/2006/relationships" xmlns:a="http://schemas.openxmlformats.org/drawingml/2006/main" xmlns="">
+    <mc:Fallback xmlns="" xmlns:a="http://schemas.openxmlformats.org/drawingml/2006/main" xmlns:r="http://schemas.openxmlformats.org/officeDocument/2006/relationships" xmlns:p="http://schemas.openxmlformats.org/presentationml/2006/main">
       <p:transition spd="slow">
         <p:fade/>
       </p:transition>
@@ -16859,13 +16599,6 @@
               </a:rPr>
               <a:t>Présentation d’ une version beta de l’ application</a:t>
             </a:r>
-            <a:r>
-              <a:rPr lang="fr-FR" sz="4400" dirty="0">
-                <a:latin typeface="Arial" panose="020B0604020202020204" pitchFamily="34" charset="0"/>
-                <a:cs typeface="Arial" panose="020B0604020202020204" pitchFamily="34" charset="0"/>
-              </a:rPr>
-              <a:t/>
-            </a:r>
             <a:br>
               <a:rPr lang="fr-FR" sz="4400" dirty="0">
                 <a:latin typeface="Arial" panose="020B0604020202020204" pitchFamily="34" charset="0"/>
@@ -16908,8 +16641,8 @@
           </a:prstGeom>
         </p:spPr>
       </p:pic>
-      <mc:AlternateContent xmlns:mc="http://schemas.openxmlformats.org/markup-compatibility/2006">
-        <mc:Choice xmlns:a14="http://schemas.microsoft.com/office/drawing/2010/main" Requires="a14">
+      <mc:AlternateContent xmlns:mc="http://schemas.openxmlformats.org/markup-compatibility/2006" xmlns:a14="http://schemas.microsoft.com/office/drawing/2010/main">
+        <mc:Choice Requires="a14">
           <p:sp>
             <p:nvSpPr>
               <p:cNvPr id="7" name="ZoneTexte 6"/>
@@ -16932,6 +16665,7 @@
               </a:bodyPr>
               <a:lstStyle/>
               <a:p>
+                <a:pPr/>
                 <a14:m>
                   <m:oMathPara xmlns:m="http://purl.oclc.org/ooxml/officeDocument/math">
                     <m:oMathParaPr>
@@ -16972,7 +16706,7 @@
             </p:txBody>
           </p:sp>
         </mc:Choice>
-        <mc:Fallback>
+        <mc:Fallback xmlns:p="http://schemas.openxmlformats.org/presentationml/2006/main" xmlns:r="http://schemas.openxmlformats.org/officeDocument/2006/relationships" xmlns:a="http://schemas.openxmlformats.org/drawingml/2006/main" xmlns="">
           <p:sp>
             <p:nvSpPr>
               <p:cNvPr id="7" name="ZoneTexte 6"/>
@@ -17027,19 +16761,12 @@
         <p15:prstTrans prst="peelOff"/>
       </p:transition>
     </mc:Choice>
-    <mc:Fallback xmlns:p="http://schemas.openxmlformats.org/presentationml/2006/main" xmlns:r="http://schemas.openxmlformats.org/officeDocument/2006/relationships" xmlns:a="http://schemas.openxmlformats.org/drawingml/2006/main" xmlns="">
+    <mc:Fallback xmlns="" xmlns:a="http://schemas.openxmlformats.org/drawingml/2006/main" xmlns:r="http://schemas.openxmlformats.org/officeDocument/2006/relationships" xmlns:p="http://schemas.openxmlformats.org/presentationml/2006/main">
       <p:transition spd="slow">
         <p:fade/>
       </p:transition>
     </mc:Fallback>
   </mc:AlternateContent>
-  <p:timing>
-    <p:tnLst>
-      <p:par>
-        <p:cTn id="1" dur="indefinite" restart="never" nodeType="tmRoot"/>
-      </p:par>
-    </p:tnLst>
-  </p:timing>
 </p:sld>
 </file>
 
@@ -17121,8 +16848,8 @@
           </a:p>
         </p:txBody>
       </p:sp>
-      <mc:AlternateContent xmlns:mc="http://schemas.openxmlformats.org/markup-compatibility/2006">
-        <mc:Choice xmlns:a14="http://schemas.microsoft.com/office/drawing/2010/main" Requires="a14">
+      <mc:AlternateContent xmlns:mc="http://schemas.openxmlformats.org/markup-compatibility/2006" xmlns:a14="http://schemas.microsoft.com/office/drawing/2010/main">
+        <mc:Choice Requires="a14">
           <p:sp>
             <p:nvSpPr>
               <p:cNvPr id="4" name="ZoneTexte 3"/>
@@ -17145,6 +16872,7 @@
               </a:bodyPr>
               <a:lstStyle/>
               <a:p>
+                <a:pPr/>
                 <a14:m>
                   <m:oMathPara xmlns:m="http://purl.oclc.org/ooxml/officeDocument/math">
                     <m:oMathParaPr>
@@ -17185,7 +16913,7 @@
             </p:txBody>
           </p:sp>
         </mc:Choice>
-        <mc:Fallback>
+        <mc:Fallback xmlns:p="http://schemas.openxmlformats.org/presentationml/2006/main" xmlns:r="http://schemas.openxmlformats.org/officeDocument/2006/relationships" xmlns:a="http://schemas.openxmlformats.org/drawingml/2006/main" xmlns="">
           <p:sp>
             <p:nvSpPr>
               <p:cNvPr id="4" name="ZoneTexte 3"/>
@@ -17240,7 +16968,7 @@
         <p15:prstTrans prst="curtains"/>
       </p:transition>
     </mc:Choice>
-    <mc:Fallback xmlns="" xmlns:a="http://schemas.openxmlformats.org/drawingml/2006/main" xmlns:r="http://schemas.openxmlformats.org/officeDocument/2006/relationships" xmlns:p="http://schemas.openxmlformats.org/presentationml/2006/main">
+    <mc:Fallback xmlns:p="http://schemas.openxmlformats.org/presentationml/2006/main" xmlns:r="http://schemas.openxmlformats.org/officeDocument/2006/relationships" xmlns:a="http://schemas.openxmlformats.org/drawingml/2006/main" xmlns="">
       <p:transition spd="slow">
         <p:fade/>
       </p:transition>
@@ -17446,8 +17174,8 @@
           </a:p>
         </p:txBody>
       </p:sp>
-      <mc:AlternateContent xmlns:mc="http://schemas.openxmlformats.org/markup-compatibility/2006">
-        <mc:Choice xmlns:a14="http://schemas.microsoft.com/office/drawing/2010/main" Requires="a14">
+      <mc:AlternateContent xmlns:mc="http://schemas.openxmlformats.org/markup-compatibility/2006" xmlns:a14="http://schemas.microsoft.com/office/drawing/2010/main">
+        <mc:Choice Requires="a14">
           <p:sp>
             <p:nvSpPr>
               <p:cNvPr id="4" name="ZoneTexte 3"/>
@@ -17470,6 +17198,7 @@
               </a:bodyPr>
               <a:lstStyle/>
               <a:p>
+                <a:pPr/>
                 <a14:m>
                   <m:oMathPara xmlns:m="http://purl.oclc.org/ooxml/officeDocument/math">
                     <m:oMathParaPr>
@@ -17510,7 +17239,7 @@
             </p:txBody>
           </p:sp>
         </mc:Choice>
-        <mc:Fallback>
+        <mc:Fallback xmlns:p="http://schemas.openxmlformats.org/presentationml/2006/main" xmlns:r="http://schemas.openxmlformats.org/officeDocument/2006/relationships" xmlns:a="http://schemas.openxmlformats.org/drawingml/2006/main" xmlns="">
           <p:sp>
             <p:nvSpPr>
               <p:cNvPr id="4" name="ZoneTexte 3"/>
@@ -17565,19 +17294,12 @@
         <p15:prstTrans prst="fallOver"/>
       </p:transition>
     </mc:Choice>
-    <mc:Fallback xmlns:p="http://schemas.openxmlformats.org/presentationml/2006/main" xmlns:r="http://schemas.openxmlformats.org/officeDocument/2006/relationships" xmlns:a="http://schemas.openxmlformats.org/drawingml/2006/main" xmlns="">
+    <mc:Fallback xmlns="" xmlns:a="http://schemas.openxmlformats.org/drawingml/2006/main" xmlns:r="http://schemas.openxmlformats.org/officeDocument/2006/relationships" xmlns:p="http://schemas.openxmlformats.org/presentationml/2006/main">
       <p:transition spd="slow">
         <p:fade/>
       </p:transition>
     </mc:Fallback>
   </mc:AlternateContent>
-  <p:timing>
-    <p:tnLst>
-      <p:par>
-        <p:cTn id="1" dur="indefinite" restart="never" nodeType="tmRoot"/>
-      </p:par>
-    </p:tnLst>
-  </p:timing>
 </p:sld>
 </file>
 
@@ -17636,8 +17358,8 @@
           </a:p>
         </p:txBody>
       </p:sp>
-      <mc:AlternateContent xmlns:mc="http://schemas.openxmlformats.org/markup-compatibility/2006">
-        <mc:Choice xmlns:a14="http://schemas.microsoft.com/office/drawing/2010/main" Requires="a14">
+      <mc:AlternateContent xmlns:mc="http://schemas.openxmlformats.org/markup-compatibility/2006" xmlns:a14="http://schemas.microsoft.com/office/drawing/2010/main">
+        <mc:Choice Requires="a14">
           <p:sp>
             <p:nvSpPr>
               <p:cNvPr id="4" name="ZoneTexte 3"/>
@@ -17660,6 +17382,7 @@
               </a:bodyPr>
               <a:lstStyle/>
               <a:p>
+                <a:pPr/>
                 <a14:m>
                   <m:oMathPara xmlns:m="http://purl.oclc.org/ooxml/officeDocument/math">
                     <m:oMathParaPr>
@@ -17700,7 +17423,7 @@
             </p:txBody>
           </p:sp>
         </mc:Choice>
-        <mc:Fallback>
+        <mc:Fallback xmlns:p="http://schemas.openxmlformats.org/presentationml/2006/main" xmlns:r="http://schemas.openxmlformats.org/officeDocument/2006/relationships" xmlns:a="http://schemas.openxmlformats.org/drawingml/2006/main" xmlns="">
           <p:sp>
             <p:nvSpPr>
               <p:cNvPr id="4" name="ZoneTexte 3"/>
@@ -17755,19 +17478,12 @@
         <p15:prstTrans prst="airplane"/>
       </p:transition>
     </mc:Choice>
-    <mc:Fallback xmlns:p="http://schemas.openxmlformats.org/presentationml/2006/main" xmlns:r="http://schemas.openxmlformats.org/officeDocument/2006/relationships" xmlns:a="http://schemas.openxmlformats.org/drawingml/2006/main" xmlns="">
+    <mc:Fallback xmlns="" xmlns:a="http://schemas.openxmlformats.org/drawingml/2006/main" xmlns:r="http://schemas.openxmlformats.org/officeDocument/2006/relationships" xmlns:p="http://schemas.openxmlformats.org/presentationml/2006/main">
       <p:transition spd="slow">
         <p:fade/>
       </p:transition>
     </mc:Fallback>
   </mc:AlternateContent>
-  <p:timing>
-    <p:tnLst>
-      <p:par>
-        <p:cTn id="1" dur="indefinite" restart="never" nodeType="tmRoot"/>
-      </p:par>
-    </p:tnLst>
-  </p:timing>
 </p:sld>
 </file>
 
@@ -17858,8 +17574,8 @@
           </a:p>
         </p:txBody>
       </p:sp>
-      <mc:AlternateContent xmlns:mc="http://schemas.openxmlformats.org/markup-compatibility/2006">
-        <mc:Choice xmlns:a14="http://schemas.microsoft.com/office/drawing/2010/main" Requires="a14">
+      <mc:AlternateContent xmlns:mc="http://schemas.openxmlformats.org/markup-compatibility/2006" xmlns:a14="http://schemas.microsoft.com/office/drawing/2010/main">
+        <mc:Choice Requires="a14">
           <p:sp>
             <p:nvSpPr>
               <p:cNvPr id="6" name="ZoneTexte 5"/>
@@ -17882,6 +17598,7 @@
               </a:bodyPr>
               <a:lstStyle/>
               <a:p>
+                <a:pPr/>
                 <a14:m>
                   <m:oMathPara xmlns:m="http://purl.oclc.org/ooxml/officeDocument/math">
                     <m:oMathParaPr>
@@ -17922,7 +17639,7 @@
             </p:txBody>
           </p:sp>
         </mc:Choice>
-        <mc:Fallback>
+        <mc:Fallback xmlns:p="http://schemas.openxmlformats.org/presentationml/2006/main" xmlns:r="http://schemas.openxmlformats.org/officeDocument/2006/relationships" xmlns:a="http://schemas.openxmlformats.org/drawingml/2006/main" xmlns="">
           <p:sp>
             <p:nvSpPr>
               <p:cNvPr id="6" name="ZoneTexte 5"/>
@@ -18206,8 +17923,8 @@
           </a:p>
         </p:txBody>
       </p:sp>
-      <mc:AlternateContent xmlns:mc="http://schemas.openxmlformats.org/markup-compatibility/2006">
-        <mc:Choice xmlns:a14="http://schemas.microsoft.com/office/drawing/2010/main" Requires="a14">
+      <mc:AlternateContent xmlns:mc="http://schemas.openxmlformats.org/markup-compatibility/2006" xmlns:a14="http://schemas.microsoft.com/office/drawing/2010/main">
+        <mc:Choice Requires="a14">
           <p:sp>
             <p:nvSpPr>
               <p:cNvPr id="4" name="ZoneTexte 3"/>
@@ -18230,6 +17947,7 @@
               </a:bodyPr>
               <a:lstStyle/>
               <a:p>
+                <a:pPr/>
                 <a14:m>
                   <m:oMathPara xmlns:m="http://purl.oclc.org/ooxml/officeDocument/math">
                     <m:oMathParaPr>
@@ -18270,7 +17988,7 @@
             </p:txBody>
           </p:sp>
         </mc:Choice>
-        <mc:Fallback>
+        <mc:Fallback xmlns:p="http://schemas.openxmlformats.org/presentationml/2006/main" xmlns:r="http://schemas.openxmlformats.org/officeDocument/2006/relationships" xmlns:a="http://schemas.openxmlformats.org/drawingml/2006/main" xmlns="">
           <p:sp>
             <p:nvSpPr>
               <p:cNvPr id="4" name="ZoneTexte 3"/>
@@ -18563,8 +18281,8 @@
           </a:p>
         </p:txBody>
       </p:sp>
-      <mc:AlternateContent xmlns:mc="http://schemas.openxmlformats.org/markup-compatibility/2006">
-        <mc:Choice xmlns:a14="http://schemas.microsoft.com/office/drawing/2010/main" Requires="a14">
+      <mc:AlternateContent xmlns:mc="http://schemas.openxmlformats.org/markup-compatibility/2006" xmlns:a14="http://schemas.microsoft.com/office/drawing/2010/main">
+        <mc:Choice Requires="a14">
           <p:sp>
             <p:nvSpPr>
               <p:cNvPr id="4" name="ZoneTexte 3"/>
@@ -18587,6 +18305,7 @@
               </a:bodyPr>
               <a:lstStyle/>
               <a:p>
+                <a:pPr/>
                 <a14:m>
                   <m:oMathPara xmlns:m="http://purl.oclc.org/ooxml/officeDocument/math">
                     <m:oMathParaPr>
@@ -18627,7 +18346,7 @@
             </p:txBody>
           </p:sp>
         </mc:Choice>
-        <mc:Fallback>
+        <mc:Fallback xmlns:p="http://schemas.openxmlformats.org/presentationml/2006/main" xmlns:r="http://schemas.openxmlformats.org/officeDocument/2006/relationships" xmlns:a="http://schemas.openxmlformats.org/drawingml/2006/main" xmlns="">
           <p:sp>
             <p:nvSpPr>
               <p:cNvPr id="4" name="ZoneTexte 3"/>
@@ -18924,13 +18643,13 @@
                 <a:latin typeface="Arial" panose="020B0604020202020204" pitchFamily="34" charset="0"/>
                 <a:cs typeface="Arial" panose="020B0604020202020204" pitchFamily="34" charset="0"/>
               </a:rPr>
-              <a:t>Logiciel et environnement utiliser</a:t>
+              <a:t>Logiciel et environnement utilisé</a:t>
             </a:r>
           </a:p>
         </p:txBody>
       </p:sp>
-      <mc:AlternateContent xmlns:mc="http://schemas.openxmlformats.org/markup-compatibility/2006">
-        <mc:Choice xmlns:a14="http://schemas.microsoft.com/office/drawing/2010/main" Requires="a14">
+      <mc:AlternateContent xmlns:mc="http://schemas.openxmlformats.org/markup-compatibility/2006" xmlns:a14="http://schemas.microsoft.com/office/drawing/2010/main">
+        <mc:Choice Requires="a14">
           <p:sp>
             <p:nvSpPr>
               <p:cNvPr id="4" name="ZoneTexte 3"/>
@@ -18953,6 +18672,7 @@
               </a:bodyPr>
               <a:lstStyle/>
               <a:p>
+                <a:pPr/>
                 <a14:m>
                   <m:oMathPara xmlns:m="http://purl.oclc.org/ooxml/officeDocument/math">
                     <m:oMathParaPr>
@@ -18993,7 +18713,7 @@
             </p:txBody>
           </p:sp>
         </mc:Choice>
-        <mc:Fallback>
+        <mc:Fallback xmlns:p="http://schemas.openxmlformats.org/presentationml/2006/main" xmlns:r="http://schemas.openxmlformats.org/officeDocument/2006/relationships" xmlns:a="http://schemas.openxmlformats.org/drawingml/2006/main" xmlns="">
           <p:sp>
             <p:nvSpPr>
               <p:cNvPr id="4" name="ZoneTexte 3"/>
@@ -19290,7 +19010,7 @@
                 <a:latin typeface="Arial" panose="020B0604020202020204" pitchFamily="34" charset="0"/>
                 <a:cs typeface="Arial" panose="020B0604020202020204" pitchFamily="34" charset="0"/>
               </a:rPr>
-              <a:t>Logiciel et environnement utiliser</a:t>
+              <a:t>Logiciel et environnement utilisé</a:t>
             </a:r>
           </a:p>
           <a:p>
@@ -19304,8 +19024,8 @@
           </a:p>
         </p:txBody>
       </p:sp>
-      <mc:AlternateContent xmlns:mc="http://schemas.openxmlformats.org/markup-compatibility/2006">
-        <mc:Choice xmlns:a14="http://schemas.microsoft.com/office/drawing/2010/main" Requires="a14">
+      <mc:AlternateContent xmlns:mc="http://schemas.openxmlformats.org/markup-compatibility/2006" xmlns:a14="http://schemas.microsoft.com/office/drawing/2010/main">
+        <mc:Choice Requires="a14">
           <p:sp>
             <p:nvSpPr>
               <p:cNvPr id="4" name="ZoneTexte 3"/>
@@ -19328,6 +19048,7 @@
               </a:bodyPr>
               <a:lstStyle/>
               <a:p>
+                <a:pPr/>
                 <a14:m>
                   <m:oMathPara xmlns:m="http://purl.oclc.org/ooxml/officeDocument/math">
                     <m:oMathParaPr>
@@ -19368,7 +19089,7 @@
             </p:txBody>
           </p:sp>
         </mc:Choice>
-        <mc:Fallback>
+        <mc:Fallback xmlns:p="http://schemas.openxmlformats.org/presentationml/2006/main" xmlns:r="http://schemas.openxmlformats.org/officeDocument/2006/relationships" xmlns:a="http://schemas.openxmlformats.org/drawingml/2006/main" xmlns="">
           <p:sp>
             <p:nvSpPr>
               <p:cNvPr id="4" name="ZoneTexte 3"/>
@@ -19665,7 +19386,7 @@
                 <a:latin typeface="Arial" panose="020B0604020202020204" pitchFamily="34" charset="0"/>
                 <a:cs typeface="Arial" panose="020B0604020202020204" pitchFamily="34" charset="0"/>
               </a:rPr>
-              <a:t>Logiciel et environnement utiliser</a:t>
+              <a:t>Logiciel et environnement utilisé</a:t>
             </a:r>
           </a:p>
           <a:p>
@@ -19688,8 +19409,8 @@
           </a:p>
         </p:txBody>
       </p:sp>
-      <mc:AlternateContent xmlns:mc="http://schemas.openxmlformats.org/markup-compatibility/2006">
-        <mc:Choice xmlns:a14="http://schemas.microsoft.com/office/drawing/2010/main" Requires="a14">
+      <mc:AlternateContent xmlns:mc="http://schemas.openxmlformats.org/markup-compatibility/2006" xmlns:a14="http://schemas.microsoft.com/office/drawing/2010/main">
+        <mc:Choice Requires="a14">
           <p:sp>
             <p:nvSpPr>
               <p:cNvPr id="4" name="ZoneTexte 3"/>
@@ -19712,6 +19433,7 @@
               </a:bodyPr>
               <a:lstStyle/>
               <a:p>
+                <a:pPr/>
                 <a14:m>
                   <m:oMathPara xmlns:m="http://purl.oclc.org/ooxml/officeDocument/math">
                     <m:oMathParaPr>
@@ -19752,7 +19474,7 @@
             </p:txBody>
           </p:sp>
         </mc:Choice>
-        <mc:Fallback>
+        <mc:Fallback xmlns:p="http://schemas.openxmlformats.org/presentationml/2006/main" xmlns:r="http://schemas.openxmlformats.org/officeDocument/2006/relationships" xmlns:a="http://schemas.openxmlformats.org/drawingml/2006/main" xmlns="">
           <p:sp>
             <p:nvSpPr>
               <p:cNvPr id="4" name="ZoneTexte 3"/>
@@ -20062,8 +19784,8 @@
           </a:p>
         </p:txBody>
       </p:sp>
-      <mc:AlternateContent xmlns:mc="http://schemas.openxmlformats.org/markup-compatibility/2006">
-        <mc:Choice xmlns:a14="http://schemas.microsoft.com/office/drawing/2010/main" Requires="a14">
+      <mc:AlternateContent xmlns:mc="http://schemas.openxmlformats.org/markup-compatibility/2006" xmlns:a14="http://schemas.microsoft.com/office/drawing/2010/main">
+        <mc:Choice Requires="a14">
           <p:sp>
             <p:nvSpPr>
               <p:cNvPr id="7" name="ZoneTexte 6"/>
@@ -20086,6 +19808,7 @@
               </a:bodyPr>
               <a:lstStyle/>
               <a:p>
+                <a:pPr/>
                 <a14:m>
                   <m:oMathPara xmlns:m="http://purl.oclc.org/ooxml/officeDocument/math">
                     <m:oMathParaPr>
@@ -20126,7 +19849,7 @@
             </p:txBody>
           </p:sp>
         </mc:Choice>
-        <mc:Fallback>
+        <mc:Fallback xmlns:p="http://schemas.openxmlformats.org/presentationml/2006/main" xmlns:r="http://schemas.openxmlformats.org/officeDocument/2006/relationships" xmlns:a="http://schemas.openxmlformats.org/drawingml/2006/main" xmlns="">
           <p:sp>
             <p:nvSpPr>
               <p:cNvPr id="7" name="ZoneTexte 6"/>
@@ -20181,19 +19904,12 @@
         <p15:prstTrans prst="fracture"/>
       </p:transition>
     </mc:Choice>
-    <mc:Fallback xmlns="" xmlns:a="http://schemas.openxmlformats.org/drawingml/2006/main" xmlns:r="http://schemas.openxmlformats.org/officeDocument/2006/relationships" xmlns:p="http://schemas.openxmlformats.org/presentationml/2006/main">
+    <mc:Fallback xmlns:p="http://schemas.openxmlformats.org/presentationml/2006/main" xmlns:r="http://schemas.openxmlformats.org/officeDocument/2006/relationships" xmlns:a="http://schemas.openxmlformats.org/drawingml/2006/main" xmlns="">
       <p:transition spd="slow">
         <p:fade/>
       </p:transition>
     </mc:Fallback>
   </mc:AlternateContent>
-  <p:timing>
-    <p:tnLst>
-      <p:par>
-        <p:cTn id="1" dur="indefinite" restart="never" nodeType="tmRoot"/>
-      </p:par>
-    </p:tnLst>
-  </p:timing>
 </p:sld>
 </file>
 
